--- a/Presentation/DATS6101_Midterm_Presentation.pptx
+++ b/Presentation/DATS6101_Midterm_Presentation.pptx
@@ -4,30 +4,34 @@
   <p:sldMasterIdLst>
     <p:sldMasterId id="2147483707" r:id="rId1"/>
   </p:sldMasterIdLst>
+  <p:notesMasterIdLst>
+    <p:notesMasterId r:id="rId26"/>
+  </p:notesMasterIdLst>
   <p:sldIdLst>
     <p:sldId id="256" r:id="rId2"/>
     <p:sldId id="257" r:id="rId3"/>
     <p:sldId id="258" r:id="rId4"/>
     <p:sldId id="259" r:id="rId5"/>
     <p:sldId id="260" r:id="rId6"/>
-    <p:sldId id="261" r:id="rId7"/>
-    <p:sldId id="264" r:id="rId8"/>
-    <p:sldId id="262" r:id="rId9"/>
-    <p:sldId id="263" r:id="rId10"/>
-    <p:sldId id="265" r:id="rId11"/>
-    <p:sldId id="266" r:id="rId12"/>
-    <p:sldId id="277" r:id="rId13"/>
-    <p:sldId id="278" r:id="rId14"/>
-    <p:sldId id="267" r:id="rId15"/>
-    <p:sldId id="268" r:id="rId16"/>
-    <p:sldId id="269" r:id="rId17"/>
-    <p:sldId id="270" r:id="rId18"/>
-    <p:sldId id="271" r:id="rId19"/>
-    <p:sldId id="272" r:id="rId20"/>
-    <p:sldId id="273" r:id="rId21"/>
-    <p:sldId id="274" r:id="rId22"/>
-    <p:sldId id="275" r:id="rId23"/>
-    <p:sldId id="276" r:id="rId24"/>
+    <p:sldId id="279" r:id="rId7"/>
+    <p:sldId id="261" r:id="rId8"/>
+    <p:sldId id="264" r:id="rId9"/>
+    <p:sldId id="262" r:id="rId10"/>
+    <p:sldId id="263" r:id="rId11"/>
+    <p:sldId id="265" r:id="rId12"/>
+    <p:sldId id="266" r:id="rId13"/>
+    <p:sldId id="277" r:id="rId14"/>
+    <p:sldId id="278" r:id="rId15"/>
+    <p:sldId id="267" r:id="rId16"/>
+    <p:sldId id="268" r:id="rId17"/>
+    <p:sldId id="269" r:id="rId18"/>
+    <p:sldId id="270" r:id="rId19"/>
+    <p:sldId id="271" r:id="rId20"/>
+    <p:sldId id="272" r:id="rId21"/>
+    <p:sldId id="273" r:id="rId22"/>
+    <p:sldId id="274" r:id="rId23"/>
+    <p:sldId id="275" r:id="rId24"/>
+    <p:sldId id="276" r:id="rId25"/>
   </p:sldIdLst>
   <p:sldSz cx="12192000" cy="6858000"/>
   <p:notesSz cx="6858000" cy="9144000"/>
@@ -126,7 +130,847 @@
       </a:defRPr>
     </a:lvl9pPr>
   </p:defaultTextStyle>
+  <p:extLst>
+    <p:ext uri="{EFAFB233-063F-42B5-8137-9DF3F51BA10A}">
+      <p15:sldGuideLst xmlns:p15="http://schemas.microsoft.com/office/powerpoint/2012/main"/>
+    </p:ext>
+  </p:extLst>
 </p:presentation>
+</file>
+
+<file path=ppt/notesMasters/notesMaster1.xml><?xml version="1.0" encoding="utf-8"?>
+<p:notesMaster xmlns:a="http://schemas.openxmlformats.org/drawingml/2006/main" xmlns:r="http://schemas.openxmlformats.org/officeDocument/2006/relationships" xmlns:p="http://schemas.openxmlformats.org/presentationml/2006/main">
+  <p:cSld>
+    <p:bg>
+      <p:bgRef idx="1001">
+        <a:schemeClr val="bg1"/>
+      </p:bgRef>
+    </p:bg>
+    <p:spTree>
+      <p:nvGrpSpPr>
+        <p:cNvPr id="1" name=""/>
+        <p:cNvGrpSpPr/>
+        <p:nvPr/>
+      </p:nvGrpSpPr>
+      <p:grpSpPr>
+        <a:xfrm>
+          <a:off x="0" y="0"/>
+          <a:ext cx="0" cy="0"/>
+          <a:chOff x="0" y="0"/>
+          <a:chExt cx="0" cy="0"/>
+        </a:xfrm>
+      </p:grpSpPr>
+      <p:sp>
+        <p:nvSpPr>
+          <p:cNvPr id="2" name="Header Placeholder 1"/>
+          <p:cNvSpPr>
+            <a:spLocks noGrp="1"/>
+          </p:cNvSpPr>
+          <p:nvPr>
+            <p:ph type="hdr" sz="quarter"/>
+          </p:nvPr>
+        </p:nvSpPr>
+        <p:spPr>
+          <a:xfrm>
+            <a:off x="0" y="0"/>
+            <a:ext cx="2971800" cy="458788"/>
+          </a:xfrm>
+          <a:prstGeom prst="rect">
+            <a:avLst/>
+          </a:prstGeom>
+        </p:spPr>
+        <p:txBody>
+          <a:bodyPr vert="horz" lIns="91440" tIns="45720" rIns="91440" bIns="45720" rtlCol="0"/>
+          <a:lstStyle>
+            <a:lvl1pPr algn="l">
+              <a:defRPr sz="1200"/>
+            </a:lvl1pPr>
+          </a:lstStyle>
+          <a:p>
+            <a:endParaRPr lang="en-US"/>
+          </a:p>
+        </p:txBody>
+      </p:sp>
+      <p:sp>
+        <p:nvSpPr>
+          <p:cNvPr id="3" name="Date Placeholder 2"/>
+          <p:cNvSpPr>
+            <a:spLocks noGrp="1"/>
+          </p:cNvSpPr>
+          <p:nvPr>
+            <p:ph type="dt" idx="1"/>
+          </p:nvPr>
+        </p:nvSpPr>
+        <p:spPr>
+          <a:xfrm>
+            <a:off x="3884613" y="0"/>
+            <a:ext cx="2971800" cy="458788"/>
+          </a:xfrm>
+          <a:prstGeom prst="rect">
+            <a:avLst/>
+          </a:prstGeom>
+        </p:spPr>
+        <p:txBody>
+          <a:bodyPr vert="horz" lIns="91440" tIns="45720" rIns="91440" bIns="45720" rtlCol="0"/>
+          <a:lstStyle>
+            <a:lvl1pPr algn="r">
+              <a:defRPr sz="1200"/>
+            </a:lvl1pPr>
+          </a:lstStyle>
+          <a:p>
+            <a:fld id="{6B34E3F6-3418-41BE-939C-E65FB5693AE1}" type="datetimeFigureOut">
+              <a:rPr lang="en-US" smtClean="0"/>
+              <a:t>10/25/2023</a:t>
+            </a:fld>
+            <a:endParaRPr lang="en-US"/>
+          </a:p>
+        </p:txBody>
+      </p:sp>
+      <p:sp>
+        <p:nvSpPr>
+          <p:cNvPr id="4" name="Slide Image Placeholder 3"/>
+          <p:cNvSpPr>
+            <a:spLocks noGrp="1" noRot="1" noChangeAspect="1"/>
+          </p:cNvSpPr>
+          <p:nvPr>
+            <p:ph type="sldImg" idx="2"/>
+          </p:nvPr>
+        </p:nvSpPr>
+        <p:spPr>
+          <a:xfrm>
+            <a:off x="685800" y="1143000"/>
+            <a:ext cx="5486400" cy="3086100"/>
+          </a:xfrm>
+          <a:prstGeom prst="rect">
+            <a:avLst/>
+          </a:prstGeom>
+          <a:noFill/>
+          <a:ln w="12700">
+            <a:solidFill>
+              <a:prstClr val="black"/>
+            </a:solidFill>
+          </a:ln>
+        </p:spPr>
+        <p:txBody>
+          <a:bodyPr vert="horz" lIns="91440" tIns="45720" rIns="91440" bIns="45720" rtlCol="0" anchor="ctr"/>
+          <a:lstStyle/>
+          <a:p>
+            <a:endParaRPr lang="en-US"/>
+          </a:p>
+        </p:txBody>
+      </p:sp>
+      <p:sp>
+        <p:nvSpPr>
+          <p:cNvPr id="5" name="Notes Placeholder 4"/>
+          <p:cNvSpPr>
+            <a:spLocks noGrp="1"/>
+          </p:cNvSpPr>
+          <p:nvPr>
+            <p:ph type="body" sz="quarter" idx="3"/>
+          </p:nvPr>
+        </p:nvSpPr>
+        <p:spPr>
+          <a:xfrm>
+            <a:off x="685800" y="4400550"/>
+            <a:ext cx="5486400" cy="3600450"/>
+          </a:xfrm>
+          <a:prstGeom prst="rect">
+            <a:avLst/>
+          </a:prstGeom>
+        </p:spPr>
+        <p:txBody>
+          <a:bodyPr vert="horz" lIns="91440" tIns="45720" rIns="91440" bIns="45720" rtlCol="0"/>
+          <a:lstStyle/>
+          <a:p>
+            <a:pPr lvl="0"/>
+            <a:r>
+              <a:rPr lang="en-US"/>
+              <a:t>Click to edit Master text styles</a:t>
+            </a:r>
+          </a:p>
+          <a:p>
+            <a:pPr lvl="1"/>
+            <a:r>
+              <a:rPr lang="en-US"/>
+              <a:t>Second level</a:t>
+            </a:r>
+          </a:p>
+          <a:p>
+            <a:pPr lvl="2"/>
+            <a:r>
+              <a:rPr lang="en-US"/>
+              <a:t>Third level</a:t>
+            </a:r>
+          </a:p>
+          <a:p>
+            <a:pPr lvl="3"/>
+            <a:r>
+              <a:rPr lang="en-US"/>
+              <a:t>Fourth level</a:t>
+            </a:r>
+          </a:p>
+          <a:p>
+            <a:pPr lvl="4"/>
+            <a:r>
+              <a:rPr lang="en-US"/>
+              <a:t>Fifth level</a:t>
+            </a:r>
+          </a:p>
+        </p:txBody>
+      </p:sp>
+      <p:sp>
+        <p:nvSpPr>
+          <p:cNvPr id="6" name="Footer Placeholder 5"/>
+          <p:cNvSpPr>
+            <a:spLocks noGrp="1"/>
+          </p:cNvSpPr>
+          <p:nvPr>
+            <p:ph type="ftr" sz="quarter" idx="4"/>
+          </p:nvPr>
+        </p:nvSpPr>
+        <p:spPr>
+          <a:xfrm>
+            <a:off x="0" y="8685213"/>
+            <a:ext cx="2971800" cy="458787"/>
+          </a:xfrm>
+          <a:prstGeom prst="rect">
+            <a:avLst/>
+          </a:prstGeom>
+        </p:spPr>
+        <p:txBody>
+          <a:bodyPr vert="horz" lIns="91440" tIns="45720" rIns="91440" bIns="45720" rtlCol="0" anchor="b"/>
+          <a:lstStyle>
+            <a:lvl1pPr algn="l">
+              <a:defRPr sz="1200"/>
+            </a:lvl1pPr>
+          </a:lstStyle>
+          <a:p>
+            <a:endParaRPr lang="en-US"/>
+          </a:p>
+        </p:txBody>
+      </p:sp>
+      <p:sp>
+        <p:nvSpPr>
+          <p:cNvPr id="7" name="Slide Number Placeholder 6"/>
+          <p:cNvSpPr>
+            <a:spLocks noGrp="1"/>
+          </p:cNvSpPr>
+          <p:nvPr>
+            <p:ph type="sldNum" sz="quarter" idx="5"/>
+          </p:nvPr>
+        </p:nvSpPr>
+        <p:spPr>
+          <a:xfrm>
+            <a:off x="3884613" y="8685213"/>
+            <a:ext cx="2971800" cy="458787"/>
+          </a:xfrm>
+          <a:prstGeom prst="rect">
+            <a:avLst/>
+          </a:prstGeom>
+        </p:spPr>
+        <p:txBody>
+          <a:bodyPr vert="horz" lIns="91440" tIns="45720" rIns="91440" bIns="45720" rtlCol="0" anchor="b"/>
+          <a:lstStyle>
+            <a:lvl1pPr algn="r">
+              <a:defRPr sz="1200"/>
+            </a:lvl1pPr>
+          </a:lstStyle>
+          <a:p>
+            <a:fld id="{CF5099DE-93AA-465E-BA15-DB3F975C3B46}" type="slidenum">
+              <a:rPr lang="en-US" smtClean="0"/>
+              <a:t>‹#›</a:t>
+            </a:fld>
+            <a:endParaRPr lang="en-US"/>
+          </a:p>
+        </p:txBody>
+      </p:sp>
+    </p:spTree>
+    <p:extLst>
+      <p:ext uri="{BB962C8B-B14F-4D97-AF65-F5344CB8AC3E}">
+        <p14:creationId xmlns:p14="http://schemas.microsoft.com/office/powerpoint/2010/main" val="3020800853"/>
+      </p:ext>
+    </p:extLst>
+  </p:cSld>
+  <p:clrMap bg1="lt1" tx1="dk1" bg2="lt2" tx2="dk2" accent1="accent1" accent2="accent2" accent3="accent3" accent4="accent4" accent5="accent5" accent6="accent6" hlink="hlink" folHlink="folHlink"/>
+  <p:notesStyle>
+    <a:lvl1pPr marL="0" algn="l" defTabSz="914400" rtl="0" eaLnBrk="1" latinLnBrk="0" hangingPunct="1">
+      <a:defRPr sz="1200" kern="1200">
+        <a:solidFill>
+          <a:schemeClr val="tx1"/>
+        </a:solidFill>
+        <a:latin typeface="+mn-lt"/>
+        <a:ea typeface="+mn-ea"/>
+        <a:cs typeface="+mn-cs"/>
+      </a:defRPr>
+    </a:lvl1pPr>
+    <a:lvl2pPr marL="457200" algn="l" defTabSz="914400" rtl="0" eaLnBrk="1" latinLnBrk="0" hangingPunct="1">
+      <a:defRPr sz="1200" kern="1200">
+        <a:solidFill>
+          <a:schemeClr val="tx1"/>
+        </a:solidFill>
+        <a:latin typeface="+mn-lt"/>
+        <a:ea typeface="+mn-ea"/>
+        <a:cs typeface="+mn-cs"/>
+      </a:defRPr>
+    </a:lvl2pPr>
+    <a:lvl3pPr marL="914400" algn="l" defTabSz="914400" rtl="0" eaLnBrk="1" latinLnBrk="0" hangingPunct="1">
+      <a:defRPr sz="1200" kern="1200">
+        <a:solidFill>
+          <a:schemeClr val="tx1"/>
+        </a:solidFill>
+        <a:latin typeface="+mn-lt"/>
+        <a:ea typeface="+mn-ea"/>
+        <a:cs typeface="+mn-cs"/>
+      </a:defRPr>
+    </a:lvl3pPr>
+    <a:lvl4pPr marL="1371600" algn="l" defTabSz="914400" rtl="0" eaLnBrk="1" latinLnBrk="0" hangingPunct="1">
+      <a:defRPr sz="1200" kern="1200">
+        <a:solidFill>
+          <a:schemeClr val="tx1"/>
+        </a:solidFill>
+        <a:latin typeface="+mn-lt"/>
+        <a:ea typeface="+mn-ea"/>
+        <a:cs typeface="+mn-cs"/>
+      </a:defRPr>
+    </a:lvl4pPr>
+    <a:lvl5pPr marL="1828800" algn="l" defTabSz="914400" rtl="0" eaLnBrk="1" latinLnBrk="0" hangingPunct="1">
+      <a:defRPr sz="1200" kern="1200">
+        <a:solidFill>
+          <a:schemeClr val="tx1"/>
+        </a:solidFill>
+        <a:latin typeface="+mn-lt"/>
+        <a:ea typeface="+mn-ea"/>
+        <a:cs typeface="+mn-cs"/>
+      </a:defRPr>
+    </a:lvl5pPr>
+    <a:lvl6pPr marL="2286000" algn="l" defTabSz="914400" rtl="0" eaLnBrk="1" latinLnBrk="0" hangingPunct="1">
+      <a:defRPr sz="1200" kern="1200">
+        <a:solidFill>
+          <a:schemeClr val="tx1"/>
+        </a:solidFill>
+        <a:latin typeface="+mn-lt"/>
+        <a:ea typeface="+mn-ea"/>
+        <a:cs typeface="+mn-cs"/>
+      </a:defRPr>
+    </a:lvl6pPr>
+    <a:lvl7pPr marL="2743200" algn="l" defTabSz="914400" rtl="0" eaLnBrk="1" latinLnBrk="0" hangingPunct="1">
+      <a:defRPr sz="1200" kern="1200">
+        <a:solidFill>
+          <a:schemeClr val="tx1"/>
+        </a:solidFill>
+        <a:latin typeface="+mn-lt"/>
+        <a:ea typeface="+mn-ea"/>
+        <a:cs typeface="+mn-cs"/>
+      </a:defRPr>
+    </a:lvl7pPr>
+    <a:lvl8pPr marL="3200400" algn="l" defTabSz="914400" rtl="0" eaLnBrk="1" latinLnBrk="0" hangingPunct="1">
+      <a:defRPr sz="1200" kern="1200">
+        <a:solidFill>
+          <a:schemeClr val="tx1"/>
+        </a:solidFill>
+        <a:latin typeface="+mn-lt"/>
+        <a:ea typeface="+mn-ea"/>
+        <a:cs typeface="+mn-cs"/>
+      </a:defRPr>
+    </a:lvl8pPr>
+    <a:lvl9pPr marL="3657600" algn="l" defTabSz="914400" rtl="0" eaLnBrk="1" latinLnBrk="0" hangingPunct="1">
+      <a:defRPr sz="1200" kern="1200">
+        <a:solidFill>
+          <a:schemeClr val="tx1"/>
+        </a:solidFill>
+        <a:latin typeface="+mn-lt"/>
+        <a:ea typeface="+mn-ea"/>
+        <a:cs typeface="+mn-cs"/>
+      </a:defRPr>
+    </a:lvl9pPr>
+  </p:notesStyle>
+</p:notesMaster>
+</file>
+
+<file path=ppt/notesSlides/notesSlide1.xml><?xml version="1.0" encoding="utf-8"?>
+<p:notes xmlns:a="http://schemas.openxmlformats.org/drawingml/2006/main" xmlns:r="http://schemas.openxmlformats.org/officeDocument/2006/relationships" xmlns:p="http://schemas.openxmlformats.org/presentationml/2006/main">
+  <p:cSld>
+    <p:spTree>
+      <p:nvGrpSpPr>
+        <p:cNvPr id="1" name=""/>
+        <p:cNvGrpSpPr/>
+        <p:nvPr/>
+      </p:nvGrpSpPr>
+      <p:grpSpPr>
+        <a:xfrm>
+          <a:off x="0" y="0"/>
+          <a:ext cx="0" cy="0"/>
+          <a:chOff x="0" y="0"/>
+          <a:chExt cx="0" cy="0"/>
+        </a:xfrm>
+      </p:grpSpPr>
+      <p:sp>
+        <p:nvSpPr>
+          <p:cNvPr id="2" name="Slide Image Placeholder 1"/>
+          <p:cNvSpPr>
+            <a:spLocks noGrp="1" noRot="1" noChangeAspect="1"/>
+          </p:cNvSpPr>
+          <p:nvPr>
+            <p:ph type="sldImg"/>
+          </p:nvPr>
+        </p:nvSpPr>
+        <p:spPr/>
+      </p:sp>
+      <p:sp>
+        <p:nvSpPr>
+          <p:cNvPr id="3" name="Notes Placeholder 2"/>
+          <p:cNvSpPr>
+            <a:spLocks noGrp="1"/>
+          </p:cNvSpPr>
+          <p:nvPr>
+            <p:ph type="body" idx="1"/>
+          </p:nvPr>
+        </p:nvSpPr>
+        <p:spPr/>
+        <p:txBody>
+          <a:bodyPr/>
+          <a:lstStyle/>
+          <a:p>
+            <a:pPr marL="0" marR="0" lvl="0" indent="0" algn="l" defTabSz="914400" rtl="0" eaLnBrk="1" fontAlgn="auto" latinLnBrk="0" hangingPunct="1">
+              <a:lnSpc>
+                <a:spcPct val="100000"/>
+              </a:lnSpc>
+              <a:spcBef>
+                <a:spcPts val="0"/>
+              </a:spcBef>
+              <a:spcAft>
+                <a:spcPts val="0"/>
+              </a:spcAft>
+              <a:buClrTx/>
+              <a:buSzTx/>
+              <a:buFontTx/>
+              <a:buNone/>
+              <a:tabLst/>
+              <a:defRPr/>
+            </a:pPr>
+            <a:r>
+              <a:rPr lang="en-US" dirty="0"/>
+              <a:t>We can see that, despite purportedly containing various coefficients of high statistical significance, the linear model is fundamentally incapable of modeling binary output. For various x-values, the linear model predicts unattainable values between satisfied or neutral/dissatisfied (encoded as 1 and 0 respectively).</a:t>
+            </a:r>
+          </a:p>
+          <a:p>
+            <a:endParaRPr lang="en-US" dirty="0"/>
+          </a:p>
+        </p:txBody>
+      </p:sp>
+      <p:sp>
+        <p:nvSpPr>
+          <p:cNvPr id="4" name="Slide Number Placeholder 3"/>
+          <p:cNvSpPr>
+            <a:spLocks noGrp="1"/>
+          </p:cNvSpPr>
+          <p:nvPr>
+            <p:ph type="sldNum" sz="quarter" idx="5"/>
+          </p:nvPr>
+        </p:nvSpPr>
+        <p:spPr/>
+        <p:txBody>
+          <a:bodyPr/>
+          <a:lstStyle/>
+          <a:p>
+            <a:fld id="{CF5099DE-93AA-465E-BA15-DB3F975C3B46}" type="slidenum">
+              <a:rPr lang="en-US" smtClean="0"/>
+              <a:t>20</a:t>
+            </a:fld>
+            <a:endParaRPr lang="en-US"/>
+          </a:p>
+        </p:txBody>
+      </p:sp>
+    </p:spTree>
+    <p:extLst>
+      <p:ext uri="{BB962C8B-B14F-4D97-AF65-F5344CB8AC3E}">
+        <p14:creationId xmlns:p14="http://schemas.microsoft.com/office/powerpoint/2010/main" val="412938230"/>
+      </p:ext>
+    </p:extLst>
+  </p:cSld>
+  <p:clrMapOvr>
+    <a:masterClrMapping/>
+  </p:clrMapOvr>
+</p:notes>
+</file>
+
+<file path=ppt/notesSlides/notesSlide2.xml><?xml version="1.0" encoding="utf-8"?>
+<p:notes xmlns:a="http://schemas.openxmlformats.org/drawingml/2006/main" xmlns:r="http://schemas.openxmlformats.org/officeDocument/2006/relationships" xmlns:p="http://schemas.openxmlformats.org/presentationml/2006/main">
+  <p:cSld>
+    <p:spTree>
+      <p:nvGrpSpPr>
+        <p:cNvPr id="1" name=""/>
+        <p:cNvGrpSpPr/>
+        <p:nvPr/>
+      </p:nvGrpSpPr>
+      <p:grpSpPr>
+        <a:xfrm>
+          <a:off x="0" y="0"/>
+          <a:ext cx="0" cy="0"/>
+          <a:chOff x="0" y="0"/>
+          <a:chExt cx="0" cy="0"/>
+        </a:xfrm>
+      </p:grpSpPr>
+      <p:sp>
+        <p:nvSpPr>
+          <p:cNvPr id="2" name="Slide Image Placeholder 1"/>
+          <p:cNvSpPr>
+            <a:spLocks noGrp="1" noRot="1" noChangeAspect="1"/>
+          </p:cNvSpPr>
+          <p:nvPr>
+            <p:ph type="sldImg"/>
+          </p:nvPr>
+        </p:nvSpPr>
+        <p:spPr/>
+      </p:sp>
+      <p:sp>
+        <p:nvSpPr>
+          <p:cNvPr id="3" name="Notes Placeholder 2"/>
+          <p:cNvSpPr>
+            <a:spLocks noGrp="1"/>
+          </p:cNvSpPr>
+          <p:nvPr>
+            <p:ph type="body" idx="1"/>
+          </p:nvPr>
+        </p:nvSpPr>
+        <p:spPr/>
+        <p:txBody>
+          <a:bodyPr/>
+          <a:lstStyle/>
+          <a:p>
+            <a:endParaRPr lang="en-US" dirty="0"/>
+          </a:p>
+        </p:txBody>
+      </p:sp>
+      <p:sp>
+        <p:nvSpPr>
+          <p:cNvPr id="4" name="Slide Number Placeholder 3"/>
+          <p:cNvSpPr>
+            <a:spLocks noGrp="1"/>
+          </p:cNvSpPr>
+          <p:nvPr>
+            <p:ph type="sldNum" sz="quarter" idx="5"/>
+          </p:nvPr>
+        </p:nvSpPr>
+        <p:spPr/>
+        <p:txBody>
+          <a:bodyPr/>
+          <a:lstStyle/>
+          <a:p>
+            <a:fld id="{CF5099DE-93AA-465E-BA15-DB3F975C3B46}" type="slidenum">
+              <a:rPr lang="en-US" smtClean="0"/>
+              <a:t>22</a:t>
+            </a:fld>
+            <a:endParaRPr lang="en-US"/>
+          </a:p>
+        </p:txBody>
+      </p:sp>
+    </p:spTree>
+    <p:extLst>
+      <p:ext uri="{BB962C8B-B14F-4D97-AF65-F5344CB8AC3E}">
+        <p14:creationId xmlns:p14="http://schemas.microsoft.com/office/powerpoint/2010/main" val="3062017844"/>
+      </p:ext>
+    </p:extLst>
+  </p:cSld>
+  <p:clrMapOvr>
+    <a:masterClrMapping/>
+  </p:clrMapOvr>
+</p:notes>
+</file>
+
+<file path=ppt/notesSlides/notesSlide3.xml><?xml version="1.0" encoding="utf-8"?>
+<p:notes xmlns:a="http://schemas.openxmlformats.org/drawingml/2006/main" xmlns:r="http://schemas.openxmlformats.org/officeDocument/2006/relationships" xmlns:p="http://schemas.openxmlformats.org/presentationml/2006/main">
+  <p:cSld>
+    <p:spTree>
+      <p:nvGrpSpPr>
+        <p:cNvPr id="1" name=""/>
+        <p:cNvGrpSpPr/>
+        <p:nvPr/>
+      </p:nvGrpSpPr>
+      <p:grpSpPr>
+        <a:xfrm>
+          <a:off x="0" y="0"/>
+          <a:ext cx="0" cy="0"/>
+          <a:chOff x="0" y="0"/>
+          <a:chExt cx="0" cy="0"/>
+        </a:xfrm>
+      </p:grpSpPr>
+      <p:sp>
+        <p:nvSpPr>
+          <p:cNvPr id="2" name="Slide Image Placeholder 1"/>
+          <p:cNvSpPr>
+            <a:spLocks noGrp="1" noRot="1" noChangeAspect="1"/>
+          </p:cNvSpPr>
+          <p:nvPr>
+            <p:ph type="sldImg"/>
+          </p:nvPr>
+        </p:nvSpPr>
+        <p:spPr/>
+      </p:sp>
+      <p:sp>
+        <p:nvSpPr>
+          <p:cNvPr id="3" name="Notes Placeholder 2"/>
+          <p:cNvSpPr>
+            <a:spLocks noGrp="1"/>
+          </p:cNvSpPr>
+          <p:nvPr>
+            <p:ph type="body" idx="1"/>
+          </p:nvPr>
+        </p:nvSpPr>
+        <p:spPr/>
+        <p:txBody>
+          <a:bodyPr/>
+          <a:lstStyle/>
+          <a:p>
+            <a:pPr marL="0" indent="0">
+              <a:spcAft>
+                <a:spcPts val="600"/>
+              </a:spcAft>
+              <a:buFont typeface="Arial" panose="020B0604020202020204" pitchFamily="34" charset="0"/>
+              <a:buNone/>
+            </a:pPr>
+            <a:r>
+              <a:rPr lang="en-US" dirty="0">
+                <a:solidFill>
+                  <a:srgbClr val="333333"/>
+                </a:solidFill>
+              </a:rPr>
+              <a:t>Only flight distance has a roughly linear relationship with log odds of satisfaction. </a:t>
+            </a:r>
+          </a:p>
+          <a:p>
+            <a:pPr marL="0" indent="0">
+              <a:spcAft>
+                <a:spcPts val="600"/>
+              </a:spcAft>
+              <a:buFont typeface="Arial" panose="020B0604020202020204" pitchFamily="34" charset="0"/>
+              <a:buNone/>
+            </a:pPr>
+            <a:endParaRPr lang="en-US" dirty="0">
+              <a:solidFill>
+                <a:srgbClr val="333333"/>
+              </a:solidFill>
+            </a:endParaRPr>
+          </a:p>
+          <a:p>
+            <a:pPr marL="0" indent="0">
+              <a:spcAft>
+                <a:spcPts val="600"/>
+              </a:spcAft>
+              <a:buFont typeface="Arial" panose="020B0604020202020204" pitchFamily="34" charset="0"/>
+              <a:buNone/>
+            </a:pPr>
+            <a:r>
+              <a:rPr lang="en-US" dirty="0">
+                <a:solidFill>
+                  <a:srgbClr val="333333"/>
+                </a:solidFill>
+              </a:rPr>
+              <a:t>Age appears to have a parabolic relationship, peaking in the middle; aggressive transformations may be required to reach a linear relationship. </a:t>
+            </a:r>
+          </a:p>
+          <a:p>
+            <a:pPr marL="0" indent="0">
+              <a:spcAft>
+                <a:spcPts val="600"/>
+              </a:spcAft>
+              <a:buFont typeface="Arial" panose="020B0604020202020204" pitchFamily="34" charset="0"/>
+              <a:buNone/>
+            </a:pPr>
+            <a:endParaRPr lang="en-US" dirty="0">
+              <a:solidFill>
+                <a:srgbClr val="333333"/>
+              </a:solidFill>
+            </a:endParaRPr>
+          </a:p>
+          <a:p>
+            <a:pPr marL="0" indent="0">
+              <a:spcAft>
+                <a:spcPts val="600"/>
+              </a:spcAft>
+              <a:buFont typeface="Arial" panose="020B0604020202020204" pitchFamily="34" charset="0"/>
+              <a:buNone/>
+            </a:pPr>
+            <a:r>
+              <a:rPr lang="en-US" dirty="0">
+                <a:solidFill>
+                  <a:srgbClr val="333333"/>
+                </a:solidFill>
+              </a:rPr>
+              <a:t>Log odds for both delay statistics quickly disperse in both directions as they increase, making it difficult to conclude with certainty that a linear relationship exists.</a:t>
+            </a:r>
+          </a:p>
+          <a:p>
+            <a:endParaRPr lang="en-US" dirty="0"/>
+          </a:p>
+        </p:txBody>
+      </p:sp>
+      <p:sp>
+        <p:nvSpPr>
+          <p:cNvPr id="4" name="Slide Number Placeholder 3"/>
+          <p:cNvSpPr>
+            <a:spLocks noGrp="1"/>
+          </p:cNvSpPr>
+          <p:nvPr>
+            <p:ph type="sldNum" sz="quarter" idx="5"/>
+          </p:nvPr>
+        </p:nvSpPr>
+        <p:spPr/>
+        <p:txBody>
+          <a:bodyPr/>
+          <a:lstStyle/>
+          <a:p>
+            <a:fld id="{CF5099DE-93AA-465E-BA15-DB3F975C3B46}" type="slidenum">
+              <a:rPr lang="en-US" smtClean="0"/>
+              <a:t>23</a:t>
+            </a:fld>
+            <a:endParaRPr lang="en-US"/>
+          </a:p>
+        </p:txBody>
+      </p:sp>
+    </p:spTree>
+    <p:extLst>
+      <p:ext uri="{BB962C8B-B14F-4D97-AF65-F5344CB8AC3E}">
+        <p14:creationId xmlns:p14="http://schemas.microsoft.com/office/powerpoint/2010/main" val="1930545107"/>
+      </p:ext>
+    </p:extLst>
+  </p:cSld>
+  <p:clrMapOvr>
+    <a:masterClrMapping/>
+  </p:clrMapOvr>
+</p:notes>
+</file>
+
+<file path=ppt/notesSlides/notesSlide4.xml><?xml version="1.0" encoding="utf-8"?>
+<p:notes xmlns:a="http://schemas.openxmlformats.org/drawingml/2006/main" xmlns:r="http://schemas.openxmlformats.org/officeDocument/2006/relationships" xmlns:p="http://schemas.openxmlformats.org/presentationml/2006/main">
+  <p:cSld>
+    <p:spTree>
+      <p:nvGrpSpPr>
+        <p:cNvPr id="1" name=""/>
+        <p:cNvGrpSpPr/>
+        <p:nvPr/>
+      </p:nvGrpSpPr>
+      <p:grpSpPr>
+        <a:xfrm>
+          <a:off x="0" y="0"/>
+          <a:ext cx="0" cy="0"/>
+          <a:chOff x="0" y="0"/>
+          <a:chExt cx="0" cy="0"/>
+        </a:xfrm>
+      </p:grpSpPr>
+      <p:sp>
+        <p:nvSpPr>
+          <p:cNvPr id="2" name="Slide Image Placeholder 1"/>
+          <p:cNvSpPr>
+            <a:spLocks noGrp="1" noRot="1" noChangeAspect="1"/>
+          </p:cNvSpPr>
+          <p:nvPr>
+            <p:ph type="sldImg"/>
+          </p:nvPr>
+        </p:nvSpPr>
+        <p:spPr/>
+      </p:sp>
+      <p:sp>
+        <p:nvSpPr>
+          <p:cNvPr id="3" name="Notes Placeholder 2"/>
+          <p:cNvSpPr>
+            <a:spLocks noGrp="1"/>
+          </p:cNvSpPr>
+          <p:nvPr>
+            <p:ph type="body" idx="1"/>
+          </p:nvPr>
+        </p:nvSpPr>
+        <p:spPr/>
+        <p:txBody>
+          <a:bodyPr/>
+          <a:lstStyle/>
+          <a:p>
+            <a:pPr marL="0" indent="0">
+              <a:spcAft>
+                <a:spcPts val="600"/>
+              </a:spcAft>
+              <a:buFont typeface="Arial" panose="020B0604020202020204" pitchFamily="34" charset="0"/>
+              <a:buNone/>
+            </a:pPr>
+            <a:r>
+              <a:rPr lang="en-US" dirty="0">
+                <a:solidFill>
+                  <a:srgbClr val="333333"/>
+                </a:solidFill>
+              </a:rPr>
+              <a:t>In-flight and baggage ratings have a strikingly linear relationship with log odds; meanwhile, pre-flight and wi-fi ratings appear to have a significantly looser connection. </a:t>
+            </a:r>
+          </a:p>
+          <a:p>
+            <a:pPr marL="0" indent="0">
+              <a:spcAft>
+                <a:spcPts val="600"/>
+              </a:spcAft>
+              <a:buFont typeface="Arial" panose="020B0604020202020204" pitchFamily="34" charset="0"/>
+              <a:buNone/>
+            </a:pPr>
+            <a:endParaRPr lang="en-US" dirty="0">
+              <a:solidFill>
+                <a:srgbClr val="333333"/>
+              </a:solidFill>
+            </a:endParaRPr>
+          </a:p>
+          <a:p>
+            <a:pPr marL="0" indent="0">
+              <a:spcAft>
+                <a:spcPts val="600"/>
+              </a:spcAft>
+              <a:buFont typeface="Arial" panose="020B0604020202020204" pitchFamily="34" charset="0"/>
+              <a:buNone/>
+            </a:pPr>
+            <a:r>
+              <a:rPr lang="en-US" dirty="0">
+                <a:solidFill>
+                  <a:srgbClr val="333333"/>
+                </a:solidFill>
+              </a:rPr>
+              <a:t>We can conclude with confidence that the in-flight aggregate fulfills the linearity assumption, while the pre-flight ratings are far more obscure in that regard.</a:t>
+            </a:r>
+          </a:p>
+          <a:p>
+            <a:endParaRPr lang="en-US" dirty="0"/>
+          </a:p>
+        </p:txBody>
+      </p:sp>
+      <p:sp>
+        <p:nvSpPr>
+          <p:cNvPr id="4" name="Slide Number Placeholder 3"/>
+          <p:cNvSpPr>
+            <a:spLocks noGrp="1"/>
+          </p:cNvSpPr>
+          <p:nvPr>
+            <p:ph type="sldNum" sz="quarter" idx="5"/>
+          </p:nvPr>
+        </p:nvSpPr>
+        <p:spPr/>
+        <p:txBody>
+          <a:bodyPr/>
+          <a:lstStyle/>
+          <a:p>
+            <a:fld id="{CF5099DE-93AA-465E-BA15-DB3F975C3B46}" type="slidenum">
+              <a:rPr lang="en-US" smtClean="0"/>
+              <a:t>24</a:t>
+            </a:fld>
+            <a:endParaRPr lang="en-US"/>
+          </a:p>
+        </p:txBody>
+      </p:sp>
+    </p:spTree>
+    <p:extLst>
+      <p:ext uri="{BB962C8B-B14F-4D97-AF65-F5344CB8AC3E}">
+        <p14:creationId xmlns:p14="http://schemas.microsoft.com/office/powerpoint/2010/main" val="4090371034"/>
+      </p:ext>
+    </p:extLst>
+  </p:cSld>
+  <p:clrMapOvr>
+    <a:masterClrMapping/>
+  </p:clrMapOvr>
+</p:notes>
 </file>
 
 <file path=ppt/slideLayouts/slideLayout1.xml><?xml version="1.0" encoding="utf-8"?>
@@ -276,7 +1120,7 @@
           <a:p>
             <a:fld id="{03761809-6F03-47F0-BEFB-4449874DA55F}" type="datetimeFigureOut">
               <a:rPr lang="en-US" smtClean="0"/>
-              <a:t>10/23/2023</a:t>
+              <a:t>10/24/2023</a:t>
             </a:fld>
             <a:endParaRPr lang="en-US"/>
           </a:p>
@@ -474,7 +1318,7 @@
           <a:p>
             <a:fld id="{03761809-6F03-47F0-BEFB-4449874DA55F}" type="datetimeFigureOut">
               <a:rPr lang="en-US" smtClean="0"/>
-              <a:t>10/23/2023</a:t>
+              <a:t>10/24/2023</a:t>
             </a:fld>
             <a:endParaRPr lang="en-US"/>
           </a:p>
@@ -682,7 +1526,7 @@
           <a:p>
             <a:fld id="{03761809-6F03-47F0-BEFB-4449874DA55F}" type="datetimeFigureOut">
               <a:rPr lang="en-US" smtClean="0"/>
-              <a:t>10/23/2023</a:t>
+              <a:t>10/24/2023</a:t>
             </a:fld>
             <a:endParaRPr lang="en-US"/>
           </a:p>
@@ -880,7 +1724,7 @@
           <a:p>
             <a:fld id="{03761809-6F03-47F0-BEFB-4449874DA55F}" type="datetimeFigureOut">
               <a:rPr lang="en-US" smtClean="0"/>
-              <a:t>10/23/2023</a:t>
+              <a:t>10/24/2023</a:t>
             </a:fld>
             <a:endParaRPr lang="en-US"/>
           </a:p>
@@ -1155,7 +1999,7 @@
           <a:p>
             <a:fld id="{03761809-6F03-47F0-BEFB-4449874DA55F}" type="datetimeFigureOut">
               <a:rPr lang="en-US" smtClean="0"/>
-              <a:t>10/23/2023</a:t>
+              <a:t>10/24/2023</a:t>
             </a:fld>
             <a:endParaRPr lang="en-US"/>
           </a:p>
@@ -1420,7 +2264,7 @@
           <a:p>
             <a:fld id="{03761809-6F03-47F0-BEFB-4449874DA55F}" type="datetimeFigureOut">
               <a:rPr lang="en-US" smtClean="0"/>
-              <a:t>10/23/2023</a:t>
+              <a:t>10/24/2023</a:t>
             </a:fld>
             <a:endParaRPr lang="en-US"/>
           </a:p>
@@ -1832,7 +2676,7 @@
           <a:p>
             <a:fld id="{03761809-6F03-47F0-BEFB-4449874DA55F}" type="datetimeFigureOut">
               <a:rPr lang="en-US" smtClean="0"/>
-              <a:t>10/23/2023</a:t>
+              <a:t>10/24/2023</a:t>
             </a:fld>
             <a:endParaRPr lang="en-US"/>
           </a:p>
@@ -1973,7 +2817,7 @@
           <a:p>
             <a:fld id="{03761809-6F03-47F0-BEFB-4449874DA55F}" type="datetimeFigureOut">
               <a:rPr lang="en-US" smtClean="0"/>
-              <a:t>10/23/2023</a:t>
+              <a:t>10/24/2023</a:t>
             </a:fld>
             <a:endParaRPr lang="en-US"/>
           </a:p>
@@ -2086,7 +2930,7 @@
           <a:p>
             <a:fld id="{03761809-6F03-47F0-BEFB-4449874DA55F}" type="datetimeFigureOut">
               <a:rPr lang="en-US" smtClean="0"/>
-              <a:t>10/23/2023</a:t>
+              <a:t>10/24/2023</a:t>
             </a:fld>
             <a:endParaRPr lang="en-US"/>
           </a:p>
@@ -2397,7 +3241,7 @@
           <a:p>
             <a:fld id="{03761809-6F03-47F0-BEFB-4449874DA55F}" type="datetimeFigureOut">
               <a:rPr lang="en-US" smtClean="0"/>
-              <a:t>10/23/2023</a:t>
+              <a:t>10/24/2023</a:t>
             </a:fld>
             <a:endParaRPr lang="en-US"/>
           </a:p>
@@ -2685,7 +3529,7 @@
           <a:p>
             <a:fld id="{03761809-6F03-47F0-BEFB-4449874DA55F}" type="datetimeFigureOut">
               <a:rPr lang="en-US" smtClean="0"/>
-              <a:t>10/23/2023</a:t>
+              <a:t>10/24/2023</a:t>
             </a:fld>
             <a:endParaRPr lang="en-US"/>
           </a:p>
@@ -2926,7 +3770,7 @@
           <a:p>
             <a:fld id="{03761809-6F03-47F0-BEFB-4449874DA55F}" type="datetimeFigureOut">
               <a:rPr lang="en-US" smtClean="0"/>
-              <a:t>10/23/2023</a:t>
+              <a:t>10/24/2023</a:t>
             </a:fld>
             <a:endParaRPr lang="en-US"/>
           </a:p>
@@ -3562,7 +4406,7 @@
         <p:spPr>
           <a:xfrm>
             <a:off x="838200" y="2324100"/>
-            <a:ext cx="3484418" cy="4401205"/>
+            <a:ext cx="3962400" cy="4555093"/>
           </a:xfrm>
           <a:prstGeom prst="rect">
             <a:avLst/>
@@ -3598,7 +4442,7 @@
                 </a:solidFill>
                 <a:effectLst/>
               </a:rPr>
-              <a:t> Middle-aged passengers tend to be more satisfied than younger and older age groups.</a:t>
+              <a:t> Satisfied customers tend to be older than neutral or dissatisfied customers.</a:t>
             </a:r>
           </a:p>
           <a:p>
@@ -3625,7 +4469,7 @@
                 </a:solidFill>
                 <a:effectLst/>
               </a:rPr>
-              <a:t> Passengers traveling shorter distances seem to be more neutral or dissatisfied compared to those traveling longer distances.</a:t>
+              <a:t> Satisfied customers, on average, seem to travel longer distances.</a:t>
             </a:r>
           </a:p>
           <a:p>
@@ -3643,16 +4487,7 @@
                 </a:solidFill>
                 <a:effectLst/>
               </a:rPr>
-              <a:t>Arrival/Departure </a:t>
-            </a:r>
-            <a:r>
-              <a:rPr lang="en-US" b="0" dirty="0">
-                <a:solidFill>
-                  <a:srgbClr val="333333"/>
-                </a:solidFill>
-                <a:effectLst/>
-              </a:rPr>
-              <a:t>Delays: </a:t>
+              <a:t>Departure Delay in Minutes:</a:t>
             </a:r>
             <a:r>
               <a:rPr lang="en-US" b="0" i="0" dirty="0">
@@ -3661,18 +4496,54 @@
                 </a:solidFill>
                 <a:effectLst/>
               </a:rPr>
-              <a:t>It is difficult to discern any meaningful differences between passengers that were satisfied or neutral/dissatisfied based on arrival or departure delay durations using this method. </a:t>
-            </a:r>
+              <a:t> Flights with higher departure delays tend to have slightly more neutral or dissatisfied customers.</a:t>
+            </a:r>
+          </a:p>
+          <a:p>
+            <a:pPr marL="285750" indent="-285750" algn="l">
+              <a:spcAft>
+                <a:spcPts val="600"/>
+              </a:spcAft>
+              <a:buFont typeface="Arial" panose="020B0604020202020204" pitchFamily="34" charset="0"/>
+              <a:buChar char="•"/>
+            </a:pPr>
+            <a:r>
+              <a:rPr lang="en-US" b="0" i="1" dirty="0">
+                <a:solidFill>
+                  <a:srgbClr val="333333"/>
+                </a:solidFill>
+                <a:effectLst/>
+              </a:rPr>
+              <a:t>Arrival Delay in Minutes:</a:t>
+            </a:r>
+            <a:r>
+              <a:rPr lang="en-US" b="0" i="0" dirty="0">
+                <a:solidFill>
+                  <a:srgbClr val="333333"/>
+                </a:solidFill>
+                <a:effectLst/>
+              </a:rPr>
+              <a:t> Similarly, flights with higher arrival delays tend to have slightly more neutral or dissatisfied customers.</a:t>
+            </a:r>
+          </a:p>
+          <a:p>
+            <a:pPr marL="285750" indent="-285750">
+              <a:spcAft>
+                <a:spcPts val="600"/>
+              </a:spcAft>
+              <a:buFont typeface="Arial" panose="020B0604020202020204" pitchFamily="34" charset="0"/>
+              <a:buChar char="•"/>
+            </a:pPr>
             <a:endParaRPr lang="en-US" dirty="0"/>
           </a:p>
         </p:txBody>
       </p:sp>
       <p:pic>
         <p:nvPicPr>
-          <p:cNvPr id="6146" name="Picture 2">
-            <a:extLst>
-              <a:ext uri="{FF2B5EF4-FFF2-40B4-BE49-F238E27FC236}">
-                <a16:creationId xmlns:a16="http://schemas.microsoft.com/office/drawing/2014/main" id="{475A720F-C6B0-DD01-7931-B163DCCEC372}"/>
+          <p:cNvPr id="4098" name="Picture 2">
+            <a:extLst>
+              <a:ext uri="{FF2B5EF4-FFF2-40B4-BE49-F238E27FC236}">
+                <a16:creationId xmlns:a16="http://schemas.microsoft.com/office/drawing/2014/main" id="{A61F418E-074F-A5CE-8915-13CBE4A3686E}"/>
               </a:ext>
             </a:extLst>
           </p:cNvPr>
@@ -3696,8 +4567,8 @@
         </p:blipFill>
         <p:spPr bwMode="auto">
           <a:xfrm>
-            <a:off x="4434232" y="658368"/>
-            <a:ext cx="3878884" cy="2770632"/>
+            <a:off x="5334000" y="0"/>
+            <a:ext cx="6858000" cy="6858000"/>
           </a:xfrm>
           <a:prstGeom prst="rect">
             <a:avLst/>
@@ -3714,151 +4585,10 @@
           </a:extLst>
         </p:spPr>
       </p:pic>
-      <p:pic>
-        <p:nvPicPr>
-          <p:cNvPr id="6148" name="Picture 4">
-            <a:extLst>
-              <a:ext uri="{FF2B5EF4-FFF2-40B4-BE49-F238E27FC236}">
-                <a16:creationId xmlns:a16="http://schemas.microsoft.com/office/drawing/2014/main" id="{5E30C70C-8D0E-5736-615E-DEC616A71C63}"/>
-              </a:ext>
-            </a:extLst>
-          </p:cNvPr>
-          <p:cNvPicPr>
-            <a:picLocks noChangeAspect="1" noChangeArrowheads="1"/>
-          </p:cNvPicPr>
-          <p:nvPr/>
-        </p:nvPicPr>
-        <p:blipFill>
-          <a:blip r:embed="rId3">
-            <a:extLst>
-              <a:ext uri="{28A0092B-C50C-407E-A947-70E740481C1C}">
-                <a14:useLocalDpi xmlns:a14="http://schemas.microsoft.com/office/drawing/2010/main" val="0"/>
-              </a:ext>
-            </a:extLst>
-          </a:blip>
-          <a:srcRect/>
-          <a:stretch>
-            <a:fillRect/>
-          </a:stretch>
-        </p:blipFill>
-        <p:spPr bwMode="auto">
-          <a:xfrm>
-            <a:off x="8313116" y="664423"/>
-            <a:ext cx="3878884" cy="2770631"/>
-          </a:xfrm>
-          <a:prstGeom prst="rect">
-            <a:avLst/>
-          </a:prstGeom>
-          <a:noFill/>
-          <a:extLst>
-            <a:ext uri="{909E8E84-426E-40DD-AFC4-6F175D3DCCD1}">
-              <a14:hiddenFill xmlns:a14="http://schemas.microsoft.com/office/drawing/2010/main">
-                <a:solidFill>
-                  <a:srgbClr val="FFFFFF"/>
-                </a:solidFill>
-              </a14:hiddenFill>
-            </a:ext>
-          </a:extLst>
-        </p:spPr>
-      </p:pic>
-      <p:pic>
-        <p:nvPicPr>
-          <p:cNvPr id="6150" name="Picture 6">
-            <a:extLst>
-              <a:ext uri="{FF2B5EF4-FFF2-40B4-BE49-F238E27FC236}">
-                <a16:creationId xmlns:a16="http://schemas.microsoft.com/office/drawing/2014/main" id="{E3CFFBBE-62A4-311C-C002-643A2F7218BE}"/>
-              </a:ext>
-            </a:extLst>
-          </p:cNvPr>
-          <p:cNvPicPr>
-            <a:picLocks noChangeAspect="1" noChangeArrowheads="1"/>
-          </p:cNvPicPr>
-          <p:nvPr/>
-        </p:nvPicPr>
-        <p:blipFill>
-          <a:blip r:embed="rId4">
-            <a:extLst>
-              <a:ext uri="{28A0092B-C50C-407E-A947-70E740481C1C}">
-                <a14:useLocalDpi xmlns:a14="http://schemas.microsoft.com/office/drawing/2010/main" val="0"/>
-              </a:ext>
-            </a:extLst>
-          </a:blip>
-          <a:srcRect/>
-          <a:stretch>
-            <a:fillRect/>
-          </a:stretch>
-        </p:blipFill>
-        <p:spPr bwMode="auto">
-          <a:xfrm>
-            <a:off x="4434231" y="3578658"/>
-            <a:ext cx="3878884" cy="2770631"/>
-          </a:xfrm>
-          <a:prstGeom prst="rect">
-            <a:avLst/>
-          </a:prstGeom>
-          <a:noFill/>
-          <a:extLst>
-            <a:ext uri="{909E8E84-426E-40DD-AFC4-6F175D3DCCD1}">
-              <a14:hiddenFill xmlns:a14="http://schemas.microsoft.com/office/drawing/2010/main">
-                <a:solidFill>
-                  <a:srgbClr val="FFFFFF"/>
-                </a:solidFill>
-              </a14:hiddenFill>
-            </a:ext>
-          </a:extLst>
-        </p:spPr>
-      </p:pic>
-      <p:pic>
-        <p:nvPicPr>
-          <p:cNvPr id="6152" name="Picture 8">
-            <a:extLst>
-              <a:ext uri="{FF2B5EF4-FFF2-40B4-BE49-F238E27FC236}">
-                <a16:creationId xmlns:a16="http://schemas.microsoft.com/office/drawing/2014/main" id="{E62E7B91-A222-0F7C-7315-CC977E6223BF}"/>
-              </a:ext>
-            </a:extLst>
-          </p:cNvPr>
-          <p:cNvPicPr>
-            <a:picLocks noChangeAspect="1" noChangeArrowheads="1"/>
-          </p:cNvPicPr>
-          <p:nvPr/>
-        </p:nvPicPr>
-        <p:blipFill>
-          <a:blip r:embed="rId5">
-            <a:extLst>
-              <a:ext uri="{28A0092B-C50C-407E-A947-70E740481C1C}">
-                <a14:useLocalDpi xmlns:a14="http://schemas.microsoft.com/office/drawing/2010/main" val="0"/>
-              </a:ext>
-            </a:extLst>
-          </a:blip>
-          <a:srcRect/>
-          <a:stretch>
-            <a:fillRect/>
-          </a:stretch>
-        </p:blipFill>
-        <p:spPr bwMode="auto">
-          <a:xfrm>
-            <a:off x="8313116" y="3584712"/>
-            <a:ext cx="3878884" cy="2770631"/>
-          </a:xfrm>
-          <a:prstGeom prst="rect">
-            <a:avLst/>
-          </a:prstGeom>
-          <a:noFill/>
-          <a:extLst>
-            <a:ext uri="{909E8E84-426E-40DD-AFC4-6F175D3DCCD1}">
-              <a14:hiddenFill xmlns:a14="http://schemas.microsoft.com/office/drawing/2010/main">
-                <a:solidFill>
-                  <a:srgbClr val="FFFFFF"/>
-                </a:solidFill>
-              </a14:hiddenFill>
-            </a:ext>
-          </a:extLst>
-        </p:spPr>
-      </p:pic>
     </p:spTree>
     <p:extLst>
       <p:ext uri="{BB962C8B-B14F-4D97-AF65-F5344CB8AC3E}">
-        <p14:creationId xmlns:p14="http://schemas.microsoft.com/office/powerpoint/2010/main" val="746492296"/>
+        <p14:creationId xmlns:p14="http://schemas.microsoft.com/office/powerpoint/2010/main" val="2064252968"/>
       </p:ext>
     </p:extLst>
   </p:cSld>
@@ -3974,7 +4704,7 @@
         <p:spPr>
           <a:xfrm>
             <a:off x="838200" y="2324100"/>
-            <a:ext cx="3484418" cy="2862322"/>
+            <a:ext cx="3484418" cy="4401205"/>
           </a:xfrm>
           <a:prstGeom prst="rect">
             <a:avLst/>
@@ -3995,13 +4725,85 @@
               <a:buChar char="•"/>
             </a:pPr>
             <a:r>
+              <a:rPr lang="en-US" b="0" i="1" dirty="0">
+                <a:solidFill>
+                  <a:srgbClr val="333333"/>
+                </a:solidFill>
+                <a:effectLst/>
+              </a:rPr>
+              <a:t>Age:</a:t>
+            </a:r>
+            <a:r>
+              <a:rPr lang="en-US" b="0" i="0" dirty="0">
+                <a:solidFill>
+                  <a:srgbClr val="333333"/>
+                </a:solidFill>
+                <a:effectLst/>
+              </a:rPr>
+              <a:t> Middle-aged passengers tend to be more satisfied than younger and older age groups.</a:t>
+            </a:r>
+          </a:p>
+          <a:p>
+            <a:pPr marL="285750" indent="-285750" algn="l">
+              <a:spcAft>
+                <a:spcPts val="600"/>
+              </a:spcAft>
+              <a:buFont typeface="Arial" panose="020B0604020202020204" pitchFamily="34" charset="0"/>
+              <a:buChar char="•"/>
+            </a:pPr>
+            <a:r>
+              <a:rPr lang="en-US" b="0" i="1" dirty="0">
+                <a:solidFill>
+                  <a:srgbClr val="333333"/>
+                </a:solidFill>
+                <a:effectLst/>
+              </a:rPr>
+              <a:t>Flight Distance:</a:t>
+            </a:r>
+            <a:r>
+              <a:rPr lang="en-US" b="0" i="0" dirty="0">
+                <a:solidFill>
+                  <a:srgbClr val="333333"/>
+                </a:solidFill>
+                <a:effectLst/>
+              </a:rPr>
+              <a:t> Passengers traveling shorter distances seem to be more neutral or dissatisfied compared to those traveling longer distances.</a:t>
+            </a:r>
+          </a:p>
+          <a:p>
+            <a:pPr marL="285750" indent="-285750" algn="l">
+              <a:spcAft>
+                <a:spcPts val="600"/>
+              </a:spcAft>
+              <a:buFont typeface="Arial" panose="020B0604020202020204" pitchFamily="34" charset="0"/>
+              <a:buChar char="•"/>
+            </a:pPr>
+            <a:r>
+              <a:rPr lang="en-US" b="0" i="1" dirty="0">
+                <a:solidFill>
+                  <a:srgbClr val="333333"/>
+                </a:solidFill>
+                <a:effectLst/>
+              </a:rPr>
+              <a:t>Arrival/Departure </a:t>
+            </a:r>
+            <a:r>
               <a:rPr lang="en-US" b="0" dirty="0">
                 <a:solidFill>
                   <a:srgbClr val="333333"/>
                 </a:solidFill>
                 <a:effectLst/>
               </a:rPr>
-              <a:t>This scatter plot clearly indicates that arrival and departure delays follow a roughly similar linear trajectory, potentially indicating high correlation between these fields; differences between satisfied and neutral/dissatisfied groups are still not visually distinct.</a:t>
+              <a:t>Delays: </a:t>
+            </a:r>
+            <a:r>
+              <a:rPr lang="en-US" b="0" i="0" dirty="0">
+                <a:solidFill>
+                  <a:srgbClr val="333333"/>
+                </a:solidFill>
+                <a:effectLst/>
+              </a:rPr>
+              <a:t>It is difficult to discern any meaningful differences between passengers that were satisfied or neutral/dissatisfied based on arrival or departure delay durations using this method. </a:t>
             </a:r>
             <a:endParaRPr lang="en-US" dirty="0"/>
           </a:p>
@@ -4009,10 +4811,10 @@
       </p:sp>
       <p:pic>
         <p:nvPicPr>
-          <p:cNvPr id="7170" name="Picture 2">
-            <a:extLst>
-              <a:ext uri="{FF2B5EF4-FFF2-40B4-BE49-F238E27FC236}">
-                <a16:creationId xmlns:a16="http://schemas.microsoft.com/office/drawing/2014/main" id="{607C9DDD-FDAF-50BF-1BB3-1DB06D430FD5}"/>
+          <p:cNvPr id="6146" name="Picture 2">
+            <a:extLst>
+              <a:ext uri="{FF2B5EF4-FFF2-40B4-BE49-F238E27FC236}">
+                <a16:creationId xmlns:a16="http://schemas.microsoft.com/office/drawing/2014/main" id="{475A720F-C6B0-DD01-7931-B163DCCEC372}"/>
               </a:ext>
             </a:extLst>
           </p:cNvPr>
@@ -4036,8 +4838,8 @@
         </p:blipFill>
         <p:spPr bwMode="auto">
           <a:xfrm>
-            <a:off x="4575695" y="731982"/>
-            <a:ext cx="7551650" cy="5394036"/>
+            <a:off x="4434232" y="658368"/>
+            <a:ext cx="3878884" cy="2770632"/>
           </a:xfrm>
           <a:prstGeom prst="rect">
             <a:avLst/>
@@ -4054,79 +4856,17 @@
           </a:extLst>
         </p:spPr>
       </p:pic>
-      <p:sp>
-        <p:nvSpPr>
-          <p:cNvPr id="5" name="Isosceles Triangle 4">
-            <a:extLst>
-              <a:ext uri="{FF2B5EF4-FFF2-40B4-BE49-F238E27FC236}">
-                <a16:creationId xmlns:a16="http://schemas.microsoft.com/office/drawing/2014/main" id="{BDA734F0-DFF6-D492-D43D-43450C1E88E1}"/>
-              </a:ext>
-            </a:extLst>
-          </p:cNvPr>
-          <p:cNvSpPr/>
-          <p:nvPr/>
-        </p:nvSpPr>
-        <p:spPr>
-          <a:xfrm rot="10800000" flipH="1" flipV="1">
-            <a:off x="0" y="5724525"/>
-            <a:ext cx="4429125" cy="1133475"/>
-          </a:xfrm>
-          <a:prstGeom prst="triangle">
-            <a:avLst>
-              <a:gd name="adj" fmla="val 0"/>
-            </a:avLst>
-          </a:prstGeom>
-          <a:solidFill>
-            <a:schemeClr val="accent1">
-              <a:lumMod val="40000"/>
-              <a:lumOff val="60000"/>
-            </a:schemeClr>
-          </a:solidFill>
-          <a:ln>
-            <a:solidFill>
-              <a:schemeClr val="tx2">
-                <a:lumMod val="40000"/>
-                <a:lumOff val="60000"/>
-              </a:schemeClr>
-            </a:solidFill>
-          </a:ln>
-        </p:spPr>
-        <p:style>
-          <a:lnRef idx="2">
-            <a:schemeClr val="accent1">
-              <a:shade val="15000"/>
-            </a:schemeClr>
-          </a:lnRef>
-          <a:fillRef idx="1">
-            <a:schemeClr val="accent1"/>
-          </a:fillRef>
-          <a:effectRef idx="0">
-            <a:schemeClr val="accent1"/>
-          </a:effectRef>
-          <a:fontRef idx="minor">
-            <a:schemeClr val="lt1"/>
-          </a:fontRef>
-        </p:style>
-        <p:txBody>
-          <a:bodyPr rtlCol="0" anchor="ctr"/>
-          <a:lstStyle/>
-          <a:p>
-            <a:pPr algn="ctr"/>
-            <a:endParaRPr lang="en-US"/>
-          </a:p>
-        </p:txBody>
-      </p:sp>
       <p:pic>
         <p:nvPicPr>
-          <p:cNvPr id="6" name="Graphic 5" descr="Cloud">
-            <a:extLst>
-              <a:ext uri="{FF2B5EF4-FFF2-40B4-BE49-F238E27FC236}">
-                <a16:creationId xmlns:a16="http://schemas.microsoft.com/office/drawing/2014/main" id="{79BF84CE-F9AB-F8E2-1720-1234B40DDD6B}"/>
+          <p:cNvPr id="6148" name="Picture 4">
+            <a:extLst>
+              <a:ext uri="{FF2B5EF4-FFF2-40B4-BE49-F238E27FC236}">
+                <a16:creationId xmlns:a16="http://schemas.microsoft.com/office/drawing/2014/main" id="{5E30C70C-8D0E-5736-615E-DEC616A71C63}"/>
               </a:ext>
             </a:extLst>
           </p:cNvPr>
           <p:cNvPicPr>
-            <a:picLocks noChangeAspect="1"/>
+            <a:picLocks noChangeAspect="1" noChangeArrowheads="1"/>
           </p:cNvPicPr>
           <p:nvPr/>
         </p:nvPicPr>
@@ -4136,29 +4876,131 @@
               <a:ext uri="{28A0092B-C50C-407E-A947-70E740481C1C}">
                 <a14:useLocalDpi xmlns:a14="http://schemas.microsoft.com/office/drawing/2010/main" val="0"/>
               </a:ext>
-              <a:ext uri="{96DAC541-7B7A-43D3-8B79-37D633B846F1}">
-                <asvg:svgBlip xmlns:asvg="http://schemas.microsoft.com/office/drawing/2016/SVG/main" r:embed="rId4"/>
-              </a:ext>
             </a:extLst>
           </a:blip>
+          <a:srcRect/>
           <a:stretch>
             <a:fillRect/>
           </a:stretch>
         </p:blipFill>
-        <p:spPr>
+        <p:spPr bwMode="auto">
           <a:xfrm>
-            <a:off x="76200" y="5724525"/>
-            <a:ext cx="1333500" cy="1333500"/>
+            <a:off x="8313116" y="664423"/>
+            <a:ext cx="3878884" cy="2770631"/>
           </a:xfrm>
           <a:prstGeom prst="rect">
             <a:avLst/>
           </a:prstGeom>
+          <a:noFill/>
+          <a:extLst>
+            <a:ext uri="{909E8E84-426E-40DD-AFC4-6F175D3DCCD1}">
+              <a14:hiddenFill xmlns:a14="http://schemas.microsoft.com/office/drawing/2010/main">
+                <a:solidFill>
+                  <a:srgbClr val="FFFFFF"/>
+                </a:solidFill>
+              </a14:hiddenFill>
+            </a:ext>
+          </a:extLst>
+        </p:spPr>
+      </p:pic>
+      <p:pic>
+        <p:nvPicPr>
+          <p:cNvPr id="6150" name="Picture 6">
+            <a:extLst>
+              <a:ext uri="{FF2B5EF4-FFF2-40B4-BE49-F238E27FC236}">
+                <a16:creationId xmlns:a16="http://schemas.microsoft.com/office/drawing/2014/main" id="{E3CFFBBE-62A4-311C-C002-643A2F7218BE}"/>
+              </a:ext>
+            </a:extLst>
+          </p:cNvPr>
+          <p:cNvPicPr>
+            <a:picLocks noChangeAspect="1" noChangeArrowheads="1"/>
+          </p:cNvPicPr>
+          <p:nvPr/>
+        </p:nvPicPr>
+        <p:blipFill>
+          <a:blip r:embed="rId4">
+            <a:extLst>
+              <a:ext uri="{28A0092B-C50C-407E-A947-70E740481C1C}">
+                <a14:useLocalDpi xmlns:a14="http://schemas.microsoft.com/office/drawing/2010/main" val="0"/>
+              </a:ext>
+            </a:extLst>
+          </a:blip>
+          <a:srcRect/>
+          <a:stretch>
+            <a:fillRect/>
+          </a:stretch>
+        </p:blipFill>
+        <p:spPr bwMode="auto">
+          <a:xfrm>
+            <a:off x="4434231" y="3578658"/>
+            <a:ext cx="3878884" cy="2770631"/>
+          </a:xfrm>
+          <a:prstGeom prst="rect">
+            <a:avLst/>
+          </a:prstGeom>
+          <a:noFill/>
+          <a:extLst>
+            <a:ext uri="{909E8E84-426E-40DD-AFC4-6F175D3DCCD1}">
+              <a14:hiddenFill xmlns:a14="http://schemas.microsoft.com/office/drawing/2010/main">
+                <a:solidFill>
+                  <a:srgbClr val="FFFFFF"/>
+                </a:solidFill>
+              </a14:hiddenFill>
+            </a:ext>
+          </a:extLst>
+        </p:spPr>
+      </p:pic>
+      <p:pic>
+        <p:nvPicPr>
+          <p:cNvPr id="6152" name="Picture 8">
+            <a:extLst>
+              <a:ext uri="{FF2B5EF4-FFF2-40B4-BE49-F238E27FC236}">
+                <a16:creationId xmlns:a16="http://schemas.microsoft.com/office/drawing/2014/main" id="{E62E7B91-A222-0F7C-7315-CC977E6223BF}"/>
+              </a:ext>
+            </a:extLst>
+          </p:cNvPr>
+          <p:cNvPicPr>
+            <a:picLocks noChangeAspect="1" noChangeArrowheads="1"/>
+          </p:cNvPicPr>
+          <p:nvPr/>
+        </p:nvPicPr>
+        <p:blipFill>
+          <a:blip r:embed="rId5">
+            <a:extLst>
+              <a:ext uri="{28A0092B-C50C-407E-A947-70E740481C1C}">
+                <a14:useLocalDpi xmlns:a14="http://schemas.microsoft.com/office/drawing/2010/main" val="0"/>
+              </a:ext>
+            </a:extLst>
+          </a:blip>
+          <a:srcRect/>
+          <a:stretch>
+            <a:fillRect/>
+          </a:stretch>
+        </p:blipFill>
+        <p:spPr bwMode="auto">
+          <a:xfrm>
+            <a:off x="8313116" y="3584712"/>
+            <a:ext cx="3878884" cy="2770631"/>
+          </a:xfrm>
+          <a:prstGeom prst="rect">
+            <a:avLst/>
+          </a:prstGeom>
+          <a:noFill/>
+          <a:extLst>
+            <a:ext uri="{909E8E84-426E-40DD-AFC4-6F175D3DCCD1}">
+              <a14:hiddenFill xmlns:a14="http://schemas.microsoft.com/office/drawing/2010/main">
+                <a:solidFill>
+                  <a:srgbClr val="FFFFFF"/>
+                </a:solidFill>
+              </a14:hiddenFill>
+            </a:ext>
+          </a:extLst>
         </p:spPr>
       </p:pic>
     </p:spTree>
     <p:extLst>
       <p:ext uri="{BB962C8B-B14F-4D97-AF65-F5344CB8AC3E}">
-        <p14:creationId xmlns:p14="http://schemas.microsoft.com/office/powerpoint/2010/main" val="21273011"/>
+        <p14:creationId xmlns:p14="http://schemas.microsoft.com/office/powerpoint/2010/main" val="746492296"/>
       </p:ext>
     </p:extLst>
   </p:cSld>
@@ -4254,7 +5096,7 @@
                   </a:schemeClr>
                 </a:solidFill>
               </a:rPr>
-              <a:t>Part 3: Ordinal Variables (1/2)</a:t>
+              <a:t>Part 2: Continuous Variables </a:t>
             </a:r>
           </a:p>
         </p:txBody>
@@ -4274,7 +5116,7 @@
         <p:spPr>
           <a:xfrm>
             <a:off x="838200" y="2324100"/>
-            <a:ext cx="3484418" cy="1754326"/>
+            <a:ext cx="3484418" cy="2862322"/>
           </a:xfrm>
           <a:prstGeom prst="rect">
             <a:avLst/>
@@ -4301,12 +5143,59 @@
                 </a:solidFill>
                 <a:effectLst/>
               </a:rPr>
-              <a:t>Many of the individual ratings variables display similar distributions; we noted at this stage that transformations may be required to avoid multicollinearity concerns.</a:t>
+              <a:t>This scatter plot clearly indicates that arrival and departure delays follow a roughly similar linear trajectory, potentially indicating high correlation between these fields; differences between satisfied and neutral/dissatisfied groups are still not visually distinct.</a:t>
             </a:r>
             <a:endParaRPr lang="en-US" dirty="0"/>
           </a:p>
         </p:txBody>
       </p:sp>
+      <p:pic>
+        <p:nvPicPr>
+          <p:cNvPr id="7170" name="Picture 2">
+            <a:extLst>
+              <a:ext uri="{FF2B5EF4-FFF2-40B4-BE49-F238E27FC236}">
+                <a16:creationId xmlns:a16="http://schemas.microsoft.com/office/drawing/2014/main" id="{607C9DDD-FDAF-50BF-1BB3-1DB06D430FD5}"/>
+              </a:ext>
+            </a:extLst>
+          </p:cNvPr>
+          <p:cNvPicPr>
+            <a:picLocks noChangeAspect="1" noChangeArrowheads="1"/>
+          </p:cNvPicPr>
+          <p:nvPr/>
+        </p:nvPicPr>
+        <p:blipFill>
+          <a:blip r:embed="rId2">
+            <a:extLst>
+              <a:ext uri="{28A0092B-C50C-407E-A947-70E740481C1C}">
+                <a14:useLocalDpi xmlns:a14="http://schemas.microsoft.com/office/drawing/2010/main" val="0"/>
+              </a:ext>
+            </a:extLst>
+          </a:blip>
+          <a:srcRect/>
+          <a:stretch>
+            <a:fillRect/>
+          </a:stretch>
+        </p:blipFill>
+        <p:spPr bwMode="auto">
+          <a:xfrm>
+            <a:off x="4575695" y="731982"/>
+            <a:ext cx="7551650" cy="5394036"/>
+          </a:xfrm>
+          <a:prstGeom prst="rect">
+            <a:avLst/>
+          </a:prstGeom>
+          <a:noFill/>
+          <a:extLst>
+            <a:ext uri="{909E8E84-426E-40DD-AFC4-6F175D3DCCD1}">
+              <a14:hiddenFill xmlns:a14="http://schemas.microsoft.com/office/drawing/2010/main">
+                <a:solidFill>
+                  <a:srgbClr val="FFFFFF"/>
+                </a:solidFill>
+              </a14:hiddenFill>
+            </a:ext>
+          </a:extLst>
+        </p:spPr>
+      </p:pic>
       <p:sp>
         <p:nvSpPr>
           <p:cNvPr id="5" name="Isosceles Triangle 4">
@@ -4384,13 +5273,13 @@
           <p:nvPr/>
         </p:nvPicPr>
         <p:blipFill>
-          <a:blip r:embed="rId2">
+          <a:blip r:embed="rId3">
             <a:extLst>
               <a:ext uri="{28A0092B-C50C-407E-A947-70E740481C1C}">
                 <a14:useLocalDpi xmlns:a14="http://schemas.microsoft.com/office/drawing/2010/main" val="0"/>
               </a:ext>
               <a:ext uri="{96DAC541-7B7A-43D3-8B79-37D633B846F1}">
-                <asvg:svgBlip xmlns:asvg="http://schemas.microsoft.com/office/drawing/2016/SVG/main" r:embed="rId3"/>
+                <asvg:svgBlip xmlns:asvg="http://schemas.microsoft.com/office/drawing/2016/SVG/main" r:embed="rId4"/>
               </a:ext>
             </a:extLst>
           </a:blip>
@@ -4408,55 +5297,10 @@
           </a:prstGeom>
         </p:spPr>
       </p:pic>
-      <p:pic>
-        <p:nvPicPr>
-          <p:cNvPr id="21506" name="Picture 2">
-            <a:extLst>
-              <a:ext uri="{FF2B5EF4-FFF2-40B4-BE49-F238E27FC236}">
-                <a16:creationId xmlns:a16="http://schemas.microsoft.com/office/drawing/2014/main" id="{239F74B1-4306-F5C9-F74A-03F43EA74287}"/>
-              </a:ext>
-            </a:extLst>
-          </p:cNvPr>
-          <p:cNvPicPr>
-            <a:picLocks noChangeAspect="1" noChangeArrowheads="1"/>
-          </p:cNvPicPr>
-          <p:nvPr/>
-        </p:nvPicPr>
-        <p:blipFill rotWithShape="1">
-          <a:blip r:embed="rId4">
-            <a:extLst>
-              <a:ext uri="{28A0092B-C50C-407E-A947-70E740481C1C}">
-                <a14:useLocalDpi xmlns:a14="http://schemas.microsoft.com/office/drawing/2010/main" val="0"/>
-              </a:ext>
-            </a:extLst>
-          </a:blip>
-          <a:srcRect b="56834"/>
-          <a:stretch/>
-        </p:blipFill>
-        <p:spPr bwMode="auto">
-          <a:xfrm>
-            <a:off x="5560446" y="928212"/>
-            <a:ext cx="5793354" cy="5001576"/>
-          </a:xfrm>
-          <a:prstGeom prst="rect">
-            <a:avLst/>
-          </a:prstGeom>
-          <a:noFill/>
-          <a:extLst>
-            <a:ext uri="{909E8E84-426E-40DD-AFC4-6F175D3DCCD1}">
-              <a14:hiddenFill xmlns:a14="http://schemas.microsoft.com/office/drawing/2010/main">
-                <a:solidFill>
-                  <a:srgbClr val="FFFFFF"/>
-                </a:solidFill>
-              </a14:hiddenFill>
-            </a:ext>
-          </a:extLst>
-        </p:spPr>
-      </p:pic>
     </p:spTree>
     <p:extLst>
       <p:ext uri="{BB962C8B-B14F-4D97-AF65-F5344CB8AC3E}">
-        <p14:creationId xmlns:p14="http://schemas.microsoft.com/office/powerpoint/2010/main" val="1949322486"/>
+        <p14:creationId xmlns:p14="http://schemas.microsoft.com/office/powerpoint/2010/main" val="21273011"/>
       </p:ext>
     </p:extLst>
   </p:cSld>
@@ -4552,8 +5396,56 @@
                   </a:schemeClr>
                 </a:solidFill>
               </a:rPr>
-              <a:t>Part 3: Ordinal Variables (2/2)</a:t>
-            </a:r>
+              <a:t>Part 3: Ordinal Variables (1/2)</a:t>
+            </a:r>
+          </a:p>
+        </p:txBody>
+      </p:sp>
+      <p:sp>
+        <p:nvSpPr>
+          <p:cNvPr id="4" name="TextBox 3">
+            <a:extLst>
+              <a:ext uri="{FF2B5EF4-FFF2-40B4-BE49-F238E27FC236}">
+                <a16:creationId xmlns:a16="http://schemas.microsoft.com/office/drawing/2014/main" id="{3D8CEEDB-BA7C-AA9E-BD52-2E6B97C953D9}"/>
+              </a:ext>
+            </a:extLst>
+          </p:cNvPr>
+          <p:cNvSpPr txBox="1"/>
+          <p:nvPr/>
+        </p:nvSpPr>
+        <p:spPr>
+          <a:xfrm>
+            <a:off x="838200" y="2324100"/>
+            <a:ext cx="3484418" cy="1754326"/>
+          </a:xfrm>
+          <a:prstGeom prst="rect">
+            <a:avLst/>
+          </a:prstGeom>
+          <a:noFill/>
+        </p:spPr>
+        <p:txBody>
+          <a:bodyPr wrap="square" rtlCol="0">
+            <a:spAutoFit/>
+          </a:bodyPr>
+          <a:lstStyle/>
+          <a:p>
+            <a:pPr marL="285750" indent="-285750" algn="l">
+              <a:spcAft>
+                <a:spcPts val="600"/>
+              </a:spcAft>
+              <a:buFont typeface="Arial" panose="020B0604020202020204" pitchFamily="34" charset="0"/>
+              <a:buChar char="•"/>
+            </a:pPr>
+            <a:r>
+              <a:rPr lang="en-US" b="0" dirty="0">
+                <a:solidFill>
+                  <a:srgbClr val="333333"/>
+                </a:solidFill>
+                <a:effectLst/>
+              </a:rPr>
+              <a:t>Many of the individual ratings variables display similar distributions; we noted at this stage that transformations may be required to avoid multicollinearity concerns.</a:t>
+            </a:r>
+            <a:endParaRPr lang="en-US" dirty="0"/>
           </a:p>
         </p:txBody>
       </p:sp>
@@ -4660,6 +5552,256 @@
       </p:pic>
       <p:pic>
         <p:nvPicPr>
+          <p:cNvPr id="21506" name="Picture 2">
+            <a:extLst>
+              <a:ext uri="{FF2B5EF4-FFF2-40B4-BE49-F238E27FC236}">
+                <a16:creationId xmlns:a16="http://schemas.microsoft.com/office/drawing/2014/main" id="{239F74B1-4306-F5C9-F74A-03F43EA74287}"/>
+              </a:ext>
+            </a:extLst>
+          </p:cNvPr>
+          <p:cNvPicPr>
+            <a:picLocks noChangeAspect="1" noChangeArrowheads="1"/>
+          </p:cNvPicPr>
+          <p:nvPr/>
+        </p:nvPicPr>
+        <p:blipFill rotWithShape="1">
+          <a:blip r:embed="rId4">
+            <a:extLst>
+              <a:ext uri="{28A0092B-C50C-407E-A947-70E740481C1C}">
+                <a14:useLocalDpi xmlns:a14="http://schemas.microsoft.com/office/drawing/2010/main" val="0"/>
+              </a:ext>
+            </a:extLst>
+          </a:blip>
+          <a:srcRect b="56834"/>
+          <a:stretch/>
+        </p:blipFill>
+        <p:spPr bwMode="auto">
+          <a:xfrm>
+            <a:off x="5560446" y="928212"/>
+            <a:ext cx="5793354" cy="5001576"/>
+          </a:xfrm>
+          <a:prstGeom prst="rect">
+            <a:avLst/>
+          </a:prstGeom>
+          <a:noFill/>
+          <a:extLst>
+            <a:ext uri="{909E8E84-426E-40DD-AFC4-6F175D3DCCD1}">
+              <a14:hiddenFill xmlns:a14="http://schemas.microsoft.com/office/drawing/2010/main">
+                <a:solidFill>
+                  <a:srgbClr val="FFFFFF"/>
+                </a:solidFill>
+              </a14:hiddenFill>
+            </a:ext>
+          </a:extLst>
+        </p:spPr>
+      </p:pic>
+    </p:spTree>
+    <p:extLst>
+      <p:ext uri="{BB962C8B-B14F-4D97-AF65-F5344CB8AC3E}">
+        <p14:creationId xmlns:p14="http://schemas.microsoft.com/office/powerpoint/2010/main" val="1949322486"/>
+      </p:ext>
+    </p:extLst>
+  </p:cSld>
+  <p:clrMapOvr>
+    <a:masterClrMapping/>
+  </p:clrMapOvr>
+</p:sld>
+</file>
+
+<file path=ppt/slides/slide14.xml><?xml version="1.0" encoding="utf-8"?>
+<p:sld xmlns:a="http://schemas.openxmlformats.org/drawingml/2006/main" xmlns:r="http://schemas.openxmlformats.org/officeDocument/2006/relationships" xmlns:p="http://schemas.openxmlformats.org/presentationml/2006/main">
+  <p:cSld>
+    <p:spTree>
+      <p:nvGrpSpPr>
+        <p:cNvPr id="1" name=""/>
+        <p:cNvGrpSpPr/>
+        <p:nvPr/>
+      </p:nvGrpSpPr>
+      <p:grpSpPr>
+        <a:xfrm>
+          <a:off x="0" y="0"/>
+          <a:ext cx="0" cy="0"/>
+          <a:chOff x="0" y="0"/>
+          <a:chExt cx="0" cy="0"/>
+        </a:xfrm>
+      </p:grpSpPr>
+      <p:sp>
+        <p:nvSpPr>
+          <p:cNvPr id="2" name="Title 1">
+            <a:extLst>
+              <a:ext uri="{FF2B5EF4-FFF2-40B4-BE49-F238E27FC236}">
+                <a16:creationId xmlns:a16="http://schemas.microsoft.com/office/drawing/2014/main" id="{17C0BA54-4ED8-B0C3-AF1B-83C8A0E446B1}"/>
+              </a:ext>
+            </a:extLst>
+          </p:cNvPr>
+          <p:cNvSpPr>
+            <a:spLocks noGrp="1"/>
+          </p:cNvSpPr>
+          <p:nvPr>
+            <p:ph type="title"/>
+          </p:nvPr>
+        </p:nvSpPr>
+        <p:spPr>
+          <a:xfrm>
+            <a:off x="838200" y="365125"/>
+            <a:ext cx="3807691" cy="1325563"/>
+          </a:xfrm>
+        </p:spPr>
+        <p:txBody>
+          <a:bodyPr/>
+          <a:lstStyle/>
+          <a:p>
+            <a:r>
+              <a:rPr lang="en-US" dirty="0"/>
+              <a:t>Variable Distributions</a:t>
+            </a:r>
+          </a:p>
+        </p:txBody>
+      </p:sp>
+      <p:sp>
+        <p:nvSpPr>
+          <p:cNvPr id="3" name="TextBox 2">
+            <a:extLst>
+              <a:ext uri="{FF2B5EF4-FFF2-40B4-BE49-F238E27FC236}">
+                <a16:creationId xmlns:a16="http://schemas.microsoft.com/office/drawing/2014/main" id="{85673DAE-BE0E-D7B6-042F-3D751C34E89B}"/>
+              </a:ext>
+            </a:extLst>
+          </p:cNvPr>
+          <p:cNvSpPr txBox="1"/>
+          <p:nvPr/>
+        </p:nvSpPr>
+        <p:spPr>
+          <a:xfrm>
+            <a:off x="881063" y="1757878"/>
+            <a:ext cx="3583709" cy="369332"/>
+          </a:xfrm>
+          <a:prstGeom prst="rect">
+            <a:avLst/>
+          </a:prstGeom>
+          <a:noFill/>
+        </p:spPr>
+        <p:txBody>
+          <a:bodyPr wrap="square" rtlCol="0">
+            <a:spAutoFit/>
+          </a:bodyPr>
+          <a:lstStyle/>
+          <a:p>
+            <a:r>
+              <a:rPr lang="en-US" b="1" dirty="0">
+                <a:solidFill>
+                  <a:schemeClr val="bg1">
+                    <a:lumMod val="50000"/>
+                  </a:schemeClr>
+                </a:solidFill>
+              </a:rPr>
+              <a:t>Part 3: Ordinal Variables (2/2)</a:t>
+            </a:r>
+          </a:p>
+        </p:txBody>
+      </p:sp>
+      <p:sp>
+        <p:nvSpPr>
+          <p:cNvPr id="5" name="Isosceles Triangle 4">
+            <a:extLst>
+              <a:ext uri="{FF2B5EF4-FFF2-40B4-BE49-F238E27FC236}">
+                <a16:creationId xmlns:a16="http://schemas.microsoft.com/office/drawing/2014/main" id="{BDA734F0-DFF6-D492-D43D-43450C1E88E1}"/>
+              </a:ext>
+            </a:extLst>
+          </p:cNvPr>
+          <p:cNvSpPr/>
+          <p:nvPr/>
+        </p:nvSpPr>
+        <p:spPr>
+          <a:xfrm rot="10800000" flipH="1" flipV="1">
+            <a:off x="0" y="5724525"/>
+            <a:ext cx="4429125" cy="1133475"/>
+          </a:xfrm>
+          <a:prstGeom prst="triangle">
+            <a:avLst>
+              <a:gd name="adj" fmla="val 0"/>
+            </a:avLst>
+          </a:prstGeom>
+          <a:solidFill>
+            <a:schemeClr val="accent1">
+              <a:lumMod val="40000"/>
+              <a:lumOff val="60000"/>
+            </a:schemeClr>
+          </a:solidFill>
+          <a:ln>
+            <a:solidFill>
+              <a:schemeClr val="tx2">
+                <a:lumMod val="40000"/>
+                <a:lumOff val="60000"/>
+              </a:schemeClr>
+            </a:solidFill>
+          </a:ln>
+        </p:spPr>
+        <p:style>
+          <a:lnRef idx="2">
+            <a:schemeClr val="accent1">
+              <a:shade val="15000"/>
+            </a:schemeClr>
+          </a:lnRef>
+          <a:fillRef idx="1">
+            <a:schemeClr val="accent1"/>
+          </a:fillRef>
+          <a:effectRef idx="0">
+            <a:schemeClr val="accent1"/>
+          </a:effectRef>
+          <a:fontRef idx="minor">
+            <a:schemeClr val="lt1"/>
+          </a:fontRef>
+        </p:style>
+        <p:txBody>
+          <a:bodyPr rtlCol="0" anchor="ctr"/>
+          <a:lstStyle/>
+          <a:p>
+            <a:pPr algn="ctr"/>
+            <a:endParaRPr lang="en-US"/>
+          </a:p>
+        </p:txBody>
+      </p:sp>
+      <p:pic>
+        <p:nvPicPr>
+          <p:cNvPr id="6" name="Graphic 5" descr="Cloud">
+            <a:extLst>
+              <a:ext uri="{FF2B5EF4-FFF2-40B4-BE49-F238E27FC236}">
+                <a16:creationId xmlns:a16="http://schemas.microsoft.com/office/drawing/2014/main" id="{79BF84CE-F9AB-F8E2-1720-1234B40DDD6B}"/>
+              </a:ext>
+            </a:extLst>
+          </p:cNvPr>
+          <p:cNvPicPr>
+            <a:picLocks noChangeAspect="1"/>
+          </p:cNvPicPr>
+          <p:nvPr/>
+        </p:nvPicPr>
+        <p:blipFill>
+          <a:blip r:embed="rId2">
+            <a:extLst>
+              <a:ext uri="{28A0092B-C50C-407E-A947-70E740481C1C}">
+                <a14:useLocalDpi xmlns:a14="http://schemas.microsoft.com/office/drawing/2010/main" val="0"/>
+              </a:ext>
+              <a:ext uri="{96DAC541-7B7A-43D3-8B79-37D633B846F1}">
+                <asvg:svgBlip xmlns:asvg="http://schemas.microsoft.com/office/drawing/2016/SVG/main" r:embed="rId3"/>
+              </a:ext>
+            </a:extLst>
+          </a:blip>
+          <a:stretch>
+            <a:fillRect/>
+          </a:stretch>
+        </p:blipFill>
+        <p:spPr>
+          <a:xfrm>
+            <a:off x="76200" y="5724525"/>
+            <a:ext cx="1333500" cy="1333500"/>
+          </a:xfrm>
+          <a:prstGeom prst="rect">
+            <a:avLst/>
+          </a:prstGeom>
+        </p:spPr>
+      </p:pic>
+      <p:pic>
+        <p:nvPicPr>
           <p:cNvPr id="22530" name="Picture 2">
             <a:extLst>
               <a:ext uri="{FF2B5EF4-FFF2-40B4-BE49-F238E27FC236}">
@@ -4764,7 +5906,7 @@
 </p:sld>
 </file>
 
-<file path=ppt/slides/slide14.xml><?xml version="1.0" encoding="utf-8"?>
+<file path=ppt/slides/slide15.xml><?xml version="1.0" encoding="utf-8"?>
 <p:sld xmlns:a="http://schemas.openxmlformats.org/drawingml/2006/main" xmlns:r="http://schemas.openxmlformats.org/officeDocument/2006/relationships" xmlns:p="http://schemas.openxmlformats.org/presentationml/2006/main">
   <p:cSld>
     <p:spTree>
@@ -5434,7 +6576,7 @@
 </p:sld>
 </file>
 
-<file path=ppt/slides/slide15.xml><?xml version="1.0" encoding="utf-8"?>
+<file path=ppt/slides/slide16.xml><?xml version="1.0" encoding="utf-8"?>
 <p:sld xmlns:a="http://schemas.openxmlformats.org/drawingml/2006/main" xmlns:r="http://schemas.openxmlformats.org/officeDocument/2006/relationships" xmlns:p="http://schemas.openxmlformats.org/presentationml/2006/main">
   <p:cSld>
     <p:spTree>
@@ -5871,7 +7013,7 @@
 </p:sld>
 </file>
 
-<file path=ppt/slides/slide16.xml><?xml version="1.0" encoding="utf-8"?>
+<file path=ppt/slides/slide17.xml><?xml version="1.0" encoding="utf-8"?>
 <p:sld xmlns:a="http://schemas.openxmlformats.org/drawingml/2006/main" xmlns:r="http://schemas.openxmlformats.org/officeDocument/2006/relationships" xmlns:p="http://schemas.openxmlformats.org/presentationml/2006/main">
   <p:cSld>
     <p:spTree>
@@ -6224,7 +7366,7 @@
 </p:sld>
 </file>
 
-<file path=ppt/slides/slide17.xml><?xml version="1.0" encoding="utf-8"?>
+<file path=ppt/slides/slide18.xml><?xml version="1.0" encoding="utf-8"?>
 <p:sld xmlns:a="http://schemas.openxmlformats.org/drawingml/2006/main" xmlns:r="http://schemas.openxmlformats.org/officeDocument/2006/relationships" xmlns:p="http://schemas.openxmlformats.org/presentationml/2006/main">
   <p:cSld>
     <p:spTree>
@@ -6857,13 +7999,13 @@
           <p:nvPr>
             <p:extLst>
               <p:ext uri="{D42A27DB-BD31-4B8C-83A1-F6EECF244321}">
-                <p14:modId xmlns:p14="http://schemas.microsoft.com/office/powerpoint/2010/main" val="862075439"/>
+                <p14:modId xmlns:p14="http://schemas.microsoft.com/office/powerpoint/2010/main" val="41746278"/>
               </p:ext>
             </p:extLst>
           </p:nvPr>
         </p:nvGraphicFramePr>
         <p:xfrm>
-          <a:off x="1529933" y="3884929"/>
+          <a:off x="2302293" y="3876992"/>
           <a:ext cx="3955494" cy="2217420"/>
         </p:xfrm>
         <a:graphic>
@@ -7214,7 +8356,7 @@
       </p:graphicFrame>
       <p:pic>
         <p:nvPicPr>
-          <p:cNvPr id="9" name="Graphic 8" descr="Partial sun">
+          <p:cNvPr id="9" name="Graphic 8">
             <a:extLst>
               <a:ext uri="{FF2B5EF4-FFF2-40B4-BE49-F238E27FC236}">
                 <a16:creationId xmlns:a16="http://schemas.microsoft.com/office/drawing/2014/main" id="{465C18BD-1F72-0739-1869-DA11FF247E5F}"/>
@@ -7237,13 +8379,12 @@
               </a:ext>
             </a:extLst>
           </a:blip>
-          <a:stretch>
-            <a:fillRect/>
-          </a:stretch>
+          <a:srcRect/>
+          <a:stretch/>
         </p:blipFill>
         <p:spPr>
-          <a:xfrm>
-            <a:off x="8084066" y="875506"/>
+          <a:xfrm rot="5400000">
+            <a:off x="8084066" y="1086802"/>
             <a:ext cx="1325563" cy="1325563"/>
           </a:xfrm>
           <a:prstGeom prst="rect">
@@ -7253,7 +8394,7 @@
       </p:pic>
       <p:pic>
         <p:nvPicPr>
-          <p:cNvPr id="11" name="Graphic 10" descr="Rain">
+          <p:cNvPr id="11" name="Graphic 10">
             <a:extLst>
               <a:ext uri="{FF2B5EF4-FFF2-40B4-BE49-F238E27FC236}">
                 <a16:creationId xmlns:a16="http://schemas.microsoft.com/office/drawing/2014/main" id="{540EDEAF-F1AB-998A-93E7-7B6D36FE67FD}"/>
@@ -7276,13 +8417,12 @@
               </a:ext>
             </a:extLst>
           </a:blip>
-          <a:stretch>
-            <a:fillRect/>
-          </a:stretch>
+          <a:srcRect/>
+          <a:stretch/>
         </p:blipFill>
         <p:spPr>
-          <a:xfrm>
-            <a:off x="2844898" y="2277427"/>
+          <a:xfrm rot="5400000">
+            <a:off x="3617258" y="2551429"/>
             <a:ext cx="1325563" cy="1325563"/>
           </a:xfrm>
           <a:prstGeom prst="rect">
@@ -7304,8 +8444,8 @@
         </p:nvSpPr>
         <p:spPr>
           <a:xfrm>
-            <a:off x="1535727" y="2108200"/>
-            <a:ext cx="3949700" cy="4244975"/>
+            <a:off x="2308087" y="2551429"/>
+            <a:ext cx="3949700" cy="3793809"/>
           </a:xfrm>
           <a:prstGeom prst="roundRect">
             <a:avLst/>
@@ -7356,8 +8496,8 @@
         </p:nvSpPr>
         <p:spPr>
           <a:xfrm>
-            <a:off x="6775549" y="792163"/>
-            <a:ext cx="3949700" cy="5553075"/>
+            <a:off x="6775549" y="1086802"/>
+            <a:ext cx="3949700" cy="5258436"/>
           </a:xfrm>
           <a:prstGeom prst="roundRect">
             <a:avLst/>
@@ -7394,239 +8534,12 @@
           </a:p>
         </p:txBody>
       </p:sp>
-    </p:spTree>
-    <p:extLst>
-      <p:ext uri="{BB962C8B-B14F-4D97-AF65-F5344CB8AC3E}">
-        <p14:creationId xmlns:p14="http://schemas.microsoft.com/office/powerpoint/2010/main" val="2464092538"/>
-      </p:ext>
-    </p:extLst>
-  </p:cSld>
-  <p:clrMapOvr>
-    <a:masterClrMapping/>
-  </p:clrMapOvr>
-</p:sld>
-</file>
-
-<file path=ppt/slides/slide18.xml><?xml version="1.0" encoding="utf-8"?>
-<p:sld xmlns:a="http://schemas.openxmlformats.org/drawingml/2006/main" xmlns:r="http://schemas.openxmlformats.org/officeDocument/2006/relationships" xmlns:p="http://schemas.openxmlformats.org/presentationml/2006/main">
-  <p:cSld>
-    <p:spTree>
-      <p:nvGrpSpPr>
-        <p:cNvPr id="1" name=""/>
-        <p:cNvGrpSpPr/>
-        <p:nvPr/>
-      </p:nvGrpSpPr>
-      <p:grpSpPr>
-        <a:xfrm>
-          <a:off x="0" y="0"/>
-          <a:ext cx="0" cy="0"/>
-          <a:chOff x="0" y="0"/>
-          <a:chExt cx="0" cy="0"/>
-        </a:xfrm>
-      </p:grpSpPr>
       <p:sp>
         <p:nvSpPr>
-          <p:cNvPr id="2" name="Title 1">
-            <a:extLst>
-              <a:ext uri="{FF2B5EF4-FFF2-40B4-BE49-F238E27FC236}">
-                <a16:creationId xmlns:a16="http://schemas.microsoft.com/office/drawing/2014/main" id="{C1B5BF20-6FBB-8A26-98AA-5F714537A2BE}"/>
-              </a:ext>
-            </a:extLst>
-          </p:cNvPr>
-          <p:cNvSpPr>
-            <a:spLocks noGrp="1"/>
-          </p:cNvSpPr>
-          <p:nvPr>
-            <p:ph type="title"/>
-          </p:nvPr>
-        </p:nvSpPr>
-        <p:spPr>
-          <a:xfrm>
-            <a:off x="838200" y="365125"/>
-            <a:ext cx="4328886" cy="1325563"/>
-          </a:xfrm>
-        </p:spPr>
-        <p:txBody>
-          <a:bodyPr>
-            <a:normAutofit fontScale="90000"/>
-          </a:bodyPr>
-          <a:lstStyle/>
-          <a:p>
-            <a:r>
-              <a:rPr lang="en-US" dirty="0"/>
-              <a:t>Aggregated Ratings </a:t>
-            </a:r>
-            <a:br>
-              <a:rPr lang="en-US" dirty="0"/>
-            </a:br>
-            <a:r>
-              <a:rPr lang="en-US" dirty="0"/>
-              <a:t>Variables</a:t>
-            </a:r>
-          </a:p>
-        </p:txBody>
-      </p:sp>
-      <p:pic>
-        <p:nvPicPr>
-          <p:cNvPr id="12290" name="Picture 2">
-            <a:extLst>
-              <a:ext uri="{FF2B5EF4-FFF2-40B4-BE49-F238E27FC236}">
-                <a16:creationId xmlns:a16="http://schemas.microsoft.com/office/drawing/2014/main" id="{6E62147C-20EE-1F68-6DB0-CE9507DBC3D3}"/>
-              </a:ext>
-            </a:extLst>
-          </p:cNvPr>
-          <p:cNvPicPr>
-            <a:picLocks noChangeAspect="1" noChangeArrowheads="1"/>
-          </p:cNvPicPr>
-          <p:nvPr/>
-        </p:nvPicPr>
-        <p:blipFill>
-          <a:blip r:embed="rId2">
-            <a:extLst>
-              <a:ext uri="{28A0092B-C50C-407E-A947-70E740481C1C}">
-                <a14:useLocalDpi xmlns:a14="http://schemas.microsoft.com/office/drawing/2010/main" val="0"/>
-              </a:ext>
-            </a:extLst>
-          </a:blip>
-          <a:srcRect/>
-          <a:stretch>
-            <a:fillRect/>
-          </a:stretch>
-        </p:blipFill>
-        <p:spPr bwMode="auto">
-          <a:xfrm>
-            <a:off x="5334000" y="0"/>
-            <a:ext cx="6858000" cy="6858000"/>
-          </a:xfrm>
-          <a:prstGeom prst="rect">
-            <a:avLst/>
-          </a:prstGeom>
-          <a:noFill/>
-          <a:extLst>
-            <a:ext uri="{909E8E84-426E-40DD-AFC4-6F175D3DCCD1}">
-              <a14:hiddenFill xmlns:a14="http://schemas.microsoft.com/office/drawing/2010/main">
-                <a:solidFill>
-                  <a:srgbClr val="FFFFFF"/>
-                </a:solidFill>
-              </a14:hiddenFill>
-            </a:ext>
-          </a:extLst>
-        </p:spPr>
-      </p:pic>
-      <p:sp>
-        <p:nvSpPr>
-          <p:cNvPr id="5" name="TextBox 4">
-            <a:extLst>
-              <a:ext uri="{FF2B5EF4-FFF2-40B4-BE49-F238E27FC236}">
-                <a16:creationId xmlns:a16="http://schemas.microsoft.com/office/drawing/2014/main" id="{296BA71B-499D-3EAF-E342-D24D313C22B9}"/>
-              </a:ext>
-            </a:extLst>
-          </p:cNvPr>
-          <p:cNvSpPr txBox="1"/>
-          <p:nvPr/>
-        </p:nvSpPr>
-        <p:spPr>
-          <a:xfrm>
-            <a:off x="881063" y="1757878"/>
-            <a:ext cx="3583709" cy="369332"/>
-          </a:xfrm>
-          <a:prstGeom prst="rect">
-            <a:avLst/>
-          </a:prstGeom>
-          <a:noFill/>
-        </p:spPr>
-        <p:txBody>
-          <a:bodyPr wrap="square" rtlCol="0">
-            <a:spAutoFit/>
-          </a:bodyPr>
-          <a:lstStyle/>
-          <a:p>
-            <a:r>
-              <a:rPr lang="en-US" b="1" dirty="0">
-                <a:solidFill>
-                  <a:schemeClr val="bg1">
-                    <a:lumMod val="50000"/>
-                  </a:schemeClr>
-                </a:solidFill>
-              </a:rPr>
-              <a:t>Combined Histogram</a:t>
-            </a:r>
-          </a:p>
-        </p:txBody>
-      </p:sp>
-      <p:sp>
-        <p:nvSpPr>
-          <p:cNvPr id="6" name="TextBox 5">
-            <a:extLst>
-              <a:ext uri="{FF2B5EF4-FFF2-40B4-BE49-F238E27FC236}">
-                <a16:creationId xmlns:a16="http://schemas.microsoft.com/office/drawing/2014/main" id="{9750AE7B-DBAF-BF42-D6A7-32E38BEC747B}"/>
-              </a:ext>
-            </a:extLst>
-          </p:cNvPr>
-          <p:cNvSpPr txBox="1"/>
-          <p:nvPr/>
-        </p:nvSpPr>
-        <p:spPr>
-          <a:xfrm>
-            <a:off x="838200" y="2413337"/>
-            <a:ext cx="4067175" cy="2939266"/>
-          </a:xfrm>
-          <a:prstGeom prst="rect">
-            <a:avLst/>
-          </a:prstGeom>
-          <a:noFill/>
-        </p:spPr>
-        <p:txBody>
-          <a:bodyPr wrap="square">
-            <a:spAutoFit/>
-          </a:bodyPr>
-          <a:lstStyle/>
-          <a:p>
-            <a:pPr marL="285750" indent="-285750">
-              <a:spcAft>
-                <a:spcPts val="600"/>
-              </a:spcAft>
-              <a:buFont typeface="Arial" panose="020B0604020202020204" pitchFamily="34" charset="0"/>
-              <a:buChar char="•"/>
-            </a:pPr>
-            <a:r>
-              <a:rPr lang="en-US" dirty="0">
-                <a:solidFill>
-                  <a:srgbClr val="333333"/>
-                </a:solidFill>
-              </a:rPr>
-              <a:t>When viewing these aggregated ratings, we can see a clear separation in values</a:t>
-            </a:r>
-          </a:p>
-          <a:p>
-            <a:pPr marL="285750" indent="-285750">
-              <a:spcAft>
-                <a:spcPts val="600"/>
-              </a:spcAft>
-              <a:buFont typeface="Arial" panose="020B0604020202020204" pitchFamily="34" charset="0"/>
-              <a:buChar char="•"/>
-            </a:pPr>
-            <a:r>
-              <a:rPr lang="en-US" dirty="0"/>
-              <a:t>The two consolidated ratings variables share a weak positive correlation (correlation coefficient = </a:t>
-            </a:r>
-            <a:r>
-              <a:rPr lang="en-US" b="1" dirty="0"/>
-              <a:t>0.181</a:t>
-            </a:r>
-            <a:r>
-              <a:rPr lang="en-US" dirty="0"/>
-              <a:t>), indicating that they can be jointly included in our model without violating the collinearity assumption to a significant degree.</a:t>
-            </a:r>
-          </a:p>
-        </p:txBody>
-      </p:sp>
-      <p:sp>
-        <p:nvSpPr>
-          <p:cNvPr id="9" name="Isosceles Triangle 8">
-            <a:extLst>
-              <a:ext uri="{FF2B5EF4-FFF2-40B4-BE49-F238E27FC236}">
-                <a16:creationId xmlns:a16="http://schemas.microsoft.com/office/drawing/2014/main" id="{DF520B39-F548-48A7-9A65-9929C1F0C8B8}"/>
+          <p:cNvPr id="5" name="Isosceles Triangle 4">
+            <a:extLst>
+              <a:ext uri="{FF2B5EF4-FFF2-40B4-BE49-F238E27FC236}">
+                <a16:creationId xmlns:a16="http://schemas.microsoft.com/office/drawing/2014/main" id="{C7983EFE-E98F-32F9-453A-FA69374CD911}"/>
               </a:ext>
             </a:extLst>
           </p:cNvPr>
@@ -7634,8 +8547,8 @@
           <p:nvPr/>
         </p:nvSpPr>
         <p:spPr>
-          <a:xfrm rot="10800000" flipH="1" flipV="1">
-            <a:off x="0" y="5724525"/>
+          <a:xfrm flipH="1" flipV="1">
+            <a:off x="7762873" y="-1"/>
             <a:ext cx="4429125" cy="1133475"/>
           </a:xfrm>
           <a:prstGeom prst="triangle">
@@ -7685,10 +8598,10 @@
       </p:sp>
       <p:pic>
         <p:nvPicPr>
-          <p:cNvPr id="10" name="Graphic 9" descr="Cloud">
-            <a:extLst>
-              <a:ext uri="{FF2B5EF4-FFF2-40B4-BE49-F238E27FC236}">
-                <a16:creationId xmlns:a16="http://schemas.microsoft.com/office/drawing/2014/main" id="{5034F8E5-BB3B-571D-3247-C1C47930932C}"/>
+          <p:cNvPr id="6" name="Graphic 5" descr="Cloud">
+            <a:extLst>
+              <a:ext uri="{FF2B5EF4-FFF2-40B4-BE49-F238E27FC236}">
+                <a16:creationId xmlns:a16="http://schemas.microsoft.com/office/drawing/2014/main" id="{AE538731-EB48-2974-8337-733A99DFBAAF}"/>
               </a:ext>
             </a:extLst>
           </p:cNvPr>
@@ -7698,13 +8611,13 @@
           <p:nvPr/>
         </p:nvPicPr>
         <p:blipFill>
-          <a:blip r:embed="rId3">
+          <a:blip r:embed="rId6">
             <a:extLst>
               <a:ext uri="{28A0092B-C50C-407E-A947-70E740481C1C}">
                 <a14:useLocalDpi xmlns:a14="http://schemas.microsoft.com/office/drawing/2010/main" val="0"/>
               </a:ext>
               <a:ext uri="{96DAC541-7B7A-43D3-8B79-37D633B846F1}">
-                <asvg:svgBlip xmlns:asvg="http://schemas.microsoft.com/office/drawing/2016/SVG/main" r:embed="rId4"/>
+                <asvg:svgBlip xmlns:asvg="http://schemas.microsoft.com/office/drawing/2016/SVG/main" r:embed="rId7"/>
               </a:ext>
             </a:extLst>
           </a:blip>
@@ -7714,7 +8627,7 @@
         </p:blipFill>
         <p:spPr>
           <a:xfrm>
-            <a:off x="76200" y="5724525"/>
+            <a:off x="10858500" y="-225426"/>
             <a:ext cx="1333500" cy="1333500"/>
           </a:xfrm>
           <a:prstGeom prst="rect">
@@ -7722,10 +8635,240 @@
           </a:prstGeom>
         </p:spPr>
       </p:pic>
+      <p:pic>
+        <p:nvPicPr>
+          <p:cNvPr id="8" name="Graphic 7" descr="Call center">
+            <a:extLst>
+              <a:ext uri="{FF2B5EF4-FFF2-40B4-BE49-F238E27FC236}">
+                <a16:creationId xmlns:a16="http://schemas.microsoft.com/office/drawing/2014/main" id="{98681661-3B30-DDCE-1BBC-4BADBB6D073C}"/>
+              </a:ext>
+            </a:extLst>
+          </p:cNvPr>
+          <p:cNvPicPr>
+            <a:picLocks noChangeAspect="1"/>
+          </p:cNvPicPr>
+          <p:nvPr/>
+        </p:nvPicPr>
+        <p:blipFill>
+          <a:blip r:embed="rId8">
+            <a:extLst>
+              <a:ext uri="{28A0092B-C50C-407E-A947-70E740481C1C}">
+                <a14:useLocalDpi xmlns:a14="http://schemas.microsoft.com/office/drawing/2010/main" val="0"/>
+              </a:ext>
+              <a:ext uri="{96DAC541-7B7A-43D3-8B79-37D633B846F1}">
+                <asvg:svgBlip xmlns:asvg="http://schemas.microsoft.com/office/drawing/2016/SVG/main" r:embed="rId9"/>
+              </a:ext>
+            </a:extLst>
+          </a:blip>
+          <a:stretch>
+            <a:fillRect/>
+          </a:stretch>
+        </p:blipFill>
+        <p:spPr>
+          <a:xfrm>
+            <a:off x="91609" y="5888038"/>
+            <a:ext cx="914400" cy="914400"/>
+          </a:xfrm>
+          <a:prstGeom prst="rect">
+            <a:avLst/>
+          </a:prstGeom>
+        </p:spPr>
+      </p:pic>
+      <p:sp>
+        <p:nvSpPr>
+          <p:cNvPr id="10" name="Speech Bubble: Oval 9">
+            <a:extLst>
+              <a:ext uri="{FF2B5EF4-FFF2-40B4-BE49-F238E27FC236}">
+                <a16:creationId xmlns:a16="http://schemas.microsoft.com/office/drawing/2014/main" id="{B683A4F8-9989-FC9A-AF8C-B75F50D20EFF}"/>
+              </a:ext>
+            </a:extLst>
+          </p:cNvPr>
+          <p:cNvSpPr/>
+          <p:nvPr/>
+        </p:nvSpPr>
+        <p:spPr>
+          <a:xfrm>
+            <a:off x="292354" y="4959350"/>
+            <a:ext cx="1358900" cy="808038"/>
+          </a:xfrm>
+          <a:prstGeom prst="wedgeEllipseCallout">
+            <a:avLst/>
+          </a:prstGeom>
+          <a:solidFill>
+            <a:schemeClr val="bg1">
+              <a:lumMod val="95000"/>
+            </a:schemeClr>
+          </a:solidFill>
+          <a:ln>
+            <a:solidFill>
+              <a:schemeClr val="bg1">
+                <a:lumMod val="85000"/>
+              </a:schemeClr>
+            </a:solidFill>
+          </a:ln>
+        </p:spPr>
+        <p:style>
+          <a:lnRef idx="2">
+            <a:schemeClr val="accent1">
+              <a:shade val="15000"/>
+            </a:schemeClr>
+          </a:lnRef>
+          <a:fillRef idx="1">
+            <a:schemeClr val="accent1"/>
+          </a:fillRef>
+          <a:effectRef idx="0">
+            <a:schemeClr val="accent1"/>
+          </a:effectRef>
+          <a:fontRef idx="minor">
+            <a:schemeClr val="lt1"/>
+          </a:fontRef>
+        </p:style>
+        <p:txBody>
+          <a:bodyPr rtlCol="0" anchor="ctr"/>
+          <a:lstStyle/>
+          <a:p>
+            <a:pPr algn="ctr"/>
+            <a:endParaRPr lang="en-US"/>
+          </a:p>
+        </p:txBody>
+      </p:sp>
+      <p:cxnSp>
+        <p:nvCxnSpPr>
+          <p:cNvPr id="15" name="Straight Arrow Connector 14">
+            <a:extLst>
+              <a:ext uri="{FF2B5EF4-FFF2-40B4-BE49-F238E27FC236}">
+                <a16:creationId xmlns:a16="http://schemas.microsoft.com/office/drawing/2014/main" id="{483B7BC5-3B31-E566-2B61-55516537EB0B}"/>
+              </a:ext>
+            </a:extLst>
+          </p:cNvPr>
+          <p:cNvCxnSpPr/>
+          <p:nvPr/>
+        </p:nvCxnSpPr>
+        <p:spPr>
+          <a:xfrm>
+            <a:off x="943677" y="5363369"/>
+            <a:ext cx="420624" cy="254794"/>
+          </a:xfrm>
+          <a:prstGeom prst="straightConnector1">
+            <a:avLst/>
+          </a:prstGeom>
+          <a:ln w="38100">
+            <a:solidFill>
+              <a:schemeClr val="bg1">
+                <a:lumMod val="65000"/>
+              </a:schemeClr>
+            </a:solidFill>
+            <a:tailEnd type="triangle"/>
+          </a:ln>
+        </p:spPr>
+        <p:style>
+          <a:lnRef idx="1">
+            <a:schemeClr val="accent1"/>
+          </a:lnRef>
+          <a:fillRef idx="0">
+            <a:schemeClr val="accent1"/>
+          </a:fillRef>
+          <a:effectRef idx="0">
+            <a:schemeClr val="accent1"/>
+          </a:effectRef>
+          <a:fontRef idx="minor">
+            <a:schemeClr val="tx1"/>
+          </a:fontRef>
+        </p:style>
+      </p:cxnSp>
+      <p:cxnSp>
+        <p:nvCxnSpPr>
+          <p:cNvPr id="16" name="Straight Arrow Connector 15">
+            <a:extLst>
+              <a:ext uri="{FF2B5EF4-FFF2-40B4-BE49-F238E27FC236}">
+                <a16:creationId xmlns:a16="http://schemas.microsoft.com/office/drawing/2014/main" id="{E0BD7D46-7A29-1AA1-F833-1DA41EE2D52E}"/>
+              </a:ext>
+            </a:extLst>
+          </p:cNvPr>
+          <p:cNvCxnSpPr>
+            <a:cxnSpLocks/>
+          </p:cNvCxnSpPr>
+          <p:nvPr/>
+        </p:nvCxnSpPr>
+        <p:spPr>
+          <a:xfrm flipV="1">
+            <a:off x="942975" y="5127625"/>
+            <a:ext cx="422184" cy="235744"/>
+          </a:xfrm>
+          <a:prstGeom prst="straightConnector1">
+            <a:avLst/>
+          </a:prstGeom>
+          <a:ln w="38100">
+            <a:solidFill>
+              <a:schemeClr val="bg1">
+                <a:lumMod val="65000"/>
+              </a:schemeClr>
+            </a:solidFill>
+            <a:tailEnd type="triangle"/>
+          </a:ln>
+        </p:spPr>
+        <p:style>
+          <a:lnRef idx="1">
+            <a:schemeClr val="accent1"/>
+          </a:lnRef>
+          <a:fillRef idx="0">
+            <a:schemeClr val="accent1"/>
+          </a:fillRef>
+          <a:effectRef idx="0">
+            <a:schemeClr val="accent1"/>
+          </a:effectRef>
+          <a:fontRef idx="minor">
+            <a:schemeClr val="tx1"/>
+          </a:fontRef>
+        </p:style>
+      </p:cxnSp>
+      <p:cxnSp>
+        <p:nvCxnSpPr>
+          <p:cNvPr id="20" name="Straight Connector 19">
+            <a:extLst>
+              <a:ext uri="{FF2B5EF4-FFF2-40B4-BE49-F238E27FC236}">
+                <a16:creationId xmlns:a16="http://schemas.microsoft.com/office/drawing/2014/main" id="{E2F04B4D-820C-8268-A41E-B1738B42D9BF}"/>
+              </a:ext>
+            </a:extLst>
+          </p:cNvPr>
+          <p:cNvCxnSpPr/>
+          <p:nvPr/>
+        </p:nvCxnSpPr>
+        <p:spPr>
+          <a:xfrm flipH="1">
+            <a:off x="554831" y="5363369"/>
+            <a:ext cx="388144" cy="0"/>
+          </a:xfrm>
+          <a:prstGeom prst="line">
+            <a:avLst/>
+          </a:prstGeom>
+          <a:ln w="38100" cap="rnd">
+            <a:solidFill>
+              <a:schemeClr val="bg1">
+                <a:lumMod val="65000"/>
+              </a:schemeClr>
+            </a:solidFill>
+          </a:ln>
+        </p:spPr>
+        <p:style>
+          <a:lnRef idx="1">
+            <a:schemeClr val="accent1"/>
+          </a:lnRef>
+          <a:fillRef idx="0">
+            <a:schemeClr val="accent1"/>
+          </a:fillRef>
+          <a:effectRef idx="0">
+            <a:schemeClr val="accent1"/>
+          </a:effectRef>
+          <a:fontRef idx="minor">
+            <a:schemeClr val="tx1"/>
+          </a:fontRef>
+        </p:style>
+      </p:cxnSp>
     </p:spTree>
     <p:extLst>
       <p:ext uri="{BB962C8B-B14F-4D97-AF65-F5344CB8AC3E}">
-        <p14:creationId xmlns:p14="http://schemas.microsoft.com/office/powerpoint/2010/main" val="3786834488"/>
+        <p14:creationId xmlns:p14="http://schemas.microsoft.com/office/powerpoint/2010/main" val="2464092538"/>
       </p:ext>
     </p:extLst>
   </p:cSld>
@@ -7757,7 +8900,7 @@
           <p:cNvPr id="2" name="Title 1">
             <a:extLst>
               <a:ext uri="{FF2B5EF4-FFF2-40B4-BE49-F238E27FC236}">
-                <a16:creationId xmlns:a16="http://schemas.microsoft.com/office/drawing/2014/main" id="{2DCA80F4-B316-38EA-4CCE-BF951290DAF7}"/>
+                <a16:creationId xmlns:a16="http://schemas.microsoft.com/office/drawing/2014/main" id="{C1B5BF20-6FBB-8A26-98AA-5F714537A2BE}"/>
               </a:ext>
             </a:extLst>
           </p:cNvPr>
@@ -7771,117 +8914,35 @@
         <p:spPr>
           <a:xfrm>
             <a:off x="838200" y="365125"/>
-            <a:ext cx="4857750" cy="1325563"/>
+            <a:ext cx="4328886" cy="1325563"/>
           </a:xfrm>
         </p:spPr>
         <p:txBody>
-          <a:bodyPr/>
-          <a:lstStyle/>
-          <a:p>
-            <a:r>
-              <a:rPr lang="en-US" dirty="0"/>
-              <a:t>Ruling Out the Linear Model</a:t>
-            </a:r>
-          </a:p>
-        </p:txBody>
-      </p:sp>
-      <p:sp>
-        <p:nvSpPr>
-          <p:cNvPr id="3" name="TextBox 2">
-            <a:extLst>
-              <a:ext uri="{FF2B5EF4-FFF2-40B4-BE49-F238E27FC236}">
-                <a16:creationId xmlns:a16="http://schemas.microsoft.com/office/drawing/2014/main" id="{A74F6AA0-D4F1-DE1B-29CC-D5686C20066B}"/>
-              </a:ext>
-            </a:extLst>
-          </p:cNvPr>
-          <p:cNvSpPr txBox="1"/>
-          <p:nvPr/>
-        </p:nvSpPr>
-        <p:spPr>
-          <a:xfrm>
-            <a:off x="838200" y="1835214"/>
-            <a:ext cx="4330700" cy="4047262"/>
-          </a:xfrm>
-          <a:prstGeom prst="rect">
-            <a:avLst/>
-          </a:prstGeom>
-          <a:noFill/>
-        </p:spPr>
-        <p:txBody>
-          <a:bodyPr wrap="square">
-            <a:spAutoFit/>
+          <a:bodyPr>
+            <a:normAutofit fontScale="90000"/>
           </a:bodyPr>
           <a:lstStyle/>
           <a:p>
-            <a:pPr marL="285750" indent="-285750">
-              <a:spcAft>
-                <a:spcPts val="600"/>
-              </a:spcAft>
-              <a:buFont typeface="Arial" panose="020B0604020202020204" pitchFamily="34" charset="0"/>
-              <a:buChar char="•"/>
-            </a:pPr>
-            <a:r>
-              <a:rPr lang="en-US" dirty="0">
-                <a:solidFill>
-                  <a:srgbClr val="333333"/>
-                </a:solidFill>
-              </a:rPr>
-              <a:t>Before engaging in further analysis, we first identified that </a:t>
-            </a:r>
-            <a:r>
-              <a:rPr lang="en-US" b="1" dirty="0">
-                <a:solidFill>
-                  <a:srgbClr val="333333"/>
-                </a:solidFill>
-              </a:rPr>
-              <a:t>satisfaction</a:t>
-            </a:r>
-            <a:r>
-              <a:rPr lang="en-US" dirty="0">
-                <a:solidFill>
-                  <a:srgbClr val="333333"/>
-                </a:solidFill>
-              </a:rPr>
-              <a:t>—as a categorical/binary variable—</a:t>
-            </a:r>
-            <a:r>
-              <a:rPr lang="en-US" b="1" dirty="0">
-                <a:solidFill>
-                  <a:srgbClr val="333333"/>
-                </a:solidFill>
-              </a:rPr>
-              <a:t>cannot be reliably predicted through a linear model</a:t>
-            </a:r>
-            <a:r>
-              <a:rPr lang="en-US" dirty="0">
-                <a:solidFill>
-                  <a:srgbClr val="333333"/>
-                </a:solidFill>
-              </a:rPr>
-              <a:t>. We created a rough initial model to demonstrate this roadblock.</a:t>
-            </a:r>
-          </a:p>
-          <a:p>
-            <a:pPr marL="285750" indent="-285750">
-              <a:spcAft>
-                <a:spcPts val="600"/>
-              </a:spcAft>
-              <a:buFont typeface="Arial" panose="020B0604020202020204" pitchFamily="34" charset="0"/>
-              <a:buChar char="•"/>
-            </a:pPr>
             <a:r>
               <a:rPr lang="en-US" dirty="0"/>
-              <a:t>We can see that, despite purportedly containing various coefficients of high statistical significance, the linear model is fundamentally incapable of modeling binary output. For various x-values, the linear model predicts unattainable values between satisfied or neutral/dissatisfied (encoded as 1 and 0 respectively).</a:t>
+              <a:t>Aggregated Ratings </a:t>
+            </a:r>
+            <a:br>
+              <a:rPr lang="en-US" dirty="0"/>
+            </a:br>
+            <a:r>
+              <a:rPr lang="en-US" dirty="0"/>
+              <a:t>Variables</a:t>
             </a:r>
           </a:p>
         </p:txBody>
       </p:sp>
       <p:pic>
         <p:nvPicPr>
-          <p:cNvPr id="13314" name="Picture 2">
-            <a:extLst>
-              <a:ext uri="{FF2B5EF4-FFF2-40B4-BE49-F238E27FC236}">
-                <a16:creationId xmlns:a16="http://schemas.microsoft.com/office/drawing/2014/main" id="{48BF37C5-CEF4-4B33-3A06-B8BE48DBAA18}"/>
+          <p:cNvPr id="12290" name="Picture 2">
+            <a:extLst>
+              <a:ext uri="{FF2B5EF4-FFF2-40B4-BE49-F238E27FC236}">
+                <a16:creationId xmlns:a16="http://schemas.microsoft.com/office/drawing/2014/main" id="{6E62147C-20EE-1F68-6DB0-CE9507DBC3D3}"/>
               </a:ext>
             </a:extLst>
           </p:cNvPr>
@@ -7905,8 +8966,8 @@
         </p:blipFill>
         <p:spPr bwMode="auto">
           <a:xfrm>
-            <a:off x="5419725" y="143328"/>
-            <a:ext cx="6571344" cy="6571344"/>
+            <a:off x="5334000" y="0"/>
+            <a:ext cx="6858000" cy="6858000"/>
           </a:xfrm>
           <a:prstGeom prst="rect">
             <a:avLst/>
@@ -7925,476 +8986,118 @@
       </p:pic>
       <p:sp>
         <p:nvSpPr>
-          <p:cNvPr id="4" name="Rectangle 3">
-            <a:extLst>
-              <a:ext uri="{FF2B5EF4-FFF2-40B4-BE49-F238E27FC236}">
-                <a16:creationId xmlns:a16="http://schemas.microsoft.com/office/drawing/2014/main" id="{DB4523F8-9A24-9895-AF51-C0538884D0B1}"/>
-              </a:ext>
-            </a:extLst>
-          </p:cNvPr>
-          <p:cNvSpPr>
-            <a:spLocks noChangeArrowheads="1"/>
-          </p:cNvSpPr>
+          <p:cNvPr id="5" name="TextBox 4">
+            <a:extLst>
+              <a:ext uri="{FF2B5EF4-FFF2-40B4-BE49-F238E27FC236}">
+                <a16:creationId xmlns:a16="http://schemas.microsoft.com/office/drawing/2014/main" id="{296BA71B-499D-3EAF-E342-D24D313C22B9}"/>
+              </a:ext>
+            </a:extLst>
+          </p:cNvPr>
+          <p:cNvSpPr txBox="1"/>
           <p:nvPr/>
         </p:nvSpPr>
-        <p:spPr bwMode="auto">
+        <p:spPr>
           <a:xfrm>
-            <a:off x="6261102" y="1166405"/>
-            <a:ext cx="3350276" cy="1787649"/>
+            <a:off x="881063" y="1757878"/>
+            <a:ext cx="3583709" cy="369332"/>
           </a:xfrm>
           <a:prstGeom prst="rect">
             <a:avLst/>
           </a:prstGeom>
-          <a:solidFill>
-            <a:srgbClr val="FFFFFF"/>
-          </a:solidFill>
-          <a:ln>
-            <a:noFill/>
-          </a:ln>
-          <a:effectLst/>
-          <a:extLst>
-            <a:ext uri="{91240B29-F687-4F45-9708-019B960494DF}">
-              <a14:hiddenLine xmlns:a14="http://schemas.microsoft.com/office/drawing/2010/main" w="9525">
-                <a:solidFill>
-                  <a:schemeClr val="tx1"/>
-                </a:solidFill>
-                <a:miter lim="800000"/>
-                <a:headEnd/>
-                <a:tailEnd/>
-              </a14:hiddenLine>
-            </a:ext>
-            <a:ext uri="{AF507438-7753-43E0-B8FC-AC1667EBCBE1}">
-              <a14:hiddenEffects xmlns:a14="http://schemas.microsoft.com/office/drawing/2010/main">
-                <a:effectLst>
-                  <a:outerShdw dist="35921" dir="2700000" algn="ctr" rotWithShape="0">
-                    <a:schemeClr val="bg2"/>
-                  </a:outerShdw>
-                </a:effectLst>
-              </a14:hiddenEffects>
-            </a:ext>
-          </a:extLst>
+          <a:noFill/>
         </p:spPr>
         <p:txBody>
-          <a:bodyPr vert="horz" wrap="none" lIns="0" tIns="0" rIns="0" bIns="63480" numCol="1" anchor="ctr" anchorCtr="0" compatLnSpc="1">
-            <a:prstTxWarp prst="textNoShape">
-              <a:avLst/>
-            </a:prstTxWarp>
+          <a:bodyPr wrap="square" rtlCol="0">
             <a:spAutoFit/>
           </a:bodyPr>
           <a:lstStyle/>
           <a:p>
-            <a:pPr marL="0" marR="0" lvl="0" indent="0" algn="l" defTabSz="914400" rtl="0" eaLnBrk="0" fontAlgn="base" latinLnBrk="0" hangingPunct="0">
-              <a:lnSpc>
-                <a:spcPct val="100000"/>
-              </a:lnSpc>
-              <a:spcBef>
-                <a:spcPct val="0"/>
-              </a:spcBef>
-              <a:spcAft>
-                <a:spcPts val="600"/>
-              </a:spcAft>
-              <a:buClrTx/>
-              <a:buSzTx/>
-              <a:buFontTx/>
-              <a:buNone/>
-              <a:tabLst/>
-            </a:pPr>
-            <a:r>
-              <a:rPr kumimoji="0" lang="en-US" altLang="en-US" sz="800" b="0" i="0" u="none" strike="noStrike" cap="none" normalizeH="0" baseline="0" dirty="0">
-                <a:ln>
-                  <a:noFill/>
-                </a:ln>
+            <a:r>
+              <a:rPr lang="en-US" b="1" dirty="0">
                 <a:solidFill>
-                  <a:srgbClr val="333333"/>
+                  <a:schemeClr val="bg1">
+                    <a:lumMod val="50000"/>
+                  </a:schemeClr>
                 </a:solidFill>
-                <a:effectLst/>
-                <a:latin typeface="Courier New" panose="02070309020205020404" pitchFamily="49" charset="0"/>
               </a:rPr>
-              <a:t>Coefficients: </a:t>
-            </a:r>
-          </a:p>
-          <a:p>
-            <a:pPr marL="0" marR="0" lvl="0" indent="0" algn="l" defTabSz="914400" rtl="0" eaLnBrk="0" fontAlgn="base" latinLnBrk="0" hangingPunct="0">
-              <a:lnSpc>
-                <a:spcPct val="100000"/>
-              </a:lnSpc>
-              <a:spcBef>
-                <a:spcPct val="0"/>
-              </a:spcBef>
-              <a:spcAft>
-                <a:spcPts val="600"/>
-              </a:spcAft>
-              <a:buClrTx/>
-              <a:buSzTx/>
-              <a:buFontTx/>
-              <a:buNone/>
-              <a:tabLst/>
-            </a:pPr>
-            <a:r>
-              <a:rPr kumimoji="0" lang="en-US" altLang="en-US" sz="800" b="0" i="0" u="none" strike="noStrike" cap="none" normalizeH="0" baseline="0" dirty="0">
-                <a:ln>
-                  <a:noFill/>
-                </a:ln>
-                <a:solidFill>
-                  <a:srgbClr val="333333"/>
-                </a:solidFill>
-                <a:effectLst/>
-                <a:latin typeface="Courier New" panose="02070309020205020404" pitchFamily="49" charset="0"/>
-              </a:rPr>
-              <a:t>## Estimate Std. Error t value </a:t>
-            </a:r>
-            <a:r>
-              <a:rPr kumimoji="0" lang="en-US" altLang="en-US" sz="800" b="0" i="0" u="none" strike="noStrike" cap="none" normalizeH="0" baseline="0" dirty="0" err="1">
-                <a:ln>
-                  <a:noFill/>
-                </a:ln>
-                <a:solidFill>
-                  <a:srgbClr val="333333"/>
-                </a:solidFill>
-                <a:effectLst/>
-                <a:latin typeface="Courier New" panose="02070309020205020404" pitchFamily="49" charset="0"/>
-              </a:rPr>
-              <a:t>Pr</a:t>
-            </a:r>
-            <a:r>
-              <a:rPr kumimoji="0" lang="en-US" altLang="en-US" sz="800" b="0" i="0" u="none" strike="noStrike" cap="none" normalizeH="0" baseline="0" dirty="0">
-                <a:ln>
-                  <a:noFill/>
-                </a:ln>
-                <a:solidFill>
-                  <a:srgbClr val="333333"/>
-                </a:solidFill>
-                <a:effectLst/>
-                <a:latin typeface="Courier New" panose="02070309020205020404" pitchFamily="49" charset="0"/>
-              </a:rPr>
-              <a:t>(&gt;|t|) </a:t>
-            </a:r>
-          </a:p>
-          <a:p>
-            <a:pPr marL="0" marR="0" lvl="0" indent="0" algn="l" defTabSz="914400" rtl="0" eaLnBrk="0" fontAlgn="base" latinLnBrk="0" hangingPunct="0">
-              <a:lnSpc>
-                <a:spcPct val="100000"/>
-              </a:lnSpc>
-              <a:spcBef>
-                <a:spcPct val="0"/>
-              </a:spcBef>
-              <a:spcAft>
-                <a:spcPts val="600"/>
-              </a:spcAft>
-              <a:buClrTx/>
-              <a:buSzTx/>
-              <a:buFontTx/>
-              <a:buNone/>
-              <a:tabLst/>
-            </a:pPr>
-            <a:r>
-              <a:rPr kumimoji="0" lang="en-US" altLang="en-US" sz="800" b="0" i="0" u="none" strike="noStrike" cap="none" normalizeH="0" baseline="0" dirty="0">
-                <a:ln>
-                  <a:noFill/>
-                </a:ln>
-                <a:solidFill>
-                  <a:srgbClr val="333333"/>
-                </a:solidFill>
-                <a:effectLst/>
-                <a:latin typeface="Courier New" panose="02070309020205020404" pitchFamily="49" charset="0"/>
-              </a:rPr>
-              <a:t>## (Intercept) -3.69e-01 5.04e-03 -73.15 &lt; 2e-16 *** </a:t>
-            </a:r>
-          </a:p>
-          <a:p>
-            <a:pPr marL="0" marR="0" lvl="0" indent="0" algn="l" defTabSz="914400" rtl="0" eaLnBrk="0" fontAlgn="base" latinLnBrk="0" hangingPunct="0">
-              <a:lnSpc>
-                <a:spcPct val="100000"/>
-              </a:lnSpc>
-              <a:spcBef>
-                <a:spcPct val="0"/>
-              </a:spcBef>
-              <a:spcAft>
-                <a:spcPts val="600"/>
-              </a:spcAft>
-              <a:buClrTx/>
-              <a:buSzTx/>
-              <a:buFontTx/>
-              <a:buNone/>
-              <a:tabLst/>
-            </a:pPr>
-            <a:r>
-              <a:rPr kumimoji="0" lang="en-US" altLang="en-US" sz="800" b="0" i="0" u="none" strike="noStrike" cap="none" normalizeH="0" baseline="0" dirty="0">
-                <a:ln>
-                  <a:noFill/>
-                </a:ln>
-                <a:solidFill>
-                  <a:srgbClr val="333333"/>
-                </a:solidFill>
-                <a:effectLst/>
-                <a:latin typeface="Courier New" panose="02070309020205020404" pitchFamily="49" charset="0"/>
-              </a:rPr>
-              <a:t>## Gender 2.92e-03 2.51e-03 1.17 0.24 </a:t>
-            </a:r>
-          </a:p>
-          <a:p>
-            <a:pPr marL="0" marR="0" lvl="0" indent="0" algn="l" defTabSz="914400" rtl="0" eaLnBrk="0" fontAlgn="base" latinLnBrk="0" hangingPunct="0">
-              <a:lnSpc>
-                <a:spcPct val="100000"/>
-              </a:lnSpc>
-              <a:spcBef>
-                <a:spcPct val="0"/>
-              </a:spcBef>
-              <a:spcAft>
-                <a:spcPts val="600"/>
-              </a:spcAft>
-              <a:buClrTx/>
-              <a:buSzTx/>
-              <a:buFontTx/>
-              <a:buNone/>
-              <a:tabLst/>
-            </a:pPr>
-            <a:r>
-              <a:rPr kumimoji="0" lang="en-US" altLang="en-US" sz="800" b="0" i="0" u="none" strike="noStrike" cap="none" normalizeH="0" baseline="0" dirty="0">
-                <a:ln>
-                  <a:noFill/>
-                </a:ln>
-                <a:solidFill>
-                  <a:srgbClr val="333333"/>
-                </a:solidFill>
-                <a:effectLst/>
-                <a:latin typeface="Courier New" panose="02070309020205020404" pitchFamily="49" charset="0"/>
-              </a:rPr>
-              <a:t>## </a:t>
-            </a:r>
-            <a:r>
-              <a:rPr kumimoji="0" lang="en-US" altLang="en-US" sz="800" b="0" i="0" u="none" strike="noStrike" cap="none" normalizeH="0" baseline="0" dirty="0" err="1">
-                <a:ln>
-                  <a:noFill/>
-                </a:ln>
-                <a:solidFill>
-                  <a:srgbClr val="333333"/>
-                </a:solidFill>
-                <a:effectLst/>
-                <a:latin typeface="Courier New" panose="02070309020205020404" pitchFamily="49" charset="0"/>
-              </a:rPr>
-              <a:t>Customer.Type</a:t>
-            </a:r>
-            <a:r>
-              <a:rPr kumimoji="0" lang="en-US" altLang="en-US" sz="800" b="0" i="0" u="none" strike="noStrike" cap="none" normalizeH="0" baseline="0" dirty="0">
-                <a:ln>
-                  <a:noFill/>
-                </a:ln>
-                <a:solidFill>
-                  <a:srgbClr val="333333"/>
-                </a:solidFill>
-                <a:effectLst/>
-                <a:latin typeface="Courier New" panose="02070309020205020404" pitchFamily="49" charset="0"/>
-              </a:rPr>
-              <a:t> 4.10e-01 3.96e-03 103.42 &lt; 2e-16 *** </a:t>
-            </a:r>
-          </a:p>
-          <a:p>
-            <a:pPr marL="0" marR="0" lvl="0" indent="0" algn="l" defTabSz="914400" rtl="0" eaLnBrk="0" fontAlgn="base" latinLnBrk="0" hangingPunct="0">
-              <a:lnSpc>
-                <a:spcPct val="100000"/>
-              </a:lnSpc>
-              <a:spcBef>
-                <a:spcPct val="0"/>
-              </a:spcBef>
-              <a:spcAft>
-                <a:spcPts val="600"/>
-              </a:spcAft>
-              <a:buClrTx/>
-              <a:buSzTx/>
-              <a:buFontTx/>
-              <a:buNone/>
-              <a:tabLst/>
-            </a:pPr>
-            <a:r>
-              <a:rPr kumimoji="0" lang="en-US" altLang="en-US" sz="800" b="0" i="0" u="none" strike="noStrike" cap="none" normalizeH="0" baseline="0" dirty="0">
-                <a:ln>
-                  <a:noFill/>
-                </a:ln>
-                <a:solidFill>
-                  <a:srgbClr val="333333"/>
-                </a:solidFill>
-                <a:effectLst/>
-                <a:latin typeface="Courier New" panose="02070309020205020404" pitchFamily="49" charset="0"/>
-              </a:rPr>
-              <a:t>## Age 5.34e-04 8.72e-05 6.12 9.4e-10 *** </a:t>
-            </a:r>
-          </a:p>
-          <a:p>
-            <a:pPr marL="0" marR="0" lvl="0" indent="0" algn="l" defTabSz="914400" rtl="0" eaLnBrk="0" fontAlgn="base" latinLnBrk="0" hangingPunct="0">
-              <a:lnSpc>
-                <a:spcPct val="100000"/>
-              </a:lnSpc>
-              <a:spcBef>
-                <a:spcPct val="0"/>
-              </a:spcBef>
-              <a:spcAft>
-                <a:spcPts val="600"/>
-              </a:spcAft>
-              <a:buClrTx/>
-              <a:buSzTx/>
-              <a:buFontTx/>
-              <a:buNone/>
-              <a:tabLst/>
-            </a:pPr>
-            <a:r>
-              <a:rPr kumimoji="0" lang="en-US" altLang="en-US" sz="800" b="0" i="0" u="none" strike="noStrike" cap="none" normalizeH="0" baseline="0" dirty="0">
-                <a:ln>
-                  <a:noFill/>
-                </a:ln>
-                <a:solidFill>
-                  <a:srgbClr val="333333"/>
-                </a:solidFill>
-                <a:effectLst/>
-                <a:latin typeface="Courier New" panose="02070309020205020404" pitchFamily="49" charset="0"/>
-              </a:rPr>
-              <a:t>## </a:t>
-            </a:r>
-            <a:r>
-              <a:rPr kumimoji="0" lang="en-US" altLang="en-US" sz="800" b="0" i="0" u="none" strike="noStrike" cap="none" normalizeH="0" baseline="0" dirty="0" err="1">
-                <a:ln>
-                  <a:noFill/>
-                </a:ln>
-                <a:solidFill>
-                  <a:srgbClr val="333333"/>
-                </a:solidFill>
-                <a:effectLst/>
-                <a:latin typeface="Courier New" panose="02070309020205020404" pitchFamily="49" charset="0"/>
-              </a:rPr>
-              <a:t>Type.of.Travel</a:t>
-            </a:r>
-            <a:r>
-              <a:rPr kumimoji="0" lang="en-US" altLang="en-US" sz="800" b="0" i="0" u="none" strike="noStrike" cap="none" normalizeH="0" baseline="0" dirty="0">
-                <a:ln>
-                  <a:noFill/>
-                </a:ln>
-                <a:solidFill>
-                  <a:srgbClr val="333333"/>
-                </a:solidFill>
-                <a:effectLst/>
-                <a:latin typeface="Courier New" panose="02070309020205020404" pitchFamily="49" charset="0"/>
-              </a:rPr>
-              <a:t> 4.34e-01 3.61e-03 120.27 &lt; 2e-16 *** </a:t>
-            </a:r>
-          </a:p>
-          <a:p>
-            <a:pPr marL="0" marR="0" lvl="0" indent="0" algn="l" defTabSz="914400" rtl="0" eaLnBrk="0" fontAlgn="base" latinLnBrk="0" hangingPunct="0">
-              <a:lnSpc>
-                <a:spcPct val="100000"/>
-              </a:lnSpc>
-              <a:spcBef>
-                <a:spcPct val="0"/>
-              </a:spcBef>
-              <a:spcAft>
-                <a:spcPts val="600"/>
-              </a:spcAft>
-              <a:buClrTx/>
-              <a:buSzTx/>
-              <a:buFontTx/>
-              <a:buNone/>
-              <a:tabLst/>
-            </a:pPr>
-            <a:r>
-              <a:rPr kumimoji="0" lang="en-US" altLang="en-US" sz="800" b="0" i="0" u="none" strike="noStrike" cap="none" normalizeH="0" baseline="0" dirty="0">
-                <a:ln>
-                  <a:noFill/>
-                </a:ln>
-                <a:solidFill>
-                  <a:srgbClr val="333333"/>
-                </a:solidFill>
-                <a:effectLst/>
-                <a:latin typeface="Courier New" panose="02070309020205020404" pitchFamily="49" charset="0"/>
-              </a:rPr>
-              <a:t>## Class 2.42e-01 3.38e-03 71.81 &lt; 2e-16 *** </a:t>
-            </a:r>
-          </a:p>
-          <a:p>
-            <a:pPr marL="0" marR="0" lvl="0" indent="0" algn="l" defTabSz="914400" rtl="0" eaLnBrk="0" fontAlgn="base" latinLnBrk="0" hangingPunct="0">
-              <a:lnSpc>
-                <a:spcPct val="100000"/>
-              </a:lnSpc>
-              <a:spcBef>
-                <a:spcPct val="0"/>
-              </a:spcBef>
-              <a:spcAft>
-                <a:spcPts val="600"/>
-              </a:spcAft>
-              <a:buClrTx/>
-              <a:buSzTx/>
-              <a:buFontTx/>
-              <a:buNone/>
-              <a:tabLst/>
-            </a:pPr>
-            <a:r>
-              <a:rPr kumimoji="0" lang="en-US" altLang="en-US" sz="800" b="0" i="0" u="none" strike="noStrike" cap="none" normalizeH="0" baseline="0" dirty="0">
-                <a:ln>
-                  <a:noFill/>
-                </a:ln>
-                <a:solidFill>
-                  <a:srgbClr val="333333"/>
-                </a:solidFill>
-                <a:effectLst/>
-                <a:latin typeface="Courier New" panose="02070309020205020404" pitchFamily="49" charset="0"/>
-              </a:rPr>
-              <a:t>## </a:t>
-            </a:r>
-            <a:r>
-              <a:rPr kumimoji="0" lang="en-US" altLang="en-US" sz="800" b="0" i="0" u="none" strike="noStrike" cap="none" normalizeH="0" baseline="0" dirty="0" err="1">
-                <a:ln>
-                  <a:noFill/>
-                </a:ln>
-                <a:solidFill>
-                  <a:srgbClr val="333333"/>
-                </a:solidFill>
-                <a:effectLst/>
-                <a:latin typeface="Courier New" panose="02070309020205020404" pitchFamily="49" charset="0"/>
-              </a:rPr>
-              <a:t>Flight.Distance</a:t>
-            </a:r>
-            <a:r>
-              <a:rPr kumimoji="0" lang="en-US" altLang="en-US" sz="800" b="0" i="0" u="none" strike="noStrike" cap="none" normalizeH="0" baseline="0" dirty="0">
-                <a:ln>
-                  <a:noFill/>
-                </a:ln>
-                <a:solidFill>
-                  <a:srgbClr val="333333"/>
-                </a:solidFill>
-                <a:effectLst/>
-                <a:latin typeface="Courier New" panose="02070309020205020404" pitchFamily="49" charset="0"/>
-              </a:rPr>
-              <a:t> 8.38e-06 1.45e-06 5.77 8.1e-09 ***</a:t>
-            </a:r>
-            <a:r>
-              <a:rPr kumimoji="0" lang="en-US" altLang="en-US" sz="800" b="0" i="0" u="none" strike="noStrike" cap="none" normalizeH="0" baseline="0" dirty="0">
-                <a:ln>
-                  <a:noFill/>
-                </a:ln>
-                <a:solidFill>
-                  <a:schemeClr val="tx1"/>
-                </a:solidFill>
-                <a:effectLst/>
-              </a:rPr>
-              <a:t> </a:t>
-            </a:r>
-            <a:endParaRPr kumimoji="0" lang="en-US" altLang="en-US" sz="800" b="0" i="0" u="none" strike="noStrike" cap="none" normalizeH="0" baseline="0" dirty="0">
-              <a:ln>
-                <a:noFill/>
-              </a:ln>
-              <a:solidFill>
-                <a:schemeClr val="tx1"/>
-              </a:solidFill>
-              <a:effectLst/>
-              <a:latin typeface="Arial" panose="020B0604020202020204" pitchFamily="34" charset="0"/>
-            </a:endParaRPr>
+              <a:t>Combined Histogram</a:t>
+            </a:r>
           </a:p>
         </p:txBody>
       </p:sp>
       <p:sp>
         <p:nvSpPr>
-          <p:cNvPr id="5" name="Isosceles Triangle 4">
-            <a:extLst>
-              <a:ext uri="{FF2B5EF4-FFF2-40B4-BE49-F238E27FC236}">
-                <a16:creationId xmlns:a16="http://schemas.microsoft.com/office/drawing/2014/main" id="{AEAE6FC0-75E8-6CE0-E76B-8E1477D4CC6A}"/>
+          <p:cNvPr id="6" name="TextBox 5">
+            <a:extLst>
+              <a:ext uri="{FF2B5EF4-FFF2-40B4-BE49-F238E27FC236}">
+                <a16:creationId xmlns:a16="http://schemas.microsoft.com/office/drawing/2014/main" id="{9750AE7B-DBAF-BF42-D6A7-32E38BEC747B}"/>
+              </a:ext>
+            </a:extLst>
+          </p:cNvPr>
+          <p:cNvSpPr txBox="1"/>
+          <p:nvPr/>
+        </p:nvSpPr>
+        <p:spPr>
+          <a:xfrm>
+            <a:off x="838200" y="2413337"/>
+            <a:ext cx="4067175" cy="2939266"/>
+          </a:xfrm>
+          <a:prstGeom prst="rect">
+            <a:avLst/>
+          </a:prstGeom>
+          <a:noFill/>
+        </p:spPr>
+        <p:txBody>
+          <a:bodyPr wrap="square">
+            <a:spAutoFit/>
+          </a:bodyPr>
+          <a:lstStyle/>
+          <a:p>
+            <a:pPr marL="285750" indent="-285750">
+              <a:spcAft>
+                <a:spcPts val="600"/>
+              </a:spcAft>
+              <a:buFont typeface="Arial" panose="020B0604020202020204" pitchFamily="34" charset="0"/>
+              <a:buChar char="•"/>
+            </a:pPr>
+            <a:r>
+              <a:rPr lang="en-US" dirty="0">
+                <a:solidFill>
+                  <a:srgbClr val="333333"/>
+                </a:solidFill>
+              </a:rPr>
+              <a:t>When viewing these aggregated ratings, we can see a clear separation in values</a:t>
+            </a:r>
+          </a:p>
+          <a:p>
+            <a:pPr marL="285750" indent="-285750">
+              <a:spcAft>
+                <a:spcPts val="600"/>
+              </a:spcAft>
+              <a:buFont typeface="Arial" panose="020B0604020202020204" pitchFamily="34" charset="0"/>
+              <a:buChar char="•"/>
+            </a:pPr>
+            <a:r>
+              <a:rPr lang="en-US" dirty="0"/>
+              <a:t>The two consolidated ratings variables share a weak positive correlation (correlation coefficient = </a:t>
+            </a:r>
+            <a:r>
+              <a:rPr lang="en-US" b="1" dirty="0"/>
+              <a:t>0.181</a:t>
+            </a:r>
+            <a:r>
+              <a:rPr lang="en-US" dirty="0"/>
+              <a:t>), indicating that they can be jointly included in our model without violating the collinearity assumption to a significant degree.</a:t>
+            </a:r>
+          </a:p>
+        </p:txBody>
+      </p:sp>
+      <p:sp>
+        <p:nvSpPr>
+          <p:cNvPr id="9" name="Isosceles Triangle 8">
+            <a:extLst>
+              <a:ext uri="{FF2B5EF4-FFF2-40B4-BE49-F238E27FC236}">
+                <a16:creationId xmlns:a16="http://schemas.microsoft.com/office/drawing/2014/main" id="{DF520B39-F548-48A7-9A65-9929C1F0C8B8}"/>
               </a:ext>
             </a:extLst>
           </p:cNvPr>
@@ -8453,10 +9156,10 @@
       </p:sp>
       <p:pic>
         <p:nvPicPr>
-          <p:cNvPr id="6" name="Graphic 5" descr="Cloud">
-            <a:extLst>
-              <a:ext uri="{FF2B5EF4-FFF2-40B4-BE49-F238E27FC236}">
-                <a16:creationId xmlns:a16="http://schemas.microsoft.com/office/drawing/2014/main" id="{BEDF8DD6-1808-AB72-D919-10F43439180E}"/>
+          <p:cNvPr id="10" name="Graphic 9" descr="Cloud">
+            <a:extLst>
+              <a:ext uri="{FF2B5EF4-FFF2-40B4-BE49-F238E27FC236}">
+                <a16:creationId xmlns:a16="http://schemas.microsoft.com/office/drawing/2014/main" id="{5034F8E5-BB3B-571D-3247-C1C47930932C}"/>
               </a:ext>
             </a:extLst>
           </p:cNvPr>
@@ -8493,7 +9196,7 @@
     </p:spTree>
     <p:extLst>
       <p:ext uri="{BB962C8B-B14F-4D97-AF65-F5344CB8AC3E}">
-        <p14:creationId xmlns:p14="http://schemas.microsoft.com/office/powerpoint/2010/main" val="2613039472"/>
+        <p14:creationId xmlns:p14="http://schemas.microsoft.com/office/powerpoint/2010/main" val="3786834488"/>
       </p:ext>
     </p:extLst>
   </p:cSld>
@@ -9157,7 +9860,7 @@
           <p:cNvPr id="2" name="Title 1">
             <a:extLst>
               <a:ext uri="{FF2B5EF4-FFF2-40B4-BE49-F238E27FC236}">
-                <a16:creationId xmlns:a16="http://schemas.microsoft.com/office/drawing/2014/main" id="{059D2A06-5A87-324C-B6BA-3025A3E04A92}"/>
+                <a16:creationId xmlns:a16="http://schemas.microsoft.com/office/drawing/2014/main" id="{2DCA80F4-B316-38EA-4CCE-BF951290DAF7}"/>
               </a:ext>
             </a:extLst>
           </p:cNvPr>
@@ -9168,14 +9871,19 @@
             <p:ph type="title"/>
           </p:nvPr>
         </p:nvSpPr>
-        <p:spPr/>
+        <p:spPr>
+          <a:xfrm>
+            <a:off x="838200" y="365125"/>
+            <a:ext cx="4857750" cy="1325563"/>
+          </a:xfrm>
+        </p:spPr>
         <p:txBody>
           <a:bodyPr/>
           <a:lstStyle/>
           <a:p>
             <a:r>
               <a:rPr lang="en-US" dirty="0"/>
-              <a:t>Logistic Regression</a:t>
+              <a:t>Ruling Out the Linear Model</a:t>
             </a:r>
           </a:p>
         </p:txBody>
@@ -9185,7 +9893,7 @@
           <p:cNvPr id="3" name="TextBox 2">
             <a:extLst>
               <a:ext uri="{FF2B5EF4-FFF2-40B4-BE49-F238E27FC236}">
-                <a16:creationId xmlns:a16="http://schemas.microsoft.com/office/drawing/2014/main" id="{24B166E6-D4CE-0AE2-4B34-CFF0CDE1A04F}"/>
+                <a16:creationId xmlns:a16="http://schemas.microsoft.com/office/drawing/2014/main" id="{A74F6AA0-D4F1-DE1B-29CC-D5686C20066B}"/>
               </a:ext>
             </a:extLst>
           </p:cNvPr>
@@ -9194,8 +9902,8 @@
         </p:nvSpPr>
         <p:spPr>
           <a:xfrm>
-            <a:off x="838200" y="1690688"/>
-            <a:ext cx="9525000" cy="923330"/>
+            <a:off x="838200" y="1835214"/>
+            <a:ext cx="3295650" cy="2585323"/>
           </a:xfrm>
           <a:prstGeom prst="rect">
             <a:avLst/>
@@ -9207,65 +9915,6 @@
             <a:spAutoFit/>
           </a:bodyPr>
           <a:lstStyle/>
-          <a:p>
-            <a:pPr>
-              <a:spcAft>
-                <a:spcPts val="600"/>
-              </a:spcAft>
-            </a:pPr>
-            <a:r>
-              <a:rPr lang="en-US" dirty="0">
-                <a:solidFill>
-                  <a:srgbClr val="333333"/>
-                </a:solidFill>
-              </a:rPr>
-              <a:t>Rather than a linear model, we will evaluate and prepare the data for use in a logistic regression, which predicts the log odds of satisfaction. Such models utilize different assumptions relative to linear models, significantly altering the necessary EDA steps.</a:t>
-            </a:r>
-          </a:p>
-        </p:txBody>
-      </p:sp>
-      <p:sp>
-        <p:nvSpPr>
-          <p:cNvPr id="5" name="TextBox 4">
-            <a:extLst>
-              <a:ext uri="{FF2B5EF4-FFF2-40B4-BE49-F238E27FC236}">
-                <a16:creationId xmlns:a16="http://schemas.microsoft.com/office/drawing/2014/main" id="{C577FEF2-B7C5-29ED-A509-B06085C94146}"/>
-              </a:ext>
-            </a:extLst>
-          </p:cNvPr>
-          <p:cNvSpPr txBox="1"/>
-          <p:nvPr/>
-        </p:nvSpPr>
-        <p:spPr>
-          <a:xfrm>
-            <a:off x="3486150" y="3275077"/>
-            <a:ext cx="7867650" cy="2970044"/>
-          </a:xfrm>
-          <a:prstGeom prst="rect">
-            <a:avLst/>
-          </a:prstGeom>
-          <a:noFill/>
-        </p:spPr>
-        <p:txBody>
-          <a:bodyPr wrap="square">
-            <a:spAutoFit/>
-          </a:bodyPr>
-          <a:lstStyle/>
-          <a:p>
-            <a:pPr>
-              <a:spcAft>
-                <a:spcPts val="600"/>
-              </a:spcAft>
-            </a:pPr>
-            <a:r>
-              <a:rPr lang="en-US" dirty="0">
-                <a:solidFill>
-                  <a:srgbClr val="333333"/>
-                </a:solidFill>
-              </a:rPr>
-              <a:t>Assumptions are altered as follows:</a:t>
-            </a:r>
-          </a:p>
           <a:p>
             <a:pPr marL="285750" indent="-285750">
               <a:spcAft>
@@ -9275,12 +9924,20 @@
               <a:buChar char="•"/>
             </a:pPr>
             <a:r>
+              <a:rPr lang="en-US" dirty="0">
+                <a:solidFill>
+                  <a:srgbClr val="333333"/>
+                </a:solidFill>
+              </a:rPr>
+              <a:t>Before engaging in further analysis, we first identified that </a:t>
+            </a:r>
+            <a:r>
               <a:rPr lang="en-US" b="1" dirty="0">
                 <a:solidFill>
                   <a:srgbClr val="333333"/>
                 </a:solidFill>
               </a:rPr>
-              <a:t>Linearity</a:t>
+              <a:t>satisfaction</a:t>
             </a:r>
             <a:r>
               <a:rPr lang="en-US" dirty="0">
@@ -9288,24 +9945,15 @@
                   <a:srgbClr val="333333"/>
                 </a:solidFill>
               </a:rPr>
-              <a:t>: Rather than a linear relationship between parameters and the dependent variable, logistic regression assumes a linear relationship between parameters and the log odds</a:t>
-            </a:r>
-          </a:p>
-          <a:p>
-            <a:pPr marL="285750" indent="-285750">
-              <a:spcAft>
-                <a:spcPts val="600"/>
-              </a:spcAft>
-              <a:buFont typeface="Arial" panose="020B0604020202020204" pitchFamily="34" charset="0"/>
-              <a:buChar char="•"/>
-            </a:pPr>
+              <a:t>—as a categorical/binary variable—</a:t>
+            </a:r>
             <a:r>
               <a:rPr lang="en-US" b="1" dirty="0">
                 <a:solidFill>
                   <a:srgbClr val="333333"/>
                 </a:solidFill>
               </a:rPr>
-              <a:t>Independence of Errors</a:t>
+              <a:t>cannot be reliably predicted through a linear model</a:t>
             </a:r>
             <a:r>
               <a:rPr lang="en-US" dirty="0">
@@ -9313,93 +9961,530 @@
                   <a:srgbClr val="333333"/>
                 </a:solidFill>
               </a:rPr>
-              <a:t>: Remains as an assumption for both linear and logistic models</a:t>
-            </a:r>
-          </a:p>
-          <a:p>
-            <a:pPr marL="285750" indent="-285750">
+              <a:t>. We created a rough initial model to demonstrate this roadblock.</a:t>
+            </a:r>
+          </a:p>
+        </p:txBody>
+      </p:sp>
+      <p:pic>
+        <p:nvPicPr>
+          <p:cNvPr id="13314" name="Picture 2">
+            <a:extLst>
+              <a:ext uri="{FF2B5EF4-FFF2-40B4-BE49-F238E27FC236}">
+                <a16:creationId xmlns:a16="http://schemas.microsoft.com/office/drawing/2014/main" id="{48BF37C5-CEF4-4B33-3A06-B8BE48DBAA18}"/>
+              </a:ext>
+            </a:extLst>
+          </p:cNvPr>
+          <p:cNvPicPr>
+            <a:picLocks noChangeAspect="1" noChangeArrowheads="1"/>
+          </p:cNvPicPr>
+          <p:nvPr/>
+        </p:nvPicPr>
+        <p:blipFill>
+          <a:blip r:embed="rId3">
+            <a:extLst>
+              <a:ext uri="{28A0092B-C50C-407E-A947-70E740481C1C}">
+                <a14:useLocalDpi xmlns:a14="http://schemas.microsoft.com/office/drawing/2010/main" val="0"/>
+              </a:ext>
+            </a:extLst>
+          </a:blip>
+          <a:srcRect/>
+          <a:stretch>
+            <a:fillRect/>
+          </a:stretch>
+        </p:blipFill>
+        <p:spPr bwMode="auto">
+          <a:xfrm>
+            <a:off x="4701042" y="71890"/>
+            <a:ext cx="6714219" cy="6714219"/>
+          </a:xfrm>
+          <a:prstGeom prst="rect">
+            <a:avLst/>
+          </a:prstGeom>
+          <a:noFill/>
+          <a:extLst>
+            <a:ext uri="{909E8E84-426E-40DD-AFC4-6F175D3DCCD1}">
+              <a14:hiddenFill xmlns:a14="http://schemas.microsoft.com/office/drawing/2010/main">
+                <a:solidFill>
+                  <a:srgbClr val="FFFFFF"/>
+                </a:solidFill>
+              </a14:hiddenFill>
+            </a:ext>
+          </a:extLst>
+        </p:spPr>
+      </p:pic>
+      <p:sp>
+        <p:nvSpPr>
+          <p:cNvPr id="4" name="Rectangle 3">
+            <a:extLst>
+              <a:ext uri="{FF2B5EF4-FFF2-40B4-BE49-F238E27FC236}">
+                <a16:creationId xmlns:a16="http://schemas.microsoft.com/office/drawing/2014/main" id="{DB4523F8-9A24-9895-AF51-C0538884D0B1}"/>
+              </a:ext>
+            </a:extLst>
+          </p:cNvPr>
+          <p:cNvSpPr>
+            <a:spLocks noChangeArrowheads="1"/>
+          </p:cNvSpPr>
+          <p:nvPr/>
+        </p:nvSpPr>
+        <p:spPr bwMode="auto">
+          <a:xfrm>
+            <a:off x="5637016" y="1166405"/>
+            <a:ext cx="3350276" cy="1787649"/>
+          </a:xfrm>
+          <a:prstGeom prst="rect">
+            <a:avLst/>
+          </a:prstGeom>
+          <a:solidFill>
+            <a:srgbClr val="FFFFFF"/>
+          </a:solidFill>
+          <a:ln>
+            <a:noFill/>
+          </a:ln>
+          <a:effectLst/>
+          <a:extLst>
+            <a:ext uri="{91240B29-F687-4F45-9708-019B960494DF}">
+              <a14:hiddenLine xmlns:a14="http://schemas.microsoft.com/office/drawing/2010/main" w="9525">
+                <a:solidFill>
+                  <a:schemeClr val="tx1"/>
+                </a:solidFill>
+                <a:miter lim="800000"/>
+                <a:headEnd/>
+                <a:tailEnd/>
+              </a14:hiddenLine>
+            </a:ext>
+            <a:ext uri="{AF507438-7753-43E0-B8FC-AC1667EBCBE1}">
+              <a14:hiddenEffects xmlns:a14="http://schemas.microsoft.com/office/drawing/2010/main">
+                <a:effectLst>
+                  <a:outerShdw dist="35921" dir="2700000" algn="ctr" rotWithShape="0">
+                    <a:schemeClr val="bg2"/>
+                  </a:outerShdw>
+                </a:effectLst>
+              </a14:hiddenEffects>
+            </a:ext>
+          </a:extLst>
+        </p:spPr>
+        <p:txBody>
+          <a:bodyPr vert="horz" wrap="none" lIns="0" tIns="0" rIns="0" bIns="63480" numCol="1" anchor="ctr" anchorCtr="0" compatLnSpc="1">
+            <a:prstTxWarp prst="textNoShape">
+              <a:avLst/>
+            </a:prstTxWarp>
+            <a:spAutoFit/>
+          </a:bodyPr>
+          <a:lstStyle/>
+          <a:p>
+            <a:pPr marL="0" marR="0" lvl="0" indent="0" algn="l" defTabSz="914400" rtl="0" eaLnBrk="0" fontAlgn="base" latinLnBrk="0" hangingPunct="0">
+              <a:lnSpc>
+                <a:spcPct val="100000"/>
+              </a:lnSpc>
+              <a:spcBef>
+                <a:spcPct val="0"/>
+              </a:spcBef>
               <a:spcAft>
                 <a:spcPts val="600"/>
               </a:spcAft>
-              <a:buFont typeface="Arial" panose="020B0604020202020204" pitchFamily="34" charset="0"/>
-              <a:buChar char="•"/>
+              <a:buClrTx/>
+              <a:buSzTx/>
+              <a:buFontTx/>
+              <a:buNone/>
+              <a:tabLst/>
             </a:pPr>
             <a:r>
-              <a:rPr lang="en-US" b="1" dirty="0">
+              <a:rPr kumimoji="0" lang="en-US" altLang="en-US" sz="800" b="0" i="0" u="none" strike="noStrike" cap="none" normalizeH="0" baseline="0" dirty="0">
+                <a:ln>
+                  <a:noFill/>
+                </a:ln>
                 <a:solidFill>
                   <a:srgbClr val="333333"/>
                 </a:solidFill>
+                <a:effectLst/>
+                <a:latin typeface="Courier New" panose="02070309020205020404" pitchFamily="49" charset="0"/>
               </a:rPr>
-              <a:t>Homoscedasticity</a:t>
-            </a:r>
-            <a:r>
-              <a:rPr lang="en-US" dirty="0">
+              <a:t>Coefficients: </a:t>
+            </a:r>
+          </a:p>
+          <a:p>
+            <a:pPr marL="0" marR="0" lvl="0" indent="0" algn="l" defTabSz="914400" rtl="0" eaLnBrk="0" fontAlgn="base" latinLnBrk="0" hangingPunct="0">
+              <a:lnSpc>
+                <a:spcPct val="100000"/>
+              </a:lnSpc>
+              <a:spcBef>
+                <a:spcPct val="0"/>
+              </a:spcBef>
+              <a:spcAft>
+                <a:spcPts val="600"/>
+              </a:spcAft>
+              <a:buClrTx/>
+              <a:buSzTx/>
+              <a:buFontTx/>
+              <a:buNone/>
+              <a:tabLst/>
+            </a:pPr>
+            <a:r>
+              <a:rPr kumimoji="0" lang="en-US" altLang="en-US" sz="800" b="0" i="0" u="none" strike="noStrike" cap="none" normalizeH="0" baseline="0" dirty="0">
+                <a:ln>
+                  <a:noFill/>
+                </a:ln>
                 <a:solidFill>
                   <a:srgbClr val="333333"/>
                 </a:solidFill>
+                <a:effectLst/>
+                <a:latin typeface="Courier New" panose="02070309020205020404" pitchFamily="49" charset="0"/>
               </a:rPr>
-              <a:t>: Not required under logistic regression</a:t>
-            </a:r>
-          </a:p>
-          <a:p>
-            <a:pPr marL="285750" indent="-285750">
+              <a:t>## Estimate Std. Error t value </a:t>
+            </a:r>
+            <a:r>
+              <a:rPr kumimoji="0" lang="en-US" altLang="en-US" sz="800" b="0" i="0" u="none" strike="noStrike" cap="none" normalizeH="0" baseline="0" dirty="0" err="1">
+                <a:ln>
+                  <a:noFill/>
+                </a:ln>
+                <a:solidFill>
+                  <a:srgbClr val="333333"/>
+                </a:solidFill>
+                <a:effectLst/>
+                <a:latin typeface="Courier New" panose="02070309020205020404" pitchFamily="49" charset="0"/>
+              </a:rPr>
+              <a:t>Pr</a:t>
+            </a:r>
+            <a:r>
+              <a:rPr kumimoji="0" lang="en-US" altLang="en-US" sz="800" b="0" i="0" u="none" strike="noStrike" cap="none" normalizeH="0" baseline="0" dirty="0">
+                <a:ln>
+                  <a:noFill/>
+                </a:ln>
+                <a:solidFill>
+                  <a:srgbClr val="333333"/>
+                </a:solidFill>
+                <a:effectLst/>
+                <a:latin typeface="Courier New" panose="02070309020205020404" pitchFamily="49" charset="0"/>
+              </a:rPr>
+              <a:t>(&gt;|t|) </a:t>
+            </a:r>
+          </a:p>
+          <a:p>
+            <a:pPr marL="0" marR="0" lvl="0" indent="0" algn="l" defTabSz="914400" rtl="0" eaLnBrk="0" fontAlgn="base" latinLnBrk="0" hangingPunct="0">
+              <a:lnSpc>
+                <a:spcPct val="100000"/>
+              </a:lnSpc>
+              <a:spcBef>
+                <a:spcPct val="0"/>
+              </a:spcBef>
               <a:spcAft>
                 <a:spcPts val="600"/>
               </a:spcAft>
-              <a:buFont typeface="Arial" panose="020B0604020202020204" pitchFamily="34" charset="0"/>
-              <a:buChar char="•"/>
+              <a:buClrTx/>
+              <a:buSzTx/>
+              <a:buFontTx/>
+              <a:buNone/>
+              <a:tabLst/>
             </a:pPr>
             <a:r>
-              <a:rPr lang="en-US" b="1" dirty="0">
+              <a:rPr kumimoji="0" lang="en-US" altLang="en-US" sz="800" b="0" i="0" u="none" strike="noStrike" cap="none" normalizeH="0" baseline="0" dirty="0">
+                <a:ln>
+                  <a:noFill/>
+                </a:ln>
                 <a:solidFill>
                   <a:srgbClr val="333333"/>
                 </a:solidFill>
+                <a:effectLst/>
+                <a:latin typeface="Courier New" panose="02070309020205020404" pitchFamily="49" charset="0"/>
               </a:rPr>
-              <a:t>Normally distributed residuals</a:t>
-            </a:r>
-            <a:r>
-              <a:rPr lang="en-US" dirty="0">
+              <a:t>## (Intercept) -3.69e-01 5.04e-03 -73.15 &lt; 2e-16 *** </a:t>
+            </a:r>
+          </a:p>
+          <a:p>
+            <a:pPr marL="0" marR="0" lvl="0" indent="0" algn="l" defTabSz="914400" rtl="0" eaLnBrk="0" fontAlgn="base" latinLnBrk="0" hangingPunct="0">
+              <a:lnSpc>
+                <a:spcPct val="100000"/>
+              </a:lnSpc>
+              <a:spcBef>
+                <a:spcPct val="0"/>
+              </a:spcBef>
+              <a:spcAft>
+                <a:spcPts val="600"/>
+              </a:spcAft>
+              <a:buClrTx/>
+              <a:buSzTx/>
+              <a:buFontTx/>
+              <a:buNone/>
+              <a:tabLst/>
+            </a:pPr>
+            <a:r>
+              <a:rPr kumimoji="0" lang="en-US" altLang="en-US" sz="800" b="0" i="0" u="none" strike="noStrike" cap="none" normalizeH="0" baseline="0" dirty="0">
+                <a:ln>
+                  <a:noFill/>
+                </a:ln>
                 <a:solidFill>
                   <a:srgbClr val="333333"/>
                 </a:solidFill>
+                <a:effectLst/>
+                <a:latin typeface="Courier New" panose="02070309020205020404" pitchFamily="49" charset="0"/>
               </a:rPr>
-              <a:t>: Not required under logistic regression</a:t>
-            </a:r>
-          </a:p>
-          <a:p>
-            <a:pPr marL="285750" indent="-285750">
+              <a:t>## Gender 2.92e-03 2.51e-03 1.17 0.24 </a:t>
+            </a:r>
+          </a:p>
+          <a:p>
+            <a:pPr marL="0" marR="0" lvl="0" indent="0" algn="l" defTabSz="914400" rtl="0" eaLnBrk="0" fontAlgn="base" latinLnBrk="0" hangingPunct="0">
+              <a:lnSpc>
+                <a:spcPct val="100000"/>
+              </a:lnSpc>
+              <a:spcBef>
+                <a:spcPct val="0"/>
+              </a:spcBef>
               <a:spcAft>
                 <a:spcPts val="600"/>
               </a:spcAft>
-              <a:buFont typeface="Arial" panose="020B0604020202020204" pitchFamily="34" charset="0"/>
-              <a:buChar char="•"/>
+              <a:buClrTx/>
+              <a:buSzTx/>
+              <a:buFontTx/>
+              <a:buNone/>
+              <a:tabLst/>
             </a:pPr>
             <a:r>
-              <a:rPr lang="en-US" b="1" dirty="0">
+              <a:rPr kumimoji="0" lang="en-US" altLang="en-US" sz="800" b="0" i="0" u="none" strike="noStrike" cap="none" normalizeH="0" baseline="0" dirty="0">
+                <a:ln>
+                  <a:noFill/>
+                </a:ln>
                 <a:solidFill>
                   <a:srgbClr val="333333"/>
                 </a:solidFill>
+                <a:effectLst/>
+                <a:latin typeface="Courier New" panose="02070309020205020404" pitchFamily="49" charset="0"/>
               </a:rPr>
-              <a:t>Multicollinearity</a:t>
-            </a:r>
-            <a:r>
-              <a:rPr lang="en-US" dirty="0">
+              <a:t>## </a:t>
+            </a:r>
+            <a:r>
+              <a:rPr kumimoji="0" lang="en-US" altLang="en-US" sz="800" b="0" i="0" u="none" strike="noStrike" cap="none" normalizeH="0" baseline="0" dirty="0" err="1">
+                <a:ln>
+                  <a:noFill/>
+                </a:ln>
                 <a:solidFill>
                   <a:srgbClr val="333333"/>
                 </a:solidFill>
+                <a:effectLst/>
+                <a:latin typeface="Courier New" panose="02070309020205020404" pitchFamily="49" charset="0"/>
               </a:rPr>
-              <a:t>: Remains as an assumption for both linear and logistic models</a:t>
-            </a:r>
-            <a:endParaRPr lang="en-US" dirty="0"/>
+              <a:t>Customer.Type</a:t>
+            </a:r>
+            <a:r>
+              <a:rPr kumimoji="0" lang="en-US" altLang="en-US" sz="800" b="0" i="0" u="none" strike="noStrike" cap="none" normalizeH="0" baseline="0" dirty="0">
+                <a:ln>
+                  <a:noFill/>
+                </a:ln>
+                <a:solidFill>
+                  <a:srgbClr val="333333"/>
+                </a:solidFill>
+                <a:effectLst/>
+                <a:latin typeface="Courier New" panose="02070309020205020404" pitchFamily="49" charset="0"/>
+              </a:rPr>
+              <a:t> 4.10e-01 3.96e-03 103.42 &lt; 2e-16 *** </a:t>
+            </a:r>
+          </a:p>
+          <a:p>
+            <a:pPr marL="0" marR="0" lvl="0" indent="0" algn="l" defTabSz="914400" rtl="0" eaLnBrk="0" fontAlgn="base" latinLnBrk="0" hangingPunct="0">
+              <a:lnSpc>
+                <a:spcPct val="100000"/>
+              </a:lnSpc>
+              <a:spcBef>
+                <a:spcPct val="0"/>
+              </a:spcBef>
+              <a:spcAft>
+                <a:spcPts val="600"/>
+              </a:spcAft>
+              <a:buClrTx/>
+              <a:buSzTx/>
+              <a:buFontTx/>
+              <a:buNone/>
+              <a:tabLst/>
+            </a:pPr>
+            <a:r>
+              <a:rPr kumimoji="0" lang="en-US" altLang="en-US" sz="800" b="0" i="0" u="none" strike="noStrike" cap="none" normalizeH="0" baseline="0" dirty="0">
+                <a:ln>
+                  <a:noFill/>
+                </a:ln>
+                <a:solidFill>
+                  <a:srgbClr val="333333"/>
+                </a:solidFill>
+                <a:effectLst/>
+                <a:latin typeface="Courier New" panose="02070309020205020404" pitchFamily="49" charset="0"/>
+              </a:rPr>
+              <a:t>## Age 5.34e-04 8.72e-05 6.12 9.4e-10 *** </a:t>
+            </a:r>
+          </a:p>
+          <a:p>
+            <a:pPr marL="0" marR="0" lvl="0" indent="0" algn="l" defTabSz="914400" rtl="0" eaLnBrk="0" fontAlgn="base" latinLnBrk="0" hangingPunct="0">
+              <a:lnSpc>
+                <a:spcPct val="100000"/>
+              </a:lnSpc>
+              <a:spcBef>
+                <a:spcPct val="0"/>
+              </a:spcBef>
+              <a:spcAft>
+                <a:spcPts val="600"/>
+              </a:spcAft>
+              <a:buClrTx/>
+              <a:buSzTx/>
+              <a:buFontTx/>
+              <a:buNone/>
+              <a:tabLst/>
+            </a:pPr>
+            <a:r>
+              <a:rPr kumimoji="0" lang="en-US" altLang="en-US" sz="800" b="0" i="0" u="none" strike="noStrike" cap="none" normalizeH="0" baseline="0" dirty="0">
+                <a:ln>
+                  <a:noFill/>
+                </a:ln>
+                <a:solidFill>
+                  <a:srgbClr val="333333"/>
+                </a:solidFill>
+                <a:effectLst/>
+                <a:latin typeface="Courier New" panose="02070309020205020404" pitchFamily="49" charset="0"/>
+              </a:rPr>
+              <a:t>## </a:t>
+            </a:r>
+            <a:r>
+              <a:rPr kumimoji="0" lang="en-US" altLang="en-US" sz="800" b="0" i="0" u="none" strike="noStrike" cap="none" normalizeH="0" baseline="0" dirty="0" err="1">
+                <a:ln>
+                  <a:noFill/>
+                </a:ln>
+                <a:solidFill>
+                  <a:srgbClr val="333333"/>
+                </a:solidFill>
+                <a:effectLst/>
+                <a:latin typeface="Courier New" panose="02070309020205020404" pitchFamily="49" charset="0"/>
+              </a:rPr>
+              <a:t>Type.of.Travel</a:t>
+            </a:r>
+            <a:r>
+              <a:rPr kumimoji="0" lang="en-US" altLang="en-US" sz="800" b="0" i="0" u="none" strike="noStrike" cap="none" normalizeH="0" baseline="0" dirty="0">
+                <a:ln>
+                  <a:noFill/>
+                </a:ln>
+                <a:solidFill>
+                  <a:srgbClr val="333333"/>
+                </a:solidFill>
+                <a:effectLst/>
+                <a:latin typeface="Courier New" panose="02070309020205020404" pitchFamily="49" charset="0"/>
+              </a:rPr>
+              <a:t> 4.34e-01 3.61e-03 120.27 &lt; 2e-16 *** </a:t>
+            </a:r>
+          </a:p>
+          <a:p>
+            <a:pPr marL="0" marR="0" lvl="0" indent="0" algn="l" defTabSz="914400" rtl="0" eaLnBrk="0" fontAlgn="base" latinLnBrk="0" hangingPunct="0">
+              <a:lnSpc>
+                <a:spcPct val="100000"/>
+              </a:lnSpc>
+              <a:spcBef>
+                <a:spcPct val="0"/>
+              </a:spcBef>
+              <a:spcAft>
+                <a:spcPts val="600"/>
+              </a:spcAft>
+              <a:buClrTx/>
+              <a:buSzTx/>
+              <a:buFontTx/>
+              <a:buNone/>
+              <a:tabLst/>
+            </a:pPr>
+            <a:r>
+              <a:rPr kumimoji="0" lang="en-US" altLang="en-US" sz="800" b="0" i="0" u="none" strike="noStrike" cap="none" normalizeH="0" baseline="0" dirty="0">
+                <a:ln>
+                  <a:noFill/>
+                </a:ln>
+                <a:solidFill>
+                  <a:srgbClr val="333333"/>
+                </a:solidFill>
+                <a:effectLst/>
+                <a:latin typeface="Courier New" panose="02070309020205020404" pitchFamily="49" charset="0"/>
+              </a:rPr>
+              <a:t>## Class 2.42e-01 3.38e-03 71.81 &lt; 2e-16 *** </a:t>
+            </a:r>
+          </a:p>
+          <a:p>
+            <a:pPr marL="0" marR="0" lvl="0" indent="0" algn="l" defTabSz="914400" rtl="0" eaLnBrk="0" fontAlgn="base" latinLnBrk="0" hangingPunct="0">
+              <a:lnSpc>
+                <a:spcPct val="100000"/>
+              </a:lnSpc>
+              <a:spcBef>
+                <a:spcPct val="0"/>
+              </a:spcBef>
+              <a:spcAft>
+                <a:spcPts val="600"/>
+              </a:spcAft>
+              <a:buClrTx/>
+              <a:buSzTx/>
+              <a:buFontTx/>
+              <a:buNone/>
+              <a:tabLst/>
+            </a:pPr>
+            <a:r>
+              <a:rPr kumimoji="0" lang="en-US" altLang="en-US" sz="800" b="0" i="0" u="none" strike="noStrike" cap="none" normalizeH="0" baseline="0" dirty="0">
+                <a:ln>
+                  <a:noFill/>
+                </a:ln>
+                <a:solidFill>
+                  <a:srgbClr val="333333"/>
+                </a:solidFill>
+                <a:effectLst/>
+                <a:latin typeface="Courier New" panose="02070309020205020404" pitchFamily="49" charset="0"/>
+              </a:rPr>
+              <a:t>## </a:t>
+            </a:r>
+            <a:r>
+              <a:rPr kumimoji="0" lang="en-US" altLang="en-US" sz="800" b="0" i="0" u="none" strike="noStrike" cap="none" normalizeH="0" baseline="0" dirty="0" err="1">
+                <a:ln>
+                  <a:noFill/>
+                </a:ln>
+                <a:solidFill>
+                  <a:srgbClr val="333333"/>
+                </a:solidFill>
+                <a:effectLst/>
+                <a:latin typeface="Courier New" panose="02070309020205020404" pitchFamily="49" charset="0"/>
+              </a:rPr>
+              <a:t>Flight.Distance</a:t>
+            </a:r>
+            <a:r>
+              <a:rPr kumimoji="0" lang="en-US" altLang="en-US" sz="800" b="0" i="0" u="none" strike="noStrike" cap="none" normalizeH="0" baseline="0" dirty="0">
+                <a:ln>
+                  <a:noFill/>
+                </a:ln>
+                <a:solidFill>
+                  <a:srgbClr val="333333"/>
+                </a:solidFill>
+                <a:effectLst/>
+                <a:latin typeface="Courier New" panose="02070309020205020404" pitchFamily="49" charset="0"/>
+              </a:rPr>
+              <a:t> 8.38e-06 1.45e-06 5.77 8.1e-09 ***</a:t>
+            </a:r>
+            <a:r>
+              <a:rPr kumimoji="0" lang="en-US" altLang="en-US" sz="800" b="0" i="0" u="none" strike="noStrike" cap="none" normalizeH="0" baseline="0" dirty="0">
+                <a:ln>
+                  <a:noFill/>
+                </a:ln>
+                <a:solidFill>
+                  <a:schemeClr val="tx1"/>
+                </a:solidFill>
+                <a:effectLst/>
+              </a:rPr>
+              <a:t> </a:t>
+            </a:r>
+            <a:endParaRPr kumimoji="0" lang="en-US" altLang="en-US" sz="800" b="0" i="0" u="none" strike="noStrike" cap="none" normalizeH="0" baseline="0" dirty="0">
+              <a:ln>
+                <a:noFill/>
+              </a:ln>
+              <a:solidFill>
+                <a:schemeClr val="tx1"/>
+              </a:solidFill>
+              <a:effectLst/>
+              <a:latin typeface="Arial" panose="020B0604020202020204" pitchFamily="34" charset="0"/>
+            </a:endParaRPr>
           </a:p>
         </p:txBody>
       </p:sp>
       <p:sp>
         <p:nvSpPr>
-          <p:cNvPr id="7" name="Isosceles Triangle 6">
-            <a:extLst>
-              <a:ext uri="{FF2B5EF4-FFF2-40B4-BE49-F238E27FC236}">
-                <a16:creationId xmlns:a16="http://schemas.microsoft.com/office/drawing/2014/main" id="{28A61623-7A8C-F95D-B241-A79B529615A4}"/>
+          <p:cNvPr id="5" name="Isosceles Triangle 4">
+            <a:extLst>
+              <a:ext uri="{FF2B5EF4-FFF2-40B4-BE49-F238E27FC236}">
+                <a16:creationId xmlns:a16="http://schemas.microsoft.com/office/drawing/2014/main" id="{AEAE6FC0-75E8-6CE0-E76B-8E1477D4CC6A}"/>
               </a:ext>
             </a:extLst>
           </p:cNvPr>
@@ -9407,8 +10492,8 @@
           <p:nvPr/>
         </p:nvSpPr>
         <p:spPr>
-          <a:xfrm flipH="1" flipV="1">
-            <a:off x="7762873" y="-1"/>
+          <a:xfrm rot="10800000" flipH="1" flipV="1">
+            <a:off x="0" y="5724525"/>
             <a:ext cx="4429125" cy="1133475"/>
           </a:xfrm>
           <a:prstGeom prst="triangle">
@@ -9458,10 +10543,10 @@
       </p:sp>
       <p:pic>
         <p:nvPicPr>
-          <p:cNvPr id="9" name="Graphic 8" descr="Cloud">
-            <a:extLst>
-              <a:ext uri="{FF2B5EF4-FFF2-40B4-BE49-F238E27FC236}">
-                <a16:creationId xmlns:a16="http://schemas.microsoft.com/office/drawing/2014/main" id="{D425CA3D-625F-940E-10A1-D3D8A287A3B9}"/>
+          <p:cNvPr id="6" name="Graphic 5" descr="Cloud">
+            <a:extLst>
+              <a:ext uri="{FF2B5EF4-FFF2-40B4-BE49-F238E27FC236}">
+                <a16:creationId xmlns:a16="http://schemas.microsoft.com/office/drawing/2014/main" id="{BEDF8DD6-1808-AB72-D919-10F43439180E}"/>
               </a:ext>
             </a:extLst>
           </p:cNvPr>
@@ -9471,13 +10556,13 @@
           <p:nvPr/>
         </p:nvPicPr>
         <p:blipFill>
-          <a:blip r:embed="rId2">
+          <a:blip r:embed="rId4">
             <a:extLst>
               <a:ext uri="{28A0092B-C50C-407E-A947-70E740481C1C}">
                 <a14:useLocalDpi xmlns:a14="http://schemas.microsoft.com/office/drawing/2010/main" val="0"/>
               </a:ext>
               <a:ext uri="{96DAC541-7B7A-43D3-8B79-37D633B846F1}">
-                <asvg:svgBlip xmlns:asvg="http://schemas.microsoft.com/office/drawing/2016/SVG/main" r:embed="rId3"/>
+                <asvg:svgBlip xmlns:asvg="http://schemas.microsoft.com/office/drawing/2016/SVG/main" r:embed="rId5"/>
               </a:ext>
             </a:extLst>
           </a:blip>
@@ -9487,86 +10572,8 @@
         </p:blipFill>
         <p:spPr>
           <a:xfrm>
-            <a:off x="10858500" y="-225426"/>
+            <a:off x="76200" y="5724525"/>
             <a:ext cx="1333500" cy="1333500"/>
-          </a:xfrm>
-          <a:prstGeom prst="rect">
-            <a:avLst/>
-          </a:prstGeom>
-        </p:spPr>
-      </p:pic>
-      <p:pic>
-        <p:nvPicPr>
-          <p:cNvPr id="11" name="Graphic 10" descr="Briefcase">
-            <a:extLst>
-              <a:ext uri="{FF2B5EF4-FFF2-40B4-BE49-F238E27FC236}">
-                <a16:creationId xmlns:a16="http://schemas.microsoft.com/office/drawing/2014/main" id="{8534F7C1-4FBE-1F84-B88E-5FFF6F4C7DD3}"/>
-              </a:ext>
-            </a:extLst>
-          </p:cNvPr>
-          <p:cNvPicPr>
-            <a:picLocks noChangeAspect="1"/>
-          </p:cNvPicPr>
-          <p:nvPr/>
-        </p:nvPicPr>
-        <p:blipFill>
-          <a:blip r:embed="rId4">
-            <a:extLst>
-              <a:ext uri="{28A0092B-C50C-407E-A947-70E740481C1C}">
-                <a14:useLocalDpi xmlns:a14="http://schemas.microsoft.com/office/drawing/2010/main" val="0"/>
-              </a:ext>
-              <a:ext uri="{96DAC541-7B7A-43D3-8B79-37D633B846F1}">
-                <asvg:svgBlip xmlns:asvg="http://schemas.microsoft.com/office/drawing/2016/SVG/main" r:embed="rId5"/>
-              </a:ext>
-            </a:extLst>
-          </a:blip>
-          <a:stretch>
-            <a:fillRect/>
-          </a:stretch>
-        </p:blipFill>
-        <p:spPr>
-          <a:xfrm>
-            <a:off x="1829560" y="4914913"/>
-            <a:ext cx="1262278" cy="1262278"/>
-          </a:xfrm>
-          <a:prstGeom prst="rect">
-            <a:avLst/>
-          </a:prstGeom>
-        </p:spPr>
-      </p:pic>
-      <p:pic>
-        <p:nvPicPr>
-          <p:cNvPr id="15" name="Graphic 14" descr="Pilot">
-            <a:extLst>
-              <a:ext uri="{FF2B5EF4-FFF2-40B4-BE49-F238E27FC236}">
-                <a16:creationId xmlns:a16="http://schemas.microsoft.com/office/drawing/2014/main" id="{74FAA2D2-6AC5-04D8-6B14-695EBE6E4829}"/>
-              </a:ext>
-            </a:extLst>
-          </p:cNvPr>
-          <p:cNvPicPr>
-            <a:picLocks noChangeAspect="1"/>
-          </p:cNvPicPr>
-          <p:nvPr/>
-        </p:nvPicPr>
-        <p:blipFill>
-          <a:blip r:embed="rId6">
-            <a:extLst>
-              <a:ext uri="{28A0092B-C50C-407E-A947-70E740481C1C}">
-                <a14:useLocalDpi xmlns:a14="http://schemas.microsoft.com/office/drawing/2010/main" val="0"/>
-              </a:ext>
-              <a:ext uri="{96DAC541-7B7A-43D3-8B79-37D633B846F1}">
-                <asvg:svgBlip xmlns:asvg="http://schemas.microsoft.com/office/drawing/2016/SVG/main" r:embed="rId7"/>
-              </a:ext>
-            </a:extLst>
-          </a:blip>
-          <a:stretch>
-            <a:fillRect/>
-          </a:stretch>
-        </p:blipFill>
-        <p:spPr>
-          <a:xfrm>
-            <a:off x="877059" y="3018832"/>
-            <a:ext cx="1320801" cy="1320801"/>
           </a:xfrm>
           <a:prstGeom prst="rect">
             <a:avLst/>
@@ -9576,7 +10583,7 @@
     </p:spTree>
     <p:extLst>
       <p:ext uri="{BB962C8B-B14F-4D97-AF65-F5344CB8AC3E}">
-        <p14:creationId xmlns:p14="http://schemas.microsoft.com/office/powerpoint/2010/main" val="344818731"/>
+        <p14:creationId xmlns:p14="http://schemas.microsoft.com/office/powerpoint/2010/main" val="2613039472"/>
       </p:ext>
     </p:extLst>
   </p:cSld>
@@ -9608,7 +10615,7 @@
           <p:cNvPr id="2" name="Title 1">
             <a:extLst>
               <a:ext uri="{FF2B5EF4-FFF2-40B4-BE49-F238E27FC236}">
-                <a16:creationId xmlns:a16="http://schemas.microsoft.com/office/drawing/2014/main" id="{9BB362AB-B86E-A3C6-C76F-4F5530C1D43B}"/>
+                <a16:creationId xmlns:a16="http://schemas.microsoft.com/office/drawing/2014/main" id="{059D2A06-5A87-324C-B6BA-3025A3E04A92}"/>
               </a:ext>
             </a:extLst>
           </p:cNvPr>
@@ -9619,26 +10626,14 @@
             <p:ph type="title"/>
           </p:nvPr>
         </p:nvSpPr>
-        <p:spPr>
-          <a:xfrm>
-            <a:off x="838200" y="365125"/>
-            <a:ext cx="5486400" cy="1325563"/>
-          </a:xfrm>
-        </p:spPr>
+        <p:spPr/>
         <p:txBody>
           <a:bodyPr/>
           <a:lstStyle/>
           <a:p>
             <a:r>
               <a:rPr lang="en-US" dirty="0"/>
-              <a:t>Testing Linearity </a:t>
-            </a:r>
-            <a:br>
-              <a:rPr lang="en-US" dirty="0"/>
-            </a:br>
-            <a:r>
-              <a:rPr lang="en-US" dirty="0"/>
-              <a:t>with Log Odds (1/3)</a:t>
+              <a:t>Logistic Regression</a:t>
             </a:r>
           </a:p>
         </p:txBody>
@@ -9648,7 +10643,7 @@
           <p:cNvPr id="3" name="TextBox 2">
             <a:extLst>
               <a:ext uri="{FF2B5EF4-FFF2-40B4-BE49-F238E27FC236}">
-                <a16:creationId xmlns:a16="http://schemas.microsoft.com/office/drawing/2014/main" id="{5B469D07-E7E1-B5FF-7751-7D9F14F973C1}"/>
+                <a16:creationId xmlns:a16="http://schemas.microsoft.com/office/drawing/2014/main" id="{24B166E6-D4CE-0AE2-4B34-CFF0CDE1A04F}"/>
               </a:ext>
             </a:extLst>
           </p:cNvPr>
@@ -9657,8 +10652,8 @@
         </p:nvSpPr>
         <p:spPr>
           <a:xfrm>
-            <a:off x="1701800" y="1904495"/>
-            <a:ext cx="7345870" cy="1200329"/>
+            <a:off x="838200" y="1690688"/>
+            <a:ext cx="9525000" cy="923330"/>
           </a:xfrm>
           <a:prstGeom prst="rect">
             <a:avLst/>
@@ -9682,119 +10677,118 @@
                   <a:srgbClr val="333333"/>
                 </a:solidFill>
               </a:rPr>
-              <a:t>Unlike a standard linear regression, which assumes that independent parameters have a linear relationship with the dependent variable, </a:t>
-            </a:r>
+              <a:t>Rather than a linear model, we will evaluate and prepare the data for use in a logistic regression, which predicts the log odds of satisfaction. Such models utilize different assumptions relative to linear models, significantly altering the necessary EDA steps.</a:t>
+            </a:r>
+          </a:p>
+        </p:txBody>
+      </p:sp>
+      <p:sp>
+        <p:nvSpPr>
+          <p:cNvPr id="5" name="TextBox 4">
+            <a:extLst>
+              <a:ext uri="{FF2B5EF4-FFF2-40B4-BE49-F238E27FC236}">
+                <a16:creationId xmlns:a16="http://schemas.microsoft.com/office/drawing/2014/main" id="{C577FEF2-B7C5-29ED-A509-B06085C94146}"/>
+              </a:ext>
+            </a:extLst>
+          </p:cNvPr>
+          <p:cNvSpPr txBox="1"/>
+          <p:nvPr/>
+        </p:nvSpPr>
+        <p:spPr>
+          <a:xfrm>
+            <a:off x="3486150" y="3275077"/>
+            <a:ext cx="7867650" cy="2970044"/>
+          </a:xfrm>
+          <a:prstGeom prst="rect">
+            <a:avLst/>
+          </a:prstGeom>
+          <a:noFill/>
+        </p:spPr>
+        <p:txBody>
+          <a:bodyPr wrap="square">
+            <a:spAutoFit/>
+          </a:bodyPr>
+          <a:lstStyle/>
+          <a:p>
+            <a:pPr>
+              <a:spcAft>
+                <a:spcPts val="600"/>
+              </a:spcAft>
+            </a:pPr>
+            <a:r>
+              <a:rPr lang="en-US" dirty="0">
+                <a:solidFill>
+                  <a:srgbClr val="333333"/>
+                </a:solidFill>
+              </a:rPr>
+              <a:t>Assumptions are altered as follows:</a:t>
+            </a:r>
+          </a:p>
+          <a:p>
+            <a:pPr marL="285750" indent="-285750">
+              <a:spcAft>
+                <a:spcPts val="600"/>
+              </a:spcAft>
+              <a:buFont typeface="Arial" panose="020B0604020202020204" pitchFamily="34" charset="0"/>
+              <a:buChar char="•"/>
+            </a:pPr>
             <a:r>
               <a:rPr lang="en-US" b="1" dirty="0">
                 <a:solidFill>
                   <a:srgbClr val="333333"/>
                 </a:solidFill>
               </a:rPr>
-              <a:t>logistic regression assumes that parameters have a linear relationship with the log odds.</a:t>
-            </a:r>
-          </a:p>
-        </p:txBody>
-      </p:sp>
-      <p:sp>
-        <p:nvSpPr>
-          <p:cNvPr id="5" name="TextBox 4">
-            <a:extLst>
-              <a:ext uri="{FF2B5EF4-FFF2-40B4-BE49-F238E27FC236}">
-                <a16:creationId xmlns:a16="http://schemas.microsoft.com/office/drawing/2014/main" id="{24A99E9D-02CF-C8B9-06FB-12253987B204}"/>
-              </a:ext>
-            </a:extLst>
-          </p:cNvPr>
-          <p:cNvSpPr txBox="1"/>
-          <p:nvPr/>
-        </p:nvSpPr>
-        <p:spPr>
-          <a:xfrm>
-            <a:off x="2618500" y="3353272"/>
-            <a:ext cx="7392070" cy="1200329"/>
-          </a:xfrm>
-          <a:prstGeom prst="rect">
-            <a:avLst/>
-          </a:prstGeom>
-          <a:noFill/>
-        </p:spPr>
-        <p:txBody>
-          <a:bodyPr wrap="square">
-            <a:spAutoFit/>
-          </a:bodyPr>
-          <a:lstStyle/>
-          <a:p>
-            <a:pPr>
-              <a:spcAft>
-                <a:spcPts val="600"/>
-              </a:spcAft>
-            </a:pPr>
+              <a:t>Linearity</a:t>
+            </a:r>
             <a:r>
               <a:rPr lang="en-US" dirty="0">
                 <a:solidFill>
                   <a:srgbClr val="333333"/>
                 </a:solidFill>
               </a:rPr>
-              <a:t>Odds represent the number of favorable outcomes divided by the number of unfavorable outcomes. Put differently, if “p” represents the probability of favorable outcomes, </a:t>
-            </a:r>
+              <a:t>: Rather than a linear relationship between parameters and the dependent variable, logistic regression assumes a linear relationship between parameters and the log odds</a:t>
+            </a:r>
+          </a:p>
+          <a:p>
+            <a:pPr marL="285750" indent="-285750">
+              <a:spcAft>
+                <a:spcPts val="600"/>
+              </a:spcAft>
+              <a:buFont typeface="Arial" panose="020B0604020202020204" pitchFamily="34" charset="0"/>
+              <a:buChar char="•"/>
+            </a:pPr>
             <a:r>
               <a:rPr lang="en-US" b="1" dirty="0">
                 <a:solidFill>
                   <a:srgbClr val="333333"/>
                 </a:solidFill>
               </a:rPr>
-              <a:t>Odds = p/(1-p). Log odds take the natural log of the odds, which can be expressed as ln(p/1-p)).</a:t>
-            </a:r>
-          </a:p>
-        </p:txBody>
-      </p:sp>
-      <p:sp>
-        <p:nvSpPr>
-          <p:cNvPr id="7" name="TextBox 6">
-            <a:extLst>
-              <a:ext uri="{FF2B5EF4-FFF2-40B4-BE49-F238E27FC236}">
-                <a16:creationId xmlns:a16="http://schemas.microsoft.com/office/drawing/2014/main" id="{07868C0A-A8AD-AC37-B0C8-338A4ED6BC96}"/>
-              </a:ext>
-            </a:extLst>
-          </p:cNvPr>
-          <p:cNvSpPr txBox="1"/>
-          <p:nvPr/>
-        </p:nvSpPr>
-        <p:spPr>
-          <a:xfrm>
-            <a:off x="3581400" y="4802049"/>
-            <a:ext cx="7877175" cy="1477328"/>
-          </a:xfrm>
-          <a:prstGeom prst="rect">
-            <a:avLst/>
-          </a:prstGeom>
-          <a:noFill/>
-        </p:spPr>
-        <p:txBody>
-          <a:bodyPr wrap="square">
-            <a:spAutoFit/>
-          </a:bodyPr>
-          <a:lstStyle/>
-          <a:p>
-            <a:pPr>
-              <a:spcAft>
-                <a:spcPts val="600"/>
-              </a:spcAft>
-            </a:pPr>
+              <a:t>Independence of Errors</a:t>
+            </a:r>
             <a:r>
               <a:rPr lang="en-US" dirty="0">
                 <a:solidFill>
                   <a:srgbClr val="333333"/>
                 </a:solidFill>
               </a:rPr>
-              <a:t>We can use a visual test to examine whether or not this assumption holds true for continuous variables. While it is not sensible to compute log odds for individual data points, </a:t>
-            </a:r>
+              <a:t>: Remains as an assumption for both linear and logistic models</a:t>
+            </a:r>
+          </a:p>
+          <a:p>
+            <a:pPr marL="285750" indent="-285750">
+              <a:spcAft>
+                <a:spcPts val="600"/>
+              </a:spcAft>
+              <a:buFont typeface="Arial" panose="020B0604020202020204" pitchFamily="34" charset="0"/>
+              <a:buChar char="•"/>
+            </a:pPr>
             <a:r>
               <a:rPr lang="en-US" b="1" dirty="0">
                 <a:solidFill>
                   <a:srgbClr val="333333"/>
                 </a:solidFill>
               </a:rPr>
-              <a:t>we can group continuous variables into discrete buckets—calculating the average log odds for each</a:t>
+              <a:t>Homoscedasticity</a:t>
             </a:r>
             <a:r>
               <a:rPr lang="en-US" dirty="0">
@@ -9802,135 +10796,68 @@
                   <a:srgbClr val="333333"/>
                 </a:solidFill>
               </a:rPr>
-              <a:t>—to examine whether or not they might satisfy this assumption.</a:t>
+              <a:t>: Not required under logistic regression</a:t>
+            </a:r>
+          </a:p>
+          <a:p>
+            <a:pPr marL="285750" indent="-285750">
+              <a:spcAft>
+                <a:spcPts val="600"/>
+              </a:spcAft>
+              <a:buFont typeface="Arial" panose="020B0604020202020204" pitchFamily="34" charset="0"/>
+              <a:buChar char="•"/>
+            </a:pPr>
+            <a:r>
+              <a:rPr lang="en-US" b="1" dirty="0">
+                <a:solidFill>
+                  <a:srgbClr val="333333"/>
+                </a:solidFill>
+              </a:rPr>
+              <a:t>Normally distributed residuals</a:t>
+            </a:r>
+            <a:r>
+              <a:rPr lang="en-US" dirty="0">
+                <a:solidFill>
+                  <a:srgbClr val="333333"/>
+                </a:solidFill>
+              </a:rPr>
+              <a:t>: Not required under logistic regression</a:t>
+            </a:r>
+          </a:p>
+          <a:p>
+            <a:pPr marL="285750" indent="-285750">
+              <a:spcAft>
+                <a:spcPts val="600"/>
+              </a:spcAft>
+              <a:buFont typeface="Arial" panose="020B0604020202020204" pitchFamily="34" charset="0"/>
+              <a:buChar char="•"/>
+            </a:pPr>
+            <a:r>
+              <a:rPr lang="en-US" b="1" dirty="0">
+                <a:solidFill>
+                  <a:srgbClr val="333333"/>
+                </a:solidFill>
+              </a:rPr>
+              <a:t>Multicollinearity</a:t>
+            </a:r>
+            <a:r>
+              <a:rPr lang="en-US" dirty="0">
+                <a:solidFill>
+                  <a:srgbClr val="333333"/>
+                </a:solidFill>
+              </a:rPr>
+              <a:t>: Remains as an assumption for both linear and logistic models</a:t>
             </a:r>
             <a:endParaRPr lang="en-US" dirty="0"/>
           </a:p>
         </p:txBody>
       </p:sp>
-      <p:pic>
-        <p:nvPicPr>
-          <p:cNvPr id="12" name="Graphic 11" descr="Mountain scene">
-            <a:extLst>
-              <a:ext uri="{FF2B5EF4-FFF2-40B4-BE49-F238E27FC236}">
-                <a16:creationId xmlns:a16="http://schemas.microsoft.com/office/drawing/2014/main" id="{7035C8CA-E5E4-1F8B-958D-529DB980C2C6}"/>
-              </a:ext>
-            </a:extLst>
-          </p:cNvPr>
-          <p:cNvPicPr>
-            <a:picLocks noChangeAspect="1"/>
-          </p:cNvPicPr>
-          <p:nvPr/>
-        </p:nvPicPr>
-        <p:blipFill>
-          <a:blip r:embed="rId2">
-            <a:extLst>
-              <a:ext uri="{28A0092B-C50C-407E-A947-70E740481C1C}">
-                <a14:useLocalDpi xmlns:a14="http://schemas.microsoft.com/office/drawing/2010/main" val="0"/>
-              </a:ext>
-              <a:ext uri="{96DAC541-7B7A-43D3-8B79-37D633B846F1}">
-                <asvg:svgBlip xmlns:asvg="http://schemas.microsoft.com/office/drawing/2016/SVG/main" r:embed="rId3"/>
-              </a:ext>
-            </a:extLst>
-          </a:blip>
-          <a:stretch>
-            <a:fillRect/>
-          </a:stretch>
-        </p:blipFill>
-        <p:spPr>
-          <a:xfrm>
-            <a:off x="1704100" y="3496236"/>
-            <a:ext cx="914400" cy="914400"/>
-          </a:xfrm>
-          <a:prstGeom prst="rect">
-            <a:avLst/>
-          </a:prstGeom>
-        </p:spPr>
-      </p:pic>
-      <p:pic>
-        <p:nvPicPr>
-          <p:cNvPr id="14" name="Graphic 13" descr="Tropical scene">
-            <a:extLst>
-              <a:ext uri="{FF2B5EF4-FFF2-40B4-BE49-F238E27FC236}">
-                <a16:creationId xmlns:a16="http://schemas.microsoft.com/office/drawing/2014/main" id="{0CEC0B41-A241-066D-8FE5-DFC86C1A59AD}"/>
-              </a:ext>
-            </a:extLst>
-          </p:cNvPr>
-          <p:cNvPicPr>
-            <a:picLocks noChangeAspect="1"/>
-          </p:cNvPicPr>
-          <p:nvPr/>
-        </p:nvPicPr>
-        <p:blipFill>
-          <a:blip r:embed="rId4">
-            <a:extLst>
-              <a:ext uri="{28A0092B-C50C-407E-A947-70E740481C1C}">
-                <a14:useLocalDpi xmlns:a14="http://schemas.microsoft.com/office/drawing/2010/main" val="0"/>
-              </a:ext>
-              <a:ext uri="{96DAC541-7B7A-43D3-8B79-37D633B846F1}">
-                <asvg:svgBlip xmlns:asvg="http://schemas.microsoft.com/office/drawing/2016/SVG/main" r:embed="rId5"/>
-              </a:ext>
-            </a:extLst>
-          </a:blip>
-          <a:stretch>
-            <a:fillRect/>
-          </a:stretch>
-        </p:blipFill>
-        <p:spPr>
-          <a:xfrm>
-            <a:off x="787400" y="2053154"/>
-            <a:ext cx="914400" cy="914400"/>
-          </a:xfrm>
-          <a:prstGeom prst="rect">
-            <a:avLst/>
-          </a:prstGeom>
-        </p:spPr>
-      </p:pic>
-      <p:pic>
-        <p:nvPicPr>
-          <p:cNvPr id="16" name="Graphic 15" descr="City">
-            <a:extLst>
-              <a:ext uri="{FF2B5EF4-FFF2-40B4-BE49-F238E27FC236}">
-                <a16:creationId xmlns:a16="http://schemas.microsoft.com/office/drawing/2014/main" id="{8D25AA89-71E7-FDE7-AEC5-942635CD3666}"/>
-              </a:ext>
-            </a:extLst>
-          </p:cNvPr>
-          <p:cNvPicPr>
-            <a:picLocks noChangeAspect="1"/>
-          </p:cNvPicPr>
-          <p:nvPr/>
-        </p:nvPicPr>
-        <p:blipFill>
-          <a:blip r:embed="rId6">
-            <a:extLst>
-              <a:ext uri="{28A0092B-C50C-407E-A947-70E740481C1C}">
-                <a14:useLocalDpi xmlns:a14="http://schemas.microsoft.com/office/drawing/2010/main" val="0"/>
-              </a:ext>
-              <a:ext uri="{96DAC541-7B7A-43D3-8B79-37D633B846F1}">
-                <asvg:svgBlip xmlns:asvg="http://schemas.microsoft.com/office/drawing/2016/SVG/main" r:embed="rId7"/>
-              </a:ext>
-            </a:extLst>
-          </a:blip>
-          <a:stretch>
-            <a:fillRect/>
-          </a:stretch>
-        </p:blipFill>
-        <p:spPr>
-          <a:xfrm>
-            <a:off x="2667000" y="5083513"/>
-            <a:ext cx="914400" cy="914400"/>
-          </a:xfrm>
-          <a:prstGeom prst="rect">
-            <a:avLst/>
-          </a:prstGeom>
-        </p:spPr>
-      </p:pic>
       <p:sp>
         <p:nvSpPr>
-          <p:cNvPr id="17" name="Isosceles Triangle 16">
-            <a:extLst>
-              <a:ext uri="{FF2B5EF4-FFF2-40B4-BE49-F238E27FC236}">
-                <a16:creationId xmlns:a16="http://schemas.microsoft.com/office/drawing/2014/main" id="{B7E51072-487B-7841-86FC-29E0CB8278A4}"/>
+          <p:cNvPr id="7" name="Isosceles Triangle 6">
+            <a:extLst>
+              <a:ext uri="{FF2B5EF4-FFF2-40B4-BE49-F238E27FC236}">
+                <a16:creationId xmlns:a16="http://schemas.microsoft.com/office/drawing/2014/main" id="{28A61623-7A8C-F95D-B241-A79B529615A4}"/>
               </a:ext>
             </a:extLst>
           </p:cNvPr>
@@ -9989,10 +10916,10 @@
       </p:sp>
       <p:pic>
         <p:nvPicPr>
-          <p:cNvPr id="18" name="Graphic 17" descr="Cloud">
-            <a:extLst>
-              <a:ext uri="{FF2B5EF4-FFF2-40B4-BE49-F238E27FC236}">
-                <a16:creationId xmlns:a16="http://schemas.microsoft.com/office/drawing/2014/main" id="{D4ABD1C4-AE72-9CE0-0DA8-0E7B47F4FACB}"/>
+          <p:cNvPr id="9" name="Graphic 8" descr="Cloud">
+            <a:extLst>
+              <a:ext uri="{FF2B5EF4-FFF2-40B4-BE49-F238E27FC236}">
+                <a16:creationId xmlns:a16="http://schemas.microsoft.com/office/drawing/2014/main" id="{D425CA3D-625F-940E-10A1-D3D8A287A3B9}"/>
               </a:ext>
             </a:extLst>
           </p:cNvPr>
@@ -10002,13 +10929,13 @@
           <p:nvPr/>
         </p:nvPicPr>
         <p:blipFill>
-          <a:blip r:embed="rId8">
+          <a:blip r:embed="rId2">
             <a:extLst>
               <a:ext uri="{28A0092B-C50C-407E-A947-70E740481C1C}">
                 <a14:useLocalDpi xmlns:a14="http://schemas.microsoft.com/office/drawing/2010/main" val="0"/>
               </a:ext>
               <a:ext uri="{96DAC541-7B7A-43D3-8B79-37D633B846F1}">
-                <asvg:svgBlip xmlns:asvg="http://schemas.microsoft.com/office/drawing/2016/SVG/main" r:embed="rId9"/>
+                <asvg:svgBlip xmlns:asvg="http://schemas.microsoft.com/office/drawing/2016/SVG/main" r:embed="rId3"/>
               </a:ext>
             </a:extLst>
           </a:blip>
@@ -10026,10 +10953,88 @@
           </a:prstGeom>
         </p:spPr>
       </p:pic>
+      <p:pic>
+        <p:nvPicPr>
+          <p:cNvPr id="11" name="Graphic 10" descr="Briefcase">
+            <a:extLst>
+              <a:ext uri="{FF2B5EF4-FFF2-40B4-BE49-F238E27FC236}">
+                <a16:creationId xmlns:a16="http://schemas.microsoft.com/office/drawing/2014/main" id="{8534F7C1-4FBE-1F84-B88E-5FFF6F4C7DD3}"/>
+              </a:ext>
+            </a:extLst>
+          </p:cNvPr>
+          <p:cNvPicPr>
+            <a:picLocks noChangeAspect="1"/>
+          </p:cNvPicPr>
+          <p:nvPr/>
+        </p:nvPicPr>
+        <p:blipFill>
+          <a:blip r:embed="rId4">
+            <a:extLst>
+              <a:ext uri="{28A0092B-C50C-407E-A947-70E740481C1C}">
+                <a14:useLocalDpi xmlns:a14="http://schemas.microsoft.com/office/drawing/2010/main" val="0"/>
+              </a:ext>
+              <a:ext uri="{96DAC541-7B7A-43D3-8B79-37D633B846F1}">
+                <asvg:svgBlip xmlns:asvg="http://schemas.microsoft.com/office/drawing/2016/SVG/main" r:embed="rId5"/>
+              </a:ext>
+            </a:extLst>
+          </a:blip>
+          <a:stretch>
+            <a:fillRect/>
+          </a:stretch>
+        </p:blipFill>
+        <p:spPr>
+          <a:xfrm>
+            <a:off x="1829560" y="4914913"/>
+            <a:ext cx="1262278" cy="1262278"/>
+          </a:xfrm>
+          <a:prstGeom prst="rect">
+            <a:avLst/>
+          </a:prstGeom>
+        </p:spPr>
+      </p:pic>
+      <p:pic>
+        <p:nvPicPr>
+          <p:cNvPr id="15" name="Graphic 14" descr="Pilot">
+            <a:extLst>
+              <a:ext uri="{FF2B5EF4-FFF2-40B4-BE49-F238E27FC236}">
+                <a16:creationId xmlns:a16="http://schemas.microsoft.com/office/drawing/2014/main" id="{74FAA2D2-6AC5-04D8-6B14-695EBE6E4829}"/>
+              </a:ext>
+            </a:extLst>
+          </p:cNvPr>
+          <p:cNvPicPr>
+            <a:picLocks noChangeAspect="1"/>
+          </p:cNvPicPr>
+          <p:nvPr/>
+        </p:nvPicPr>
+        <p:blipFill>
+          <a:blip r:embed="rId6">
+            <a:extLst>
+              <a:ext uri="{28A0092B-C50C-407E-A947-70E740481C1C}">
+                <a14:useLocalDpi xmlns:a14="http://schemas.microsoft.com/office/drawing/2010/main" val="0"/>
+              </a:ext>
+              <a:ext uri="{96DAC541-7B7A-43D3-8B79-37D633B846F1}">
+                <asvg:svgBlip xmlns:asvg="http://schemas.microsoft.com/office/drawing/2016/SVG/main" r:embed="rId7"/>
+              </a:ext>
+            </a:extLst>
+          </a:blip>
+          <a:stretch>
+            <a:fillRect/>
+          </a:stretch>
+        </p:blipFill>
+        <p:spPr>
+          <a:xfrm>
+            <a:off x="877059" y="3018832"/>
+            <a:ext cx="1320801" cy="1320801"/>
+          </a:xfrm>
+          <a:prstGeom prst="rect">
+            <a:avLst/>
+          </a:prstGeom>
+        </p:spPr>
+      </p:pic>
     </p:spTree>
     <p:extLst>
       <p:ext uri="{BB962C8B-B14F-4D97-AF65-F5344CB8AC3E}">
-        <p14:creationId xmlns:p14="http://schemas.microsoft.com/office/powerpoint/2010/main" val="1573223430"/>
+        <p14:creationId xmlns:p14="http://schemas.microsoft.com/office/powerpoint/2010/main" val="344818731"/>
       </p:ext>
     </p:extLst>
   </p:cSld>
@@ -10058,10 +11063,332 @@
       </p:grpSpPr>
       <p:sp>
         <p:nvSpPr>
-          <p:cNvPr id="6" name="Isosceles Triangle 5">
-            <a:extLst>
-              <a:ext uri="{FF2B5EF4-FFF2-40B4-BE49-F238E27FC236}">
-                <a16:creationId xmlns:a16="http://schemas.microsoft.com/office/drawing/2014/main" id="{9D774D4E-8070-461A-4CE4-5AF36724D05E}"/>
+          <p:cNvPr id="2" name="Title 1">
+            <a:extLst>
+              <a:ext uri="{FF2B5EF4-FFF2-40B4-BE49-F238E27FC236}">
+                <a16:creationId xmlns:a16="http://schemas.microsoft.com/office/drawing/2014/main" id="{9BB362AB-B86E-A3C6-C76F-4F5530C1D43B}"/>
+              </a:ext>
+            </a:extLst>
+          </p:cNvPr>
+          <p:cNvSpPr>
+            <a:spLocks noGrp="1"/>
+          </p:cNvSpPr>
+          <p:nvPr>
+            <p:ph type="title"/>
+          </p:nvPr>
+        </p:nvSpPr>
+        <p:spPr>
+          <a:xfrm>
+            <a:off x="838200" y="365125"/>
+            <a:ext cx="5486400" cy="1325563"/>
+          </a:xfrm>
+        </p:spPr>
+        <p:txBody>
+          <a:bodyPr/>
+          <a:lstStyle/>
+          <a:p>
+            <a:r>
+              <a:rPr lang="en-US" dirty="0"/>
+              <a:t>Testing Linearity </a:t>
+            </a:r>
+            <a:br>
+              <a:rPr lang="en-US" dirty="0"/>
+            </a:br>
+            <a:r>
+              <a:rPr lang="en-US" dirty="0"/>
+              <a:t>with Log Odds (1/3)</a:t>
+            </a:r>
+          </a:p>
+        </p:txBody>
+      </p:sp>
+      <p:sp>
+        <p:nvSpPr>
+          <p:cNvPr id="3" name="TextBox 2">
+            <a:extLst>
+              <a:ext uri="{FF2B5EF4-FFF2-40B4-BE49-F238E27FC236}">
+                <a16:creationId xmlns:a16="http://schemas.microsoft.com/office/drawing/2014/main" id="{5B469D07-E7E1-B5FF-7751-7D9F14F973C1}"/>
+              </a:ext>
+            </a:extLst>
+          </p:cNvPr>
+          <p:cNvSpPr txBox="1"/>
+          <p:nvPr/>
+        </p:nvSpPr>
+        <p:spPr>
+          <a:xfrm>
+            <a:off x="1701800" y="1904495"/>
+            <a:ext cx="7345870" cy="1200329"/>
+          </a:xfrm>
+          <a:prstGeom prst="rect">
+            <a:avLst/>
+          </a:prstGeom>
+          <a:noFill/>
+        </p:spPr>
+        <p:txBody>
+          <a:bodyPr wrap="square">
+            <a:spAutoFit/>
+          </a:bodyPr>
+          <a:lstStyle/>
+          <a:p>
+            <a:pPr>
+              <a:spcAft>
+                <a:spcPts val="600"/>
+              </a:spcAft>
+            </a:pPr>
+            <a:r>
+              <a:rPr lang="en-US" dirty="0">
+                <a:solidFill>
+                  <a:srgbClr val="333333"/>
+                </a:solidFill>
+              </a:rPr>
+              <a:t>Unlike a standard linear regression, which assumes that independent parameters have a linear relationship with the dependent variable, </a:t>
+            </a:r>
+            <a:r>
+              <a:rPr lang="en-US" b="1" dirty="0">
+                <a:solidFill>
+                  <a:srgbClr val="333333"/>
+                </a:solidFill>
+              </a:rPr>
+              <a:t>logistic regression assumes that parameters have a linear relationship with the log odds.</a:t>
+            </a:r>
+          </a:p>
+        </p:txBody>
+      </p:sp>
+      <p:sp>
+        <p:nvSpPr>
+          <p:cNvPr id="5" name="TextBox 4">
+            <a:extLst>
+              <a:ext uri="{FF2B5EF4-FFF2-40B4-BE49-F238E27FC236}">
+                <a16:creationId xmlns:a16="http://schemas.microsoft.com/office/drawing/2014/main" id="{24A99E9D-02CF-C8B9-06FB-12253987B204}"/>
+              </a:ext>
+            </a:extLst>
+          </p:cNvPr>
+          <p:cNvSpPr txBox="1"/>
+          <p:nvPr/>
+        </p:nvSpPr>
+        <p:spPr>
+          <a:xfrm>
+            <a:off x="2618500" y="3353272"/>
+            <a:ext cx="7392070" cy="1200329"/>
+          </a:xfrm>
+          <a:prstGeom prst="rect">
+            <a:avLst/>
+          </a:prstGeom>
+          <a:noFill/>
+        </p:spPr>
+        <p:txBody>
+          <a:bodyPr wrap="square">
+            <a:spAutoFit/>
+          </a:bodyPr>
+          <a:lstStyle/>
+          <a:p>
+            <a:pPr>
+              <a:spcAft>
+                <a:spcPts val="600"/>
+              </a:spcAft>
+            </a:pPr>
+            <a:r>
+              <a:rPr lang="en-US" dirty="0">
+                <a:solidFill>
+                  <a:srgbClr val="333333"/>
+                </a:solidFill>
+              </a:rPr>
+              <a:t>Odds represent the number of favorable outcomes divided by the number of unfavorable outcomes. Put differently, if “p” represents the probability of favorable outcomes, </a:t>
+            </a:r>
+            <a:r>
+              <a:rPr lang="en-US" b="1" dirty="0">
+                <a:solidFill>
+                  <a:srgbClr val="333333"/>
+                </a:solidFill>
+              </a:rPr>
+              <a:t>Odds = p/(1-p). Log odds take the natural log of the odds, which can be expressed as ln(p/1-p)).</a:t>
+            </a:r>
+          </a:p>
+        </p:txBody>
+      </p:sp>
+      <p:sp>
+        <p:nvSpPr>
+          <p:cNvPr id="7" name="TextBox 6">
+            <a:extLst>
+              <a:ext uri="{FF2B5EF4-FFF2-40B4-BE49-F238E27FC236}">
+                <a16:creationId xmlns:a16="http://schemas.microsoft.com/office/drawing/2014/main" id="{07868C0A-A8AD-AC37-B0C8-338A4ED6BC96}"/>
+              </a:ext>
+            </a:extLst>
+          </p:cNvPr>
+          <p:cNvSpPr txBox="1"/>
+          <p:nvPr/>
+        </p:nvSpPr>
+        <p:spPr>
+          <a:xfrm>
+            <a:off x="3581400" y="4802049"/>
+            <a:ext cx="7877175" cy="1477328"/>
+          </a:xfrm>
+          <a:prstGeom prst="rect">
+            <a:avLst/>
+          </a:prstGeom>
+          <a:noFill/>
+        </p:spPr>
+        <p:txBody>
+          <a:bodyPr wrap="square">
+            <a:spAutoFit/>
+          </a:bodyPr>
+          <a:lstStyle/>
+          <a:p>
+            <a:pPr>
+              <a:spcAft>
+                <a:spcPts val="600"/>
+              </a:spcAft>
+            </a:pPr>
+            <a:r>
+              <a:rPr lang="en-US" dirty="0">
+                <a:solidFill>
+                  <a:srgbClr val="333333"/>
+                </a:solidFill>
+              </a:rPr>
+              <a:t>We can use a visual test to examine whether or not this assumption holds true for continuous variables. While it is not sensible to compute log odds for individual data points, </a:t>
+            </a:r>
+            <a:r>
+              <a:rPr lang="en-US" b="1" dirty="0">
+                <a:solidFill>
+                  <a:srgbClr val="333333"/>
+                </a:solidFill>
+              </a:rPr>
+              <a:t>we can group continuous variables into discrete buckets—calculating the average log odds for each</a:t>
+            </a:r>
+            <a:r>
+              <a:rPr lang="en-US" dirty="0">
+                <a:solidFill>
+                  <a:srgbClr val="333333"/>
+                </a:solidFill>
+              </a:rPr>
+              <a:t>—to examine whether or not they might satisfy this assumption.</a:t>
+            </a:r>
+            <a:endParaRPr lang="en-US" dirty="0"/>
+          </a:p>
+        </p:txBody>
+      </p:sp>
+      <p:pic>
+        <p:nvPicPr>
+          <p:cNvPr id="12" name="Graphic 11" descr="Mountain scene">
+            <a:extLst>
+              <a:ext uri="{FF2B5EF4-FFF2-40B4-BE49-F238E27FC236}">
+                <a16:creationId xmlns:a16="http://schemas.microsoft.com/office/drawing/2014/main" id="{7035C8CA-E5E4-1F8B-958D-529DB980C2C6}"/>
+              </a:ext>
+            </a:extLst>
+          </p:cNvPr>
+          <p:cNvPicPr>
+            <a:picLocks noChangeAspect="1"/>
+          </p:cNvPicPr>
+          <p:nvPr/>
+        </p:nvPicPr>
+        <p:blipFill>
+          <a:blip r:embed="rId3">
+            <a:extLst>
+              <a:ext uri="{28A0092B-C50C-407E-A947-70E740481C1C}">
+                <a14:useLocalDpi xmlns:a14="http://schemas.microsoft.com/office/drawing/2010/main" val="0"/>
+              </a:ext>
+              <a:ext uri="{96DAC541-7B7A-43D3-8B79-37D633B846F1}">
+                <asvg:svgBlip xmlns:asvg="http://schemas.microsoft.com/office/drawing/2016/SVG/main" r:embed="rId4"/>
+              </a:ext>
+            </a:extLst>
+          </a:blip>
+          <a:stretch>
+            <a:fillRect/>
+          </a:stretch>
+        </p:blipFill>
+        <p:spPr>
+          <a:xfrm>
+            <a:off x="1704100" y="3496236"/>
+            <a:ext cx="914400" cy="914400"/>
+          </a:xfrm>
+          <a:prstGeom prst="rect">
+            <a:avLst/>
+          </a:prstGeom>
+        </p:spPr>
+      </p:pic>
+      <p:pic>
+        <p:nvPicPr>
+          <p:cNvPr id="14" name="Graphic 13" descr="Tropical scene">
+            <a:extLst>
+              <a:ext uri="{FF2B5EF4-FFF2-40B4-BE49-F238E27FC236}">
+                <a16:creationId xmlns:a16="http://schemas.microsoft.com/office/drawing/2014/main" id="{0CEC0B41-A241-066D-8FE5-DFC86C1A59AD}"/>
+              </a:ext>
+            </a:extLst>
+          </p:cNvPr>
+          <p:cNvPicPr>
+            <a:picLocks noChangeAspect="1"/>
+          </p:cNvPicPr>
+          <p:nvPr/>
+        </p:nvPicPr>
+        <p:blipFill>
+          <a:blip r:embed="rId5">
+            <a:extLst>
+              <a:ext uri="{28A0092B-C50C-407E-A947-70E740481C1C}">
+                <a14:useLocalDpi xmlns:a14="http://schemas.microsoft.com/office/drawing/2010/main" val="0"/>
+              </a:ext>
+              <a:ext uri="{96DAC541-7B7A-43D3-8B79-37D633B846F1}">
+                <asvg:svgBlip xmlns:asvg="http://schemas.microsoft.com/office/drawing/2016/SVG/main" r:embed="rId6"/>
+              </a:ext>
+            </a:extLst>
+          </a:blip>
+          <a:stretch>
+            <a:fillRect/>
+          </a:stretch>
+        </p:blipFill>
+        <p:spPr>
+          <a:xfrm>
+            <a:off x="787400" y="2053154"/>
+            <a:ext cx="914400" cy="914400"/>
+          </a:xfrm>
+          <a:prstGeom prst="rect">
+            <a:avLst/>
+          </a:prstGeom>
+        </p:spPr>
+      </p:pic>
+      <p:pic>
+        <p:nvPicPr>
+          <p:cNvPr id="16" name="Graphic 15" descr="City">
+            <a:extLst>
+              <a:ext uri="{FF2B5EF4-FFF2-40B4-BE49-F238E27FC236}">
+                <a16:creationId xmlns:a16="http://schemas.microsoft.com/office/drawing/2014/main" id="{8D25AA89-71E7-FDE7-AEC5-942635CD3666}"/>
+              </a:ext>
+            </a:extLst>
+          </p:cNvPr>
+          <p:cNvPicPr>
+            <a:picLocks noChangeAspect="1"/>
+          </p:cNvPicPr>
+          <p:nvPr/>
+        </p:nvPicPr>
+        <p:blipFill>
+          <a:blip r:embed="rId7">
+            <a:extLst>
+              <a:ext uri="{28A0092B-C50C-407E-A947-70E740481C1C}">
+                <a14:useLocalDpi xmlns:a14="http://schemas.microsoft.com/office/drawing/2010/main" val="0"/>
+              </a:ext>
+              <a:ext uri="{96DAC541-7B7A-43D3-8B79-37D633B846F1}">
+                <asvg:svgBlip xmlns:asvg="http://schemas.microsoft.com/office/drawing/2016/SVG/main" r:embed="rId8"/>
+              </a:ext>
+            </a:extLst>
+          </a:blip>
+          <a:stretch>
+            <a:fillRect/>
+          </a:stretch>
+        </p:blipFill>
+        <p:spPr>
+          <a:xfrm>
+            <a:off x="2667000" y="5083513"/>
+            <a:ext cx="914400" cy="914400"/>
+          </a:xfrm>
+          <a:prstGeom prst="rect">
+            <a:avLst/>
+          </a:prstGeom>
+        </p:spPr>
+      </p:pic>
+      <p:sp>
+        <p:nvSpPr>
+          <p:cNvPr id="17" name="Isosceles Triangle 16">
+            <a:extLst>
+              <a:ext uri="{FF2B5EF4-FFF2-40B4-BE49-F238E27FC236}">
+                <a16:creationId xmlns:a16="http://schemas.microsoft.com/office/drawing/2014/main" id="{B7E51072-487B-7841-86FC-29E0CB8278A4}"/>
               </a:ext>
             </a:extLst>
           </p:cNvPr>
@@ -10069,8 +11396,8 @@
           <p:nvPr/>
         </p:nvSpPr>
         <p:spPr>
-          <a:xfrm rot="10800000" flipH="1" flipV="1">
-            <a:off x="0" y="5724525"/>
+          <a:xfrm flipH="1" flipV="1">
+            <a:off x="7762873" y="-1"/>
             <a:ext cx="4429125" cy="1133475"/>
           </a:xfrm>
           <a:prstGeom prst="triangle">
@@ -10120,10 +11447,10 @@
       </p:sp>
       <p:pic>
         <p:nvPicPr>
-          <p:cNvPr id="8" name="Graphic 7" descr="Cloud">
-            <a:extLst>
-              <a:ext uri="{FF2B5EF4-FFF2-40B4-BE49-F238E27FC236}">
-                <a16:creationId xmlns:a16="http://schemas.microsoft.com/office/drawing/2014/main" id="{302213EA-F83D-4D8A-365D-EBAA25F50D2E}"/>
+          <p:cNvPr id="18" name="Graphic 17" descr="Cloud">
+            <a:extLst>
+              <a:ext uri="{FF2B5EF4-FFF2-40B4-BE49-F238E27FC236}">
+                <a16:creationId xmlns:a16="http://schemas.microsoft.com/office/drawing/2014/main" id="{D4ABD1C4-AE72-9CE0-0DA8-0E7B47F4FACB}"/>
               </a:ext>
             </a:extLst>
           </p:cNvPr>
@@ -10133,13 +11460,13 @@
           <p:nvPr/>
         </p:nvPicPr>
         <p:blipFill>
-          <a:blip r:embed="rId2">
+          <a:blip r:embed="rId9">
             <a:extLst>
               <a:ext uri="{28A0092B-C50C-407E-A947-70E740481C1C}">
                 <a14:useLocalDpi xmlns:a14="http://schemas.microsoft.com/office/drawing/2010/main" val="0"/>
               </a:ext>
               <a:ext uri="{96DAC541-7B7A-43D3-8B79-37D633B846F1}">
-                <asvg:svgBlip xmlns:asvg="http://schemas.microsoft.com/office/drawing/2016/SVG/main" r:embed="rId3"/>
+                <asvg:svgBlip xmlns:asvg="http://schemas.microsoft.com/office/drawing/2016/SVG/main" r:embed="rId10"/>
               </a:ext>
             </a:extLst>
           </a:blip>
@@ -10149,7 +11476,7 @@
         </p:blipFill>
         <p:spPr>
           <a:xfrm>
-            <a:off x="76200" y="5724525"/>
+            <a:off x="10858500" y="-225426"/>
             <a:ext cx="1333500" cy="1333500"/>
           </a:xfrm>
           <a:prstGeom prst="rect">
@@ -10157,318 +11484,10 @@
           </a:prstGeom>
         </p:spPr>
       </p:pic>
-      <p:sp>
-        <p:nvSpPr>
-          <p:cNvPr id="2" name="Title 1">
-            <a:extLst>
-              <a:ext uri="{FF2B5EF4-FFF2-40B4-BE49-F238E27FC236}">
-                <a16:creationId xmlns:a16="http://schemas.microsoft.com/office/drawing/2014/main" id="{9BB362AB-B86E-A3C6-C76F-4F5530C1D43B}"/>
-              </a:ext>
-            </a:extLst>
-          </p:cNvPr>
-          <p:cNvSpPr>
-            <a:spLocks noGrp="1"/>
-          </p:cNvSpPr>
-          <p:nvPr>
-            <p:ph type="title"/>
-          </p:nvPr>
-        </p:nvSpPr>
-        <p:spPr>
-          <a:xfrm>
-            <a:off x="838200" y="365125"/>
-            <a:ext cx="5486400" cy="1325563"/>
-          </a:xfrm>
-        </p:spPr>
-        <p:txBody>
-          <a:bodyPr/>
-          <a:lstStyle/>
-          <a:p>
-            <a:r>
-              <a:rPr lang="en-US" dirty="0"/>
-              <a:t>Testing Linearity </a:t>
-            </a:r>
-            <a:br>
-              <a:rPr lang="en-US" dirty="0"/>
-            </a:br>
-            <a:r>
-              <a:rPr lang="en-US" dirty="0"/>
-              <a:t>with Log Odds (2/3)</a:t>
-            </a:r>
-          </a:p>
-        </p:txBody>
-      </p:sp>
-      <p:pic>
-        <p:nvPicPr>
-          <p:cNvPr id="14338" name="Picture 2">
-            <a:extLst>
-              <a:ext uri="{FF2B5EF4-FFF2-40B4-BE49-F238E27FC236}">
-                <a16:creationId xmlns:a16="http://schemas.microsoft.com/office/drawing/2014/main" id="{D2E83709-5A11-D20F-4E27-9771C4F52AE0}"/>
-              </a:ext>
-            </a:extLst>
-          </p:cNvPr>
-          <p:cNvPicPr>
-            <a:picLocks noChangeAspect="1" noChangeArrowheads="1"/>
-          </p:cNvPicPr>
-          <p:nvPr/>
-        </p:nvPicPr>
-        <p:blipFill>
-          <a:blip r:embed="rId4">
-            <a:extLst>
-              <a:ext uri="{28A0092B-C50C-407E-A947-70E740481C1C}">
-                <a14:useLocalDpi xmlns:a14="http://schemas.microsoft.com/office/drawing/2010/main" val="0"/>
-              </a:ext>
-            </a:extLst>
-          </a:blip>
-          <a:srcRect/>
-          <a:stretch>
-            <a:fillRect/>
-          </a:stretch>
-        </p:blipFill>
-        <p:spPr bwMode="auto">
-          <a:xfrm>
-            <a:off x="8877297" y="33337"/>
-            <a:ext cx="3314702" cy="3314702"/>
-          </a:xfrm>
-          <a:prstGeom prst="rect">
-            <a:avLst/>
-          </a:prstGeom>
-          <a:noFill/>
-          <a:extLst>
-            <a:ext uri="{909E8E84-426E-40DD-AFC4-6F175D3DCCD1}">
-              <a14:hiddenFill xmlns:a14="http://schemas.microsoft.com/office/drawing/2010/main">
-                <a:solidFill>
-                  <a:srgbClr val="FFFFFF"/>
-                </a:solidFill>
-              </a14:hiddenFill>
-            </a:ext>
-          </a:extLst>
-        </p:spPr>
-      </p:pic>
-      <p:pic>
-        <p:nvPicPr>
-          <p:cNvPr id="14340" name="Picture 4">
-            <a:extLst>
-              <a:ext uri="{FF2B5EF4-FFF2-40B4-BE49-F238E27FC236}">
-                <a16:creationId xmlns:a16="http://schemas.microsoft.com/office/drawing/2014/main" id="{47EA7959-3F00-755A-DF30-41D29AEF19CC}"/>
-              </a:ext>
-            </a:extLst>
-          </p:cNvPr>
-          <p:cNvPicPr>
-            <a:picLocks noChangeAspect="1" noChangeArrowheads="1"/>
-          </p:cNvPicPr>
-          <p:nvPr/>
-        </p:nvPicPr>
-        <p:blipFill>
-          <a:blip r:embed="rId5">
-            <a:extLst>
-              <a:ext uri="{28A0092B-C50C-407E-A947-70E740481C1C}">
-                <a14:useLocalDpi xmlns:a14="http://schemas.microsoft.com/office/drawing/2010/main" val="0"/>
-              </a:ext>
-            </a:extLst>
-          </a:blip>
-          <a:srcRect/>
-          <a:stretch>
-            <a:fillRect/>
-          </a:stretch>
-        </p:blipFill>
-        <p:spPr bwMode="auto">
-          <a:xfrm>
-            <a:off x="5429249" y="33337"/>
-            <a:ext cx="3314702" cy="3314702"/>
-          </a:xfrm>
-          <a:prstGeom prst="rect">
-            <a:avLst/>
-          </a:prstGeom>
-          <a:noFill/>
-          <a:extLst>
-            <a:ext uri="{909E8E84-426E-40DD-AFC4-6F175D3DCCD1}">
-              <a14:hiddenFill xmlns:a14="http://schemas.microsoft.com/office/drawing/2010/main">
-                <a:solidFill>
-                  <a:srgbClr val="FFFFFF"/>
-                </a:solidFill>
-              </a14:hiddenFill>
-            </a:ext>
-          </a:extLst>
-        </p:spPr>
-      </p:pic>
-      <p:pic>
-        <p:nvPicPr>
-          <p:cNvPr id="14342" name="Picture 6">
-            <a:extLst>
-              <a:ext uri="{FF2B5EF4-FFF2-40B4-BE49-F238E27FC236}">
-                <a16:creationId xmlns:a16="http://schemas.microsoft.com/office/drawing/2014/main" id="{A6684871-6F82-70C8-C004-DDE389856B05}"/>
-              </a:ext>
-            </a:extLst>
-          </p:cNvPr>
-          <p:cNvPicPr>
-            <a:picLocks noChangeAspect="1" noChangeArrowheads="1"/>
-          </p:cNvPicPr>
-          <p:nvPr/>
-        </p:nvPicPr>
-        <p:blipFill>
-          <a:blip r:embed="rId6">
-            <a:extLst>
-              <a:ext uri="{28A0092B-C50C-407E-A947-70E740481C1C}">
-                <a14:useLocalDpi xmlns:a14="http://schemas.microsoft.com/office/drawing/2010/main" val="0"/>
-              </a:ext>
-            </a:extLst>
-          </a:blip>
-          <a:srcRect/>
-          <a:stretch>
-            <a:fillRect/>
-          </a:stretch>
-        </p:blipFill>
-        <p:spPr bwMode="auto">
-          <a:xfrm>
-            <a:off x="5429249" y="3462337"/>
-            <a:ext cx="3314702" cy="3314702"/>
-          </a:xfrm>
-          <a:prstGeom prst="rect">
-            <a:avLst/>
-          </a:prstGeom>
-          <a:noFill/>
-          <a:extLst>
-            <a:ext uri="{909E8E84-426E-40DD-AFC4-6F175D3DCCD1}">
-              <a14:hiddenFill xmlns:a14="http://schemas.microsoft.com/office/drawing/2010/main">
-                <a:solidFill>
-                  <a:srgbClr val="FFFFFF"/>
-                </a:solidFill>
-              </a14:hiddenFill>
-            </a:ext>
-          </a:extLst>
-        </p:spPr>
-      </p:pic>
-      <p:pic>
-        <p:nvPicPr>
-          <p:cNvPr id="14344" name="Picture 8">
-            <a:extLst>
-              <a:ext uri="{FF2B5EF4-FFF2-40B4-BE49-F238E27FC236}">
-                <a16:creationId xmlns:a16="http://schemas.microsoft.com/office/drawing/2014/main" id="{D96EF4BD-DDB5-054C-8900-6638BD6D1239}"/>
-              </a:ext>
-            </a:extLst>
-          </p:cNvPr>
-          <p:cNvPicPr>
-            <a:picLocks noChangeAspect="1" noChangeArrowheads="1"/>
-          </p:cNvPicPr>
-          <p:nvPr/>
-        </p:nvPicPr>
-        <p:blipFill>
-          <a:blip r:embed="rId7">
-            <a:extLst>
-              <a:ext uri="{28A0092B-C50C-407E-A947-70E740481C1C}">
-                <a14:useLocalDpi xmlns:a14="http://schemas.microsoft.com/office/drawing/2010/main" val="0"/>
-              </a:ext>
-            </a:extLst>
-          </a:blip>
-          <a:srcRect/>
-          <a:stretch>
-            <a:fillRect/>
-          </a:stretch>
-        </p:blipFill>
-        <p:spPr bwMode="auto">
-          <a:xfrm>
-            <a:off x="8877297" y="3462336"/>
-            <a:ext cx="3314703" cy="3314703"/>
-          </a:xfrm>
-          <a:prstGeom prst="rect">
-            <a:avLst/>
-          </a:prstGeom>
-          <a:noFill/>
-          <a:extLst>
-            <a:ext uri="{909E8E84-426E-40DD-AFC4-6F175D3DCCD1}">
-              <a14:hiddenFill xmlns:a14="http://schemas.microsoft.com/office/drawing/2010/main">
-                <a:solidFill>
-                  <a:srgbClr val="FFFFFF"/>
-                </a:solidFill>
-              </a14:hiddenFill>
-            </a:ext>
-          </a:extLst>
-        </p:spPr>
-      </p:pic>
-      <p:sp>
-        <p:nvSpPr>
-          <p:cNvPr id="4" name="TextBox 3">
-            <a:extLst>
-              <a:ext uri="{FF2B5EF4-FFF2-40B4-BE49-F238E27FC236}">
-                <a16:creationId xmlns:a16="http://schemas.microsoft.com/office/drawing/2014/main" id="{C71F1C80-FFF5-AB28-93BB-2ABDDB034528}"/>
-              </a:ext>
-            </a:extLst>
-          </p:cNvPr>
-          <p:cNvSpPr txBox="1"/>
-          <p:nvPr/>
-        </p:nvSpPr>
-        <p:spPr>
-          <a:xfrm>
-            <a:off x="838200" y="1835214"/>
-            <a:ext cx="4330700" cy="4401205"/>
-          </a:xfrm>
-          <a:prstGeom prst="rect">
-            <a:avLst/>
-          </a:prstGeom>
-          <a:noFill/>
-        </p:spPr>
-        <p:txBody>
-          <a:bodyPr wrap="square">
-            <a:spAutoFit/>
-          </a:bodyPr>
-          <a:lstStyle/>
-          <a:p>
-            <a:pPr marL="285750" indent="-285750">
-              <a:spcAft>
-                <a:spcPts val="600"/>
-              </a:spcAft>
-              <a:buFont typeface="Arial" panose="020B0604020202020204" pitchFamily="34" charset="0"/>
-              <a:buChar char="•"/>
-            </a:pPr>
-            <a:r>
-              <a:rPr lang="en-US" dirty="0">
-                <a:solidFill>
-                  <a:srgbClr val="333333"/>
-                </a:solidFill>
-              </a:rPr>
-              <a:t>Out of the graphs above, it appears that only flight distance has a roughly linear relationship with log odds of satisfaction. </a:t>
-            </a:r>
-          </a:p>
-          <a:p>
-            <a:pPr marL="285750" indent="-285750">
-              <a:spcAft>
-                <a:spcPts val="600"/>
-              </a:spcAft>
-              <a:buFont typeface="Arial" panose="020B0604020202020204" pitchFamily="34" charset="0"/>
-              <a:buChar char="•"/>
-            </a:pPr>
-            <a:r>
-              <a:rPr lang="en-US" dirty="0">
-                <a:solidFill>
-                  <a:srgbClr val="333333"/>
-                </a:solidFill>
-              </a:rPr>
-              <a:t>Age appears to have a parabolic relationship, peaking in the middle; some sort of aggressive transformation method may be required to reach a linear relationship. </a:t>
-            </a:r>
-          </a:p>
-          <a:p>
-            <a:pPr marL="285750" indent="-285750">
-              <a:spcAft>
-                <a:spcPts val="600"/>
-              </a:spcAft>
-              <a:buFont typeface="Arial" panose="020B0604020202020204" pitchFamily="34" charset="0"/>
-              <a:buChar char="•"/>
-            </a:pPr>
-            <a:r>
-              <a:rPr lang="en-US" dirty="0">
-                <a:solidFill>
-                  <a:srgbClr val="333333"/>
-                </a:solidFill>
-              </a:rPr>
-              <a:t>Meanwhile, log odds for both delay statistics quickly disperse in both directions as they increase (likely in part due to the limited frequency of higher durations), making it difficult to conclude with certainty that a linear relationship exists.</a:t>
-            </a:r>
-          </a:p>
-        </p:txBody>
-      </p:sp>
     </p:spTree>
     <p:extLst>
       <p:ext uri="{BB962C8B-B14F-4D97-AF65-F5344CB8AC3E}">
-        <p14:creationId xmlns:p14="http://schemas.microsoft.com/office/powerpoint/2010/main" val="1321406086"/>
+        <p14:creationId xmlns:p14="http://schemas.microsoft.com/office/powerpoint/2010/main" val="1573223430"/>
       </p:ext>
     </p:extLst>
   </p:cSld>
@@ -10572,13 +11591,13 @@
           <p:nvPr/>
         </p:nvPicPr>
         <p:blipFill>
-          <a:blip r:embed="rId2">
+          <a:blip r:embed="rId3">
             <a:extLst>
               <a:ext uri="{28A0092B-C50C-407E-A947-70E740481C1C}">
                 <a14:useLocalDpi xmlns:a14="http://schemas.microsoft.com/office/drawing/2010/main" val="0"/>
               </a:ext>
               <a:ext uri="{96DAC541-7B7A-43D3-8B79-37D633B846F1}">
-                <asvg:svgBlip xmlns:asvg="http://schemas.microsoft.com/office/drawing/2016/SVG/main" r:embed="rId3"/>
+                <asvg:svgBlip xmlns:asvg="http://schemas.microsoft.com/office/drawing/2016/SVG/main" r:embed="rId4"/>
               </a:ext>
             </a:extLst>
           </a:blip>
@@ -10631,63 +11650,17 @@
             </a:br>
             <a:r>
               <a:rPr lang="en-US" dirty="0"/>
-              <a:t>with Log Odds (3/3)</a:t>
-            </a:r>
-          </a:p>
-        </p:txBody>
-      </p:sp>
-      <p:sp>
-        <p:nvSpPr>
-          <p:cNvPr id="4" name="TextBox 3">
-            <a:extLst>
-              <a:ext uri="{FF2B5EF4-FFF2-40B4-BE49-F238E27FC236}">
-                <a16:creationId xmlns:a16="http://schemas.microsoft.com/office/drawing/2014/main" id="{C71F1C80-FFF5-AB28-93BB-2ABDDB034528}"/>
-              </a:ext>
-            </a:extLst>
-          </p:cNvPr>
-          <p:cNvSpPr txBox="1"/>
-          <p:nvPr/>
-        </p:nvSpPr>
-        <p:spPr>
-          <a:xfrm>
-            <a:off x="838200" y="1835214"/>
-            <a:ext cx="3382818" cy="3693319"/>
-          </a:xfrm>
-          <a:prstGeom prst="rect">
-            <a:avLst/>
-          </a:prstGeom>
-          <a:noFill/>
-        </p:spPr>
-        <p:txBody>
-          <a:bodyPr wrap="square">
-            <a:spAutoFit/>
-          </a:bodyPr>
-          <a:lstStyle/>
-          <a:p>
-            <a:pPr marL="285750" indent="-285750">
-              <a:spcAft>
-                <a:spcPts val="600"/>
-              </a:spcAft>
-              <a:buFont typeface="Arial" panose="020B0604020202020204" pitchFamily="34" charset="0"/>
-              <a:buChar char="•"/>
-            </a:pPr>
-            <a:r>
-              <a:rPr lang="en-US" dirty="0">
-                <a:solidFill>
-                  <a:srgbClr val="333333"/>
-                </a:solidFill>
-              </a:rPr>
-              <a:t>In-flight and baggage ratings have a strikingly linear relationship with log odds; meanwhile, pre-flight and wi-fi ratings appear to have a significantly looser connection with a potential dip in log odds for average ratings. We can conclude with confidence that the in-flight aggregate fulfills the linearity assumption, while the pre-flight ratings are far more obscure in that regard.</a:t>
+              <a:t>with Log Odds (2/3)</a:t>
             </a:r>
           </a:p>
         </p:txBody>
       </p:sp>
       <p:pic>
         <p:nvPicPr>
-          <p:cNvPr id="20482" name="Picture 2">
-            <a:extLst>
-              <a:ext uri="{FF2B5EF4-FFF2-40B4-BE49-F238E27FC236}">
-                <a16:creationId xmlns:a16="http://schemas.microsoft.com/office/drawing/2014/main" id="{9BA45D49-58A3-1BB5-E958-BD5F0261EE2F}"/>
+          <p:cNvPr id="14338" name="Picture 2">
+            <a:extLst>
+              <a:ext uri="{FF2B5EF4-FFF2-40B4-BE49-F238E27FC236}">
+                <a16:creationId xmlns:a16="http://schemas.microsoft.com/office/drawing/2014/main" id="{D2E83709-5A11-D20F-4E27-9771C4F52AE0}"/>
               </a:ext>
             </a:extLst>
           </p:cNvPr>
@@ -10697,7 +11670,7 @@
           <p:nvPr/>
         </p:nvPicPr>
         <p:blipFill>
-          <a:blip r:embed="rId4">
+          <a:blip r:embed="rId5">
             <a:extLst>
               <a:ext uri="{28A0092B-C50C-407E-A947-70E740481C1C}">
                 <a14:useLocalDpi xmlns:a14="http://schemas.microsoft.com/office/drawing/2010/main" val="0"/>
@@ -10711,8 +11684,8 @@
         </p:blipFill>
         <p:spPr bwMode="auto">
           <a:xfrm>
-            <a:off x="4508243" y="2658550"/>
-            <a:ext cx="3632713" cy="3632713"/>
+            <a:off x="7458835" y="0"/>
+            <a:ext cx="3427478" cy="3427478"/>
           </a:xfrm>
           <a:prstGeom prst="rect">
             <a:avLst/>
@@ -10731,10 +11704,10 @@
       </p:pic>
       <p:pic>
         <p:nvPicPr>
-          <p:cNvPr id="20484" name="Picture 4">
-            <a:extLst>
-              <a:ext uri="{FF2B5EF4-FFF2-40B4-BE49-F238E27FC236}">
-                <a16:creationId xmlns:a16="http://schemas.microsoft.com/office/drawing/2014/main" id="{6CDD2070-C745-B091-9475-FBD0F053EE46}"/>
+          <p:cNvPr id="14340" name="Picture 4">
+            <a:extLst>
+              <a:ext uri="{FF2B5EF4-FFF2-40B4-BE49-F238E27FC236}">
+                <a16:creationId xmlns:a16="http://schemas.microsoft.com/office/drawing/2014/main" id="{47EA7959-3F00-755A-DF30-41D29AEF19CC}"/>
               </a:ext>
             </a:extLst>
           </p:cNvPr>
@@ -10744,7 +11717,7 @@
           <p:nvPr/>
         </p:nvPicPr>
         <p:blipFill>
-          <a:blip r:embed="rId5">
+          <a:blip r:embed="rId6">
             <a:extLst>
               <a:ext uri="{28A0092B-C50C-407E-A947-70E740481C1C}">
                 <a14:useLocalDpi xmlns:a14="http://schemas.microsoft.com/office/drawing/2010/main" val="0"/>
@@ -10758,8 +11731,367 @@
         </p:blipFill>
         <p:spPr bwMode="auto">
           <a:xfrm>
-            <a:off x="8428181" y="1249697"/>
-            <a:ext cx="3632713" cy="3632713"/>
+            <a:off x="224214" y="1816796"/>
+            <a:ext cx="3427478" cy="3427478"/>
+          </a:xfrm>
+          <a:prstGeom prst="rect">
+            <a:avLst/>
+          </a:prstGeom>
+          <a:noFill/>
+          <a:extLst>
+            <a:ext uri="{909E8E84-426E-40DD-AFC4-6F175D3DCCD1}">
+              <a14:hiddenFill xmlns:a14="http://schemas.microsoft.com/office/drawing/2010/main">
+                <a:solidFill>
+                  <a:srgbClr val="FFFFFF"/>
+                </a:solidFill>
+              </a14:hiddenFill>
+            </a:ext>
+          </a:extLst>
+        </p:spPr>
+      </p:pic>
+      <p:pic>
+        <p:nvPicPr>
+          <p:cNvPr id="14342" name="Picture 6">
+            <a:extLst>
+              <a:ext uri="{FF2B5EF4-FFF2-40B4-BE49-F238E27FC236}">
+                <a16:creationId xmlns:a16="http://schemas.microsoft.com/office/drawing/2014/main" id="{A6684871-6F82-70C8-C004-DDE389856B05}"/>
+              </a:ext>
+            </a:extLst>
+          </p:cNvPr>
+          <p:cNvPicPr>
+            <a:picLocks noChangeAspect="1" noChangeArrowheads="1"/>
+          </p:cNvPicPr>
+          <p:nvPr/>
+        </p:nvPicPr>
+        <p:blipFill>
+          <a:blip r:embed="rId7">
+            <a:extLst>
+              <a:ext uri="{28A0092B-C50C-407E-A947-70E740481C1C}">
+                <a14:useLocalDpi xmlns:a14="http://schemas.microsoft.com/office/drawing/2010/main" val="0"/>
+              </a:ext>
+            </a:extLst>
+          </a:blip>
+          <a:srcRect/>
+          <a:stretch>
+            <a:fillRect/>
+          </a:stretch>
+        </p:blipFill>
+        <p:spPr bwMode="auto">
+          <a:xfrm>
+            <a:off x="4031357" y="3230880"/>
+            <a:ext cx="3427478" cy="3427478"/>
+          </a:xfrm>
+          <a:prstGeom prst="rect">
+            <a:avLst/>
+          </a:prstGeom>
+          <a:noFill/>
+          <a:extLst>
+            <a:ext uri="{909E8E84-426E-40DD-AFC4-6F175D3DCCD1}">
+              <a14:hiddenFill xmlns:a14="http://schemas.microsoft.com/office/drawing/2010/main">
+                <a:solidFill>
+                  <a:srgbClr val="FFFFFF"/>
+                </a:solidFill>
+              </a14:hiddenFill>
+            </a:ext>
+          </a:extLst>
+        </p:spPr>
+      </p:pic>
+      <p:pic>
+        <p:nvPicPr>
+          <p:cNvPr id="14344" name="Picture 8">
+            <a:extLst>
+              <a:ext uri="{FF2B5EF4-FFF2-40B4-BE49-F238E27FC236}">
+                <a16:creationId xmlns:a16="http://schemas.microsoft.com/office/drawing/2014/main" id="{D96EF4BD-DDB5-054C-8900-6638BD6D1239}"/>
+              </a:ext>
+            </a:extLst>
+          </p:cNvPr>
+          <p:cNvPicPr>
+            <a:picLocks noChangeAspect="1" noChangeArrowheads="1"/>
+          </p:cNvPicPr>
+          <p:nvPr/>
+        </p:nvPicPr>
+        <p:blipFill>
+          <a:blip r:embed="rId8">
+            <a:extLst>
+              <a:ext uri="{28A0092B-C50C-407E-A947-70E740481C1C}">
+                <a14:useLocalDpi xmlns:a14="http://schemas.microsoft.com/office/drawing/2010/main" val="0"/>
+              </a:ext>
+            </a:extLst>
+          </a:blip>
+          <a:srcRect/>
+          <a:stretch>
+            <a:fillRect/>
+          </a:stretch>
+        </p:blipFill>
+        <p:spPr bwMode="auto">
+          <a:xfrm>
+            <a:off x="8688321" y="3329179"/>
+            <a:ext cx="3427479" cy="3427479"/>
+          </a:xfrm>
+          <a:prstGeom prst="rect">
+            <a:avLst/>
+          </a:prstGeom>
+          <a:noFill/>
+          <a:extLst>
+            <a:ext uri="{909E8E84-426E-40DD-AFC4-6F175D3DCCD1}">
+              <a14:hiddenFill xmlns:a14="http://schemas.microsoft.com/office/drawing/2010/main">
+                <a:solidFill>
+                  <a:srgbClr val="FFFFFF"/>
+                </a:solidFill>
+              </a14:hiddenFill>
+            </a:ext>
+          </a:extLst>
+        </p:spPr>
+      </p:pic>
+    </p:spTree>
+    <p:extLst>
+      <p:ext uri="{BB962C8B-B14F-4D97-AF65-F5344CB8AC3E}">
+        <p14:creationId xmlns:p14="http://schemas.microsoft.com/office/powerpoint/2010/main" val="1321406086"/>
+      </p:ext>
+    </p:extLst>
+  </p:cSld>
+  <p:clrMapOvr>
+    <a:masterClrMapping/>
+  </p:clrMapOvr>
+</p:sld>
+</file>
+
+<file path=ppt/slides/slide24.xml><?xml version="1.0" encoding="utf-8"?>
+<p:sld xmlns:a="http://schemas.openxmlformats.org/drawingml/2006/main" xmlns:r="http://schemas.openxmlformats.org/officeDocument/2006/relationships" xmlns:p="http://schemas.openxmlformats.org/presentationml/2006/main">
+  <p:cSld>
+    <p:spTree>
+      <p:nvGrpSpPr>
+        <p:cNvPr id="1" name=""/>
+        <p:cNvGrpSpPr/>
+        <p:nvPr/>
+      </p:nvGrpSpPr>
+      <p:grpSpPr>
+        <a:xfrm>
+          <a:off x="0" y="0"/>
+          <a:ext cx="0" cy="0"/>
+          <a:chOff x="0" y="0"/>
+          <a:chExt cx="0" cy="0"/>
+        </a:xfrm>
+      </p:grpSpPr>
+      <p:sp>
+        <p:nvSpPr>
+          <p:cNvPr id="6" name="Isosceles Triangle 5">
+            <a:extLst>
+              <a:ext uri="{FF2B5EF4-FFF2-40B4-BE49-F238E27FC236}">
+                <a16:creationId xmlns:a16="http://schemas.microsoft.com/office/drawing/2014/main" id="{9D774D4E-8070-461A-4CE4-5AF36724D05E}"/>
+              </a:ext>
+            </a:extLst>
+          </p:cNvPr>
+          <p:cNvSpPr/>
+          <p:nvPr/>
+        </p:nvSpPr>
+        <p:spPr>
+          <a:xfrm rot="10800000" flipH="1" flipV="1">
+            <a:off x="0" y="5724525"/>
+            <a:ext cx="4429125" cy="1133475"/>
+          </a:xfrm>
+          <a:prstGeom prst="triangle">
+            <a:avLst>
+              <a:gd name="adj" fmla="val 0"/>
+            </a:avLst>
+          </a:prstGeom>
+          <a:solidFill>
+            <a:schemeClr val="accent1">
+              <a:lumMod val="40000"/>
+              <a:lumOff val="60000"/>
+            </a:schemeClr>
+          </a:solidFill>
+          <a:ln>
+            <a:solidFill>
+              <a:schemeClr val="tx2">
+                <a:lumMod val="40000"/>
+                <a:lumOff val="60000"/>
+              </a:schemeClr>
+            </a:solidFill>
+          </a:ln>
+        </p:spPr>
+        <p:style>
+          <a:lnRef idx="2">
+            <a:schemeClr val="accent1">
+              <a:shade val="15000"/>
+            </a:schemeClr>
+          </a:lnRef>
+          <a:fillRef idx="1">
+            <a:schemeClr val="accent1"/>
+          </a:fillRef>
+          <a:effectRef idx="0">
+            <a:schemeClr val="accent1"/>
+          </a:effectRef>
+          <a:fontRef idx="minor">
+            <a:schemeClr val="lt1"/>
+          </a:fontRef>
+        </p:style>
+        <p:txBody>
+          <a:bodyPr rtlCol="0" anchor="ctr"/>
+          <a:lstStyle/>
+          <a:p>
+            <a:pPr algn="ctr"/>
+            <a:endParaRPr lang="en-US"/>
+          </a:p>
+        </p:txBody>
+      </p:sp>
+      <p:pic>
+        <p:nvPicPr>
+          <p:cNvPr id="8" name="Graphic 7" descr="Cloud">
+            <a:extLst>
+              <a:ext uri="{FF2B5EF4-FFF2-40B4-BE49-F238E27FC236}">
+                <a16:creationId xmlns:a16="http://schemas.microsoft.com/office/drawing/2014/main" id="{302213EA-F83D-4D8A-365D-EBAA25F50D2E}"/>
+              </a:ext>
+            </a:extLst>
+          </p:cNvPr>
+          <p:cNvPicPr>
+            <a:picLocks noChangeAspect="1"/>
+          </p:cNvPicPr>
+          <p:nvPr/>
+        </p:nvPicPr>
+        <p:blipFill>
+          <a:blip r:embed="rId3">
+            <a:extLst>
+              <a:ext uri="{28A0092B-C50C-407E-A947-70E740481C1C}">
+                <a14:useLocalDpi xmlns:a14="http://schemas.microsoft.com/office/drawing/2010/main" val="0"/>
+              </a:ext>
+              <a:ext uri="{96DAC541-7B7A-43D3-8B79-37D633B846F1}">
+                <asvg:svgBlip xmlns:asvg="http://schemas.microsoft.com/office/drawing/2016/SVG/main" r:embed="rId4"/>
+              </a:ext>
+            </a:extLst>
+          </a:blip>
+          <a:stretch>
+            <a:fillRect/>
+          </a:stretch>
+        </p:blipFill>
+        <p:spPr>
+          <a:xfrm>
+            <a:off x="76200" y="5724525"/>
+            <a:ext cx="1333500" cy="1333500"/>
+          </a:xfrm>
+          <a:prstGeom prst="rect">
+            <a:avLst/>
+          </a:prstGeom>
+        </p:spPr>
+      </p:pic>
+      <p:sp>
+        <p:nvSpPr>
+          <p:cNvPr id="2" name="Title 1">
+            <a:extLst>
+              <a:ext uri="{FF2B5EF4-FFF2-40B4-BE49-F238E27FC236}">
+                <a16:creationId xmlns:a16="http://schemas.microsoft.com/office/drawing/2014/main" id="{9BB362AB-B86E-A3C6-C76F-4F5530C1D43B}"/>
+              </a:ext>
+            </a:extLst>
+          </p:cNvPr>
+          <p:cNvSpPr>
+            <a:spLocks noGrp="1"/>
+          </p:cNvSpPr>
+          <p:nvPr>
+            <p:ph type="title"/>
+          </p:nvPr>
+        </p:nvSpPr>
+        <p:spPr>
+          <a:xfrm>
+            <a:off x="838200" y="365125"/>
+            <a:ext cx="8661400" cy="1325563"/>
+          </a:xfrm>
+        </p:spPr>
+        <p:txBody>
+          <a:bodyPr/>
+          <a:lstStyle/>
+          <a:p>
+            <a:r>
+              <a:rPr lang="en-US" dirty="0"/>
+              <a:t>Testing Linearity </a:t>
+            </a:r>
+            <a:br>
+              <a:rPr lang="en-US" dirty="0"/>
+            </a:br>
+            <a:r>
+              <a:rPr lang="en-US" dirty="0"/>
+              <a:t>with Log Odds (3/3)</a:t>
+            </a:r>
+          </a:p>
+        </p:txBody>
+      </p:sp>
+      <p:pic>
+        <p:nvPicPr>
+          <p:cNvPr id="20482" name="Picture 2">
+            <a:extLst>
+              <a:ext uri="{FF2B5EF4-FFF2-40B4-BE49-F238E27FC236}">
+                <a16:creationId xmlns:a16="http://schemas.microsoft.com/office/drawing/2014/main" id="{9BA45D49-58A3-1BB5-E958-BD5F0261EE2F}"/>
+              </a:ext>
+            </a:extLst>
+          </p:cNvPr>
+          <p:cNvPicPr>
+            <a:picLocks noChangeAspect="1" noChangeArrowheads="1"/>
+          </p:cNvPicPr>
+          <p:nvPr/>
+        </p:nvPicPr>
+        <p:blipFill>
+          <a:blip r:embed="rId5">
+            <a:extLst>
+              <a:ext uri="{28A0092B-C50C-407E-A947-70E740481C1C}">
+                <a14:useLocalDpi xmlns:a14="http://schemas.microsoft.com/office/drawing/2010/main" val="0"/>
+              </a:ext>
+            </a:extLst>
+          </a:blip>
+          <a:srcRect/>
+          <a:stretch>
+            <a:fillRect/>
+          </a:stretch>
+        </p:blipFill>
+        <p:spPr bwMode="auto">
+          <a:xfrm>
+            <a:off x="2522812" y="1588432"/>
+            <a:ext cx="4758394" cy="4758394"/>
+          </a:xfrm>
+          <a:prstGeom prst="rect">
+            <a:avLst/>
+          </a:prstGeom>
+          <a:noFill/>
+          <a:extLst>
+            <a:ext uri="{909E8E84-426E-40DD-AFC4-6F175D3DCCD1}">
+              <a14:hiddenFill xmlns:a14="http://schemas.microsoft.com/office/drawing/2010/main">
+                <a:solidFill>
+                  <a:srgbClr val="FFFFFF"/>
+                </a:solidFill>
+              </a14:hiddenFill>
+            </a:ext>
+          </a:extLst>
+        </p:spPr>
+      </p:pic>
+      <p:pic>
+        <p:nvPicPr>
+          <p:cNvPr id="20484" name="Picture 4">
+            <a:extLst>
+              <a:ext uri="{FF2B5EF4-FFF2-40B4-BE49-F238E27FC236}">
+                <a16:creationId xmlns:a16="http://schemas.microsoft.com/office/drawing/2014/main" id="{6CDD2070-C745-B091-9475-FBD0F053EE46}"/>
+              </a:ext>
+            </a:extLst>
+          </p:cNvPr>
+          <p:cNvPicPr>
+            <a:picLocks noChangeAspect="1" noChangeArrowheads="1"/>
+          </p:cNvPicPr>
+          <p:nvPr/>
+        </p:nvPicPr>
+        <p:blipFill>
+          <a:blip r:embed="rId6">
+            <a:extLst>
+              <a:ext uri="{28A0092B-C50C-407E-A947-70E740481C1C}">
+                <a14:useLocalDpi xmlns:a14="http://schemas.microsoft.com/office/drawing/2010/main" val="0"/>
+              </a:ext>
+            </a:extLst>
+          </a:blip>
+          <a:srcRect/>
+          <a:stretch>
+            <a:fillRect/>
+          </a:stretch>
+        </p:blipFill>
+        <p:spPr bwMode="auto">
+          <a:xfrm>
+            <a:off x="7433606" y="0"/>
+            <a:ext cx="4758394" cy="4758394"/>
           </a:xfrm>
           <a:prstGeom prst="rect">
             <a:avLst/>
@@ -12375,488 +13707,8 @@
           <a:p>
             <a:r>
               <a:rPr lang="en-US" dirty="0"/>
-              <a:t>Loading the Data</a:t>
-            </a:r>
-          </a:p>
-        </p:txBody>
-      </p:sp>
-      <p:sp>
-        <p:nvSpPr>
-          <p:cNvPr id="4" name="Rectangle 2">
-            <a:extLst>
-              <a:ext uri="{FF2B5EF4-FFF2-40B4-BE49-F238E27FC236}">
-                <a16:creationId xmlns:a16="http://schemas.microsoft.com/office/drawing/2014/main" id="{DA4D0776-7090-38E1-05C7-DFFA985B1398}"/>
-              </a:ext>
-            </a:extLst>
-          </p:cNvPr>
-          <p:cNvSpPr>
-            <a:spLocks noChangeArrowheads="1"/>
-          </p:cNvSpPr>
-          <p:nvPr/>
-        </p:nvSpPr>
-        <p:spPr bwMode="auto">
-          <a:xfrm>
-            <a:off x="838200" y="1690688"/>
-            <a:ext cx="6694140" cy="679653"/>
-          </a:xfrm>
-          <a:prstGeom prst="rect">
-            <a:avLst/>
-          </a:prstGeom>
-          <a:solidFill>
-            <a:srgbClr val="F5F5F5"/>
-          </a:solidFill>
-          <a:ln>
-            <a:noFill/>
-          </a:ln>
-          <a:effectLst/>
-          <a:extLst>
-            <a:ext uri="{91240B29-F687-4F45-9708-019B960494DF}">
-              <a14:hiddenLine xmlns:a14="http://schemas.microsoft.com/office/drawing/2010/main" w="9525">
-                <a:solidFill>
-                  <a:schemeClr val="tx1"/>
-                </a:solidFill>
-                <a:miter lim="800000"/>
-                <a:headEnd/>
-                <a:tailEnd/>
-              </a14:hiddenLine>
-            </a:ext>
-            <a:ext uri="{AF507438-7753-43E0-B8FC-AC1667EBCBE1}">
-              <a14:hiddenEffects xmlns:a14="http://schemas.microsoft.com/office/drawing/2010/main">
-                <a:effectLst>
-                  <a:outerShdw dist="35921" dir="2700000" algn="ctr" rotWithShape="0">
-                    <a:schemeClr val="bg2"/>
-                  </a:outerShdw>
-                </a:effectLst>
-              </a14:hiddenEffects>
-            </a:ext>
-          </a:extLst>
-        </p:spPr>
-        <p:txBody>
-          <a:bodyPr vert="horz" wrap="none" lIns="0" tIns="0" rIns="0" bIns="63480" numCol="1" anchor="ctr" anchorCtr="0" compatLnSpc="1">
-            <a:prstTxWarp prst="textNoShape">
-              <a:avLst/>
-            </a:prstTxWarp>
-            <a:spAutoFit/>
-          </a:bodyPr>
-          <a:lstStyle/>
-          <a:p>
-            <a:pPr marL="0" marR="0" lvl="0" indent="0" algn="l" defTabSz="914400" rtl="0" eaLnBrk="0" fontAlgn="base" latinLnBrk="0" hangingPunct="0">
-              <a:lnSpc>
-                <a:spcPct val="100000"/>
-              </a:lnSpc>
-              <a:spcBef>
-                <a:spcPct val="0"/>
-              </a:spcBef>
-              <a:spcAft>
-                <a:spcPct val="0"/>
-              </a:spcAft>
-              <a:buClrTx/>
-              <a:buSzTx/>
-              <a:buFontTx/>
-              <a:buNone/>
-              <a:tabLst/>
-            </a:pPr>
-            <a:r>
-              <a:rPr kumimoji="0" lang="en-US" altLang="en-US" sz="1000" b="0" i="0" u="none" strike="noStrike" cap="none" normalizeH="0" baseline="0" dirty="0">
-                <a:ln>
-                  <a:noFill/>
-                </a:ln>
-                <a:solidFill>
-                  <a:srgbClr val="333333"/>
-                </a:solidFill>
-                <a:effectLst/>
-                <a:latin typeface="Courier New" panose="02070309020205020404" pitchFamily="49" charset="0"/>
-              </a:rPr>
-              <a:t>data &lt;- read.csv(</a:t>
-            </a:r>
-            <a:r>
-              <a:rPr kumimoji="0" lang="en-US" altLang="en-US" sz="1000" b="0" i="0" u="none" strike="noStrike" cap="none" normalizeH="0" baseline="0" dirty="0">
-                <a:ln>
-                  <a:noFill/>
-                </a:ln>
-                <a:solidFill>
-                  <a:srgbClr val="DD1144"/>
-                </a:solidFill>
-                <a:effectLst/>
-                <a:latin typeface="Courier New" panose="02070309020205020404" pitchFamily="49" charset="0"/>
-              </a:rPr>
-              <a:t>“archive/train.csv"</a:t>
-            </a:r>
-            <a:r>
-              <a:rPr kumimoji="0" lang="en-US" altLang="en-US" sz="1000" b="0" i="0" u="none" strike="noStrike" cap="none" normalizeH="0" baseline="0" dirty="0">
-                <a:ln>
-                  <a:noFill/>
-                </a:ln>
-                <a:solidFill>
-                  <a:srgbClr val="333333"/>
-                </a:solidFill>
-                <a:effectLst/>
-                <a:latin typeface="Courier New" panose="02070309020205020404" pitchFamily="49" charset="0"/>
-              </a:rPr>
-              <a:t>) </a:t>
-            </a:r>
-          </a:p>
-          <a:p>
-            <a:pPr marL="0" marR="0" lvl="0" indent="0" algn="l" defTabSz="914400" rtl="0" eaLnBrk="0" fontAlgn="base" latinLnBrk="0" hangingPunct="0">
-              <a:lnSpc>
-                <a:spcPct val="100000"/>
-              </a:lnSpc>
-              <a:spcBef>
-                <a:spcPct val="0"/>
-              </a:spcBef>
-              <a:spcAft>
-                <a:spcPct val="0"/>
-              </a:spcAft>
-              <a:buClrTx/>
-              <a:buSzTx/>
-              <a:buFontTx/>
-              <a:buNone/>
-              <a:tabLst/>
-            </a:pPr>
-            <a:r>
-              <a:rPr kumimoji="0" lang="en-US" altLang="en-US" sz="1000" b="0" i="0" u="none" strike="noStrike" cap="none" normalizeH="0" baseline="0" dirty="0" err="1">
-                <a:ln>
-                  <a:noFill/>
-                </a:ln>
-                <a:solidFill>
-                  <a:srgbClr val="333333"/>
-                </a:solidFill>
-                <a:effectLst/>
-                <a:latin typeface="Courier New" panose="02070309020205020404" pitchFamily="49" charset="0"/>
-              </a:rPr>
-              <a:t>table_head</a:t>
-            </a:r>
-            <a:r>
-              <a:rPr kumimoji="0" lang="en-US" altLang="en-US" sz="1000" b="0" i="0" u="none" strike="noStrike" cap="none" normalizeH="0" baseline="0" dirty="0">
-                <a:ln>
-                  <a:noFill/>
-                </a:ln>
-                <a:solidFill>
-                  <a:srgbClr val="333333"/>
-                </a:solidFill>
-                <a:effectLst/>
-                <a:latin typeface="Courier New" panose="02070309020205020404" pitchFamily="49" charset="0"/>
-              </a:rPr>
-              <a:t> &lt;- </a:t>
-            </a:r>
-            <a:r>
-              <a:rPr kumimoji="0" lang="en-US" altLang="en-US" sz="1000" b="0" i="0" u="none" strike="noStrike" cap="none" normalizeH="0" baseline="0" dirty="0" err="1">
-                <a:ln>
-                  <a:noFill/>
-                </a:ln>
-                <a:solidFill>
-                  <a:srgbClr val="333333"/>
-                </a:solidFill>
-                <a:effectLst/>
-                <a:latin typeface="Courier New" panose="02070309020205020404" pitchFamily="49" charset="0"/>
-              </a:rPr>
-              <a:t>kableExtra</a:t>
-            </a:r>
-            <a:r>
-              <a:rPr kumimoji="0" lang="en-US" altLang="en-US" sz="1000" b="0" i="0" u="none" strike="noStrike" cap="none" normalizeH="0" baseline="0" dirty="0">
-                <a:ln>
-                  <a:noFill/>
-                </a:ln>
-                <a:solidFill>
-                  <a:srgbClr val="333333"/>
-                </a:solidFill>
-                <a:effectLst/>
-                <a:latin typeface="Courier New" panose="02070309020205020404" pitchFamily="49" charset="0"/>
-              </a:rPr>
-              <a:t>::</a:t>
-            </a:r>
-            <a:r>
-              <a:rPr kumimoji="0" lang="en-US" altLang="en-US" sz="1000" b="0" i="0" u="none" strike="noStrike" cap="none" normalizeH="0" baseline="0" dirty="0" err="1">
-                <a:ln>
-                  <a:noFill/>
-                </a:ln>
-                <a:solidFill>
-                  <a:srgbClr val="333333"/>
-                </a:solidFill>
-                <a:effectLst/>
-                <a:latin typeface="Courier New" panose="02070309020205020404" pitchFamily="49" charset="0"/>
-              </a:rPr>
-              <a:t>scroll_box</a:t>
-            </a:r>
-            <a:r>
-              <a:rPr kumimoji="0" lang="en-US" altLang="en-US" sz="1000" b="0" i="0" u="none" strike="noStrike" cap="none" normalizeH="0" baseline="0" dirty="0">
-                <a:ln>
-                  <a:noFill/>
-                </a:ln>
-                <a:solidFill>
-                  <a:srgbClr val="333333"/>
-                </a:solidFill>
-                <a:effectLst/>
-                <a:latin typeface="Courier New" panose="02070309020205020404" pitchFamily="49" charset="0"/>
-              </a:rPr>
-              <a:t>(</a:t>
-            </a:r>
-            <a:r>
-              <a:rPr kumimoji="0" lang="en-US" altLang="en-US" sz="1000" b="0" i="0" u="none" strike="noStrike" cap="none" normalizeH="0" baseline="0" dirty="0" err="1">
-                <a:ln>
-                  <a:noFill/>
-                </a:ln>
-                <a:solidFill>
-                  <a:srgbClr val="333333"/>
-                </a:solidFill>
-                <a:effectLst/>
-                <a:latin typeface="Courier New" panose="02070309020205020404" pitchFamily="49" charset="0"/>
-              </a:rPr>
-              <a:t>xkabledplyhead</a:t>
-            </a:r>
-            <a:r>
-              <a:rPr kumimoji="0" lang="en-US" altLang="en-US" sz="1000" b="0" i="0" u="none" strike="noStrike" cap="none" normalizeH="0" baseline="0" dirty="0">
-                <a:ln>
-                  <a:noFill/>
-                </a:ln>
-                <a:solidFill>
-                  <a:srgbClr val="333333"/>
-                </a:solidFill>
-                <a:effectLst/>
-                <a:latin typeface="Courier New" panose="02070309020205020404" pitchFamily="49" charset="0"/>
-              </a:rPr>
-              <a:t>(data, title = </a:t>
-            </a:r>
-            <a:r>
-              <a:rPr kumimoji="0" lang="en-US" altLang="en-US" sz="1000" b="0" i="0" u="none" strike="noStrike" cap="none" normalizeH="0" baseline="0" dirty="0">
-                <a:ln>
-                  <a:noFill/>
-                </a:ln>
-                <a:solidFill>
-                  <a:srgbClr val="DD1144"/>
-                </a:solidFill>
-                <a:effectLst/>
-                <a:latin typeface="Courier New" panose="02070309020205020404" pitchFamily="49" charset="0"/>
-              </a:rPr>
-              <a:t>"Head for the data"</a:t>
-            </a:r>
-            <a:r>
-              <a:rPr kumimoji="0" lang="en-US" altLang="en-US" sz="1000" b="0" i="0" u="none" strike="noStrike" cap="none" normalizeH="0" baseline="0" dirty="0">
-                <a:ln>
-                  <a:noFill/>
-                </a:ln>
-                <a:solidFill>
-                  <a:srgbClr val="333333"/>
-                </a:solidFill>
-                <a:effectLst/>
-                <a:latin typeface="Courier New" panose="02070309020205020404" pitchFamily="49" charset="0"/>
-              </a:rPr>
-              <a:t>, </a:t>
-            </a:r>
-          </a:p>
-          <a:p>
-            <a:pPr marL="0" marR="0" lvl="0" indent="0" algn="l" defTabSz="914400" rtl="0" eaLnBrk="0" fontAlgn="base" latinLnBrk="0" hangingPunct="0">
-              <a:lnSpc>
-                <a:spcPct val="100000"/>
-              </a:lnSpc>
-              <a:spcBef>
-                <a:spcPct val="0"/>
-              </a:spcBef>
-              <a:spcAft>
-                <a:spcPct val="0"/>
-              </a:spcAft>
-              <a:buClrTx/>
-              <a:buSzTx/>
-              <a:buFontTx/>
-              <a:buNone/>
-              <a:tabLst/>
-            </a:pPr>
-            <a:r>
-              <a:rPr kumimoji="0" lang="en-US" altLang="en-US" sz="1000" b="0" i="0" u="none" strike="noStrike" cap="none" normalizeH="0" baseline="0" dirty="0">
-                <a:ln>
-                  <a:noFill/>
-                </a:ln>
-                <a:solidFill>
-                  <a:srgbClr val="333333"/>
-                </a:solidFill>
-                <a:effectLst/>
-                <a:latin typeface="Courier New" panose="02070309020205020404" pitchFamily="49" charset="0"/>
-              </a:rPr>
-              <a:t>pos = </a:t>
-            </a:r>
-            <a:r>
-              <a:rPr kumimoji="0" lang="en-US" altLang="en-US" sz="1000" b="0" i="0" u="none" strike="noStrike" cap="none" normalizeH="0" baseline="0" dirty="0">
-                <a:ln>
-                  <a:noFill/>
-                </a:ln>
-                <a:solidFill>
-                  <a:srgbClr val="DD1144"/>
-                </a:solidFill>
-                <a:effectLst/>
-                <a:latin typeface="Courier New" panose="02070309020205020404" pitchFamily="49" charset="0"/>
-              </a:rPr>
-              <a:t>"left"</a:t>
-            </a:r>
-            <a:r>
-              <a:rPr kumimoji="0" lang="en-US" altLang="en-US" sz="1000" b="0" i="0" u="none" strike="noStrike" cap="none" normalizeH="0" baseline="0" dirty="0">
-                <a:ln>
-                  <a:noFill/>
-                </a:ln>
-                <a:solidFill>
-                  <a:srgbClr val="333333"/>
-                </a:solidFill>
-                <a:effectLst/>
-                <a:latin typeface="Courier New" panose="02070309020205020404" pitchFamily="49" charset="0"/>
-              </a:rPr>
-              <a:t>, </a:t>
-            </a:r>
-            <a:r>
-              <a:rPr kumimoji="0" lang="en-US" altLang="en-US" sz="1000" b="0" i="0" u="none" strike="noStrike" cap="none" normalizeH="0" baseline="0" dirty="0" err="1">
-                <a:ln>
-                  <a:noFill/>
-                </a:ln>
-                <a:solidFill>
-                  <a:srgbClr val="333333"/>
-                </a:solidFill>
-                <a:effectLst/>
-                <a:latin typeface="Courier New" panose="02070309020205020404" pitchFamily="49" charset="0"/>
-              </a:rPr>
-              <a:t>bso</a:t>
-            </a:r>
-            <a:r>
-              <a:rPr kumimoji="0" lang="en-US" altLang="en-US" sz="1000" b="0" i="0" u="none" strike="noStrike" cap="none" normalizeH="0" baseline="0" dirty="0">
-                <a:ln>
-                  <a:noFill/>
-                </a:ln>
-                <a:solidFill>
-                  <a:srgbClr val="333333"/>
-                </a:solidFill>
-                <a:effectLst/>
-                <a:latin typeface="Courier New" panose="02070309020205020404" pitchFamily="49" charset="0"/>
-              </a:rPr>
-              <a:t> = </a:t>
-            </a:r>
-            <a:r>
-              <a:rPr kumimoji="0" lang="en-US" altLang="en-US" sz="1000" b="0" i="0" u="none" strike="noStrike" cap="none" normalizeH="0" baseline="0" dirty="0">
-                <a:ln>
-                  <a:noFill/>
-                </a:ln>
-                <a:solidFill>
-                  <a:srgbClr val="DD1144"/>
-                </a:solidFill>
-                <a:effectLst/>
-                <a:latin typeface="Courier New" panose="02070309020205020404" pitchFamily="49" charset="0"/>
-              </a:rPr>
-              <a:t>"striped"</a:t>
-            </a:r>
-            <a:r>
-              <a:rPr kumimoji="0" lang="en-US" altLang="en-US" sz="1000" b="0" i="0" u="none" strike="noStrike" cap="none" normalizeH="0" baseline="0" dirty="0">
-                <a:ln>
-                  <a:noFill/>
-                </a:ln>
-                <a:solidFill>
-                  <a:srgbClr val="333333"/>
-                </a:solidFill>
-                <a:effectLst/>
-                <a:latin typeface="Courier New" panose="02070309020205020404" pitchFamily="49" charset="0"/>
-              </a:rPr>
-              <a:t>), width = </a:t>
-            </a:r>
-            <a:r>
-              <a:rPr kumimoji="0" lang="en-US" altLang="en-US" sz="1000" b="0" i="0" u="none" strike="noStrike" cap="none" normalizeH="0" baseline="0" dirty="0">
-                <a:ln>
-                  <a:noFill/>
-                </a:ln>
-                <a:solidFill>
-                  <a:srgbClr val="DD1144"/>
-                </a:solidFill>
-                <a:effectLst/>
-                <a:latin typeface="Courier New" panose="02070309020205020404" pitchFamily="49" charset="0"/>
-              </a:rPr>
-              <a:t>"100%"</a:t>
-            </a:r>
-            <a:r>
-              <a:rPr kumimoji="0" lang="en-US" altLang="en-US" sz="1000" b="0" i="0" u="none" strike="noStrike" cap="none" normalizeH="0" baseline="0" dirty="0">
-                <a:ln>
-                  <a:noFill/>
-                </a:ln>
-                <a:solidFill>
-                  <a:srgbClr val="333333"/>
-                </a:solidFill>
-                <a:effectLst/>
-                <a:latin typeface="Courier New" panose="02070309020205020404" pitchFamily="49" charset="0"/>
-              </a:rPr>
-              <a:t>, height = </a:t>
-            </a:r>
-            <a:r>
-              <a:rPr kumimoji="0" lang="en-US" altLang="en-US" sz="1000" b="0" i="0" u="none" strike="noStrike" cap="none" normalizeH="0" baseline="0" dirty="0">
-                <a:ln>
-                  <a:noFill/>
-                </a:ln>
-                <a:solidFill>
-                  <a:srgbClr val="DD1144"/>
-                </a:solidFill>
-                <a:effectLst/>
-                <a:latin typeface="Courier New" panose="02070309020205020404" pitchFamily="49" charset="0"/>
-              </a:rPr>
-              <a:t>"100%"</a:t>
-            </a:r>
-            <a:r>
-              <a:rPr kumimoji="0" lang="en-US" altLang="en-US" sz="1000" b="0" i="0" u="none" strike="noStrike" cap="none" normalizeH="0" baseline="0" dirty="0">
-                <a:ln>
-                  <a:noFill/>
-                </a:ln>
-                <a:solidFill>
-                  <a:srgbClr val="333333"/>
-                </a:solidFill>
-                <a:effectLst/>
-                <a:latin typeface="Courier New" panose="02070309020205020404" pitchFamily="49" charset="0"/>
-              </a:rPr>
-              <a:t>) </a:t>
-            </a:r>
-          </a:p>
-          <a:p>
-            <a:pPr marL="0" marR="0" lvl="0" indent="0" algn="l" defTabSz="914400" rtl="0" eaLnBrk="0" fontAlgn="base" latinLnBrk="0" hangingPunct="0">
-              <a:lnSpc>
-                <a:spcPct val="100000"/>
-              </a:lnSpc>
-              <a:spcBef>
-                <a:spcPct val="0"/>
-              </a:spcBef>
-              <a:spcAft>
-                <a:spcPct val="0"/>
-              </a:spcAft>
-              <a:buClrTx/>
-              <a:buSzTx/>
-              <a:buFontTx/>
-              <a:buNone/>
-              <a:tabLst/>
-            </a:pPr>
-            <a:r>
-              <a:rPr kumimoji="0" lang="en-US" altLang="en-US" sz="1000" b="0" i="0" u="none" strike="noStrike" cap="none" normalizeH="0" baseline="0" dirty="0" err="1">
-                <a:ln>
-                  <a:noFill/>
-                </a:ln>
-                <a:solidFill>
-                  <a:srgbClr val="333333"/>
-                </a:solidFill>
-                <a:effectLst/>
-                <a:latin typeface="Courier New" panose="02070309020205020404" pitchFamily="49" charset="0"/>
-              </a:rPr>
-              <a:t>table_head</a:t>
-            </a:r>
-            <a:r>
-              <a:rPr kumimoji="0" lang="en-US" altLang="en-US" sz="800" b="0" i="0" u="none" strike="noStrike" cap="none" normalizeH="0" baseline="0" dirty="0">
-                <a:ln>
-                  <a:noFill/>
-                </a:ln>
-                <a:solidFill>
-                  <a:schemeClr val="tx1"/>
-                </a:solidFill>
-                <a:effectLst/>
-              </a:rPr>
-              <a:t> </a:t>
-            </a:r>
-            <a:endParaRPr kumimoji="0" lang="en-US" altLang="en-US" sz="1800" b="0" i="0" u="none" strike="noStrike" cap="none" normalizeH="0" baseline="0" dirty="0">
-              <a:ln>
-                <a:noFill/>
-              </a:ln>
-              <a:solidFill>
-                <a:schemeClr val="tx1"/>
-              </a:solidFill>
-              <a:effectLst/>
-              <a:latin typeface="Arial" panose="020B0604020202020204" pitchFamily="34" charset="0"/>
-            </a:endParaRPr>
+              <a:t>Our Data</a:t>
+            </a:r>
           </a:p>
         </p:txBody>
       </p:sp>
@@ -12875,14 +13727,14 @@
           <p:nvPr>
             <p:extLst>
               <p:ext uri="{D42A27DB-BD31-4B8C-83A1-F6EECF244321}">
-                <p14:modId xmlns:p14="http://schemas.microsoft.com/office/powerpoint/2010/main" val="3971142534"/>
+                <p14:modId xmlns:p14="http://schemas.microsoft.com/office/powerpoint/2010/main" val="4106059891"/>
               </p:ext>
             </p:extLst>
           </p:nvPr>
         </p:nvGraphicFramePr>
         <p:xfrm>
-          <a:off x="838198" y="2457450"/>
-          <a:ext cx="10363498" cy="3673190"/>
+          <a:off x="838198" y="2122415"/>
+          <a:ext cx="10363498" cy="4008227"/>
         </p:xfrm>
         <a:graphic>
           <a:graphicData uri="http://schemas.openxmlformats.org/drawingml/2006/table">
@@ -12960,7 +13812,7 @@
                   </a:extLst>
                 </a:gridCol>
               </a:tblGrid>
-              <a:tr h="679770">
+              <a:tr h="741772">
                 <a:tc>
                   <a:txBody>
                     <a:bodyPr/>
@@ -13359,7 +14211,7 @@
                   </a:ext>
                 </a:extLst>
               </a:tr>
-              <a:tr h="598684">
+              <a:tr h="653291">
                 <a:tc>
                   <a:txBody>
                     <a:bodyPr/>
@@ -13806,7 +14658,7 @@
                   </a:ext>
                 </a:extLst>
               </a:tr>
-              <a:tr h="598684">
+              <a:tr h="653291">
                 <a:tc>
                   <a:txBody>
                     <a:bodyPr/>
@@ -14253,7 +15105,7 @@
                   </a:ext>
                 </a:extLst>
               </a:tr>
-              <a:tr h="598684">
+              <a:tr h="653291">
                 <a:tc>
                   <a:txBody>
                     <a:bodyPr/>
@@ -14700,7 +15552,7 @@
                   </a:ext>
                 </a:extLst>
               </a:tr>
-              <a:tr h="598684">
+              <a:tr h="653291">
                 <a:tc>
                   <a:txBody>
                     <a:bodyPr/>
@@ -15147,7 +15999,7 @@
                   </a:ext>
                 </a:extLst>
               </a:tr>
-              <a:tr h="598684">
+              <a:tr h="653291">
                 <a:tc>
                   <a:txBody>
                     <a:bodyPr/>
@@ -15383,7 +16235,7 @@
                     <a:p>
                       <a:pPr algn="ctr" fontAlgn="t"/>
                       <a:r>
-                        <a:rPr lang="en-US" sz="1200">
+                        <a:rPr lang="en-US" sz="1200" dirty="0">
                           <a:effectLst/>
                         </a:rPr>
                         <a:t>Business</a:t>
@@ -16207,7 +17059,7 @@
           <p:cNvPr id="2" name="Title 1">
             <a:extLst>
               <a:ext uri="{FF2B5EF4-FFF2-40B4-BE49-F238E27FC236}">
-                <a16:creationId xmlns:a16="http://schemas.microsoft.com/office/drawing/2014/main" id="{17C0BA54-4ED8-B0C3-AF1B-83C8A0E446B1}"/>
+                <a16:creationId xmlns:a16="http://schemas.microsoft.com/office/drawing/2014/main" id="{3D57B3AE-9E76-10E9-BCE2-76C9183AC698}"/>
               </a:ext>
             </a:extLst>
           </p:cNvPr>
@@ -16218,76 +17070,499 @@
             <p:ph type="title"/>
           </p:nvPr>
         </p:nvSpPr>
-        <p:spPr>
-          <a:xfrm>
-            <a:off x="838200" y="365125"/>
-            <a:ext cx="3807691" cy="1325563"/>
-          </a:xfrm>
-        </p:spPr>
+        <p:spPr/>
         <p:txBody>
           <a:bodyPr/>
           <a:lstStyle/>
           <a:p>
             <a:r>
               <a:rPr lang="en-US" dirty="0"/>
-              <a:t>Variable Distributions</a:t>
+              <a:t>Data Summary</a:t>
             </a:r>
           </a:p>
         </p:txBody>
       </p:sp>
-      <p:pic>
-        <p:nvPicPr>
-          <p:cNvPr id="2050" name="Picture 2">
-            <a:extLst>
-              <a:ext uri="{FF2B5EF4-FFF2-40B4-BE49-F238E27FC236}">
-                <a16:creationId xmlns:a16="http://schemas.microsoft.com/office/drawing/2014/main" id="{EE4F6CC4-A285-B596-ED79-8258D0F1162A}"/>
-              </a:ext>
-            </a:extLst>
-          </p:cNvPr>
-          <p:cNvPicPr>
-            <a:picLocks noChangeAspect="1" noChangeArrowheads="1"/>
-          </p:cNvPicPr>
+      <p:grpSp>
+        <p:nvGrpSpPr>
+          <p:cNvPr id="4" name="Group 3">
+            <a:extLst>
+              <a:ext uri="{FF2B5EF4-FFF2-40B4-BE49-F238E27FC236}">
+                <a16:creationId xmlns:a16="http://schemas.microsoft.com/office/drawing/2014/main" id="{FAD560CA-826C-B774-F294-30FEDA577A50}"/>
+              </a:ext>
+            </a:extLst>
+          </p:cNvPr>
+          <p:cNvGrpSpPr/>
           <p:nvPr/>
-        </p:nvPicPr>
-        <p:blipFill>
-          <a:blip r:embed="rId2">
-            <a:extLst>
-              <a:ext uri="{28A0092B-C50C-407E-A947-70E740481C1C}">
-                <a14:useLocalDpi xmlns:a14="http://schemas.microsoft.com/office/drawing/2010/main" val="0"/>
-              </a:ext>
-            </a:extLst>
-          </a:blip>
-          <a:srcRect/>
-          <a:stretch>
-            <a:fillRect/>
-          </a:stretch>
-        </p:blipFill>
-        <p:spPr bwMode="auto">
+        </p:nvGrpSpPr>
+        <p:grpSpPr>
           <a:xfrm>
-            <a:off x="5334000" y="0"/>
-            <a:ext cx="6858000" cy="6858000"/>
-          </a:xfrm>
-          <a:prstGeom prst="rect">
-            <a:avLst/>
-          </a:prstGeom>
-          <a:noFill/>
-          <a:extLst>
-            <a:ext uri="{909E8E84-426E-40DD-AFC4-6F175D3DCCD1}">
-              <a14:hiddenFill xmlns:a14="http://schemas.microsoft.com/office/drawing/2010/main">
+            <a:off x="838200" y="2050999"/>
+            <a:ext cx="3331128" cy="914400"/>
+            <a:chOff x="838200" y="1671637"/>
+            <a:chExt cx="3331128" cy="914400"/>
+          </a:xfrm>
+        </p:grpSpPr>
+        <p:sp>
+          <p:nvSpPr>
+            <p:cNvPr id="5" name="TextBox 4">
+              <a:extLst>
+                <a:ext uri="{FF2B5EF4-FFF2-40B4-BE49-F238E27FC236}">
+                  <a16:creationId xmlns:a16="http://schemas.microsoft.com/office/drawing/2014/main" id="{7CD0FEF4-1A03-DEF2-1BD9-309FC343713B}"/>
+                </a:ext>
+              </a:extLst>
+            </p:cNvPr>
+            <p:cNvSpPr txBox="1"/>
+            <p:nvPr/>
+          </p:nvSpPr>
+          <p:spPr>
+            <a:xfrm>
+              <a:off x="1752599" y="1805672"/>
+              <a:ext cx="2416729" cy="646331"/>
+            </a:xfrm>
+            <a:prstGeom prst="rect">
+              <a:avLst/>
+            </a:prstGeom>
+            <a:noFill/>
+          </p:spPr>
+          <p:txBody>
+            <a:bodyPr wrap="square">
+              <a:spAutoFit/>
+            </a:bodyPr>
+            <a:lstStyle/>
+            <a:p>
+              <a:pPr algn="l"/>
+              <a:r>
+                <a:rPr lang="en-US" b="0" i="0" dirty="0">
+                  <a:solidFill>
+                    <a:srgbClr val="333333"/>
+                  </a:solidFill>
+                  <a:effectLst/>
+                  <a:latin typeface="Calibri" panose="020F0502020204030204" pitchFamily="34" charset="0"/>
+                  <a:cs typeface="Calibri" panose="020F0502020204030204" pitchFamily="34" charset="0"/>
+                </a:rPr>
+                <a:t>Summary statistics for continuous variables:</a:t>
+              </a:r>
+              <a:endParaRPr lang="en-US" b="1" i="0" dirty="0">
                 <a:solidFill>
-                  <a:srgbClr val="FFFFFF"/>
+                  <a:srgbClr val="333333"/>
                 </a:solidFill>
-              </a14:hiddenFill>
-            </a:ext>
-          </a:extLst>
-        </p:spPr>
-      </p:pic>
+                <a:effectLst/>
+                <a:latin typeface="Calibri" panose="020F0502020204030204" pitchFamily="34" charset="0"/>
+                <a:cs typeface="Calibri" panose="020F0502020204030204" pitchFamily="34" charset="0"/>
+              </a:endParaRPr>
+            </a:p>
+          </p:txBody>
+        </p:sp>
+        <p:pic>
+          <p:nvPicPr>
+            <p:cNvPr id="6" name="Graphic 5">
+              <a:extLst>
+                <a:ext uri="{FF2B5EF4-FFF2-40B4-BE49-F238E27FC236}">
+                  <a16:creationId xmlns:a16="http://schemas.microsoft.com/office/drawing/2014/main" id="{769AD5DF-4D97-0B02-6930-0F939AB42F77}"/>
+                </a:ext>
+              </a:extLst>
+            </p:cNvPr>
+            <p:cNvPicPr>
+              <a:picLocks noChangeAspect="1"/>
+            </p:cNvPicPr>
+            <p:nvPr/>
+          </p:nvPicPr>
+          <p:blipFill>
+            <a:blip r:embed="rId2">
+              <a:extLst>
+                <a:ext uri="{28A0092B-C50C-407E-A947-70E740481C1C}">
+                  <a14:useLocalDpi xmlns:a14="http://schemas.microsoft.com/office/drawing/2010/main" val="0"/>
+                </a:ext>
+                <a:ext uri="{96DAC541-7B7A-43D3-8B79-37D633B846F1}">
+                  <asvg:svgBlip xmlns:asvg="http://schemas.microsoft.com/office/drawing/2016/SVG/main" r:embed="rId3"/>
+                </a:ext>
+              </a:extLst>
+            </a:blip>
+            <a:srcRect/>
+            <a:stretch/>
+          </p:blipFill>
+          <p:spPr>
+            <a:xfrm>
+              <a:off x="838200" y="1671637"/>
+              <a:ext cx="914400" cy="914400"/>
+            </a:xfrm>
+            <a:prstGeom prst="rect">
+              <a:avLst/>
+            </a:prstGeom>
+          </p:spPr>
+        </p:pic>
+      </p:grpSp>
+      <p:grpSp>
+        <p:nvGrpSpPr>
+          <p:cNvPr id="18" name="Group 17">
+            <a:extLst>
+              <a:ext uri="{FF2B5EF4-FFF2-40B4-BE49-F238E27FC236}">
+                <a16:creationId xmlns:a16="http://schemas.microsoft.com/office/drawing/2014/main" id="{8F25F21B-E511-CDA4-EE26-6306262B6331}"/>
+              </a:ext>
+            </a:extLst>
+          </p:cNvPr>
+          <p:cNvGrpSpPr/>
+          <p:nvPr/>
+        </p:nvGrpSpPr>
+        <p:grpSpPr>
+          <a:xfrm>
+            <a:off x="4790114" y="2508308"/>
+            <a:ext cx="5863904" cy="243278"/>
+            <a:chOff x="4790114" y="2508308"/>
+            <a:chExt cx="5863904" cy="243278"/>
+          </a:xfrm>
+        </p:grpSpPr>
+        <p:cxnSp>
+          <p:nvCxnSpPr>
+            <p:cNvPr id="10" name="Straight Connector 9">
+              <a:extLst>
+                <a:ext uri="{FF2B5EF4-FFF2-40B4-BE49-F238E27FC236}">
+                  <a16:creationId xmlns:a16="http://schemas.microsoft.com/office/drawing/2014/main" id="{B06D2393-2A6A-86BF-6074-FD775D601864}"/>
+                </a:ext>
+              </a:extLst>
+            </p:cNvPr>
+            <p:cNvCxnSpPr/>
+            <p:nvPr/>
+          </p:nvCxnSpPr>
+          <p:spPr>
+            <a:xfrm>
+              <a:off x="4848837" y="2634143"/>
+              <a:ext cx="5746458" cy="0"/>
+            </a:xfrm>
+            <a:prstGeom prst="line">
+              <a:avLst/>
+            </a:prstGeom>
+            <a:ln w="38100">
+              <a:solidFill>
+                <a:schemeClr val="accent1">
+                  <a:lumMod val="40000"/>
+                  <a:lumOff val="60000"/>
+                </a:schemeClr>
+              </a:solidFill>
+            </a:ln>
+          </p:spPr>
+          <p:style>
+            <a:lnRef idx="1">
+              <a:schemeClr val="accent1"/>
+            </a:lnRef>
+            <a:fillRef idx="0">
+              <a:schemeClr val="accent1"/>
+            </a:fillRef>
+            <a:effectRef idx="0">
+              <a:schemeClr val="accent1"/>
+            </a:effectRef>
+            <a:fontRef idx="minor">
+              <a:schemeClr val="tx1"/>
+            </a:fontRef>
+          </p:style>
+        </p:cxnSp>
+        <p:sp>
+          <p:nvSpPr>
+            <p:cNvPr id="13" name="Rectangle 12">
+              <a:extLst>
+                <a:ext uri="{FF2B5EF4-FFF2-40B4-BE49-F238E27FC236}">
+                  <a16:creationId xmlns:a16="http://schemas.microsoft.com/office/drawing/2014/main" id="{2624B3C6-3088-B518-50CA-304E641C2624}"/>
+                </a:ext>
+              </a:extLst>
+            </p:cNvPr>
+            <p:cNvSpPr/>
+            <p:nvPr/>
+          </p:nvSpPr>
+          <p:spPr>
+            <a:xfrm>
+              <a:off x="4790114" y="2508308"/>
+              <a:ext cx="58723" cy="243278"/>
+            </a:xfrm>
+            <a:prstGeom prst="rect">
+              <a:avLst/>
+            </a:prstGeom>
+            <a:solidFill>
+              <a:schemeClr val="accent1">
+                <a:lumMod val="40000"/>
+                <a:lumOff val="60000"/>
+              </a:schemeClr>
+            </a:solidFill>
+            <a:ln>
+              <a:solidFill>
+                <a:schemeClr val="accent1">
+                  <a:lumMod val="40000"/>
+                  <a:lumOff val="60000"/>
+                </a:schemeClr>
+              </a:solidFill>
+            </a:ln>
+          </p:spPr>
+          <p:style>
+            <a:lnRef idx="2">
+              <a:schemeClr val="accent1">
+                <a:shade val="15000"/>
+              </a:schemeClr>
+            </a:lnRef>
+            <a:fillRef idx="1">
+              <a:schemeClr val="accent1"/>
+            </a:fillRef>
+            <a:effectRef idx="0">
+              <a:schemeClr val="accent1"/>
+            </a:effectRef>
+            <a:fontRef idx="minor">
+              <a:schemeClr val="lt1"/>
+            </a:fontRef>
+          </p:style>
+          <p:txBody>
+            <a:bodyPr rtlCol="0" anchor="ctr"/>
+            <a:lstStyle/>
+            <a:p>
+              <a:pPr algn="ctr"/>
+              <a:endParaRPr lang="en-US"/>
+            </a:p>
+          </p:txBody>
+        </p:sp>
+        <p:sp>
+          <p:nvSpPr>
+            <p:cNvPr id="14" name="Rectangle 13">
+              <a:extLst>
+                <a:ext uri="{FF2B5EF4-FFF2-40B4-BE49-F238E27FC236}">
+                  <a16:creationId xmlns:a16="http://schemas.microsoft.com/office/drawing/2014/main" id="{F2A89F64-96A4-C6C3-A263-CF6009CF8CBF}"/>
+                </a:ext>
+              </a:extLst>
+            </p:cNvPr>
+            <p:cNvSpPr/>
+            <p:nvPr/>
+          </p:nvSpPr>
+          <p:spPr>
+            <a:xfrm>
+              <a:off x="10595295" y="2508308"/>
+              <a:ext cx="58723" cy="243278"/>
+            </a:xfrm>
+            <a:prstGeom prst="rect">
+              <a:avLst/>
+            </a:prstGeom>
+            <a:solidFill>
+              <a:schemeClr val="accent1">
+                <a:lumMod val="40000"/>
+                <a:lumOff val="60000"/>
+              </a:schemeClr>
+            </a:solidFill>
+            <a:ln>
+              <a:solidFill>
+                <a:schemeClr val="accent1">
+                  <a:lumMod val="40000"/>
+                  <a:lumOff val="60000"/>
+                </a:schemeClr>
+              </a:solidFill>
+            </a:ln>
+          </p:spPr>
+          <p:style>
+            <a:lnRef idx="2">
+              <a:schemeClr val="accent1">
+                <a:shade val="15000"/>
+              </a:schemeClr>
+            </a:lnRef>
+            <a:fillRef idx="1">
+              <a:schemeClr val="accent1"/>
+            </a:fillRef>
+            <a:effectRef idx="0">
+              <a:schemeClr val="accent1"/>
+            </a:effectRef>
+            <a:fontRef idx="minor">
+              <a:schemeClr val="lt1"/>
+            </a:fontRef>
+          </p:style>
+          <p:txBody>
+            <a:bodyPr rtlCol="0" anchor="ctr"/>
+            <a:lstStyle/>
+            <a:p>
+              <a:pPr algn="ctr"/>
+              <a:endParaRPr lang="en-US"/>
+            </a:p>
+          </p:txBody>
+        </p:sp>
+        <p:sp>
+          <p:nvSpPr>
+            <p:cNvPr id="15" name="Rectangle 14">
+              <a:extLst>
+                <a:ext uri="{FF2B5EF4-FFF2-40B4-BE49-F238E27FC236}">
+                  <a16:creationId xmlns:a16="http://schemas.microsoft.com/office/drawing/2014/main" id="{590301E6-70A2-2BB8-FE21-D678B79B8588}"/>
+                </a:ext>
+              </a:extLst>
+            </p:cNvPr>
+            <p:cNvSpPr/>
+            <p:nvPr/>
+          </p:nvSpPr>
+          <p:spPr>
+            <a:xfrm>
+              <a:off x="7692704" y="2508308"/>
+              <a:ext cx="58723" cy="243278"/>
+            </a:xfrm>
+            <a:prstGeom prst="rect">
+              <a:avLst/>
+            </a:prstGeom>
+            <a:solidFill>
+              <a:schemeClr val="accent1">
+                <a:lumMod val="40000"/>
+                <a:lumOff val="60000"/>
+              </a:schemeClr>
+            </a:solidFill>
+            <a:ln>
+              <a:solidFill>
+                <a:schemeClr val="accent1">
+                  <a:lumMod val="40000"/>
+                  <a:lumOff val="60000"/>
+                </a:schemeClr>
+              </a:solidFill>
+            </a:ln>
+          </p:spPr>
+          <p:style>
+            <a:lnRef idx="2">
+              <a:schemeClr val="accent1">
+                <a:shade val="15000"/>
+              </a:schemeClr>
+            </a:lnRef>
+            <a:fillRef idx="1">
+              <a:schemeClr val="accent1"/>
+            </a:fillRef>
+            <a:effectRef idx="0">
+              <a:schemeClr val="accent1"/>
+            </a:effectRef>
+            <a:fontRef idx="minor">
+              <a:schemeClr val="lt1"/>
+            </a:fontRef>
+          </p:style>
+          <p:txBody>
+            <a:bodyPr rtlCol="0" anchor="ctr"/>
+            <a:lstStyle/>
+            <a:p>
+              <a:pPr algn="ctr"/>
+              <a:endParaRPr lang="en-US"/>
+            </a:p>
+          </p:txBody>
+        </p:sp>
+        <p:sp>
+          <p:nvSpPr>
+            <p:cNvPr id="16" name="Rectangle 15">
+              <a:extLst>
+                <a:ext uri="{FF2B5EF4-FFF2-40B4-BE49-F238E27FC236}">
+                  <a16:creationId xmlns:a16="http://schemas.microsoft.com/office/drawing/2014/main" id="{22FD819B-7D03-EBAB-C999-3046F2F66532}"/>
+                </a:ext>
+              </a:extLst>
+            </p:cNvPr>
+            <p:cNvSpPr/>
+            <p:nvPr/>
+          </p:nvSpPr>
+          <p:spPr>
+            <a:xfrm>
+              <a:off x="6241409" y="2508308"/>
+              <a:ext cx="58723" cy="243278"/>
+            </a:xfrm>
+            <a:prstGeom prst="rect">
+              <a:avLst/>
+            </a:prstGeom>
+            <a:solidFill>
+              <a:schemeClr val="accent1">
+                <a:lumMod val="40000"/>
+                <a:lumOff val="60000"/>
+              </a:schemeClr>
+            </a:solidFill>
+            <a:ln>
+              <a:solidFill>
+                <a:schemeClr val="accent1">
+                  <a:lumMod val="40000"/>
+                  <a:lumOff val="60000"/>
+                </a:schemeClr>
+              </a:solidFill>
+            </a:ln>
+          </p:spPr>
+          <p:style>
+            <a:lnRef idx="2">
+              <a:schemeClr val="accent1">
+                <a:shade val="15000"/>
+              </a:schemeClr>
+            </a:lnRef>
+            <a:fillRef idx="1">
+              <a:schemeClr val="accent1"/>
+            </a:fillRef>
+            <a:effectRef idx="0">
+              <a:schemeClr val="accent1"/>
+            </a:effectRef>
+            <a:fontRef idx="minor">
+              <a:schemeClr val="lt1"/>
+            </a:fontRef>
+          </p:style>
+          <p:txBody>
+            <a:bodyPr rtlCol="0" anchor="ctr"/>
+            <a:lstStyle/>
+            <a:p>
+              <a:pPr algn="ctr"/>
+              <a:endParaRPr lang="en-US"/>
+            </a:p>
+          </p:txBody>
+        </p:sp>
+        <p:sp>
+          <p:nvSpPr>
+            <p:cNvPr id="17" name="Rectangle 16">
+              <a:extLst>
+                <a:ext uri="{FF2B5EF4-FFF2-40B4-BE49-F238E27FC236}">
+                  <a16:creationId xmlns:a16="http://schemas.microsoft.com/office/drawing/2014/main" id="{D0E61BEC-22F9-2B89-F783-94D8F16B6D0F}"/>
+                </a:ext>
+              </a:extLst>
+            </p:cNvPr>
+            <p:cNvSpPr/>
+            <p:nvPr/>
+          </p:nvSpPr>
+          <p:spPr>
+            <a:xfrm>
+              <a:off x="9143999" y="2508308"/>
+              <a:ext cx="58723" cy="243278"/>
+            </a:xfrm>
+            <a:prstGeom prst="rect">
+              <a:avLst/>
+            </a:prstGeom>
+            <a:solidFill>
+              <a:schemeClr val="accent1">
+                <a:lumMod val="40000"/>
+                <a:lumOff val="60000"/>
+              </a:schemeClr>
+            </a:solidFill>
+            <a:ln>
+              <a:solidFill>
+                <a:schemeClr val="accent1">
+                  <a:lumMod val="40000"/>
+                  <a:lumOff val="60000"/>
+                </a:schemeClr>
+              </a:solidFill>
+            </a:ln>
+          </p:spPr>
+          <p:style>
+            <a:lnRef idx="2">
+              <a:schemeClr val="accent1">
+                <a:shade val="15000"/>
+              </a:schemeClr>
+            </a:lnRef>
+            <a:fillRef idx="1">
+              <a:schemeClr val="accent1"/>
+            </a:fillRef>
+            <a:effectRef idx="0">
+              <a:schemeClr val="accent1"/>
+            </a:effectRef>
+            <a:fontRef idx="minor">
+              <a:schemeClr val="lt1"/>
+            </a:fontRef>
+          </p:style>
+          <p:txBody>
+            <a:bodyPr rtlCol="0" anchor="ctr"/>
+            <a:lstStyle/>
+            <a:p>
+              <a:pPr algn="ctr"/>
+              <a:endParaRPr lang="en-US"/>
+            </a:p>
+          </p:txBody>
+        </p:sp>
+      </p:grpSp>
       <p:sp>
         <p:nvSpPr>
-          <p:cNvPr id="3" name="TextBox 2">
-            <a:extLst>
-              <a:ext uri="{FF2B5EF4-FFF2-40B4-BE49-F238E27FC236}">
-                <a16:creationId xmlns:a16="http://schemas.microsoft.com/office/drawing/2014/main" id="{85673DAE-BE0E-D7B6-042F-3D751C34E89B}"/>
+          <p:cNvPr id="28" name="TextBox 27">
+            <a:extLst>
+              <a:ext uri="{FF2B5EF4-FFF2-40B4-BE49-F238E27FC236}">
+                <a16:creationId xmlns:a16="http://schemas.microsoft.com/office/drawing/2014/main" id="{43DC0D58-B453-C84D-C561-B5EF6060738D}"/>
               </a:ext>
             </a:extLst>
           </p:cNvPr>
@@ -16296,8 +17571,8 @@
         </p:nvSpPr>
         <p:spPr>
           <a:xfrm>
-            <a:off x="881063" y="1757878"/>
-            <a:ext cx="3583709" cy="369332"/>
+            <a:off x="4462680" y="2138867"/>
+            <a:ext cx="721541" cy="369332"/>
           </a:xfrm>
           <a:prstGeom prst="rect">
             <a:avLst/>
@@ -16305,30 +17580,25 @@
           <a:noFill/>
         </p:spPr>
         <p:txBody>
-          <a:bodyPr wrap="square" rtlCol="0">
+          <a:bodyPr wrap="square" rtlCol="0" anchor="ctr">
             <a:spAutoFit/>
           </a:bodyPr>
           <a:lstStyle/>
           <a:p>
-            <a:r>
-              <a:rPr lang="en-US" b="1" dirty="0">
-                <a:solidFill>
-                  <a:schemeClr val="bg1">
-                    <a:lumMod val="50000"/>
-                  </a:schemeClr>
-                </a:solidFill>
-              </a:rPr>
-              <a:t>Part 1: Categorical Variables </a:t>
+            <a:pPr algn="ctr"/>
+            <a:r>
+              <a:rPr lang="en-US" b="1" dirty="0"/>
+              <a:t>Min</a:t>
             </a:r>
           </a:p>
         </p:txBody>
       </p:sp>
       <p:sp>
         <p:nvSpPr>
-          <p:cNvPr id="4" name="TextBox 3">
-            <a:extLst>
-              <a:ext uri="{FF2B5EF4-FFF2-40B4-BE49-F238E27FC236}">
-                <a16:creationId xmlns:a16="http://schemas.microsoft.com/office/drawing/2014/main" id="{3D8CEEDB-BA7C-AA9E-BD52-2E6B97C953D9}"/>
+          <p:cNvPr id="29" name="TextBox 28">
+            <a:extLst>
+              <a:ext uri="{FF2B5EF4-FFF2-40B4-BE49-F238E27FC236}">
+                <a16:creationId xmlns:a16="http://schemas.microsoft.com/office/drawing/2014/main" id="{BD695848-0789-C929-9E0E-9DDCA2D86436}"/>
               </a:ext>
             </a:extLst>
           </p:cNvPr>
@@ -16337,8 +17607,8 @@
         </p:nvSpPr>
         <p:spPr>
           <a:xfrm>
-            <a:off x="838200" y="2324100"/>
-            <a:ext cx="3340100" cy="3370153"/>
+            <a:off x="10267861" y="2138867"/>
+            <a:ext cx="721541" cy="369332"/>
           </a:xfrm>
           <a:prstGeom prst="rect">
             <a:avLst/>
@@ -16346,67 +17616,250 @@
           <a:noFill/>
         </p:spPr>
         <p:txBody>
-          <a:bodyPr wrap="square" rtlCol="0">
+          <a:bodyPr wrap="square" rtlCol="0" anchor="ctr">
             <a:spAutoFit/>
           </a:bodyPr>
           <a:lstStyle/>
           <a:p>
-            <a:pPr marL="285750" indent="-285750">
-              <a:spcAft>
-                <a:spcPts val="600"/>
-              </a:spcAft>
-              <a:buFont typeface="Arial" panose="020B0604020202020204" pitchFamily="34" charset="0"/>
-              <a:buChar char="•"/>
-            </a:pPr>
-            <a:r>
-              <a:rPr lang="en-US" dirty="0"/>
-              <a:t>These variables can be included in our regression model with limited assumptions.</a:t>
-            </a:r>
-          </a:p>
-          <a:p>
-            <a:pPr marL="285750" indent="-285750">
-              <a:spcAft>
-                <a:spcPts val="600"/>
-              </a:spcAft>
-              <a:buFont typeface="Arial" panose="020B0604020202020204" pitchFamily="34" charset="0"/>
-              <a:buChar char="•"/>
-            </a:pPr>
-            <a:r>
-              <a:rPr lang="en-US" dirty="0"/>
-              <a:t>Most can be encoded as binary variables (0/1) for use in a model.</a:t>
-            </a:r>
-          </a:p>
-          <a:p>
-            <a:pPr marL="285750" indent="-285750">
-              <a:spcAft>
-                <a:spcPts val="600"/>
-              </a:spcAft>
-              <a:buFont typeface="Arial" panose="020B0604020202020204" pitchFamily="34" charset="0"/>
-              <a:buChar char="•"/>
-            </a:pPr>
-            <a:r>
-              <a:rPr lang="en-US" dirty="0"/>
-              <a:t>Class may require some transformation (to be discussed later).</a:t>
-            </a:r>
-          </a:p>
-          <a:p>
-            <a:pPr marL="285750" indent="-285750">
-              <a:spcAft>
-                <a:spcPts val="600"/>
-              </a:spcAft>
-              <a:buFont typeface="Arial" panose="020B0604020202020204" pitchFamily="34" charset="0"/>
-              <a:buChar char="•"/>
-            </a:pPr>
-            <a:endParaRPr lang="en-US" dirty="0"/>
+            <a:pPr algn="ctr"/>
+            <a:r>
+              <a:rPr lang="en-US" b="1" dirty="0"/>
+              <a:t>Max</a:t>
+            </a:r>
           </a:p>
         </p:txBody>
       </p:sp>
       <p:sp>
         <p:nvSpPr>
-          <p:cNvPr id="7" name="Isosceles Triangle 6">
-            <a:extLst>
-              <a:ext uri="{FF2B5EF4-FFF2-40B4-BE49-F238E27FC236}">
-                <a16:creationId xmlns:a16="http://schemas.microsoft.com/office/drawing/2014/main" id="{667B8A0F-6565-3EA1-3BB0-7AB5C313A1B6}"/>
+          <p:cNvPr id="30" name="TextBox 29">
+            <a:extLst>
+              <a:ext uri="{FF2B5EF4-FFF2-40B4-BE49-F238E27FC236}">
+                <a16:creationId xmlns:a16="http://schemas.microsoft.com/office/drawing/2014/main" id="{AD6ED69F-3FDC-6B9B-03F0-EA9763939E0E}"/>
+              </a:ext>
+            </a:extLst>
+          </p:cNvPr>
+          <p:cNvSpPr txBox="1"/>
+          <p:nvPr/>
+        </p:nvSpPr>
+        <p:spPr>
+          <a:xfrm>
+            <a:off x="5913975" y="2138867"/>
+            <a:ext cx="721541" cy="369332"/>
+          </a:xfrm>
+          <a:prstGeom prst="rect">
+            <a:avLst/>
+          </a:prstGeom>
+          <a:noFill/>
+        </p:spPr>
+        <p:txBody>
+          <a:bodyPr wrap="square" rtlCol="0" anchor="ctr">
+            <a:spAutoFit/>
+          </a:bodyPr>
+          <a:lstStyle/>
+          <a:p>
+            <a:pPr algn="ctr"/>
+            <a:r>
+              <a:rPr lang="en-US" b="1" dirty="0"/>
+              <a:t>Q1</a:t>
+            </a:r>
+          </a:p>
+        </p:txBody>
+      </p:sp>
+      <p:sp>
+        <p:nvSpPr>
+          <p:cNvPr id="31" name="TextBox 30">
+            <a:extLst>
+              <a:ext uri="{FF2B5EF4-FFF2-40B4-BE49-F238E27FC236}">
+                <a16:creationId xmlns:a16="http://schemas.microsoft.com/office/drawing/2014/main" id="{B672CD5A-5A0E-4527-50F9-5D60135F2511}"/>
+              </a:ext>
+            </a:extLst>
+          </p:cNvPr>
+          <p:cNvSpPr txBox="1"/>
+          <p:nvPr/>
+        </p:nvSpPr>
+        <p:spPr>
+          <a:xfrm>
+            <a:off x="8812589" y="2138867"/>
+            <a:ext cx="721541" cy="369332"/>
+          </a:xfrm>
+          <a:prstGeom prst="rect">
+            <a:avLst/>
+          </a:prstGeom>
+          <a:noFill/>
+        </p:spPr>
+        <p:txBody>
+          <a:bodyPr wrap="square" rtlCol="0" anchor="ctr">
+            <a:spAutoFit/>
+          </a:bodyPr>
+          <a:lstStyle/>
+          <a:p>
+            <a:pPr algn="ctr"/>
+            <a:r>
+              <a:rPr lang="en-US" b="1" dirty="0"/>
+              <a:t>Q3</a:t>
+            </a:r>
+          </a:p>
+        </p:txBody>
+      </p:sp>
+      <p:sp>
+        <p:nvSpPr>
+          <p:cNvPr id="32" name="TextBox 31">
+            <a:extLst>
+              <a:ext uri="{FF2B5EF4-FFF2-40B4-BE49-F238E27FC236}">
+                <a16:creationId xmlns:a16="http://schemas.microsoft.com/office/drawing/2014/main" id="{D0A8C2D3-D27E-B132-D9B5-7F948227AB23}"/>
+              </a:ext>
+            </a:extLst>
+          </p:cNvPr>
+          <p:cNvSpPr txBox="1"/>
+          <p:nvPr/>
+        </p:nvSpPr>
+        <p:spPr>
+          <a:xfrm>
+            <a:off x="7222767" y="1861868"/>
+            <a:ext cx="998596" cy="646331"/>
+          </a:xfrm>
+          <a:prstGeom prst="rect">
+            <a:avLst/>
+          </a:prstGeom>
+          <a:noFill/>
+        </p:spPr>
+        <p:txBody>
+          <a:bodyPr wrap="square" rtlCol="0" anchor="ctr">
+            <a:spAutoFit/>
+          </a:bodyPr>
+          <a:lstStyle/>
+          <a:p>
+            <a:pPr algn="ctr"/>
+            <a:r>
+              <a:rPr lang="en-US" b="1" dirty="0"/>
+              <a:t>Median</a:t>
+            </a:r>
+          </a:p>
+          <a:p>
+            <a:pPr algn="ctr"/>
+            <a:r>
+              <a:rPr lang="en-US" b="1" dirty="0"/>
+              <a:t>Mean</a:t>
+            </a:r>
+          </a:p>
+        </p:txBody>
+      </p:sp>
+      <p:grpSp>
+        <p:nvGrpSpPr>
+          <p:cNvPr id="33" name="Group 32">
+            <a:extLst>
+              <a:ext uri="{FF2B5EF4-FFF2-40B4-BE49-F238E27FC236}">
+                <a16:creationId xmlns:a16="http://schemas.microsoft.com/office/drawing/2014/main" id="{014D87CD-F7C6-C16C-03B4-15149A39F54D}"/>
+              </a:ext>
+            </a:extLst>
+          </p:cNvPr>
+          <p:cNvGrpSpPr/>
+          <p:nvPr/>
+        </p:nvGrpSpPr>
+        <p:grpSpPr>
+          <a:xfrm>
+            <a:off x="838200" y="3355506"/>
+            <a:ext cx="3592236" cy="914400"/>
+            <a:chOff x="838200" y="1671637"/>
+            <a:chExt cx="3592236" cy="914400"/>
+          </a:xfrm>
+        </p:grpSpPr>
+        <p:sp>
+          <p:nvSpPr>
+            <p:cNvPr id="34" name="TextBox 33">
+              <a:extLst>
+                <a:ext uri="{FF2B5EF4-FFF2-40B4-BE49-F238E27FC236}">
+                  <a16:creationId xmlns:a16="http://schemas.microsoft.com/office/drawing/2014/main" id="{79507800-5D3F-AA1D-F494-002A7BAD28D3}"/>
+                </a:ext>
+              </a:extLst>
+            </p:cNvPr>
+            <p:cNvSpPr txBox="1"/>
+            <p:nvPr/>
+          </p:nvSpPr>
+          <p:spPr>
+            <a:xfrm>
+              <a:off x="1752599" y="1805672"/>
+              <a:ext cx="2677837" cy="646331"/>
+            </a:xfrm>
+            <a:prstGeom prst="rect">
+              <a:avLst/>
+            </a:prstGeom>
+            <a:noFill/>
+          </p:spPr>
+          <p:txBody>
+            <a:bodyPr wrap="square">
+              <a:spAutoFit/>
+            </a:bodyPr>
+            <a:lstStyle/>
+            <a:p>
+              <a:pPr algn="l"/>
+              <a:r>
+                <a:rPr lang="en-US" b="0" i="0" dirty="0">
+                  <a:solidFill>
+                    <a:srgbClr val="333333"/>
+                  </a:solidFill>
+                  <a:effectLst/>
+                  <a:latin typeface="Calibri" panose="020F0502020204030204" pitchFamily="34" charset="0"/>
+                  <a:cs typeface="Calibri" panose="020F0502020204030204" pitchFamily="34" charset="0"/>
+                </a:rPr>
+                <a:t>Summary statistics for nominal/ordinal variables:</a:t>
+              </a:r>
+              <a:endParaRPr lang="en-US" b="1" i="0" dirty="0">
+                <a:solidFill>
+                  <a:srgbClr val="333333"/>
+                </a:solidFill>
+                <a:effectLst/>
+                <a:latin typeface="Calibri" panose="020F0502020204030204" pitchFamily="34" charset="0"/>
+                <a:cs typeface="Calibri" panose="020F0502020204030204" pitchFamily="34" charset="0"/>
+              </a:endParaRPr>
+            </a:p>
+          </p:txBody>
+        </p:sp>
+        <p:pic>
+          <p:nvPicPr>
+            <p:cNvPr id="35" name="Graphic 34">
+              <a:extLst>
+                <a:ext uri="{FF2B5EF4-FFF2-40B4-BE49-F238E27FC236}">
+                  <a16:creationId xmlns:a16="http://schemas.microsoft.com/office/drawing/2014/main" id="{FE7BF4D7-D897-7B62-1BE8-4B6C0901A837}"/>
+                </a:ext>
+              </a:extLst>
+            </p:cNvPr>
+            <p:cNvPicPr>
+              <a:picLocks noChangeAspect="1"/>
+            </p:cNvPicPr>
+            <p:nvPr/>
+          </p:nvPicPr>
+          <p:blipFill>
+            <a:blip r:embed="rId4">
+              <a:extLst>
+                <a:ext uri="{28A0092B-C50C-407E-A947-70E740481C1C}">
+                  <a14:useLocalDpi xmlns:a14="http://schemas.microsoft.com/office/drawing/2010/main" val="0"/>
+                </a:ext>
+                <a:ext uri="{96DAC541-7B7A-43D3-8B79-37D633B846F1}">
+                  <asvg:svgBlip xmlns:asvg="http://schemas.microsoft.com/office/drawing/2016/SVG/main" r:embed="rId5"/>
+                </a:ext>
+              </a:extLst>
+            </a:blip>
+            <a:srcRect/>
+            <a:stretch/>
+          </p:blipFill>
+          <p:spPr>
+            <a:xfrm>
+              <a:off x="838200" y="1671637"/>
+              <a:ext cx="914400" cy="914400"/>
+            </a:xfrm>
+            <a:prstGeom prst="rect">
+              <a:avLst/>
+            </a:prstGeom>
+          </p:spPr>
+        </p:pic>
+      </p:grpSp>
+      <p:sp>
+        <p:nvSpPr>
+          <p:cNvPr id="38" name="Rectangle: Rounded Corners 37">
+            <a:extLst>
+              <a:ext uri="{FF2B5EF4-FFF2-40B4-BE49-F238E27FC236}">
+                <a16:creationId xmlns:a16="http://schemas.microsoft.com/office/drawing/2014/main" id="{68B9701E-04D4-C34E-87F2-D1B3C321E4F4}"/>
               </a:ext>
             </a:extLst>
           </p:cNvPr>
@@ -16414,28 +17867,18 @@
           <p:nvPr/>
         </p:nvSpPr>
         <p:spPr>
-          <a:xfrm rot="10800000" flipH="1" flipV="1">
-            <a:off x="0" y="5724525"/>
-            <a:ext cx="4429125" cy="1133475"/>
-          </a:xfrm>
-          <a:prstGeom prst="triangle">
-            <a:avLst>
-              <a:gd name="adj" fmla="val 0"/>
-            </a:avLst>
+          <a:xfrm>
+            <a:off x="4346675" y="4261374"/>
+            <a:ext cx="2232957" cy="438150"/>
+          </a:xfrm>
+          <a:prstGeom prst="roundRect">
+            <a:avLst/>
           </a:prstGeom>
           <a:solidFill>
-            <a:schemeClr val="accent1">
-              <a:lumMod val="40000"/>
-              <a:lumOff val="60000"/>
-            </a:schemeClr>
+            <a:schemeClr val="accent6"/>
           </a:solidFill>
           <a:ln>
-            <a:solidFill>
-              <a:schemeClr val="tx2">
-                <a:lumMod val="40000"/>
-                <a:lumOff val="60000"/>
-              </a:schemeClr>
-            </a:solidFill>
+            <a:noFill/>
           </a:ln>
         </p:spPr>
         <p:style>
@@ -16459,16 +17902,129 @@
           <a:lstStyle/>
           <a:p>
             <a:pPr algn="ctr"/>
-            <a:endParaRPr lang="en-US"/>
+            <a:r>
+              <a:rPr lang="en-US" dirty="0"/>
+              <a:t>Total number</a:t>
+            </a:r>
+          </a:p>
+        </p:txBody>
+      </p:sp>
+      <p:sp>
+        <p:nvSpPr>
+          <p:cNvPr id="39" name="Rectangle: Rounded Corners 38">
+            <a:extLst>
+              <a:ext uri="{FF2B5EF4-FFF2-40B4-BE49-F238E27FC236}">
+                <a16:creationId xmlns:a16="http://schemas.microsoft.com/office/drawing/2014/main" id="{1965BCB4-93B0-04F3-4C4B-878810132991}"/>
+              </a:ext>
+            </a:extLst>
+          </p:cNvPr>
+          <p:cNvSpPr/>
+          <p:nvPr/>
+        </p:nvSpPr>
+        <p:spPr>
+          <a:xfrm>
+            <a:off x="6615678" y="4964864"/>
+            <a:ext cx="2232957" cy="438150"/>
+          </a:xfrm>
+          <a:prstGeom prst="roundRect">
+            <a:avLst/>
+          </a:prstGeom>
+          <a:solidFill>
+            <a:schemeClr val="accent6"/>
+          </a:solidFill>
+          <a:ln>
+            <a:noFill/>
+          </a:ln>
+        </p:spPr>
+        <p:style>
+          <a:lnRef idx="2">
+            <a:schemeClr val="accent1">
+              <a:shade val="15000"/>
+            </a:schemeClr>
+          </a:lnRef>
+          <a:fillRef idx="1">
+            <a:schemeClr val="accent1"/>
+          </a:fillRef>
+          <a:effectRef idx="0">
+            <a:schemeClr val="accent1"/>
+          </a:effectRef>
+          <a:fontRef idx="minor">
+            <a:schemeClr val="lt1"/>
+          </a:fontRef>
+        </p:style>
+        <p:txBody>
+          <a:bodyPr rtlCol="0" anchor="ctr"/>
+          <a:lstStyle/>
+          <a:p>
+            <a:pPr algn="ctr"/>
+            <a:r>
+              <a:rPr lang="en-US" dirty="0"/>
+              <a:t>Distinct number</a:t>
+            </a:r>
+          </a:p>
+        </p:txBody>
+      </p:sp>
+      <p:sp>
+        <p:nvSpPr>
+          <p:cNvPr id="40" name="Rectangle: Rounded Corners 39">
+            <a:extLst>
+              <a:ext uri="{FF2B5EF4-FFF2-40B4-BE49-F238E27FC236}">
+                <a16:creationId xmlns:a16="http://schemas.microsoft.com/office/drawing/2014/main" id="{18767E9F-60D1-C5D0-0635-68A77843C9CA}"/>
+              </a:ext>
+            </a:extLst>
+          </p:cNvPr>
+          <p:cNvSpPr/>
+          <p:nvPr/>
+        </p:nvSpPr>
+        <p:spPr>
+          <a:xfrm>
+            <a:off x="8884681" y="5668353"/>
+            <a:ext cx="2232957" cy="438150"/>
+          </a:xfrm>
+          <a:prstGeom prst="roundRect">
+            <a:avLst/>
+          </a:prstGeom>
+          <a:solidFill>
+            <a:schemeClr val="accent6"/>
+          </a:solidFill>
+          <a:ln>
+            <a:noFill/>
+          </a:ln>
+        </p:spPr>
+        <p:style>
+          <a:lnRef idx="2">
+            <a:schemeClr val="accent1">
+              <a:shade val="15000"/>
+            </a:schemeClr>
+          </a:lnRef>
+          <a:fillRef idx="1">
+            <a:schemeClr val="accent1"/>
+          </a:fillRef>
+          <a:effectRef idx="0">
+            <a:schemeClr val="accent1"/>
+          </a:effectRef>
+          <a:fontRef idx="minor">
+            <a:schemeClr val="lt1"/>
+          </a:fontRef>
+        </p:style>
+        <p:txBody>
+          <a:bodyPr rtlCol="0" anchor="ctr"/>
+          <a:lstStyle/>
+          <a:p>
+            <a:pPr algn="ctr"/>
+            <a:r>
+              <a:rPr lang="en-US" dirty="0"/>
+              <a:t>Most frequent</a:t>
+            </a:r>
           </a:p>
         </p:txBody>
       </p:sp>
       <p:pic>
         <p:nvPicPr>
-          <p:cNvPr id="8" name="Graphic 7" descr="Cloud">
-            <a:extLst>
-              <a:ext uri="{FF2B5EF4-FFF2-40B4-BE49-F238E27FC236}">
-                <a16:creationId xmlns:a16="http://schemas.microsoft.com/office/drawing/2014/main" id="{9FAE032A-DE68-69DA-AA04-C48C47590088}"/>
+          <p:cNvPr id="41" name="Graphic 40" descr="Marker">
+            <a:extLst>
+              <a:ext uri="{FF2B5EF4-FFF2-40B4-BE49-F238E27FC236}">
+                <a16:creationId xmlns:a16="http://schemas.microsoft.com/office/drawing/2014/main" id="{047D2B34-D209-67D9-96B6-CC12DB406A35}"/>
               </a:ext>
             </a:extLst>
           </p:cNvPr>
@@ -16478,13 +18034,13 @@
           <p:nvPr/>
         </p:nvPicPr>
         <p:blipFill>
-          <a:blip r:embed="rId3">
+          <a:blip r:embed="rId6">
             <a:extLst>
               <a:ext uri="{28A0092B-C50C-407E-A947-70E740481C1C}">
                 <a14:useLocalDpi xmlns:a14="http://schemas.microsoft.com/office/drawing/2010/main" val="0"/>
               </a:ext>
               <a:ext uri="{96DAC541-7B7A-43D3-8B79-37D633B846F1}">
-                <asvg:svgBlip xmlns:asvg="http://schemas.microsoft.com/office/drawing/2016/SVG/main" r:embed="rId4"/>
+                <asvg:svgBlip xmlns:asvg="http://schemas.microsoft.com/office/drawing/2016/SVG/main" r:embed="rId7"/>
               </a:ext>
             </a:extLst>
           </a:blip>
@@ -16494,8 +18050,288 @@
         </p:blipFill>
         <p:spPr>
           <a:xfrm>
-            <a:off x="76200" y="5724525"/>
-            <a:ext cx="1333500" cy="1333500"/>
+            <a:off x="5068929" y="3435407"/>
+            <a:ext cx="788450" cy="788450"/>
+          </a:xfrm>
+          <a:prstGeom prst="rect">
+            <a:avLst/>
+          </a:prstGeom>
+        </p:spPr>
+      </p:pic>
+      <p:pic>
+        <p:nvPicPr>
+          <p:cNvPr id="42" name="Graphic 41" descr="Marker">
+            <a:extLst>
+              <a:ext uri="{FF2B5EF4-FFF2-40B4-BE49-F238E27FC236}">
+                <a16:creationId xmlns:a16="http://schemas.microsoft.com/office/drawing/2014/main" id="{44A346E8-A5AE-9DFF-FE01-89CE429CD1AD}"/>
+              </a:ext>
+            </a:extLst>
+          </p:cNvPr>
+          <p:cNvPicPr>
+            <a:picLocks noChangeAspect="1"/>
+          </p:cNvPicPr>
+          <p:nvPr/>
+        </p:nvPicPr>
+        <p:blipFill>
+          <a:blip r:embed="rId6">
+            <a:extLst>
+              <a:ext uri="{28A0092B-C50C-407E-A947-70E740481C1C}">
+                <a14:useLocalDpi xmlns:a14="http://schemas.microsoft.com/office/drawing/2010/main" val="0"/>
+              </a:ext>
+              <a:ext uri="{96DAC541-7B7A-43D3-8B79-37D633B846F1}">
+                <asvg:svgBlip xmlns:asvg="http://schemas.microsoft.com/office/drawing/2016/SVG/main" r:embed="rId7"/>
+              </a:ext>
+            </a:extLst>
+          </a:blip>
+          <a:stretch>
+            <a:fillRect/>
+          </a:stretch>
+        </p:blipFill>
+        <p:spPr>
+          <a:xfrm>
+            <a:off x="7337932" y="4138897"/>
+            <a:ext cx="788450" cy="788450"/>
+          </a:xfrm>
+          <a:prstGeom prst="rect">
+            <a:avLst/>
+          </a:prstGeom>
+        </p:spPr>
+      </p:pic>
+      <p:pic>
+        <p:nvPicPr>
+          <p:cNvPr id="43" name="Graphic 42" descr="Marker">
+            <a:extLst>
+              <a:ext uri="{FF2B5EF4-FFF2-40B4-BE49-F238E27FC236}">
+                <a16:creationId xmlns:a16="http://schemas.microsoft.com/office/drawing/2014/main" id="{055ED551-40AE-F578-BD56-38ED3F219975}"/>
+              </a:ext>
+            </a:extLst>
+          </p:cNvPr>
+          <p:cNvPicPr>
+            <a:picLocks noChangeAspect="1"/>
+          </p:cNvPicPr>
+          <p:nvPr/>
+        </p:nvPicPr>
+        <p:blipFill>
+          <a:blip r:embed="rId6">
+            <a:extLst>
+              <a:ext uri="{28A0092B-C50C-407E-A947-70E740481C1C}">
+                <a14:useLocalDpi xmlns:a14="http://schemas.microsoft.com/office/drawing/2010/main" val="0"/>
+              </a:ext>
+              <a:ext uri="{96DAC541-7B7A-43D3-8B79-37D633B846F1}">
+                <asvg:svgBlip xmlns:asvg="http://schemas.microsoft.com/office/drawing/2016/SVG/main" r:embed="rId7"/>
+              </a:ext>
+            </a:extLst>
+          </a:blip>
+          <a:stretch>
+            <a:fillRect/>
+          </a:stretch>
+        </p:blipFill>
+        <p:spPr>
+          <a:xfrm>
+            <a:off x="9606935" y="4842386"/>
+            <a:ext cx="788450" cy="788450"/>
+          </a:xfrm>
+          <a:prstGeom prst="rect">
+            <a:avLst/>
+          </a:prstGeom>
+        </p:spPr>
+      </p:pic>
+      <p:sp>
+        <p:nvSpPr>
+          <p:cNvPr id="44" name="Freeform: Shape 43">
+            <a:extLst>
+              <a:ext uri="{FF2B5EF4-FFF2-40B4-BE49-F238E27FC236}">
+                <a16:creationId xmlns:a16="http://schemas.microsoft.com/office/drawing/2014/main" id="{79FF9B42-B4E5-A0E2-3B82-A7B29D2727EC}"/>
+              </a:ext>
+            </a:extLst>
+          </p:cNvPr>
+          <p:cNvSpPr/>
+          <p:nvPr/>
+        </p:nvSpPr>
+        <p:spPr>
+          <a:xfrm>
+            <a:off x="5455100" y="596629"/>
+            <a:ext cx="6045376" cy="4980333"/>
+          </a:xfrm>
+          <a:custGeom>
+            <a:avLst/>
+            <a:gdLst>
+              <a:gd name="connsiteX0" fmla="*/ 0 w 6045376"/>
+              <a:gd name="connsiteY0" fmla="*/ 3504819 h 4980333"/>
+              <a:gd name="connsiteX1" fmla="*/ 1275127 w 6045376"/>
+              <a:gd name="connsiteY1" fmla="*/ 3337039 h 4980333"/>
+              <a:gd name="connsiteX2" fmla="*/ 2273417 w 6045376"/>
+              <a:gd name="connsiteY2" fmla="*/ 4209494 h 4980333"/>
+              <a:gd name="connsiteX3" fmla="*/ 3481431 w 6045376"/>
+              <a:gd name="connsiteY3" fmla="*/ 3739710 h 4980333"/>
+              <a:gd name="connsiteX4" fmla="*/ 4068661 w 6045376"/>
+              <a:gd name="connsiteY4" fmla="*/ 4872224 h 4980333"/>
+              <a:gd name="connsiteX5" fmla="*/ 4546833 w 6045376"/>
+              <a:gd name="connsiteY5" fmla="*/ 4897391 h 4980333"/>
+              <a:gd name="connsiteX6" fmla="*/ 5427677 w 6045376"/>
+              <a:gd name="connsiteY6" fmla="*/ 4545053 h 4980333"/>
+              <a:gd name="connsiteX7" fmla="*/ 5964573 w 6045376"/>
+              <a:gd name="connsiteY7" fmla="*/ 677729 h 4980333"/>
+              <a:gd name="connsiteX8" fmla="*/ 3649211 w 6045376"/>
+              <a:gd name="connsiteY8" fmla="*/ 73721 h 4980333"/>
+              <a:gd name="connsiteX9" fmla="*/ 2885813 w 6045376"/>
+              <a:gd name="connsiteY9" fmla="*/ 31776 h 4980333"/>
+            </a:gdLst>
+            <a:ahLst/>
+            <a:cxnLst>
+              <a:cxn ang="0">
+                <a:pos x="connsiteX0" y="connsiteY0"/>
+              </a:cxn>
+              <a:cxn ang="0">
+                <a:pos x="connsiteX1" y="connsiteY1"/>
+              </a:cxn>
+              <a:cxn ang="0">
+                <a:pos x="connsiteX2" y="connsiteY2"/>
+              </a:cxn>
+              <a:cxn ang="0">
+                <a:pos x="connsiteX3" y="connsiteY3"/>
+              </a:cxn>
+              <a:cxn ang="0">
+                <a:pos x="connsiteX4" y="connsiteY4"/>
+              </a:cxn>
+              <a:cxn ang="0">
+                <a:pos x="connsiteX5" y="connsiteY5"/>
+              </a:cxn>
+              <a:cxn ang="0">
+                <a:pos x="connsiteX6" y="connsiteY6"/>
+              </a:cxn>
+              <a:cxn ang="0">
+                <a:pos x="connsiteX7" y="connsiteY7"/>
+              </a:cxn>
+              <a:cxn ang="0">
+                <a:pos x="connsiteX8" y="connsiteY8"/>
+              </a:cxn>
+              <a:cxn ang="0">
+                <a:pos x="connsiteX9" y="connsiteY9"/>
+              </a:cxn>
+            </a:cxnLst>
+            <a:rect l="l" t="t" r="r" b="b"/>
+            <a:pathLst>
+              <a:path w="6045376" h="4980333">
+                <a:moveTo>
+                  <a:pt x="0" y="3504819"/>
+                </a:moveTo>
+                <a:cubicBezTo>
+                  <a:pt x="448112" y="3362206"/>
+                  <a:pt x="896224" y="3219593"/>
+                  <a:pt x="1275127" y="3337039"/>
+                </a:cubicBezTo>
+                <a:cubicBezTo>
+                  <a:pt x="1654030" y="3454485"/>
+                  <a:pt x="1905700" y="4142382"/>
+                  <a:pt x="2273417" y="4209494"/>
+                </a:cubicBezTo>
+                <a:cubicBezTo>
+                  <a:pt x="2641134" y="4276606"/>
+                  <a:pt x="3182224" y="3629255"/>
+                  <a:pt x="3481431" y="3739710"/>
+                </a:cubicBezTo>
+                <a:cubicBezTo>
+                  <a:pt x="3780638" y="3850165"/>
+                  <a:pt x="3891094" y="4679277"/>
+                  <a:pt x="4068661" y="4872224"/>
+                </a:cubicBezTo>
+                <a:cubicBezTo>
+                  <a:pt x="4246228" y="5065171"/>
+                  <a:pt x="4320330" y="4951919"/>
+                  <a:pt x="4546833" y="4897391"/>
+                </a:cubicBezTo>
+                <a:cubicBezTo>
+                  <a:pt x="4773336" y="4842863"/>
+                  <a:pt x="5191387" y="5248330"/>
+                  <a:pt x="5427677" y="4545053"/>
+                </a:cubicBezTo>
+                <a:cubicBezTo>
+                  <a:pt x="5663967" y="3841776"/>
+                  <a:pt x="6260984" y="1422951"/>
+                  <a:pt x="5964573" y="677729"/>
+                </a:cubicBezTo>
+                <a:cubicBezTo>
+                  <a:pt x="5668162" y="-67493"/>
+                  <a:pt x="4162338" y="181380"/>
+                  <a:pt x="3649211" y="73721"/>
+                </a:cubicBezTo>
+                <a:cubicBezTo>
+                  <a:pt x="3136084" y="-33938"/>
+                  <a:pt x="3010948" y="-1081"/>
+                  <a:pt x="2885813" y="31776"/>
+                </a:cubicBezTo>
+              </a:path>
+            </a:pathLst>
+          </a:custGeom>
+          <a:noFill/>
+          <a:ln w="50800">
+            <a:solidFill>
+              <a:schemeClr val="bg1">
+                <a:lumMod val="85000"/>
+              </a:schemeClr>
+            </a:solidFill>
+            <a:prstDash val="dash"/>
+          </a:ln>
+        </p:spPr>
+        <p:style>
+          <a:lnRef idx="2">
+            <a:schemeClr val="accent1">
+              <a:shade val="15000"/>
+            </a:schemeClr>
+          </a:lnRef>
+          <a:fillRef idx="1">
+            <a:schemeClr val="accent1"/>
+          </a:fillRef>
+          <a:effectRef idx="0">
+            <a:schemeClr val="accent1"/>
+          </a:effectRef>
+          <a:fontRef idx="minor">
+            <a:schemeClr val="lt1"/>
+          </a:fontRef>
+        </p:style>
+        <p:txBody>
+          <a:bodyPr rtlCol="0" anchor="ctr"/>
+          <a:lstStyle/>
+          <a:p>
+            <a:pPr algn="ctr"/>
+            <a:endParaRPr lang="en-US"/>
+          </a:p>
+        </p:txBody>
+      </p:sp>
+      <p:pic>
+        <p:nvPicPr>
+          <p:cNvPr id="45" name="Graphic 44" descr="Airplane">
+            <a:extLst>
+              <a:ext uri="{FF2B5EF4-FFF2-40B4-BE49-F238E27FC236}">
+                <a16:creationId xmlns:a16="http://schemas.microsoft.com/office/drawing/2014/main" id="{093E8C1B-8C76-52A9-6CA5-70E5CFF5816C}"/>
+              </a:ext>
+            </a:extLst>
+          </p:cNvPr>
+          <p:cNvPicPr>
+            <a:picLocks noChangeAspect="1"/>
+          </p:cNvPicPr>
+          <p:nvPr/>
+        </p:nvPicPr>
+        <p:blipFill>
+          <a:blip r:embed="rId8">
+            <a:extLst>
+              <a:ext uri="{28A0092B-C50C-407E-A947-70E740481C1C}">
+                <a14:useLocalDpi xmlns:a14="http://schemas.microsoft.com/office/drawing/2010/main" val="0"/>
+              </a:ext>
+              <a:ext uri="{96DAC541-7B7A-43D3-8B79-37D633B846F1}">
+                <asvg:svgBlip xmlns:asvg="http://schemas.microsoft.com/office/drawing/2016/SVG/main" r:embed="rId9"/>
+              </a:ext>
+            </a:extLst>
+          </a:blip>
+          <a:stretch>
+            <a:fillRect/>
+          </a:stretch>
+        </p:blipFill>
+        <p:spPr>
+          <a:xfrm rot="15533883">
+            <a:off x="7455261" y="213402"/>
+            <a:ext cx="982258" cy="982258"/>
           </a:xfrm>
           <a:prstGeom prst="rect">
             <a:avLst/>
@@ -16505,7 +18341,7 @@
     </p:spTree>
     <p:extLst>
       <p:ext uri="{BB962C8B-B14F-4D97-AF65-F5344CB8AC3E}">
-        <p14:creationId xmlns:p14="http://schemas.microsoft.com/office/powerpoint/2010/main" val="1915712224"/>
+        <p14:creationId xmlns:p14="http://schemas.microsoft.com/office/powerpoint/2010/main" val="2424735582"/>
       </p:ext>
     </p:extLst>
   </p:cSld>
@@ -16565,200 +18401,12 @@
           </a:p>
         </p:txBody>
       </p:sp>
-      <p:sp>
-        <p:nvSpPr>
-          <p:cNvPr id="3" name="TextBox 2">
-            <a:extLst>
-              <a:ext uri="{FF2B5EF4-FFF2-40B4-BE49-F238E27FC236}">
-                <a16:creationId xmlns:a16="http://schemas.microsoft.com/office/drawing/2014/main" id="{85673DAE-BE0E-D7B6-042F-3D751C34E89B}"/>
-              </a:ext>
-            </a:extLst>
-          </p:cNvPr>
-          <p:cNvSpPr txBox="1"/>
-          <p:nvPr/>
-        </p:nvSpPr>
-        <p:spPr>
-          <a:xfrm>
-            <a:off x="881063" y="1757878"/>
-            <a:ext cx="3583709" cy="369332"/>
-          </a:xfrm>
-          <a:prstGeom prst="rect">
-            <a:avLst/>
-          </a:prstGeom>
-          <a:noFill/>
-        </p:spPr>
-        <p:txBody>
-          <a:bodyPr wrap="square" rtlCol="0">
-            <a:spAutoFit/>
-          </a:bodyPr>
-          <a:lstStyle/>
-          <a:p>
-            <a:r>
-              <a:rPr lang="en-US" b="1" dirty="0">
-                <a:solidFill>
-                  <a:schemeClr val="bg1">
-                    <a:lumMod val="50000"/>
-                  </a:schemeClr>
-                </a:solidFill>
-              </a:rPr>
-              <a:t>Part 1: Categorical Variables </a:t>
-            </a:r>
-          </a:p>
-        </p:txBody>
-      </p:sp>
-      <p:sp>
-        <p:nvSpPr>
-          <p:cNvPr id="4" name="TextBox 3">
-            <a:extLst>
-              <a:ext uri="{FF2B5EF4-FFF2-40B4-BE49-F238E27FC236}">
-                <a16:creationId xmlns:a16="http://schemas.microsoft.com/office/drawing/2014/main" id="{3D8CEEDB-BA7C-AA9E-BD52-2E6B97C953D9}"/>
-              </a:ext>
-            </a:extLst>
-          </p:cNvPr>
-          <p:cNvSpPr txBox="1"/>
-          <p:nvPr/>
-        </p:nvSpPr>
-        <p:spPr>
-          <a:xfrm>
-            <a:off x="838199" y="2324100"/>
-            <a:ext cx="3564659" cy="4555093"/>
-          </a:xfrm>
-          <a:prstGeom prst="rect">
-            <a:avLst/>
-          </a:prstGeom>
-          <a:noFill/>
-        </p:spPr>
-        <p:txBody>
-          <a:bodyPr wrap="square" rtlCol="0">
-            <a:spAutoFit/>
-          </a:bodyPr>
-          <a:lstStyle/>
-          <a:p>
-            <a:pPr marL="285750" indent="-285750" algn="l">
-              <a:spcAft>
-                <a:spcPts val="600"/>
-              </a:spcAft>
-              <a:buFont typeface="Arial" panose="020B0604020202020204" pitchFamily="34" charset="0"/>
-              <a:buChar char="•"/>
-            </a:pPr>
-            <a:r>
-              <a:rPr lang="en-US" b="0" i="1" dirty="0">
-                <a:solidFill>
-                  <a:srgbClr val="333333"/>
-                </a:solidFill>
-                <a:effectLst/>
-              </a:rPr>
-              <a:t>Gender:</a:t>
-            </a:r>
-            <a:r>
-              <a:rPr lang="en-US" b="0" i="0" dirty="0">
-                <a:solidFill>
-                  <a:srgbClr val="333333"/>
-                </a:solidFill>
-                <a:effectLst/>
-              </a:rPr>
-              <a:t> Both genders have a similar distribution of satisfaction levels.</a:t>
-            </a:r>
-          </a:p>
-          <a:p>
-            <a:pPr marL="285750" indent="-285750" algn="l">
-              <a:spcAft>
-                <a:spcPts val="600"/>
-              </a:spcAft>
-              <a:buFont typeface="Arial" panose="020B0604020202020204" pitchFamily="34" charset="0"/>
-              <a:buChar char="•"/>
-            </a:pPr>
-            <a:r>
-              <a:rPr lang="en-US" b="0" i="1" dirty="0">
-                <a:solidFill>
-                  <a:srgbClr val="333333"/>
-                </a:solidFill>
-                <a:effectLst/>
-              </a:rPr>
-              <a:t>Customer Type:</a:t>
-            </a:r>
-            <a:r>
-              <a:rPr lang="en-US" b="0" i="0" dirty="0">
-                <a:solidFill>
-                  <a:srgbClr val="333333"/>
-                </a:solidFill>
-                <a:effectLst/>
-              </a:rPr>
-              <a:t> Loyal customers tend to be more satisfied than disloyal ones.</a:t>
-            </a:r>
-          </a:p>
-          <a:p>
-            <a:pPr marL="285750" indent="-285750" algn="l">
-              <a:spcAft>
-                <a:spcPts val="600"/>
-              </a:spcAft>
-              <a:buFont typeface="Arial" panose="020B0604020202020204" pitchFamily="34" charset="0"/>
-              <a:buChar char="•"/>
-            </a:pPr>
-            <a:r>
-              <a:rPr lang="en-US" b="0" i="1" dirty="0">
-                <a:solidFill>
-                  <a:srgbClr val="333333"/>
-                </a:solidFill>
-                <a:effectLst/>
-              </a:rPr>
-              <a:t>Type of Travel:</a:t>
-            </a:r>
-            <a:r>
-              <a:rPr lang="en-US" b="0" i="0" dirty="0">
-                <a:solidFill>
-                  <a:srgbClr val="333333"/>
-                </a:solidFill>
-                <a:effectLst/>
-              </a:rPr>
-              <a:t> Passengers traveling for business purposes are generally more satisfied than those traveling for personal reasons.</a:t>
-            </a:r>
-          </a:p>
-          <a:p>
-            <a:pPr marL="285750" indent="-285750" algn="l">
-              <a:spcAft>
-                <a:spcPts val="600"/>
-              </a:spcAft>
-              <a:buFont typeface="Arial" panose="020B0604020202020204" pitchFamily="34" charset="0"/>
-              <a:buChar char="•"/>
-            </a:pPr>
-            <a:r>
-              <a:rPr lang="en-US" b="0" i="1" dirty="0">
-                <a:solidFill>
-                  <a:srgbClr val="333333"/>
-                </a:solidFill>
-                <a:effectLst/>
-              </a:rPr>
-              <a:t>Class:</a:t>
-            </a:r>
-            <a:r>
-              <a:rPr lang="en-US" b="0" i="0" dirty="0">
-                <a:solidFill>
-                  <a:srgbClr val="333333"/>
-                </a:solidFill>
-                <a:effectLst/>
-              </a:rPr>
-              <a:t> Business class passengers are noticeably more satisfied than those in Eco or Eco Plus.</a:t>
-            </a:r>
-          </a:p>
-          <a:p>
-            <a:pPr marL="285750" indent="-285750">
-              <a:spcAft>
-                <a:spcPts val="600"/>
-              </a:spcAft>
-              <a:buFont typeface="Arial" panose="020B0604020202020204" pitchFamily="34" charset="0"/>
-              <a:buChar char="•"/>
-            </a:pPr>
-            <a:endParaRPr lang="en-US" dirty="0"/>
-          </a:p>
-        </p:txBody>
-      </p:sp>
       <p:pic>
         <p:nvPicPr>
-          <p:cNvPr id="5122" name="Picture 2">
-            <a:extLst>
-              <a:ext uri="{FF2B5EF4-FFF2-40B4-BE49-F238E27FC236}">
-                <a16:creationId xmlns:a16="http://schemas.microsoft.com/office/drawing/2014/main" id="{2DEE42B4-789B-9372-3F69-C329F784D434}"/>
+          <p:cNvPr id="2050" name="Picture 2">
+            <a:extLst>
+              <a:ext uri="{FF2B5EF4-FFF2-40B4-BE49-F238E27FC236}">
+                <a16:creationId xmlns:a16="http://schemas.microsoft.com/office/drawing/2014/main" id="{EE4F6CC4-A285-B596-ED79-8258D0F1162A}"/>
               </a:ext>
             </a:extLst>
           </p:cNvPr>
@@ -16782,8 +18430,8 @@
         </p:blipFill>
         <p:spPr bwMode="auto">
           <a:xfrm>
-            <a:off x="8296376" y="658368"/>
-            <a:ext cx="3878885" cy="2770632"/>
+            <a:off x="5334000" y="0"/>
+            <a:ext cx="6858000" cy="6858000"/>
           </a:xfrm>
           <a:prstGeom prst="rect">
             <a:avLst/>
@@ -16800,17 +18448,198 @@
           </a:extLst>
         </p:spPr>
       </p:pic>
+      <p:sp>
+        <p:nvSpPr>
+          <p:cNvPr id="3" name="TextBox 2">
+            <a:extLst>
+              <a:ext uri="{FF2B5EF4-FFF2-40B4-BE49-F238E27FC236}">
+                <a16:creationId xmlns:a16="http://schemas.microsoft.com/office/drawing/2014/main" id="{85673DAE-BE0E-D7B6-042F-3D751C34E89B}"/>
+              </a:ext>
+            </a:extLst>
+          </p:cNvPr>
+          <p:cNvSpPr txBox="1"/>
+          <p:nvPr/>
+        </p:nvSpPr>
+        <p:spPr>
+          <a:xfrm>
+            <a:off x="881063" y="1757878"/>
+            <a:ext cx="3583709" cy="369332"/>
+          </a:xfrm>
+          <a:prstGeom prst="rect">
+            <a:avLst/>
+          </a:prstGeom>
+          <a:noFill/>
+        </p:spPr>
+        <p:txBody>
+          <a:bodyPr wrap="square" rtlCol="0">
+            <a:spAutoFit/>
+          </a:bodyPr>
+          <a:lstStyle/>
+          <a:p>
+            <a:r>
+              <a:rPr lang="en-US" b="1" dirty="0">
+                <a:solidFill>
+                  <a:schemeClr val="bg1">
+                    <a:lumMod val="50000"/>
+                  </a:schemeClr>
+                </a:solidFill>
+              </a:rPr>
+              <a:t>Part 1: Categorical Variables </a:t>
+            </a:r>
+          </a:p>
+        </p:txBody>
+      </p:sp>
+      <p:sp>
+        <p:nvSpPr>
+          <p:cNvPr id="4" name="TextBox 3">
+            <a:extLst>
+              <a:ext uri="{FF2B5EF4-FFF2-40B4-BE49-F238E27FC236}">
+                <a16:creationId xmlns:a16="http://schemas.microsoft.com/office/drawing/2014/main" id="{3D8CEEDB-BA7C-AA9E-BD52-2E6B97C953D9}"/>
+              </a:ext>
+            </a:extLst>
+          </p:cNvPr>
+          <p:cNvSpPr txBox="1"/>
+          <p:nvPr/>
+        </p:nvSpPr>
+        <p:spPr>
+          <a:xfrm>
+            <a:off x="838200" y="2324100"/>
+            <a:ext cx="3340100" cy="3370153"/>
+          </a:xfrm>
+          <a:prstGeom prst="rect">
+            <a:avLst/>
+          </a:prstGeom>
+          <a:noFill/>
+        </p:spPr>
+        <p:txBody>
+          <a:bodyPr wrap="square" rtlCol="0">
+            <a:spAutoFit/>
+          </a:bodyPr>
+          <a:lstStyle/>
+          <a:p>
+            <a:pPr marL="285750" indent="-285750">
+              <a:spcAft>
+                <a:spcPts val="600"/>
+              </a:spcAft>
+              <a:buFont typeface="Arial" panose="020B0604020202020204" pitchFamily="34" charset="0"/>
+              <a:buChar char="•"/>
+            </a:pPr>
+            <a:r>
+              <a:rPr lang="en-US" dirty="0"/>
+              <a:t>These variables can be included in our regression model with limited assumptions.</a:t>
+            </a:r>
+          </a:p>
+          <a:p>
+            <a:pPr marL="285750" indent="-285750">
+              <a:spcAft>
+                <a:spcPts val="600"/>
+              </a:spcAft>
+              <a:buFont typeface="Arial" panose="020B0604020202020204" pitchFamily="34" charset="0"/>
+              <a:buChar char="•"/>
+            </a:pPr>
+            <a:r>
+              <a:rPr lang="en-US" dirty="0"/>
+              <a:t>Most can be encoded as binary variables (0/1) for use in a model.</a:t>
+            </a:r>
+          </a:p>
+          <a:p>
+            <a:pPr marL="285750" indent="-285750">
+              <a:spcAft>
+                <a:spcPts val="600"/>
+              </a:spcAft>
+              <a:buFont typeface="Arial" panose="020B0604020202020204" pitchFamily="34" charset="0"/>
+              <a:buChar char="•"/>
+            </a:pPr>
+            <a:r>
+              <a:rPr lang="en-US" dirty="0"/>
+              <a:t>Class may require some transformation (to be discussed later).</a:t>
+            </a:r>
+          </a:p>
+          <a:p>
+            <a:pPr marL="285750" indent="-285750">
+              <a:spcAft>
+                <a:spcPts val="600"/>
+              </a:spcAft>
+              <a:buFont typeface="Arial" panose="020B0604020202020204" pitchFamily="34" charset="0"/>
+              <a:buChar char="•"/>
+            </a:pPr>
+            <a:endParaRPr lang="en-US" dirty="0"/>
+          </a:p>
+        </p:txBody>
+      </p:sp>
+      <p:sp>
+        <p:nvSpPr>
+          <p:cNvPr id="7" name="Isosceles Triangle 6">
+            <a:extLst>
+              <a:ext uri="{FF2B5EF4-FFF2-40B4-BE49-F238E27FC236}">
+                <a16:creationId xmlns:a16="http://schemas.microsoft.com/office/drawing/2014/main" id="{667B8A0F-6565-3EA1-3BB0-7AB5C313A1B6}"/>
+              </a:ext>
+            </a:extLst>
+          </p:cNvPr>
+          <p:cNvSpPr/>
+          <p:nvPr/>
+        </p:nvSpPr>
+        <p:spPr>
+          <a:xfrm rot="10800000" flipH="1" flipV="1">
+            <a:off x="0" y="5724525"/>
+            <a:ext cx="4429125" cy="1133475"/>
+          </a:xfrm>
+          <a:prstGeom prst="triangle">
+            <a:avLst>
+              <a:gd name="adj" fmla="val 0"/>
+            </a:avLst>
+          </a:prstGeom>
+          <a:solidFill>
+            <a:schemeClr val="accent1">
+              <a:lumMod val="40000"/>
+              <a:lumOff val="60000"/>
+            </a:schemeClr>
+          </a:solidFill>
+          <a:ln>
+            <a:solidFill>
+              <a:schemeClr val="tx2">
+                <a:lumMod val="40000"/>
+                <a:lumOff val="60000"/>
+              </a:schemeClr>
+            </a:solidFill>
+          </a:ln>
+        </p:spPr>
+        <p:style>
+          <a:lnRef idx="2">
+            <a:schemeClr val="accent1">
+              <a:shade val="15000"/>
+            </a:schemeClr>
+          </a:lnRef>
+          <a:fillRef idx="1">
+            <a:schemeClr val="accent1"/>
+          </a:fillRef>
+          <a:effectRef idx="0">
+            <a:schemeClr val="accent1"/>
+          </a:effectRef>
+          <a:fontRef idx="minor">
+            <a:schemeClr val="lt1"/>
+          </a:fontRef>
+        </p:style>
+        <p:txBody>
+          <a:bodyPr rtlCol="0" anchor="ctr"/>
+          <a:lstStyle/>
+          <a:p>
+            <a:pPr algn="ctr"/>
+            <a:endParaRPr lang="en-US"/>
+          </a:p>
+        </p:txBody>
+      </p:sp>
       <p:pic>
         <p:nvPicPr>
-          <p:cNvPr id="5124" name="Picture 4">
-            <a:extLst>
-              <a:ext uri="{FF2B5EF4-FFF2-40B4-BE49-F238E27FC236}">
-                <a16:creationId xmlns:a16="http://schemas.microsoft.com/office/drawing/2014/main" id="{A2801838-E9FB-D6EE-622D-C62E2C36E837}"/>
+          <p:cNvPr id="8" name="Graphic 7" descr="Cloud">
+            <a:extLst>
+              <a:ext uri="{FF2B5EF4-FFF2-40B4-BE49-F238E27FC236}">
+                <a16:creationId xmlns:a16="http://schemas.microsoft.com/office/drawing/2014/main" id="{9FAE032A-DE68-69DA-AA04-C48C47590088}"/>
               </a:ext>
             </a:extLst>
           </p:cNvPr>
           <p:cNvPicPr>
-            <a:picLocks noChangeAspect="1" noChangeArrowheads="1"/>
+            <a:picLocks noChangeAspect="1"/>
           </p:cNvPicPr>
           <p:nvPr/>
         </p:nvPicPr>
@@ -16820,131 +18649,29 @@
               <a:ext uri="{28A0092B-C50C-407E-A947-70E740481C1C}">
                 <a14:useLocalDpi xmlns:a14="http://schemas.microsoft.com/office/drawing/2010/main" val="0"/>
               </a:ext>
+              <a:ext uri="{96DAC541-7B7A-43D3-8B79-37D633B846F1}">
+                <asvg:svgBlip xmlns:asvg="http://schemas.microsoft.com/office/drawing/2016/SVG/main" r:embed="rId4"/>
+              </a:ext>
             </a:extLst>
           </a:blip>
-          <a:srcRect/>
           <a:stretch>
             <a:fillRect/>
           </a:stretch>
         </p:blipFill>
-        <p:spPr bwMode="auto">
+        <p:spPr>
           <a:xfrm>
-            <a:off x="4410175" y="658368"/>
-            <a:ext cx="3878884" cy="2770632"/>
+            <a:off x="76200" y="5724525"/>
+            <a:ext cx="1333500" cy="1333500"/>
           </a:xfrm>
           <a:prstGeom prst="rect">
             <a:avLst/>
           </a:prstGeom>
-          <a:noFill/>
-          <a:extLst>
-            <a:ext uri="{909E8E84-426E-40DD-AFC4-6F175D3DCCD1}">
-              <a14:hiddenFill xmlns:a14="http://schemas.microsoft.com/office/drawing/2010/main">
-                <a:solidFill>
-                  <a:srgbClr val="FFFFFF"/>
-                </a:solidFill>
-              </a14:hiddenFill>
-            </a:ext>
-          </a:extLst>
-        </p:spPr>
-      </p:pic>
-      <p:pic>
-        <p:nvPicPr>
-          <p:cNvPr id="5126" name="Picture 6">
-            <a:extLst>
-              <a:ext uri="{FF2B5EF4-FFF2-40B4-BE49-F238E27FC236}">
-                <a16:creationId xmlns:a16="http://schemas.microsoft.com/office/drawing/2014/main" id="{BCB25C9C-FFB9-8CB0-FECF-2D69CBA78A78}"/>
-              </a:ext>
-            </a:extLst>
-          </p:cNvPr>
-          <p:cNvPicPr>
-            <a:picLocks noChangeAspect="1" noChangeArrowheads="1"/>
-          </p:cNvPicPr>
-          <p:nvPr/>
-        </p:nvPicPr>
-        <p:blipFill>
-          <a:blip r:embed="rId4">
-            <a:extLst>
-              <a:ext uri="{28A0092B-C50C-407E-A947-70E740481C1C}">
-                <a14:useLocalDpi xmlns:a14="http://schemas.microsoft.com/office/drawing/2010/main" val="0"/>
-              </a:ext>
-            </a:extLst>
-          </a:blip>
-          <a:srcRect/>
-          <a:stretch>
-            <a:fillRect/>
-          </a:stretch>
-        </p:blipFill>
-        <p:spPr bwMode="auto">
-          <a:xfrm>
-            <a:off x="4410175" y="3629478"/>
-            <a:ext cx="3878884" cy="2770632"/>
-          </a:xfrm>
-          <a:prstGeom prst="rect">
-            <a:avLst/>
-          </a:prstGeom>
-          <a:noFill/>
-          <a:extLst>
-            <a:ext uri="{909E8E84-426E-40DD-AFC4-6F175D3DCCD1}">
-              <a14:hiddenFill xmlns:a14="http://schemas.microsoft.com/office/drawing/2010/main">
-                <a:solidFill>
-                  <a:srgbClr val="FFFFFF"/>
-                </a:solidFill>
-              </a14:hiddenFill>
-            </a:ext>
-          </a:extLst>
-        </p:spPr>
-      </p:pic>
-      <p:pic>
-        <p:nvPicPr>
-          <p:cNvPr id="5128" name="Picture 8">
-            <a:extLst>
-              <a:ext uri="{FF2B5EF4-FFF2-40B4-BE49-F238E27FC236}">
-                <a16:creationId xmlns:a16="http://schemas.microsoft.com/office/drawing/2014/main" id="{095B4E71-41C6-C2D8-5E11-F195EA3396DC}"/>
-              </a:ext>
-            </a:extLst>
-          </p:cNvPr>
-          <p:cNvPicPr>
-            <a:picLocks noChangeAspect="1" noChangeArrowheads="1"/>
-          </p:cNvPicPr>
-          <p:nvPr/>
-        </p:nvPicPr>
-        <p:blipFill>
-          <a:blip r:embed="rId5">
-            <a:extLst>
-              <a:ext uri="{28A0092B-C50C-407E-A947-70E740481C1C}">
-                <a14:useLocalDpi xmlns:a14="http://schemas.microsoft.com/office/drawing/2010/main" val="0"/>
-              </a:ext>
-            </a:extLst>
-          </a:blip>
-          <a:srcRect/>
-          <a:stretch>
-            <a:fillRect/>
-          </a:stretch>
-        </p:blipFill>
-        <p:spPr bwMode="auto">
-          <a:xfrm>
-            <a:off x="8296376" y="3629478"/>
-            <a:ext cx="3878885" cy="2770632"/>
-          </a:xfrm>
-          <a:prstGeom prst="rect">
-            <a:avLst/>
-          </a:prstGeom>
-          <a:noFill/>
-          <a:extLst>
-            <a:ext uri="{909E8E84-426E-40DD-AFC4-6F175D3DCCD1}">
-              <a14:hiddenFill xmlns:a14="http://schemas.microsoft.com/office/drawing/2010/main">
-                <a:solidFill>
-                  <a:srgbClr val="FFFFFF"/>
-                </a:solidFill>
-              </a14:hiddenFill>
-            </a:ext>
-          </a:extLst>
         </p:spPr>
       </p:pic>
     </p:spTree>
     <p:extLst>
       <p:ext uri="{BB962C8B-B14F-4D97-AF65-F5344CB8AC3E}">
-        <p14:creationId xmlns:p14="http://schemas.microsoft.com/office/powerpoint/2010/main" val="2077059429"/>
+        <p14:creationId xmlns:p14="http://schemas.microsoft.com/office/powerpoint/2010/main" val="1915712224"/>
       </p:ext>
     </p:extLst>
   </p:cSld>
@@ -17040,7 +18767,7 @@
                   </a:schemeClr>
                 </a:solidFill>
               </a:rPr>
-              <a:t>Part 2: Continuous Variables</a:t>
+              <a:t>Part 1: Categorical Variables </a:t>
             </a:r>
           </a:p>
         </p:txBody>
@@ -17059,8 +18786,8 @@
         </p:nvSpPr>
         <p:spPr>
           <a:xfrm>
-            <a:off x="838200" y="2324100"/>
-            <a:ext cx="3962400" cy="3370153"/>
+            <a:off x="838199" y="2324100"/>
+            <a:ext cx="3564659" cy="4555093"/>
           </a:xfrm>
           <a:prstGeom prst="rect">
             <a:avLst/>
@@ -17081,13 +18808,22 @@
               <a:buChar char="•"/>
             </a:pPr>
             <a:r>
-              <a:rPr lang="en-US" b="0" dirty="0">
+              <a:rPr lang="en-US" b="0" i="1" dirty="0">
                 <a:solidFill>
                   <a:srgbClr val="333333"/>
                 </a:solidFill>
                 <a:effectLst/>
               </a:rPr>
-              <a:t>Flight distance and both delay variables share strongly right-skewed distributions.</a:t>
+              <a:t>Gender:</a:t>
+            </a:r>
+            <a:r>
+              <a:rPr lang="en-US" b="0" i="0" dirty="0">
+                <a:solidFill>
+                  <a:srgbClr val="333333"/>
+                </a:solidFill>
+                <a:effectLst/>
+              </a:rPr>
+              <a:t> Both genders have a similar distribution of satisfaction levels.</a:t>
             </a:r>
           </a:p>
           <a:p>
@@ -17099,13 +18835,22 @@
               <a:buChar char="•"/>
             </a:pPr>
             <a:r>
-              <a:rPr lang="en-US" b="0" dirty="0">
+              <a:rPr lang="en-US" b="0" i="1" dirty="0">
                 <a:solidFill>
                   <a:srgbClr val="333333"/>
                 </a:solidFill>
                 <a:effectLst/>
               </a:rPr>
-              <a:t>Respondent age, as we would expect, more closely approximates a normal distribution.</a:t>
+              <a:t>Customer Type:</a:t>
+            </a:r>
+            <a:r>
+              <a:rPr lang="en-US" b="0" i="0" dirty="0">
+                <a:solidFill>
+                  <a:srgbClr val="333333"/>
+                </a:solidFill>
+                <a:effectLst/>
+              </a:rPr>
+              <a:t> Loyal customers tend to be more satisfied than disloyal ones.</a:t>
             </a:r>
           </a:p>
           <a:p>
@@ -17117,19 +18862,50 @@
               <a:buChar char="•"/>
             </a:pPr>
             <a:r>
-              <a:rPr lang="en-US" dirty="0">
+              <a:rPr lang="en-US" b="0" i="1" dirty="0">
                 <a:solidFill>
                   <a:srgbClr val="333333"/>
                 </a:solidFill>
+                <a:effectLst/>
               </a:rPr>
-              <a:t>Depending on their relationship with the dependent variable, these variables may need to be transformed.</a:t>
-            </a:r>
-            <a:endParaRPr lang="en-US" b="0" dirty="0">
-              <a:solidFill>
-                <a:srgbClr val="333333"/>
-              </a:solidFill>
-              <a:effectLst/>
-            </a:endParaRPr>
+              <a:t>Type of Travel:</a:t>
+            </a:r>
+            <a:r>
+              <a:rPr lang="en-US" b="0" i="0" dirty="0">
+                <a:solidFill>
+                  <a:srgbClr val="333333"/>
+                </a:solidFill>
+                <a:effectLst/>
+              </a:rPr>
+              <a:t> Passengers traveling for business purposes are generally more satisfied than those traveling for personal reasons.</a:t>
+            </a:r>
+          </a:p>
+          <a:p>
+            <a:pPr marL="285750" indent="-285750" algn="l">
+              <a:spcAft>
+                <a:spcPts val="600"/>
+              </a:spcAft>
+              <a:buFont typeface="Arial" panose="020B0604020202020204" pitchFamily="34" charset="0"/>
+              <a:buChar char="•"/>
+            </a:pPr>
+            <a:r>
+              <a:rPr lang="en-US" b="0" i="1" dirty="0">
+                <a:solidFill>
+                  <a:srgbClr val="333333"/>
+                </a:solidFill>
+                <a:effectLst/>
+              </a:rPr>
+              <a:t>Class:</a:t>
+            </a:r>
+            <a:r>
+              <a:rPr lang="en-US" b="0" i="0" dirty="0">
+                <a:solidFill>
+                  <a:srgbClr val="333333"/>
+                </a:solidFill>
+                <a:effectLst/>
+              </a:rPr>
+              <a:t> Business class passengers are noticeably more satisfied than those in Eco or Eco Plus.</a:t>
+            </a:r>
           </a:p>
           <a:p>
             <a:pPr marL="285750" indent="-285750">
@@ -17145,10 +18921,10 @@
       </p:sp>
       <p:pic>
         <p:nvPicPr>
-          <p:cNvPr id="3074" name="Picture 2">
-            <a:extLst>
-              <a:ext uri="{FF2B5EF4-FFF2-40B4-BE49-F238E27FC236}">
-                <a16:creationId xmlns:a16="http://schemas.microsoft.com/office/drawing/2014/main" id="{F985E5C4-9D37-60D9-17F6-129B5164828F}"/>
+          <p:cNvPr id="5122" name="Picture 2">
+            <a:extLst>
+              <a:ext uri="{FF2B5EF4-FFF2-40B4-BE49-F238E27FC236}">
+                <a16:creationId xmlns:a16="http://schemas.microsoft.com/office/drawing/2014/main" id="{2DEE42B4-789B-9372-3F69-C329F784D434}"/>
               </a:ext>
             </a:extLst>
           </p:cNvPr>
@@ -17172,8 +18948,8 @@
         </p:blipFill>
         <p:spPr bwMode="auto">
           <a:xfrm>
-            <a:off x="5334000" y="0"/>
-            <a:ext cx="6858000" cy="6858000"/>
+            <a:off x="8296376" y="658368"/>
+            <a:ext cx="3878885" cy="2770632"/>
           </a:xfrm>
           <a:prstGeom prst="rect">
             <a:avLst/>
@@ -17190,79 +18966,17 @@
           </a:extLst>
         </p:spPr>
       </p:pic>
-      <p:sp>
-        <p:nvSpPr>
-          <p:cNvPr id="5" name="Isosceles Triangle 4">
-            <a:extLst>
-              <a:ext uri="{FF2B5EF4-FFF2-40B4-BE49-F238E27FC236}">
-                <a16:creationId xmlns:a16="http://schemas.microsoft.com/office/drawing/2014/main" id="{F86664D5-9FAB-4CCB-19B1-891162FB2427}"/>
-              </a:ext>
-            </a:extLst>
-          </p:cNvPr>
-          <p:cNvSpPr/>
-          <p:nvPr/>
-        </p:nvSpPr>
-        <p:spPr>
-          <a:xfrm rot="10800000" flipH="1" flipV="1">
-            <a:off x="0" y="5724525"/>
-            <a:ext cx="4429125" cy="1133475"/>
-          </a:xfrm>
-          <a:prstGeom prst="triangle">
-            <a:avLst>
-              <a:gd name="adj" fmla="val 0"/>
-            </a:avLst>
-          </a:prstGeom>
-          <a:solidFill>
-            <a:schemeClr val="accent1">
-              <a:lumMod val="40000"/>
-              <a:lumOff val="60000"/>
-            </a:schemeClr>
-          </a:solidFill>
-          <a:ln>
-            <a:solidFill>
-              <a:schemeClr val="tx2">
-                <a:lumMod val="40000"/>
-                <a:lumOff val="60000"/>
-              </a:schemeClr>
-            </a:solidFill>
-          </a:ln>
-        </p:spPr>
-        <p:style>
-          <a:lnRef idx="2">
-            <a:schemeClr val="accent1">
-              <a:shade val="15000"/>
-            </a:schemeClr>
-          </a:lnRef>
-          <a:fillRef idx="1">
-            <a:schemeClr val="accent1"/>
-          </a:fillRef>
-          <a:effectRef idx="0">
-            <a:schemeClr val="accent1"/>
-          </a:effectRef>
-          <a:fontRef idx="minor">
-            <a:schemeClr val="lt1"/>
-          </a:fontRef>
-        </p:style>
-        <p:txBody>
-          <a:bodyPr rtlCol="0" anchor="ctr"/>
-          <a:lstStyle/>
-          <a:p>
-            <a:pPr algn="ctr"/>
-            <a:endParaRPr lang="en-US"/>
-          </a:p>
-        </p:txBody>
-      </p:sp>
       <p:pic>
         <p:nvPicPr>
-          <p:cNvPr id="6" name="Graphic 5" descr="Cloud">
-            <a:extLst>
-              <a:ext uri="{FF2B5EF4-FFF2-40B4-BE49-F238E27FC236}">
-                <a16:creationId xmlns:a16="http://schemas.microsoft.com/office/drawing/2014/main" id="{4270D769-FD10-12C0-E9FE-3025F20CC37F}"/>
+          <p:cNvPr id="5124" name="Picture 4">
+            <a:extLst>
+              <a:ext uri="{FF2B5EF4-FFF2-40B4-BE49-F238E27FC236}">
+                <a16:creationId xmlns:a16="http://schemas.microsoft.com/office/drawing/2014/main" id="{A2801838-E9FB-D6EE-622D-C62E2C36E837}"/>
               </a:ext>
             </a:extLst>
           </p:cNvPr>
           <p:cNvPicPr>
-            <a:picLocks noChangeAspect="1"/>
+            <a:picLocks noChangeAspect="1" noChangeArrowheads="1"/>
           </p:cNvPicPr>
           <p:nvPr/>
         </p:nvPicPr>
@@ -17272,29 +18986,131 @@
               <a:ext uri="{28A0092B-C50C-407E-A947-70E740481C1C}">
                 <a14:useLocalDpi xmlns:a14="http://schemas.microsoft.com/office/drawing/2010/main" val="0"/>
               </a:ext>
-              <a:ext uri="{96DAC541-7B7A-43D3-8B79-37D633B846F1}">
-                <asvg:svgBlip xmlns:asvg="http://schemas.microsoft.com/office/drawing/2016/SVG/main" r:embed="rId4"/>
-              </a:ext>
             </a:extLst>
           </a:blip>
+          <a:srcRect/>
           <a:stretch>
             <a:fillRect/>
           </a:stretch>
         </p:blipFill>
-        <p:spPr>
+        <p:spPr bwMode="auto">
           <a:xfrm>
-            <a:off x="76200" y="5724525"/>
-            <a:ext cx="1333500" cy="1333500"/>
+            <a:off x="4410175" y="658368"/>
+            <a:ext cx="3878884" cy="2770632"/>
           </a:xfrm>
           <a:prstGeom prst="rect">
             <a:avLst/>
           </a:prstGeom>
+          <a:noFill/>
+          <a:extLst>
+            <a:ext uri="{909E8E84-426E-40DD-AFC4-6F175D3DCCD1}">
+              <a14:hiddenFill xmlns:a14="http://schemas.microsoft.com/office/drawing/2010/main">
+                <a:solidFill>
+                  <a:srgbClr val="FFFFFF"/>
+                </a:solidFill>
+              </a14:hiddenFill>
+            </a:ext>
+          </a:extLst>
+        </p:spPr>
+      </p:pic>
+      <p:pic>
+        <p:nvPicPr>
+          <p:cNvPr id="5126" name="Picture 6">
+            <a:extLst>
+              <a:ext uri="{FF2B5EF4-FFF2-40B4-BE49-F238E27FC236}">
+                <a16:creationId xmlns:a16="http://schemas.microsoft.com/office/drawing/2014/main" id="{BCB25C9C-FFB9-8CB0-FECF-2D69CBA78A78}"/>
+              </a:ext>
+            </a:extLst>
+          </p:cNvPr>
+          <p:cNvPicPr>
+            <a:picLocks noChangeAspect="1" noChangeArrowheads="1"/>
+          </p:cNvPicPr>
+          <p:nvPr/>
+        </p:nvPicPr>
+        <p:blipFill>
+          <a:blip r:embed="rId4">
+            <a:extLst>
+              <a:ext uri="{28A0092B-C50C-407E-A947-70E740481C1C}">
+                <a14:useLocalDpi xmlns:a14="http://schemas.microsoft.com/office/drawing/2010/main" val="0"/>
+              </a:ext>
+            </a:extLst>
+          </a:blip>
+          <a:srcRect/>
+          <a:stretch>
+            <a:fillRect/>
+          </a:stretch>
+        </p:blipFill>
+        <p:spPr bwMode="auto">
+          <a:xfrm>
+            <a:off x="4410175" y="3629478"/>
+            <a:ext cx="3878884" cy="2770632"/>
+          </a:xfrm>
+          <a:prstGeom prst="rect">
+            <a:avLst/>
+          </a:prstGeom>
+          <a:noFill/>
+          <a:extLst>
+            <a:ext uri="{909E8E84-426E-40DD-AFC4-6F175D3DCCD1}">
+              <a14:hiddenFill xmlns:a14="http://schemas.microsoft.com/office/drawing/2010/main">
+                <a:solidFill>
+                  <a:srgbClr val="FFFFFF"/>
+                </a:solidFill>
+              </a14:hiddenFill>
+            </a:ext>
+          </a:extLst>
+        </p:spPr>
+      </p:pic>
+      <p:pic>
+        <p:nvPicPr>
+          <p:cNvPr id="5128" name="Picture 8">
+            <a:extLst>
+              <a:ext uri="{FF2B5EF4-FFF2-40B4-BE49-F238E27FC236}">
+                <a16:creationId xmlns:a16="http://schemas.microsoft.com/office/drawing/2014/main" id="{095B4E71-41C6-C2D8-5E11-F195EA3396DC}"/>
+              </a:ext>
+            </a:extLst>
+          </p:cNvPr>
+          <p:cNvPicPr>
+            <a:picLocks noChangeAspect="1" noChangeArrowheads="1"/>
+          </p:cNvPicPr>
+          <p:nvPr/>
+        </p:nvPicPr>
+        <p:blipFill>
+          <a:blip r:embed="rId5">
+            <a:extLst>
+              <a:ext uri="{28A0092B-C50C-407E-A947-70E740481C1C}">
+                <a14:useLocalDpi xmlns:a14="http://schemas.microsoft.com/office/drawing/2010/main" val="0"/>
+              </a:ext>
+            </a:extLst>
+          </a:blip>
+          <a:srcRect/>
+          <a:stretch>
+            <a:fillRect/>
+          </a:stretch>
+        </p:blipFill>
+        <p:spPr bwMode="auto">
+          <a:xfrm>
+            <a:off x="8296376" y="3629478"/>
+            <a:ext cx="3878885" cy="2770632"/>
+          </a:xfrm>
+          <a:prstGeom prst="rect">
+            <a:avLst/>
+          </a:prstGeom>
+          <a:noFill/>
+          <a:extLst>
+            <a:ext uri="{909E8E84-426E-40DD-AFC4-6F175D3DCCD1}">
+              <a14:hiddenFill xmlns:a14="http://schemas.microsoft.com/office/drawing/2010/main">
+                <a:solidFill>
+                  <a:srgbClr val="FFFFFF"/>
+                </a:solidFill>
+              </a14:hiddenFill>
+            </a:ext>
+          </a:extLst>
         </p:spPr>
       </p:pic>
     </p:spTree>
     <p:extLst>
       <p:ext uri="{BB962C8B-B14F-4D97-AF65-F5344CB8AC3E}">
-        <p14:creationId xmlns:p14="http://schemas.microsoft.com/office/powerpoint/2010/main" val="3574429441"/>
+        <p14:creationId xmlns:p14="http://schemas.microsoft.com/office/powerpoint/2010/main" val="2077059429"/>
       </p:ext>
     </p:extLst>
   </p:cSld>
@@ -17390,7 +19206,7 @@
                   </a:schemeClr>
                 </a:solidFill>
               </a:rPr>
-              <a:t>Part 2: Continuous Variables </a:t>
+              <a:t>Part 2: Continuous Variables</a:t>
             </a:r>
           </a:p>
         </p:txBody>
@@ -17410,7 +19226,7 @@
         <p:spPr>
           <a:xfrm>
             <a:off x="838200" y="2324100"/>
-            <a:ext cx="3962400" cy="4555093"/>
+            <a:ext cx="3962400" cy="3370153"/>
           </a:xfrm>
           <a:prstGeom prst="rect">
             <a:avLst/>
@@ -17431,22 +19247,13 @@
               <a:buChar char="•"/>
             </a:pPr>
             <a:r>
-              <a:rPr lang="en-US" b="0" i="1" dirty="0">
+              <a:rPr lang="en-US" b="0" dirty="0">
                 <a:solidFill>
                   <a:srgbClr val="333333"/>
                 </a:solidFill>
                 <a:effectLst/>
               </a:rPr>
-              <a:t>Age:</a:t>
-            </a:r>
-            <a:r>
-              <a:rPr lang="en-US" b="0" i="0" dirty="0">
-                <a:solidFill>
-                  <a:srgbClr val="333333"/>
-                </a:solidFill>
-                <a:effectLst/>
-              </a:rPr>
-              <a:t> Satisfied customers tend to be older than neutral or dissatisfied customers.</a:t>
+              <a:t>Flight distance and both delay variables share strongly right-skewed distributions.</a:t>
             </a:r>
           </a:p>
           <a:p>
@@ -17458,22 +19265,13 @@
               <a:buChar char="•"/>
             </a:pPr>
             <a:r>
-              <a:rPr lang="en-US" b="0" i="1" dirty="0">
+              <a:rPr lang="en-US" b="0" dirty="0">
                 <a:solidFill>
                   <a:srgbClr val="333333"/>
                 </a:solidFill>
                 <a:effectLst/>
               </a:rPr>
-              <a:t>Flight Distance:</a:t>
-            </a:r>
-            <a:r>
-              <a:rPr lang="en-US" b="0" i="0" dirty="0">
-                <a:solidFill>
-                  <a:srgbClr val="333333"/>
-                </a:solidFill>
-                <a:effectLst/>
-              </a:rPr>
-              <a:t> Satisfied customers, on average, seem to travel longer distances.</a:t>
+              <a:t>Respondent age, as we would expect, more closely approximates a normal distribution.</a:t>
             </a:r>
           </a:p>
           <a:p>
@@ -17485,50 +19283,19 @@
               <a:buChar char="•"/>
             </a:pPr>
             <a:r>
-              <a:rPr lang="en-US" b="0" i="1" dirty="0">
+              <a:rPr lang="en-US" dirty="0">
                 <a:solidFill>
                   <a:srgbClr val="333333"/>
                 </a:solidFill>
-                <a:effectLst/>
               </a:rPr>
-              <a:t>Departure Delay in Minutes:</a:t>
-            </a:r>
-            <a:r>
-              <a:rPr lang="en-US" b="0" i="0" dirty="0">
-                <a:solidFill>
-                  <a:srgbClr val="333333"/>
-                </a:solidFill>
-                <a:effectLst/>
-              </a:rPr>
-              <a:t> Flights with higher departure delays tend to have slightly more neutral or dissatisfied customers.</a:t>
-            </a:r>
-          </a:p>
-          <a:p>
-            <a:pPr marL="285750" indent="-285750" algn="l">
-              <a:spcAft>
-                <a:spcPts val="600"/>
-              </a:spcAft>
-              <a:buFont typeface="Arial" panose="020B0604020202020204" pitchFamily="34" charset="0"/>
-              <a:buChar char="•"/>
-            </a:pPr>
-            <a:r>
-              <a:rPr lang="en-US" b="0" i="1" dirty="0">
-                <a:solidFill>
-                  <a:srgbClr val="333333"/>
-                </a:solidFill>
-                <a:effectLst/>
-              </a:rPr>
-              <a:t>Arrival Delay in Minutes:</a:t>
-            </a:r>
-            <a:r>
-              <a:rPr lang="en-US" b="0" i="0" dirty="0">
-                <a:solidFill>
-                  <a:srgbClr val="333333"/>
-                </a:solidFill>
-                <a:effectLst/>
-              </a:rPr>
-              <a:t> Similarly, flights with higher arrival delays tend to have slightly more neutral or dissatisfied customers.</a:t>
-            </a:r>
+              <a:t>Depending on their relationship with the dependent variable, these variables may need to be transformed.</a:t>
+            </a:r>
+            <a:endParaRPr lang="en-US" b="0" dirty="0">
+              <a:solidFill>
+                <a:srgbClr val="333333"/>
+              </a:solidFill>
+              <a:effectLst/>
+            </a:endParaRPr>
           </a:p>
           <a:p>
             <a:pPr marL="285750" indent="-285750">
@@ -17544,10 +19311,10 @@
       </p:sp>
       <p:pic>
         <p:nvPicPr>
-          <p:cNvPr id="4098" name="Picture 2">
-            <a:extLst>
-              <a:ext uri="{FF2B5EF4-FFF2-40B4-BE49-F238E27FC236}">
-                <a16:creationId xmlns:a16="http://schemas.microsoft.com/office/drawing/2014/main" id="{A61F418E-074F-A5CE-8915-13CBE4A3686E}"/>
+          <p:cNvPr id="3074" name="Picture 2">
+            <a:extLst>
+              <a:ext uri="{FF2B5EF4-FFF2-40B4-BE49-F238E27FC236}">
+                <a16:creationId xmlns:a16="http://schemas.microsoft.com/office/drawing/2014/main" id="{F985E5C4-9D37-60D9-17F6-129B5164828F}"/>
               </a:ext>
             </a:extLst>
           </p:cNvPr>
@@ -17589,10 +19356,111 @@
           </a:extLst>
         </p:spPr>
       </p:pic>
+      <p:sp>
+        <p:nvSpPr>
+          <p:cNvPr id="5" name="Isosceles Triangle 4">
+            <a:extLst>
+              <a:ext uri="{FF2B5EF4-FFF2-40B4-BE49-F238E27FC236}">
+                <a16:creationId xmlns:a16="http://schemas.microsoft.com/office/drawing/2014/main" id="{F86664D5-9FAB-4CCB-19B1-891162FB2427}"/>
+              </a:ext>
+            </a:extLst>
+          </p:cNvPr>
+          <p:cNvSpPr/>
+          <p:nvPr/>
+        </p:nvSpPr>
+        <p:spPr>
+          <a:xfrm rot="10800000" flipH="1" flipV="1">
+            <a:off x="0" y="5724525"/>
+            <a:ext cx="4429125" cy="1133475"/>
+          </a:xfrm>
+          <a:prstGeom prst="triangle">
+            <a:avLst>
+              <a:gd name="adj" fmla="val 0"/>
+            </a:avLst>
+          </a:prstGeom>
+          <a:solidFill>
+            <a:schemeClr val="accent1">
+              <a:lumMod val="40000"/>
+              <a:lumOff val="60000"/>
+            </a:schemeClr>
+          </a:solidFill>
+          <a:ln>
+            <a:solidFill>
+              <a:schemeClr val="tx2">
+                <a:lumMod val="40000"/>
+                <a:lumOff val="60000"/>
+              </a:schemeClr>
+            </a:solidFill>
+          </a:ln>
+        </p:spPr>
+        <p:style>
+          <a:lnRef idx="2">
+            <a:schemeClr val="accent1">
+              <a:shade val="15000"/>
+            </a:schemeClr>
+          </a:lnRef>
+          <a:fillRef idx="1">
+            <a:schemeClr val="accent1"/>
+          </a:fillRef>
+          <a:effectRef idx="0">
+            <a:schemeClr val="accent1"/>
+          </a:effectRef>
+          <a:fontRef idx="minor">
+            <a:schemeClr val="lt1"/>
+          </a:fontRef>
+        </p:style>
+        <p:txBody>
+          <a:bodyPr rtlCol="0" anchor="ctr"/>
+          <a:lstStyle/>
+          <a:p>
+            <a:pPr algn="ctr"/>
+            <a:endParaRPr lang="en-US"/>
+          </a:p>
+        </p:txBody>
+      </p:sp>
+      <p:pic>
+        <p:nvPicPr>
+          <p:cNvPr id="6" name="Graphic 5" descr="Cloud">
+            <a:extLst>
+              <a:ext uri="{FF2B5EF4-FFF2-40B4-BE49-F238E27FC236}">
+                <a16:creationId xmlns:a16="http://schemas.microsoft.com/office/drawing/2014/main" id="{4270D769-FD10-12C0-E9FE-3025F20CC37F}"/>
+              </a:ext>
+            </a:extLst>
+          </p:cNvPr>
+          <p:cNvPicPr>
+            <a:picLocks noChangeAspect="1"/>
+          </p:cNvPicPr>
+          <p:nvPr/>
+        </p:nvPicPr>
+        <p:blipFill>
+          <a:blip r:embed="rId3">
+            <a:extLst>
+              <a:ext uri="{28A0092B-C50C-407E-A947-70E740481C1C}">
+                <a14:useLocalDpi xmlns:a14="http://schemas.microsoft.com/office/drawing/2010/main" val="0"/>
+              </a:ext>
+              <a:ext uri="{96DAC541-7B7A-43D3-8B79-37D633B846F1}">
+                <asvg:svgBlip xmlns:asvg="http://schemas.microsoft.com/office/drawing/2016/SVG/main" r:embed="rId4"/>
+              </a:ext>
+            </a:extLst>
+          </a:blip>
+          <a:stretch>
+            <a:fillRect/>
+          </a:stretch>
+        </p:blipFill>
+        <p:spPr>
+          <a:xfrm>
+            <a:off x="76200" y="5724525"/>
+            <a:ext cx="1333500" cy="1333500"/>
+          </a:xfrm>
+          <a:prstGeom prst="rect">
+            <a:avLst/>
+          </a:prstGeom>
+        </p:spPr>
+      </p:pic>
     </p:spTree>
     <p:extLst>
       <p:ext uri="{BB962C8B-B14F-4D97-AF65-F5344CB8AC3E}">
-        <p14:creationId xmlns:p14="http://schemas.microsoft.com/office/powerpoint/2010/main" val="2064252968"/>
+        <p14:creationId xmlns:p14="http://schemas.microsoft.com/office/powerpoint/2010/main" val="3574429441"/>
       </p:ext>
     </p:extLst>
   </p:cSld>
@@ -17895,4 +19763,299 @@
     </a:ext>
   </a:extLst>
 </a:theme>
+</file>
+
+<file path=ppt/theme/theme2.xml><?xml version="1.0" encoding="utf-8"?>
+<a:theme xmlns:a="http://schemas.openxmlformats.org/drawingml/2006/main" name="Office Theme">
+  <a:themeElements>
+    <a:clrScheme name="Office">
+      <a:dk1>
+        <a:sysClr val="windowText" lastClr="000000"/>
+      </a:dk1>
+      <a:lt1>
+        <a:sysClr val="window" lastClr="FFFFFF"/>
+      </a:lt1>
+      <a:dk2>
+        <a:srgbClr val="44546A"/>
+      </a:dk2>
+      <a:lt2>
+        <a:srgbClr val="E7E6E6"/>
+      </a:lt2>
+      <a:accent1>
+        <a:srgbClr val="4472C4"/>
+      </a:accent1>
+      <a:accent2>
+        <a:srgbClr val="ED7D31"/>
+      </a:accent2>
+      <a:accent3>
+        <a:srgbClr val="A5A5A5"/>
+      </a:accent3>
+      <a:accent4>
+        <a:srgbClr val="FFC000"/>
+      </a:accent4>
+      <a:accent5>
+        <a:srgbClr val="5B9BD5"/>
+      </a:accent5>
+      <a:accent6>
+        <a:srgbClr val="70AD47"/>
+      </a:accent6>
+      <a:hlink>
+        <a:srgbClr val="0563C1"/>
+      </a:hlink>
+      <a:folHlink>
+        <a:srgbClr val="954F72"/>
+      </a:folHlink>
+    </a:clrScheme>
+    <a:fontScheme name="Office">
+      <a:majorFont>
+        <a:latin typeface="Calibri Light" panose="020F0302020204030204"/>
+        <a:ea typeface=""/>
+        <a:cs typeface=""/>
+        <a:font script="Jpan" typeface="游ゴシック Light"/>
+        <a:font script="Hang" typeface="맑은 고딕"/>
+        <a:font script="Hans" typeface="等线 Light"/>
+        <a:font script="Hant" typeface="新細明體"/>
+        <a:font script="Arab" typeface="Times New Roman"/>
+        <a:font script="Hebr" typeface="Times New Roman"/>
+        <a:font script="Thai" typeface="Angsana New"/>
+        <a:font script="Ethi" typeface="Nyala"/>
+        <a:font script="Beng" typeface="Vrinda"/>
+        <a:font script="Gujr" typeface="Shruti"/>
+        <a:font script="Khmr" typeface="MoolBoran"/>
+        <a:font script="Knda" typeface="Tunga"/>
+        <a:font script="Guru" typeface="Raavi"/>
+        <a:font script="Cans" typeface="Euphemia"/>
+        <a:font script="Cher" typeface="Plantagenet Cherokee"/>
+        <a:font script="Yiii" typeface="Microsoft Yi Baiti"/>
+        <a:font script="Tibt" typeface="Microsoft Himalaya"/>
+        <a:font script="Thaa" typeface="MV Boli"/>
+        <a:font script="Deva" typeface="Mangal"/>
+        <a:font script="Telu" typeface="Gautami"/>
+        <a:font script="Taml" typeface="Latha"/>
+        <a:font script="Syrc" typeface="Estrangelo Edessa"/>
+        <a:font script="Orya" typeface="Kalinga"/>
+        <a:font script="Mlym" typeface="Kartika"/>
+        <a:font script="Laoo" typeface="DokChampa"/>
+        <a:font script="Sinh" typeface="Iskoola Pota"/>
+        <a:font script="Mong" typeface="Mongolian Baiti"/>
+        <a:font script="Viet" typeface="Times New Roman"/>
+        <a:font script="Uigh" typeface="Microsoft Uighur"/>
+        <a:font script="Geor" typeface="Sylfaen"/>
+        <a:font script="Armn" typeface="Arial"/>
+        <a:font script="Bugi" typeface="Leelawadee UI"/>
+        <a:font script="Bopo" typeface="Microsoft JhengHei"/>
+        <a:font script="Java" typeface="Javanese Text"/>
+        <a:font script="Lisu" typeface="Segoe UI"/>
+        <a:font script="Mymr" typeface="Myanmar Text"/>
+        <a:font script="Nkoo" typeface="Ebrima"/>
+        <a:font script="Olck" typeface="Nirmala UI"/>
+        <a:font script="Osma" typeface="Ebrima"/>
+        <a:font script="Phag" typeface="Phagspa"/>
+        <a:font script="Syrn" typeface="Estrangelo Edessa"/>
+        <a:font script="Syrj" typeface="Estrangelo Edessa"/>
+        <a:font script="Syre" typeface="Estrangelo Edessa"/>
+        <a:font script="Sora" typeface="Nirmala UI"/>
+        <a:font script="Tale" typeface="Microsoft Tai Le"/>
+        <a:font script="Talu" typeface="Microsoft New Tai Lue"/>
+        <a:font script="Tfng" typeface="Ebrima"/>
+      </a:majorFont>
+      <a:minorFont>
+        <a:latin typeface="Calibri" panose="020F0502020204030204"/>
+        <a:ea typeface=""/>
+        <a:cs typeface=""/>
+        <a:font script="Jpan" typeface="游ゴシック"/>
+        <a:font script="Hang" typeface="맑은 고딕"/>
+        <a:font script="Hans" typeface="等线"/>
+        <a:font script="Hant" typeface="新細明體"/>
+        <a:font script="Arab" typeface="Arial"/>
+        <a:font script="Hebr" typeface="Arial"/>
+        <a:font script="Thai" typeface="Cordia New"/>
+        <a:font script="Ethi" typeface="Nyala"/>
+        <a:font script="Beng" typeface="Vrinda"/>
+        <a:font script="Gujr" typeface="Shruti"/>
+        <a:font script="Khmr" typeface="DaunPenh"/>
+        <a:font script="Knda" typeface="Tunga"/>
+        <a:font script="Guru" typeface="Raavi"/>
+        <a:font script="Cans" typeface="Euphemia"/>
+        <a:font script="Cher" typeface="Plantagenet Cherokee"/>
+        <a:font script="Yiii" typeface="Microsoft Yi Baiti"/>
+        <a:font script="Tibt" typeface="Microsoft Himalaya"/>
+        <a:font script="Thaa" typeface="MV Boli"/>
+        <a:font script="Deva" typeface="Mangal"/>
+        <a:font script="Telu" typeface="Gautami"/>
+        <a:font script="Taml" typeface="Latha"/>
+        <a:font script="Syrc" typeface="Estrangelo Edessa"/>
+        <a:font script="Orya" typeface="Kalinga"/>
+        <a:font script="Mlym" typeface="Kartika"/>
+        <a:font script="Laoo" typeface="DokChampa"/>
+        <a:font script="Sinh" typeface="Iskoola Pota"/>
+        <a:font script="Mong" typeface="Mongolian Baiti"/>
+        <a:font script="Viet" typeface="Arial"/>
+        <a:font script="Uigh" typeface="Microsoft Uighur"/>
+        <a:font script="Geor" typeface="Sylfaen"/>
+        <a:font script="Armn" typeface="Arial"/>
+        <a:font script="Bugi" typeface="Leelawadee UI"/>
+        <a:font script="Bopo" typeface="Microsoft JhengHei"/>
+        <a:font script="Java" typeface="Javanese Text"/>
+        <a:font script="Lisu" typeface="Segoe UI"/>
+        <a:font script="Mymr" typeface="Myanmar Text"/>
+        <a:font script="Nkoo" typeface="Ebrima"/>
+        <a:font script="Olck" typeface="Nirmala UI"/>
+        <a:font script="Osma" typeface="Ebrima"/>
+        <a:font script="Phag" typeface="Phagspa"/>
+        <a:font script="Syrn" typeface="Estrangelo Edessa"/>
+        <a:font script="Syrj" typeface="Estrangelo Edessa"/>
+        <a:font script="Syre" typeface="Estrangelo Edessa"/>
+        <a:font script="Sora" typeface="Nirmala UI"/>
+        <a:font script="Tale" typeface="Microsoft Tai Le"/>
+        <a:font script="Talu" typeface="Microsoft New Tai Lue"/>
+        <a:font script="Tfng" typeface="Ebrima"/>
+      </a:minorFont>
+    </a:fontScheme>
+    <a:fmtScheme name="Office">
+      <a:fillStyleLst>
+        <a:solidFill>
+          <a:schemeClr val="phClr"/>
+        </a:solidFill>
+        <a:gradFill rotWithShape="1">
+          <a:gsLst>
+            <a:gs pos="0">
+              <a:schemeClr val="phClr">
+                <a:lumMod val="110000"/>
+                <a:satMod val="105000"/>
+                <a:tint val="67000"/>
+              </a:schemeClr>
+            </a:gs>
+            <a:gs pos="50000">
+              <a:schemeClr val="phClr">
+                <a:lumMod val="105000"/>
+                <a:satMod val="103000"/>
+                <a:tint val="73000"/>
+              </a:schemeClr>
+            </a:gs>
+            <a:gs pos="100000">
+              <a:schemeClr val="phClr">
+                <a:lumMod val="105000"/>
+                <a:satMod val="109000"/>
+                <a:tint val="81000"/>
+              </a:schemeClr>
+            </a:gs>
+          </a:gsLst>
+          <a:lin ang="5400000" scaled="0"/>
+        </a:gradFill>
+        <a:gradFill rotWithShape="1">
+          <a:gsLst>
+            <a:gs pos="0">
+              <a:schemeClr val="phClr">
+                <a:satMod val="103000"/>
+                <a:lumMod val="102000"/>
+                <a:tint val="94000"/>
+              </a:schemeClr>
+            </a:gs>
+            <a:gs pos="50000">
+              <a:schemeClr val="phClr">
+                <a:satMod val="110000"/>
+                <a:lumMod val="100000"/>
+                <a:shade val="100000"/>
+              </a:schemeClr>
+            </a:gs>
+            <a:gs pos="100000">
+              <a:schemeClr val="phClr">
+                <a:lumMod val="99000"/>
+                <a:satMod val="120000"/>
+                <a:shade val="78000"/>
+              </a:schemeClr>
+            </a:gs>
+          </a:gsLst>
+          <a:lin ang="5400000" scaled="0"/>
+        </a:gradFill>
+      </a:fillStyleLst>
+      <a:lnStyleLst>
+        <a:ln w="6350" cap="flat" cmpd="sng" algn="ctr">
+          <a:solidFill>
+            <a:schemeClr val="phClr"/>
+          </a:solidFill>
+          <a:prstDash val="solid"/>
+          <a:miter lim="800000"/>
+        </a:ln>
+        <a:ln w="12700" cap="flat" cmpd="sng" algn="ctr">
+          <a:solidFill>
+            <a:schemeClr val="phClr"/>
+          </a:solidFill>
+          <a:prstDash val="solid"/>
+          <a:miter lim="800000"/>
+        </a:ln>
+        <a:ln w="19050" cap="flat" cmpd="sng" algn="ctr">
+          <a:solidFill>
+            <a:schemeClr val="phClr"/>
+          </a:solidFill>
+          <a:prstDash val="solid"/>
+          <a:miter lim="800000"/>
+        </a:ln>
+      </a:lnStyleLst>
+      <a:effectStyleLst>
+        <a:effectStyle>
+          <a:effectLst/>
+        </a:effectStyle>
+        <a:effectStyle>
+          <a:effectLst/>
+        </a:effectStyle>
+        <a:effectStyle>
+          <a:effectLst>
+            <a:outerShdw blurRad="57150" dist="19050" dir="5400000" algn="ctr" rotWithShape="0">
+              <a:srgbClr val="000000">
+                <a:alpha val="63000"/>
+              </a:srgbClr>
+            </a:outerShdw>
+          </a:effectLst>
+        </a:effectStyle>
+      </a:effectStyleLst>
+      <a:bgFillStyleLst>
+        <a:solidFill>
+          <a:schemeClr val="phClr"/>
+        </a:solidFill>
+        <a:solidFill>
+          <a:schemeClr val="phClr">
+            <a:tint val="95000"/>
+            <a:satMod val="170000"/>
+          </a:schemeClr>
+        </a:solidFill>
+        <a:gradFill rotWithShape="1">
+          <a:gsLst>
+            <a:gs pos="0">
+              <a:schemeClr val="phClr">
+                <a:tint val="93000"/>
+                <a:satMod val="150000"/>
+                <a:shade val="98000"/>
+                <a:lumMod val="102000"/>
+              </a:schemeClr>
+            </a:gs>
+            <a:gs pos="50000">
+              <a:schemeClr val="phClr">
+                <a:tint val="98000"/>
+                <a:satMod val="130000"/>
+                <a:shade val="90000"/>
+                <a:lumMod val="103000"/>
+              </a:schemeClr>
+            </a:gs>
+            <a:gs pos="100000">
+              <a:schemeClr val="phClr">
+                <a:shade val="63000"/>
+                <a:satMod val="120000"/>
+              </a:schemeClr>
+            </a:gs>
+          </a:gsLst>
+          <a:lin ang="5400000" scaled="0"/>
+        </a:gradFill>
+      </a:bgFillStyleLst>
+    </a:fmtScheme>
+  </a:themeElements>
+  <a:objectDefaults/>
+  <a:extraClrSchemeLst/>
+  <a:extLst>
+    <a:ext uri="{05A4C25C-085E-4340-85A3-A5531E510DB2}">
+      <thm15:themeFamily xmlns:thm15="http://schemas.microsoft.com/office/thememl/2012/main" name="Office Theme" id="{62F939B6-93AF-4DB8-9C6B-D6C7DFDC589F}" vid="{4A3C46E8-61CC-4603-A589-7422A47A8E4A}"/>
+    </a:ext>
+  </a:extLst>
+</a:theme>
 </file>